--- a/Step06-Version_Control_System_presentation.pptx
+++ b/Step06-Version_Control_System_presentation.pptx
@@ -6,7 +6,7 @@
     <p:sldMasterId id="2147483648" r:id="rId2"/>
   </p:sldMasterIdLst>
   <p:notesMasterIdLst>
-    <p:notesMasterId r:id="rId19"/>
+    <p:notesMasterId r:id="rId27"/>
   </p:notesMasterIdLst>
   <p:sldIdLst>
     <p:sldId id="302" r:id="rId3"/>
@@ -25,6 +25,14 @@
     <p:sldId id="314" r:id="rId16"/>
     <p:sldId id="315" r:id="rId17"/>
     <p:sldId id="316" r:id="rId18"/>
+    <p:sldId id="317" r:id="rId19"/>
+    <p:sldId id="318" r:id="rId20"/>
+    <p:sldId id="319" r:id="rId21"/>
+    <p:sldId id="320" r:id="rId22"/>
+    <p:sldId id="321" r:id="rId23"/>
+    <p:sldId id="322" r:id="rId24"/>
+    <p:sldId id="323" r:id="rId25"/>
+    <p:sldId id="324" r:id="rId26"/>
   </p:sldIdLst>
   <p:sldSz cx="12192000" cy="6858000"/>
   <p:notesSz cx="6858000" cy="9144000"/>
@@ -152,6 +160,14 @@
           <p14:sldIdLst>
             <p14:sldId id="315"/>
             <p14:sldId id="316"/>
+            <p14:sldId id="317"/>
+            <p14:sldId id="318"/>
+            <p14:sldId id="319"/>
+            <p14:sldId id="320"/>
+            <p14:sldId id="321"/>
+            <p14:sldId id="322"/>
+            <p14:sldId id="323"/>
+            <p14:sldId id="324"/>
           </p14:sldIdLst>
         </p14:section>
       </p14:sectionLst>
@@ -166,8 +182,7 @@
 <file path=ppt/revisionInfo.xml><?xml version="1.0" encoding="utf-8"?>
 <p1510:revInfo xmlns:a="http://schemas.openxmlformats.org/drawingml/2006/main" xmlns:r="http://schemas.openxmlformats.org/officeDocument/2006/relationships" xmlns:p1510="http://schemas.microsoft.com/office/powerpoint/2015/10/main">
   <p1510:revLst>
-    <p1510:client id="{C410F7C1-205D-4591-95F1-05C694B00F48}" v="5" dt="2024-02-01T13:15:04.927"/>
-    <p1510:client id="{CD6A1DE1-ACF9-4B80-94F3-F58CA81605B6}" v="41" dt="2024-01-31T16:36:23.744"/>
+    <p1510:client id="{C410F7C1-205D-4591-95F1-05C694B00F48}" v="7" dt="2024-02-02T10:38:22.731"/>
   </p1510:revLst>
 </p1510:revInfo>
 </file>
@@ -177,7 +192,7 @@
   <pc:docChgLst>
     <pc:chgData name="Ihor Aleksandrov" userId="c3051032-6b87-4db2-b257-777a0106fbd9" providerId="ADAL" clId="{C410F7C1-205D-4591-95F1-05C694B00F48}"/>
     <pc:docChg chg="undo redo custSel addSld delSld modSld sldOrd addSection delSection modSection">
-      <pc:chgData name="Ihor Aleksandrov" userId="c3051032-6b87-4db2-b257-777a0106fbd9" providerId="ADAL" clId="{C410F7C1-205D-4591-95F1-05C694B00F48}" dt="2024-02-01T13:25:51.913" v="119" actId="17846"/>
+      <pc:chgData name="Ihor Aleksandrov" userId="c3051032-6b87-4db2-b257-777a0106fbd9" providerId="ADAL" clId="{C410F7C1-205D-4591-95F1-05C694B00F48}" dt="2024-02-02T13:18:23.690" v="310" actId="14100"/>
       <pc:docMkLst>
         <pc:docMk/>
       </pc:docMkLst>
@@ -665,12 +680,28 @@
           </ac:spMkLst>
         </pc:spChg>
       </pc:sldChg>
-      <pc:sldChg chg="delSp add mod ord replId">
-        <pc:chgData name="Ihor Aleksandrov" userId="c3051032-6b87-4db2-b257-777a0106fbd9" providerId="ADAL" clId="{C410F7C1-205D-4591-95F1-05C694B00F48}" dt="2024-02-01T13:24:56.668" v="118" actId="478"/>
+      <pc:sldChg chg="addSp delSp modSp add mod ord replId">
+        <pc:chgData name="Ihor Aleksandrov" userId="c3051032-6b87-4db2-b257-777a0106fbd9" providerId="ADAL" clId="{C410F7C1-205D-4591-95F1-05C694B00F48}" dt="2024-02-02T11:16:12.667" v="127" actId="20577"/>
         <pc:sldMkLst>
           <pc:docMk/>
           <pc:sldMk cId="417898339" sldId="316"/>
         </pc:sldMkLst>
+        <pc:spChg chg="mod">
+          <ac:chgData name="Ihor Aleksandrov" userId="c3051032-6b87-4db2-b257-777a0106fbd9" providerId="ADAL" clId="{C410F7C1-205D-4591-95F1-05C694B00F48}" dt="2024-02-02T11:16:12.667" v="127" actId="20577"/>
+          <ac:spMkLst>
+            <pc:docMk/>
+            <pc:sldMk cId="417898339" sldId="316"/>
+            <ac:spMk id="2" creationId="{53C5D828-9666-E312-B574-9FE965A7D6BE}"/>
+          </ac:spMkLst>
+        </pc:spChg>
+        <pc:picChg chg="add del">
+          <ac:chgData name="Ihor Aleksandrov" userId="c3051032-6b87-4db2-b257-777a0106fbd9" providerId="ADAL" clId="{C410F7C1-205D-4591-95F1-05C694B00F48}" dt="2024-02-02T10:38:22.731" v="121"/>
+          <ac:picMkLst>
+            <pc:docMk/>
+            <pc:sldMk cId="417898339" sldId="316"/>
+            <ac:picMk id="4" creationId="{3F75A88A-3264-0210-98B6-DCA69FFCEF98}"/>
+          </ac:picMkLst>
+        </pc:picChg>
         <pc:picChg chg="del">
           <ac:chgData name="Ihor Aleksandrov" userId="c3051032-6b87-4db2-b257-777a0106fbd9" providerId="ADAL" clId="{C410F7C1-205D-4591-95F1-05C694B00F48}" dt="2024-02-01T13:24:56.668" v="118" actId="478"/>
           <ac:picMkLst>
@@ -679,6 +710,14 @@
             <ac:picMk id="4" creationId="{92907877-90FB-5BAD-BBDC-D0209540D5C3}"/>
           </ac:picMkLst>
         </pc:picChg>
+        <pc:picChg chg="add mod">
+          <ac:chgData name="Ihor Aleksandrov" userId="c3051032-6b87-4db2-b257-777a0106fbd9" providerId="ADAL" clId="{C410F7C1-205D-4591-95F1-05C694B00F48}" dt="2024-02-02T10:38:58.956" v="124" actId="1076"/>
+          <ac:picMkLst>
+            <pc:docMk/>
+            <pc:sldMk cId="417898339" sldId="316"/>
+            <ac:picMk id="6" creationId="{0C9E6090-2EB5-167B-69B1-29BC280B19FF}"/>
+          </ac:picMkLst>
+        </pc:picChg>
       </pc:sldChg>
       <pc:sldChg chg="del">
         <pc:chgData name="Ihor Aleksandrov" userId="c3051032-6b87-4db2-b257-777a0106fbd9" providerId="ADAL" clId="{C410F7C1-205D-4591-95F1-05C694B00F48}" dt="2024-02-01T12:41:36.061" v="8" actId="2696"/>
@@ -694,6 +733,37 @@
           <pc:sldMk cId="356788772" sldId="317"/>
         </pc:sldMkLst>
       </pc:sldChg>
+      <pc:sldChg chg="addSp delSp modSp add mod">
+        <pc:chgData name="Ihor Aleksandrov" userId="c3051032-6b87-4db2-b257-777a0106fbd9" providerId="ADAL" clId="{C410F7C1-205D-4591-95F1-05C694B00F48}" dt="2024-02-02T11:20:38.327" v="156" actId="20577"/>
+        <pc:sldMkLst>
+          <pc:docMk/>
+          <pc:sldMk cId="2689025171" sldId="317"/>
+        </pc:sldMkLst>
+        <pc:spChg chg="mod">
+          <ac:chgData name="Ihor Aleksandrov" userId="c3051032-6b87-4db2-b257-777a0106fbd9" providerId="ADAL" clId="{C410F7C1-205D-4591-95F1-05C694B00F48}" dt="2024-02-02T11:20:38.327" v="156" actId="20577"/>
+          <ac:spMkLst>
+            <pc:docMk/>
+            <pc:sldMk cId="2689025171" sldId="317"/>
+            <ac:spMk id="2" creationId="{53C5D828-9666-E312-B574-9FE965A7D6BE}"/>
+          </ac:spMkLst>
+        </pc:spChg>
+        <pc:picChg chg="add mod">
+          <ac:chgData name="Ihor Aleksandrov" userId="c3051032-6b87-4db2-b257-777a0106fbd9" providerId="ADAL" clId="{C410F7C1-205D-4591-95F1-05C694B00F48}" dt="2024-02-02T11:19:07.746" v="149" actId="1076"/>
+          <ac:picMkLst>
+            <pc:docMk/>
+            <pc:sldMk cId="2689025171" sldId="317"/>
+            <ac:picMk id="5" creationId="{323F2EC2-F203-FEDB-F7E0-AE9C8F083AFF}"/>
+          </ac:picMkLst>
+        </pc:picChg>
+        <pc:picChg chg="del">
+          <ac:chgData name="Ihor Aleksandrov" userId="c3051032-6b87-4db2-b257-777a0106fbd9" providerId="ADAL" clId="{C410F7C1-205D-4591-95F1-05C694B00F48}" dt="2024-02-02T11:17:50.119" v="141" actId="478"/>
+          <ac:picMkLst>
+            <pc:docMk/>
+            <pc:sldMk cId="2689025171" sldId="317"/>
+            <ac:picMk id="6" creationId="{0C9E6090-2EB5-167B-69B1-29BC280B19FF}"/>
+          </ac:picMkLst>
+        </pc:picChg>
+      </pc:sldChg>
       <pc:sldChg chg="del">
         <pc:chgData name="Ihor Aleksandrov" userId="c3051032-6b87-4db2-b257-777a0106fbd9" providerId="ADAL" clId="{C410F7C1-205D-4591-95F1-05C694B00F48}" dt="2024-02-01T12:41:36.061" v="8" actId="2696"/>
         <pc:sldMkLst>
@@ -701,6 +771,84 @@
           <pc:sldMk cId="2690505772" sldId="318"/>
         </pc:sldMkLst>
       </pc:sldChg>
+      <pc:sldChg chg="addSp delSp modSp add mod">
+        <pc:chgData name="Ihor Aleksandrov" userId="c3051032-6b87-4db2-b257-777a0106fbd9" providerId="ADAL" clId="{C410F7C1-205D-4591-95F1-05C694B00F48}" dt="2024-02-02T12:52:38.052" v="190" actId="1076"/>
+        <pc:sldMkLst>
+          <pc:docMk/>
+          <pc:sldMk cId="3962432003" sldId="318"/>
+        </pc:sldMkLst>
+        <pc:spChg chg="mod">
+          <ac:chgData name="Ihor Aleksandrov" userId="c3051032-6b87-4db2-b257-777a0106fbd9" providerId="ADAL" clId="{C410F7C1-205D-4591-95F1-05C694B00F48}" dt="2024-02-02T11:26:06.624" v="180" actId="20577"/>
+          <ac:spMkLst>
+            <pc:docMk/>
+            <pc:sldMk cId="3962432003" sldId="318"/>
+            <ac:spMk id="2" creationId="{53C5D828-9666-E312-B574-9FE965A7D6BE}"/>
+          </ac:spMkLst>
+        </pc:spChg>
+        <pc:picChg chg="del">
+          <ac:chgData name="Ihor Aleksandrov" userId="c3051032-6b87-4db2-b257-777a0106fbd9" providerId="ADAL" clId="{C410F7C1-205D-4591-95F1-05C694B00F48}" dt="2024-02-02T11:26:09.859" v="181" actId="478"/>
+          <ac:picMkLst>
+            <pc:docMk/>
+            <pc:sldMk cId="3962432003" sldId="318"/>
+            <ac:picMk id="5" creationId="{323F2EC2-F203-FEDB-F7E0-AE9C8F083AFF}"/>
+          </ac:picMkLst>
+        </pc:picChg>
+        <pc:picChg chg="add mod">
+          <ac:chgData name="Ihor Aleksandrov" userId="c3051032-6b87-4db2-b257-777a0106fbd9" providerId="ADAL" clId="{C410F7C1-205D-4591-95F1-05C694B00F48}" dt="2024-02-02T12:51:40.823" v="185" actId="1076"/>
+          <ac:picMkLst>
+            <pc:docMk/>
+            <pc:sldMk cId="3962432003" sldId="318"/>
+            <ac:picMk id="6" creationId="{6CE0DC01-884F-14E9-19A9-BFE03913D4A5}"/>
+          </ac:picMkLst>
+        </pc:picChg>
+        <pc:picChg chg="add mod">
+          <ac:chgData name="Ihor Aleksandrov" userId="c3051032-6b87-4db2-b257-777a0106fbd9" providerId="ADAL" clId="{C410F7C1-205D-4591-95F1-05C694B00F48}" dt="2024-02-02T12:52:38.052" v="190" actId="1076"/>
+          <ac:picMkLst>
+            <pc:docMk/>
+            <pc:sldMk cId="3962432003" sldId="318"/>
+            <ac:picMk id="8" creationId="{E4C6AC16-EBCB-F04F-FB78-E9853A14796C}"/>
+          </ac:picMkLst>
+        </pc:picChg>
+      </pc:sldChg>
+      <pc:sldChg chg="addSp delSp modSp add mod">
+        <pc:chgData name="Ihor Aleksandrov" userId="c3051032-6b87-4db2-b257-777a0106fbd9" providerId="ADAL" clId="{C410F7C1-205D-4591-95F1-05C694B00F48}" dt="2024-02-02T12:56:08.952" v="223" actId="11529"/>
+        <pc:sldMkLst>
+          <pc:docMk/>
+          <pc:sldMk cId="1453833506" sldId="319"/>
+        </pc:sldMkLst>
+        <pc:spChg chg="mod">
+          <ac:chgData name="Ihor Aleksandrov" userId="c3051032-6b87-4db2-b257-777a0106fbd9" providerId="ADAL" clId="{C410F7C1-205D-4591-95F1-05C694B00F48}" dt="2024-02-02T12:55:12.965" v="220" actId="20577"/>
+          <ac:spMkLst>
+            <pc:docMk/>
+            <pc:sldMk cId="1453833506" sldId="319"/>
+            <ac:spMk id="2" creationId="{53C5D828-9666-E312-B574-9FE965A7D6BE}"/>
+          </ac:spMkLst>
+        </pc:spChg>
+        <pc:spChg chg="add">
+          <ac:chgData name="Ihor Aleksandrov" userId="c3051032-6b87-4db2-b257-777a0106fbd9" providerId="ADAL" clId="{C410F7C1-205D-4591-95F1-05C694B00F48}" dt="2024-02-02T12:56:08.952" v="223" actId="11529"/>
+          <ac:spMkLst>
+            <pc:docMk/>
+            <pc:sldMk cId="1453833506" sldId="319"/>
+            <ac:spMk id="4" creationId="{107D3FF3-BFCA-F26A-7DC8-E1A5C69CE255}"/>
+          </ac:spMkLst>
+        </pc:spChg>
+        <pc:picChg chg="del">
+          <ac:chgData name="Ihor Aleksandrov" userId="c3051032-6b87-4db2-b257-777a0106fbd9" providerId="ADAL" clId="{C410F7C1-205D-4591-95F1-05C694B00F48}" dt="2024-02-02T12:55:14.695" v="221" actId="478"/>
+          <ac:picMkLst>
+            <pc:docMk/>
+            <pc:sldMk cId="1453833506" sldId="319"/>
+            <ac:picMk id="6" creationId="{6CE0DC01-884F-14E9-19A9-BFE03913D4A5}"/>
+          </ac:picMkLst>
+        </pc:picChg>
+        <pc:picChg chg="del">
+          <ac:chgData name="Ihor Aleksandrov" userId="c3051032-6b87-4db2-b257-777a0106fbd9" providerId="ADAL" clId="{C410F7C1-205D-4591-95F1-05C694B00F48}" dt="2024-02-02T12:55:16.619" v="222" actId="478"/>
+          <ac:picMkLst>
+            <pc:docMk/>
+            <pc:sldMk cId="1453833506" sldId="319"/>
+            <ac:picMk id="8" creationId="{E4C6AC16-EBCB-F04F-FB78-E9853A14796C}"/>
+          </ac:picMkLst>
+        </pc:picChg>
+      </pc:sldChg>
       <pc:sldChg chg="del">
         <pc:chgData name="Ihor Aleksandrov" userId="c3051032-6b87-4db2-b257-777a0106fbd9" providerId="ADAL" clId="{C410F7C1-205D-4591-95F1-05C694B00F48}" dt="2024-02-01T12:41:36.061" v="8" actId="2696"/>
         <pc:sldMkLst>
@@ -715,6 +863,36 @@
           <pc:sldMk cId="955539517" sldId="320"/>
         </pc:sldMkLst>
       </pc:sldChg>
+      <pc:sldChg chg="modSp add mod">
+        <pc:chgData name="Ihor Aleksandrov" userId="c3051032-6b87-4db2-b257-777a0106fbd9" providerId="ADAL" clId="{C410F7C1-205D-4591-95F1-05C694B00F48}" dt="2024-02-02T13:04:06.781" v="233" actId="20577"/>
+        <pc:sldMkLst>
+          <pc:docMk/>
+          <pc:sldMk cId="4046445197" sldId="320"/>
+        </pc:sldMkLst>
+        <pc:spChg chg="mod">
+          <ac:chgData name="Ihor Aleksandrov" userId="c3051032-6b87-4db2-b257-777a0106fbd9" providerId="ADAL" clId="{C410F7C1-205D-4591-95F1-05C694B00F48}" dt="2024-02-02T13:04:06.781" v="233" actId="20577"/>
+          <ac:spMkLst>
+            <pc:docMk/>
+            <pc:sldMk cId="4046445197" sldId="320"/>
+            <ac:spMk id="2" creationId="{53C5D828-9666-E312-B574-9FE965A7D6BE}"/>
+          </ac:spMkLst>
+        </pc:spChg>
+      </pc:sldChg>
+      <pc:sldChg chg="modSp add mod">
+        <pc:chgData name="Ihor Aleksandrov" userId="c3051032-6b87-4db2-b257-777a0106fbd9" providerId="ADAL" clId="{C410F7C1-205D-4591-95F1-05C694B00F48}" dt="2024-02-02T13:07:51.693" v="253" actId="20577"/>
+        <pc:sldMkLst>
+          <pc:docMk/>
+          <pc:sldMk cId="332551928" sldId="321"/>
+        </pc:sldMkLst>
+        <pc:spChg chg="mod">
+          <ac:chgData name="Ihor Aleksandrov" userId="c3051032-6b87-4db2-b257-777a0106fbd9" providerId="ADAL" clId="{C410F7C1-205D-4591-95F1-05C694B00F48}" dt="2024-02-02T13:07:51.693" v="253" actId="20577"/>
+          <ac:spMkLst>
+            <pc:docMk/>
+            <pc:sldMk cId="332551928" sldId="321"/>
+            <ac:spMk id="2" creationId="{53C5D828-9666-E312-B574-9FE965A7D6BE}"/>
+          </ac:spMkLst>
+        </pc:spChg>
+      </pc:sldChg>
       <pc:sldChg chg="del">
         <pc:chgData name="Ihor Aleksandrov" userId="c3051032-6b87-4db2-b257-777a0106fbd9" providerId="ADAL" clId="{C410F7C1-205D-4591-95F1-05C694B00F48}" dt="2024-02-01T12:41:36.061" v="8" actId="2696"/>
         <pc:sldMkLst>
@@ -722,6 +900,45 @@
           <pc:sldMk cId="3974958853" sldId="321"/>
         </pc:sldMkLst>
       </pc:sldChg>
+      <pc:sldChg chg="addSp delSp modSp add mod">
+        <pc:chgData name="Ihor Aleksandrov" userId="c3051032-6b87-4db2-b257-777a0106fbd9" providerId="ADAL" clId="{C410F7C1-205D-4591-95F1-05C694B00F48}" dt="2024-02-02T13:11:30.064" v="269" actId="1076"/>
+        <pc:sldMkLst>
+          <pc:docMk/>
+          <pc:sldMk cId="256048852" sldId="322"/>
+        </pc:sldMkLst>
+        <pc:spChg chg="mod">
+          <ac:chgData name="Ihor Aleksandrov" userId="c3051032-6b87-4db2-b257-777a0106fbd9" providerId="ADAL" clId="{C410F7C1-205D-4591-95F1-05C694B00F48}" dt="2024-02-02T13:10:12.450" v="262" actId="20577"/>
+          <ac:spMkLst>
+            <pc:docMk/>
+            <pc:sldMk cId="256048852" sldId="322"/>
+            <ac:spMk id="2" creationId="{53C5D828-9666-E312-B574-9FE965A7D6BE}"/>
+          </ac:spMkLst>
+        </pc:spChg>
+        <pc:spChg chg="del">
+          <ac:chgData name="Ihor Aleksandrov" userId="c3051032-6b87-4db2-b257-777a0106fbd9" providerId="ADAL" clId="{C410F7C1-205D-4591-95F1-05C694B00F48}" dt="2024-02-02T13:10:17.500" v="263" actId="478"/>
+          <ac:spMkLst>
+            <pc:docMk/>
+            <pc:sldMk cId="256048852" sldId="322"/>
+            <ac:spMk id="4" creationId="{107D3FF3-BFCA-F26A-7DC8-E1A5C69CE255}"/>
+          </ac:spMkLst>
+        </pc:spChg>
+        <pc:picChg chg="add mod">
+          <ac:chgData name="Ihor Aleksandrov" userId="c3051032-6b87-4db2-b257-777a0106fbd9" providerId="ADAL" clId="{C410F7C1-205D-4591-95F1-05C694B00F48}" dt="2024-02-02T13:10:46.078" v="266" actId="1076"/>
+          <ac:picMkLst>
+            <pc:docMk/>
+            <pc:sldMk cId="256048852" sldId="322"/>
+            <ac:picMk id="6" creationId="{540496AA-0B24-0040-9F44-BAFA2FCB0BAA}"/>
+          </ac:picMkLst>
+        </pc:picChg>
+        <pc:picChg chg="add mod">
+          <ac:chgData name="Ihor Aleksandrov" userId="c3051032-6b87-4db2-b257-777a0106fbd9" providerId="ADAL" clId="{C410F7C1-205D-4591-95F1-05C694B00F48}" dt="2024-02-02T13:11:30.064" v="269" actId="1076"/>
+          <ac:picMkLst>
+            <pc:docMk/>
+            <pc:sldMk cId="256048852" sldId="322"/>
+            <ac:picMk id="8" creationId="{658C3F76-54EF-576F-9F63-72AC8DC29881}"/>
+          </ac:picMkLst>
+        </pc:picChg>
+      </pc:sldChg>
       <pc:sldChg chg="del">
         <pc:chgData name="Ihor Aleksandrov" userId="c3051032-6b87-4db2-b257-777a0106fbd9" providerId="ADAL" clId="{C410F7C1-205D-4591-95F1-05C694B00F48}" dt="2024-02-01T12:41:36.061" v="8" actId="2696"/>
         <pc:sldMkLst>
@@ -735,6 +952,36 @@
           <pc:docMk/>
           <pc:sldMk cId="816537371" sldId="323"/>
         </pc:sldMkLst>
+      </pc:sldChg>
+      <pc:sldChg chg="modSp add mod ord">
+        <pc:chgData name="Ihor Aleksandrov" userId="c3051032-6b87-4db2-b257-777a0106fbd9" providerId="ADAL" clId="{C410F7C1-205D-4591-95F1-05C694B00F48}" dt="2024-02-02T13:16:46.348" v="293" actId="20577"/>
+        <pc:sldMkLst>
+          <pc:docMk/>
+          <pc:sldMk cId="1857131316" sldId="323"/>
+        </pc:sldMkLst>
+        <pc:spChg chg="mod">
+          <ac:chgData name="Ihor Aleksandrov" userId="c3051032-6b87-4db2-b257-777a0106fbd9" providerId="ADAL" clId="{C410F7C1-205D-4591-95F1-05C694B00F48}" dt="2024-02-02T13:16:46.348" v="293" actId="20577"/>
+          <ac:spMkLst>
+            <pc:docMk/>
+            <pc:sldMk cId="1857131316" sldId="323"/>
+            <ac:spMk id="2" creationId="{53C5D828-9666-E312-B574-9FE965A7D6BE}"/>
+          </ac:spMkLst>
+        </pc:spChg>
+      </pc:sldChg>
+      <pc:sldChg chg="modSp add mod">
+        <pc:chgData name="Ihor Aleksandrov" userId="c3051032-6b87-4db2-b257-777a0106fbd9" providerId="ADAL" clId="{C410F7C1-205D-4591-95F1-05C694B00F48}" dt="2024-02-02T13:18:23.690" v="310" actId="14100"/>
+        <pc:sldMkLst>
+          <pc:docMk/>
+          <pc:sldMk cId="1026488598" sldId="324"/>
+        </pc:sldMkLst>
+        <pc:spChg chg="mod">
+          <ac:chgData name="Ihor Aleksandrov" userId="c3051032-6b87-4db2-b257-777a0106fbd9" providerId="ADAL" clId="{C410F7C1-205D-4591-95F1-05C694B00F48}" dt="2024-02-02T13:18:23.690" v="310" actId="14100"/>
+          <ac:spMkLst>
+            <pc:docMk/>
+            <pc:sldMk cId="1026488598" sldId="324"/>
+            <ac:spMk id="2" creationId="{53C5D828-9666-E312-B574-9FE965A7D6BE}"/>
+          </ac:spMkLst>
+        </pc:spChg>
       </pc:sldChg>
       <pc:sldChg chg="del">
         <pc:chgData name="Ihor Aleksandrov" userId="c3051032-6b87-4db2-b257-777a0106fbd9" providerId="ADAL" clId="{C410F7C1-205D-4591-95F1-05C694B00F48}" dt="2024-02-01T12:41:36.061" v="8" actId="2696"/>
@@ -7978,7 +8225,7 @@
           <a:p>
             <a:fld id="{14FB1113-EC1E-4052-ADC3-711A8186C8F9}" type="datetimeFigureOut">
               <a:rPr lang="ru-UA" smtClean="0"/>
-              <a:t>01.02.2024</a:t>
+              <a:t>02.02.2024</a:t>
             </a:fld>
             <a:endParaRPr lang="ru-UA"/>
           </a:p>
@@ -8395,7 +8642,7 @@
           <a:p>
             <a:fld id="{0B8962EF-F649-4BF0-B0CB-D71423952154}" type="datetime1">
               <a:rPr lang="ru-UA" smtClean="0"/>
-              <a:t>01.02.2024</a:t>
+              <a:t>02.02.2024</a:t>
             </a:fld>
             <a:endParaRPr lang="ru-UA"/>
           </a:p>
@@ -8599,7 +8846,7 @@
           <a:p>
             <a:fld id="{52B04991-4203-48C2-B120-290746D8BC41}" type="datetime1">
               <a:rPr lang="ru-UA" smtClean="0"/>
-              <a:t>01.02.2024</a:t>
+              <a:t>02.02.2024</a:t>
             </a:fld>
             <a:endParaRPr lang="ru-UA"/>
           </a:p>
@@ -8813,7 +9060,7 @@
           <a:p>
             <a:fld id="{207AB121-CB86-4DCF-9E3D-2A0553392796}" type="datetime1">
               <a:rPr lang="ru-UA" smtClean="0"/>
-              <a:t>01.02.2024</a:t>
+              <a:t>02.02.2024</a:t>
             </a:fld>
             <a:endParaRPr lang="ru-UA"/>
           </a:p>
@@ -9017,7 +9264,7 @@
           <a:p>
             <a:fld id="{8467C913-2051-48A1-86F2-D1DABB2E6F13}" type="datetime1">
               <a:rPr lang="ru-UA" smtClean="0"/>
-              <a:t>01.02.2024</a:t>
+              <a:t>02.02.2024</a:t>
             </a:fld>
             <a:endParaRPr lang="ru-UA"/>
           </a:p>
@@ -9243,7 +9490,7 @@
           <a:p>
             <a:fld id="{C75B975F-BA21-4E1C-99B6-ABED30F89540}" type="datetime1">
               <a:rPr lang="ru-UA" smtClean="0"/>
-              <a:t>01.02.2024</a:t>
+              <a:t>02.02.2024</a:t>
             </a:fld>
             <a:endParaRPr lang="ru-UA"/>
           </a:p>
@@ -9447,7 +9694,7 @@
           <a:p>
             <a:fld id="{649A85F2-FE43-4F23-9D2D-558360D289A8}" type="datetime1">
               <a:rPr lang="ru-UA" smtClean="0"/>
-              <a:t>01.02.2024</a:t>
+              <a:t>02.02.2024</a:t>
             </a:fld>
             <a:endParaRPr lang="ru-UA"/>
           </a:p>
@@ -9727,7 +9974,7 @@
           <a:p>
             <a:fld id="{3C823F1E-25D4-4C19-9C16-57D27B598CE0}" type="datetime1">
               <a:rPr lang="ru-UA" smtClean="0"/>
-              <a:t>01.02.2024</a:t>
+              <a:t>02.02.2024</a:t>
             </a:fld>
             <a:endParaRPr lang="ru-UA"/>
           </a:p>
@@ -9999,7 +10246,7 @@
           <a:p>
             <a:fld id="{0FCE2DAB-FCC6-443D-91B5-F43A7B78C6B9}" type="datetime1">
               <a:rPr lang="ru-UA" smtClean="0"/>
-              <a:t>01.02.2024</a:t>
+              <a:t>02.02.2024</a:t>
             </a:fld>
             <a:endParaRPr lang="ru-UA"/>
           </a:p>
@@ -10418,7 +10665,7 @@
           <a:p>
             <a:fld id="{B647925C-949E-4C3F-B87F-94A502A4557F}" type="datetime1">
               <a:rPr lang="ru-UA" smtClean="0"/>
-              <a:t>01.02.2024</a:t>
+              <a:t>02.02.2024</a:t>
             </a:fld>
             <a:endParaRPr lang="ru-UA"/>
           </a:p>
@@ -10564,7 +10811,7 @@
           <a:p>
             <a:fld id="{9CE8CD01-0F29-4954-897C-1CC212183DBB}" type="datetime1">
               <a:rPr lang="ru-UA" smtClean="0"/>
-              <a:t>01.02.2024</a:t>
+              <a:t>02.02.2024</a:t>
             </a:fld>
             <a:endParaRPr lang="ru-UA"/>
           </a:p>
@@ -10681,7 +10928,7 @@
           <a:p>
             <a:fld id="{150095DC-0E76-47E5-A99D-2467BE30280E}" type="datetime1">
               <a:rPr lang="ru-UA" smtClean="0"/>
-              <a:t>01.02.2024</a:t>
+              <a:t>02.02.2024</a:t>
             </a:fld>
             <a:endParaRPr lang="ru-UA"/>
           </a:p>
@@ -10998,7 +11245,7 @@
           <a:p>
             <a:fld id="{CC7126BF-809C-4659-95F5-CCF148063973}" type="datetime1">
               <a:rPr lang="ru-UA" smtClean="0"/>
-              <a:t>01.02.2024</a:t>
+              <a:t>02.02.2024</a:t>
             </a:fld>
             <a:endParaRPr lang="ru-UA"/>
           </a:p>
@@ -11291,7 +11538,7 @@
           <a:p>
             <a:fld id="{D2EFC65D-56A3-455E-BFA5-3848A656380B}" type="datetime1">
               <a:rPr lang="ru-UA" smtClean="0"/>
-              <a:t>01.02.2024</a:t>
+              <a:t>02.02.2024</a:t>
             </a:fld>
             <a:endParaRPr lang="ru-UA"/>
           </a:p>
@@ -11538,7 +11785,7 @@
           <a:p>
             <a:fld id="{5E1B79E6-2B08-45F0-89F7-F914E581FDE2}" type="datetime1">
               <a:rPr lang="ru-UA" smtClean="0"/>
-              <a:t>01.02.2024</a:t>
+              <a:t>02.02.2024</a:t>
             </a:fld>
             <a:endParaRPr lang="ru-UA"/>
           </a:p>
@@ -12113,7 +12360,7 @@
           <a:p>
             <a:fld id="{50344D1B-5235-486F-A999-CD74520911B6}" type="datetime1">
               <a:rPr lang="ru-UA" smtClean="0"/>
-              <a:t>01.02.2024</a:t>
+              <a:t>02.02.2024</a:t>
             </a:fld>
             <a:endParaRPr lang="ru-UA"/>
           </a:p>
@@ -14263,7 +14510,26 @@
                 <a:ea typeface="+mj-ea"/>
                 <a:cs typeface="+mj-cs"/>
               </a:rPr>
-              <a:t>What is it?</a:t>
+              <a:t>What is </a:t>
+            </a:r>
+            <a:r>
+              <a:rPr lang="en-US" sz="3600" dirty="0">
+                <a:solidFill>
+                  <a:srgbClr val="FFFFFF"/>
+                </a:solidFill>
+              </a:rPr>
+              <a:t>G</a:t>
+            </a:r>
+            <a:r>
+              <a:rPr lang="en-US" sz="3600" kern="1200" dirty="0">
+                <a:solidFill>
+                  <a:srgbClr val="FFFFFF"/>
+                </a:solidFill>
+                <a:latin typeface="+mj-lt"/>
+                <a:ea typeface="+mj-ea"/>
+                <a:cs typeface="+mj-cs"/>
+              </a:rPr>
+              <a:t>it?</a:t>
             </a:r>
           </a:p>
         </p:txBody>
@@ -14297,10 +14563,707 @@
           </a:p>
         </p:txBody>
       </p:sp>
+      <p:pic>
+        <p:nvPicPr>
+          <p:cNvPr id="6" name="Picture 5">
+            <a:extLst>
+              <a:ext uri="{FF2B5EF4-FFF2-40B4-BE49-F238E27FC236}">
+                <a16:creationId xmlns:a16="http://schemas.microsoft.com/office/drawing/2014/main" id="{0C9E6090-2EB5-167B-69B1-29BC280B19FF}"/>
+              </a:ext>
+            </a:extLst>
+          </p:cNvPr>
+          <p:cNvPicPr>
+            <a:picLocks noChangeAspect="1"/>
+          </p:cNvPicPr>
+          <p:nvPr/>
+        </p:nvPicPr>
+        <p:blipFill>
+          <a:blip r:embed="rId2"/>
+          <a:stretch>
+            <a:fillRect/>
+          </a:stretch>
+        </p:blipFill>
+        <p:spPr>
+          <a:xfrm>
+            <a:off x="4360397" y="1882427"/>
+            <a:ext cx="7023965" cy="2716934"/>
+          </a:xfrm>
+          <a:prstGeom prst="rect">
+            <a:avLst/>
+          </a:prstGeom>
+        </p:spPr>
+      </p:pic>
     </p:spTree>
     <p:extLst>
       <p:ext uri="{BB962C8B-B14F-4D97-AF65-F5344CB8AC3E}">
         <p14:creationId xmlns:p14="http://schemas.microsoft.com/office/powerpoint/2010/main" val="417898339"/>
+      </p:ext>
+    </p:extLst>
+  </p:cSld>
+  <p:clrMapOvr>
+    <a:masterClrMapping/>
+  </p:clrMapOvr>
+</p:sld>
+</file>
+
+<file path=ppt/slides/slide17.xml><?xml version="1.0" encoding="utf-8"?>
+<p:sld xmlns:a="http://schemas.openxmlformats.org/drawingml/2006/main" xmlns:r="http://schemas.openxmlformats.org/officeDocument/2006/relationships" xmlns:p="http://schemas.openxmlformats.org/presentationml/2006/main">
+  <p:cSld>
+    <p:bg>
+      <p:bgPr>
+        <a:solidFill>
+          <a:schemeClr val="bg1"/>
+        </a:solidFill>
+        <a:effectLst/>
+      </p:bgPr>
+    </p:bg>
+    <p:spTree>
+      <p:nvGrpSpPr>
+        <p:cNvPr id="1" name=""/>
+        <p:cNvGrpSpPr/>
+        <p:nvPr/>
+      </p:nvGrpSpPr>
+      <p:grpSpPr>
+        <a:xfrm>
+          <a:off x="0" y="0"/>
+          <a:ext cx="0" cy="0"/>
+          <a:chOff x="0" y="0"/>
+          <a:chExt cx="0" cy="0"/>
+        </a:xfrm>
+      </p:grpSpPr>
+      <p:sp>
+        <p:nvSpPr>
+          <p:cNvPr id="24" name="Down Arrow 7">
+            <a:extLst>
+              <a:ext uri="{FF2B5EF4-FFF2-40B4-BE49-F238E27FC236}">
+                <a16:creationId xmlns:a16="http://schemas.microsoft.com/office/drawing/2014/main" id="{D4771268-CB57-404A-9271-370EB28F6090}"/>
+              </a:ext>
+              <a:ext uri="{C183D7F6-B498-43B3-948B-1728B52AA6E4}">
+                <adec:decorative xmlns:adec="http://schemas.microsoft.com/office/drawing/2017/decorative" val="1"/>
+              </a:ext>
+            </a:extLst>
+          </p:cNvPr>
+          <p:cNvSpPr>
+            <a:spLocks noGrp="1" noRot="1" noChangeAspect="1" noMove="1" noResize="1" noEditPoints="1" noAdjustHandles="1" noChangeArrowheads="1" noChangeShapeType="1" noTextEdit="1"/>
+          </p:cNvSpPr>
+          <p:nvPr>
+            <p:extLst>
+              <p:ext uri="{386F3935-93C4-4BCD-93E2-E3B085C9AB24}">
+                <p16:designElem xmlns:p16="http://schemas.microsoft.com/office/powerpoint/2015/main" val="1"/>
+              </p:ext>
+            </p:extLst>
+          </p:nvPr>
+        </p:nvSpPr>
+        <p:spPr>
+          <a:xfrm rot="16200000">
+            <a:off x="800100" y="1491343"/>
+            <a:ext cx="3333749" cy="3499103"/>
+          </a:xfrm>
+          <a:prstGeom prst="downArrow">
+            <a:avLst>
+              <a:gd name="adj1" fmla="val 100000"/>
+              <a:gd name="adj2" fmla="val 15788"/>
+            </a:avLst>
+          </a:prstGeom>
+          <a:solidFill>
+            <a:srgbClr val="404040"/>
+          </a:solidFill>
+          <a:ln w="53975">
+            <a:noFill/>
+          </a:ln>
+        </p:spPr>
+        <p:style>
+          <a:lnRef idx="2">
+            <a:schemeClr val="accent1">
+              <a:shade val="50000"/>
+            </a:schemeClr>
+          </a:lnRef>
+          <a:fillRef idx="1">
+            <a:schemeClr val="accent1"/>
+          </a:fillRef>
+          <a:effectRef idx="0">
+            <a:schemeClr val="accent1"/>
+          </a:effectRef>
+          <a:fontRef idx="minor">
+            <a:schemeClr val="lt1"/>
+          </a:fontRef>
+        </p:style>
+        <p:txBody>
+          <a:bodyPr rtlCol="0" anchor="ctr"/>
+          <a:lstStyle/>
+          <a:p>
+            <a:pPr algn="ctr"/>
+            <a:endParaRPr lang="en-US"/>
+          </a:p>
+        </p:txBody>
+      </p:sp>
+      <p:sp>
+        <p:nvSpPr>
+          <p:cNvPr id="2" name="Title 1">
+            <a:extLst>
+              <a:ext uri="{FF2B5EF4-FFF2-40B4-BE49-F238E27FC236}">
+                <a16:creationId xmlns:a16="http://schemas.microsoft.com/office/drawing/2014/main" id="{53C5D828-9666-E312-B574-9FE965A7D6BE}"/>
+              </a:ext>
+            </a:extLst>
+          </p:cNvPr>
+          <p:cNvSpPr>
+            <a:spLocks noGrp="1"/>
+          </p:cNvSpPr>
+          <p:nvPr>
+            <p:ph type="title"/>
+          </p:nvPr>
+        </p:nvSpPr>
+        <p:spPr>
+          <a:xfrm>
+            <a:off x="889000" y="1967266"/>
+            <a:ext cx="2768600" cy="2547257"/>
+          </a:xfrm>
+          <a:noFill/>
+        </p:spPr>
+        <p:txBody>
+          <a:bodyPr vert="horz" lIns="91440" tIns="45720" rIns="91440" bIns="45720" rtlCol="0" anchor="ctr">
+            <a:normAutofit/>
+          </a:bodyPr>
+          <a:lstStyle/>
+          <a:p>
+            <a:pPr algn="ctr"/>
+            <a:r>
+              <a:rPr lang="en-US" sz="3600" kern="1200" dirty="0">
+                <a:solidFill>
+                  <a:srgbClr val="FFFFFF"/>
+                </a:solidFill>
+                <a:latin typeface="+mj-lt"/>
+                <a:ea typeface="+mj-ea"/>
+                <a:cs typeface="+mj-cs"/>
+              </a:rPr>
+              <a:t>Introduction: Git Repository Structure</a:t>
+            </a:r>
+          </a:p>
+        </p:txBody>
+      </p:sp>
+      <p:sp>
+        <p:nvSpPr>
+          <p:cNvPr id="3" name="Footer Placeholder 2">
+            <a:extLst>
+              <a:ext uri="{FF2B5EF4-FFF2-40B4-BE49-F238E27FC236}">
+                <a16:creationId xmlns:a16="http://schemas.microsoft.com/office/drawing/2014/main" id="{5AA19FA0-A765-8169-03F1-928E3EF7B595}"/>
+              </a:ext>
+            </a:extLst>
+          </p:cNvPr>
+          <p:cNvSpPr>
+            <a:spLocks noGrp="1"/>
+          </p:cNvSpPr>
+          <p:nvPr>
+            <p:ph type="ftr" sz="quarter" idx="11"/>
+          </p:nvPr>
+        </p:nvSpPr>
+        <p:spPr/>
+        <p:txBody>
+          <a:bodyPr/>
+          <a:lstStyle/>
+          <a:p>
+            <a:r>
+              <a:rPr lang="es-ES"/>
+              <a:t>Step 1 - Model - ver. 1</a:t>
+            </a:r>
+            <a:endParaRPr lang="ru-UA"/>
+          </a:p>
+        </p:txBody>
+      </p:sp>
+      <p:pic>
+        <p:nvPicPr>
+          <p:cNvPr id="5" name="Picture 4">
+            <a:extLst>
+              <a:ext uri="{FF2B5EF4-FFF2-40B4-BE49-F238E27FC236}">
+                <a16:creationId xmlns:a16="http://schemas.microsoft.com/office/drawing/2014/main" id="{323F2EC2-F203-FEDB-F7E0-AE9C8F083AFF}"/>
+              </a:ext>
+            </a:extLst>
+          </p:cNvPr>
+          <p:cNvPicPr>
+            <a:picLocks noChangeAspect="1"/>
+          </p:cNvPicPr>
+          <p:nvPr/>
+        </p:nvPicPr>
+        <p:blipFill>
+          <a:blip r:embed="rId2"/>
+          <a:stretch>
+            <a:fillRect/>
+          </a:stretch>
+        </p:blipFill>
+        <p:spPr>
+          <a:xfrm>
+            <a:off x="4388104" y="2230660"/>
+            <a:ext cx="7434795" cy="2161230"/>
+          </a:xfrm>
+          <a:prstGeom prst="rect">
+            <a:avLst/>
+          </a:prstGeom>
+        </p:spPr>
+      </p:pic>
+    </p:spTree>
+    <p:extLst>
+      <p:ext uri="{BB962C8B-B14F-4D97-AF65-F5344CB8AC3E}">
+        <p14:creationId xmlns:p14="http://schemas.microsoft.com/office/powerpoint/2010/main" val="2689025171"/>
+      </p:ext>
+    </p:extLst>
+  </p:cSld>
+  <p:clrMapOvr>
+    <a:masterClrMapping/>
+  </p:clrMapOvr>
+</p:sld>
+</file>
+
+<file path=ppt/slides/slide18.xml><?xml version="1.0" encoding="utf-8"?>
+<p:sld xmlns:a="http://schemas.openxmlformats.org/drawingml/2006/main" xmlns:r="http://schemas.openxmlformats.org/officeDocument/2006/relationships" xmlns:p="http://schemas.openxmlformats.org/presentationml/2006/main">
+  <p:cSld>
+    <p:bg>
+      <p:bgPr>
+        <a:solidFill>
+          <a:schemeClr val="bg1"/>
+        </a:solidFill>
+        <a:effectLst/>
+      </p:bgPr>
+    </p:bg>
+    <p:spTree>
+      <p:nvGrpSpPr>
+        <p:cNvPr id="1" name=""/>
+        <p:cNvGrpSpPr/>
+        <p:nvPr/>
+      </p:nvGrpSpPr>
+      <p:grpSpPr>
+        <a:xfrm>
+          <a:off x="0" y="0"/>
+          <a:ext cx="0" cy="0"/>
+          <a:chOff x="0" y="0"/>
+          <a:chExt cx="0" cy="0"/>
+        </a:xfrm>
+      </p:grpSpPr>
+      <p:sp>
+        <p:nvSpPr>
+          <p:cNvPr id="24" name="Down Arrow 7">
+            <a:extLst>
+              <a:ext uri="{FF2B5EF4-FFF2-40B4-BE49-F238E27FC236}">
+                <a16:creationId xmlns:a16="http://schemas.microsoft.com/office/drawing/2014/main" id="{D4771268-CB57-404A-9271-370EB28F6090}"/>
+              </a:ext>
+              <a:ext uri="{C183D7F6-B498-43B3-948B-1728B52AA6E4}">
+                <adec:decorative xmlns:adec="http://schemas.microsoft.com/office/drawing/2017/decorative" val="1"/>
+              </a:ext>
+            </a:extLst>
+          </p:cNvPr>
+          <p:cNvSpPr>
+            <a:spLocks noGrp="1" noRot="1" noChangeAspect="1" noMove="1" noResize="1" noEditPoints="1" noAdjustHandles="1" noChangeArrowheads="1" noChangeShapeType="1" noTextEdit="1"/>
+          </p:cNvSpPr>
+          <p:nvPr>
+            <p:extLst>
+              <p:ext uri="{386F3935-93C4-4BCD-93E2-E3B085C9AB24}">
+                <p16:designElem xmlns:p16="http://schemas.microsoft.com/office/powerpoint/2015/main" val="1"/>
+              </p:ext>
+            </p:extLst>
+          </p:nvPr>
+        </p:nvSpPr>
+        <p:spPr>
+          <a:xfrm rot="16200000">
+            <a:off x="800100" y="1491343"/>
+            <a:ext cx="3333749" cy="3499103"/>
+          </a:xfrm>
+          <a:prstGeom prst="downArrow">
+            <a:avLst>
+              <a:gd name="adj1" fmla="val 100000"/>
+              <a:gd name="adj2" fmla="val 15788"/>
+            </a:avLst>
+          </a:prstGeom>
+          <a:solidFill>
+            <a:srgbClr val="404040"/>
+          </a:solidFill>
+          <a:ln w="53975">
+            <a:noFill/>
+          </a:ln>
+        </p:spPr>
+        <p:style>
+          <a:lnRef idx="2">
+            <a:schemeClr val="accent1">
+              <a:shade val="50000"/>
+            </a:schemeClr>
+          </a:lnRef>
+          <a:fillRef idx="1">
+            <a:schemeClr val="accent1"/>
+          </a:fillRef>
+          <a:effectRef idx="0">
+            <a:schemeClr val="accent1"/>
+          </a:effectRef>
+          <a:fontRef idx="minor">
+            <a:schemeClr val="lt1"/>
+          </a:fontRef>
+        </p:style>
+        <p:txBody>
+          <a:bodyPr rtlCol="0" anchor="ctr"/>
+          <a:lstStyle/>
+          <a:p>
+            <a:pPr algn="ctr"/>
+            <a:endParaRPr lang="en-US"/>
+          </a:p>
+        </p:txBody>
+      </p:sp>
+      <p:sp>
+        <p:nvSpPr>
+          <p:cNvPr id="2" name="Title 1">
+            <a:extLst>
+              <a:ext uri="{FF2B5EF4-FFF2-40B4-BE49-F238E27FC236}">
+                <a16:creationId xmlns:a16="http://schemas.microsoft.com/office/drawing/2014/main" id="{53C5D828-9666-E312-B574-9FE965A7D6BE}"/>
+              </a:ext>
+            </a:extLst>
+          </p:cNvPr>
+          <p:cNvSpPr>
+            <a:spLocks noGrp="1"/>
+          </p:cNvSpPr>
+          <p:nvPr>
+            <p:ph type="title"/>
+          </p:nvPr>
+        </p:nvSpPr>
+        <p:spPr>
+          <a:xfrm>
+            <a:off x="889000" y="1967266"/>
+            <a:ext cx="2768600" cy="2547257"/>
+          </a:xfrm>
+          <a:noFill/>
+        </p:spPr>
+        <p:txBody>
+          <a:bodyPr vert="horz" lIns="91440" tIns="45720" rIns="91440" bIns="45720" rtlCol="0" anchor="ctr">
+            <a:normAutofit/>
+          </a:bodyPr>
+          <a:lstStyle/>
+          <a:p>
+            <a:pPr algn="ctr"/>
+            <a:r>
+              <a:rPr lang="en-US" sz="3600" kern="1200" dirty="0">
+                <a:solidFill>
+                  <a:srgbClr val="FFFFFF"/>
+                </a:solidFill>
+                <a:latin typeface="+mj-lt"/>
+                <a:ea typeface="+mj-ea"/>
+                <a:cs typeface="+mj-cs"/>
+              </a:rPr>
+              <a:t>Git:  Install and config</a:t>
+            </a:r>
+          </a:p>
+        </p:txBody>
+      </p:sp>
+      <p:sp>
+        <p:nvSpPr>
+          <p:cNvPr id="3" name="Footer Placeholder 2">
+            <a:extLst>
+              <a:ext uri="{FF2B5EF4-FFF2-40B4-BE49-F238E27FC236}">
+                <a16:creationId xmlns:a16="http://schemas.microsoft.com/office/drawing/2014/main" id="{5AA19FA0-A765-8169-03F1-928E3EF7B595}"/>
+              </a:ext>
+            </a:extLst>
+          </p:cNvPr>
+          <p:cNvSpPr>
+            <a:spLocks noGrp="1"/>
+          </p:cNvSpPr>
+          <p:nvPr>
+            <p:ph type="ftr" sz="quarter" idx="11"/>
+          </p:nvPr>
+        </p:nvSpPr>
+        <p:spPr/>
+        <p:txBody>
+          <a:bodyPr/>
+          <a:lstStyle/>
+          <a:p>
+            <a:r>
+              <a:rPr lang="es-ES"/>
+              <a:t>Step 1 - Model - ver. 1</a:t>
+            </a:r>
+            <a:endParaRPr lang="ru-UA"/>
+          </a:p>
+        </p:txBody>
+      </p:sp>
+      <p:pic>
+        <p:nvPicPr>
+          <p:cNvPr id="6" name="Picture 5">
+            <a:extLst>
+              <a:ext uri="{FF2B5EF4-FFF2-40B4-BE49-F238E27FC236}">
+                <a16:creationId xmlns:a16="http://schemas.microsoft.com/office/drawing/2014/main" id="{6CE0DC01-884F-14E9-19A9-BFE03913D4A5}"/>
+              </a:ext>
+            </a:extLst>
+          </p:cNvPr>
+          <p:cNvPicPr>
+            <a:picLocks noChangeAspect="1"/>
+          </p:cNvPicPr>
+          <p:nvPr/>
+        </p:nvPicPr>
+        <p:blipFill>
+          <a:blip r:embed="rId2"/>
+          <a:stretch>
+            <a:fillRect/>
+          </a:stretch>
+        </p:blipFill>
+        <p:spPr>
+          <a:xfrm>
+            <a:off x="5083714" y="702815"/>
+            <a:ext cx="5852444" cy="3650772"/>
+          </a:xfrm>
+          <a:prstGeom prst="rect">
+            <a:avLst/>
+          </a:prstGeom>
+        </p:spPr>
+      </p:pic>
+      <p:pic>
+        <p:nvPicPr>
+          <p:cNvPr id="8" name="Picture 7">
+            <a:extLst>
+              <a:ext uri="{FF2B5EF4-FFF2-40B4-BE49-F238E27FC236}">
+                <a16:creationId xmlns:a16="http://schemas.microsoft.com/office/drawing/2014/main" id="{E4C6AC16-EBCB-F04F-FB78-E9853A14796C}"/>
+              </a:ext>
+            </a:extLst>
+          </p:cNvPr>
+          <p:cNvPicPr>
+            <a:picLocks noChangeAspect="1"/>
+          </p:cNvPicPr>
+          <p:nvPr/>
+        </p:nvPicPr>
+        <p:blipFill>
+          <a:blip r:embed="rId3"/>
+          <a:stretch>
+            <a:fillRect/>
+          </a:stretch>
+        </p:blipFill>
+        <p:spPr>
+          <a:xfrm>
+            <a:off x="5830477" y="4614243"/>
+            <a:ext cx="4358917" cy="898746"/>
+          </a:xfrm>
+          <a:prstGeom prst="rect">
+            <a:avLst/>
+          </a:prstGeom>
+        </p:spPr>
+      </p:pic>
+    </p:spTree>
+    <p:extLst>
+      <p:ext uri="{BB962C8B-B14F-4D97-AF65-F5344CB8AC3E}">
+        <p14:creationId xmlns:p14="http://schemas.microsoft.com/office/powerpoint/2010/main" val="3962432003"/>
+      </p:ext>
+    </p:extLst>
+  </p:cSld>
+  <p:clrMapOvr>
+    <a:masterClrMapping/>
+  </p:clrMapOvr>
+</p:sld>
+</file>
+
+<file path=ppt/slides/slide19.xml><?xml version="1.0" encoding="utf-8"?>
+<p:sld xmlns:a="http://schemas.openxmlformats.org/drawingml/2006/main" xmlns:r="http://schemas.openxmlformats.org/officeDocument/2006/relationships" xmlns:p="http://schemas.openxmlformats.org/presentationml/2006/main">
+  <p:cSld>
+    <p:bg>
+      <p:bgPr>
+        <a:solidFill>
+          <a:schemeClr val="bg1"/>
+        </a:solidFill>
+        <a:effectLst/>
+      </p:bgPr>
+    </p:bg>
+    <p:spTree>
+      <p:nvGrpSpPr>
+        <p:cNvPr id="1" name=""/>
+        <p:cNvGrpSpPr/>
+        <p:nvPr/>
+      </p:nvGrpSpPr>
+      <p:grpSpPr>
+        <a:xfrm>
+          <a:off x="0" y="0"/>
+          <a:ext cx="0" cy="0"/>
+          <a:chOff x="0" y="0"/>
+          <a:chExt cx="0" cy="0"/>
+        </a:xfrm>
+      </p:grpSpPr>
+      <p:sp>
+        <p:nvSpPr>
+          <p:cNvPr id="24" name="Down Arrow 7">
+            <a:extLst>
+              <a:ext uri="{FF2B5EF4-FFF2-40B4-BE49-F238E27FC236}">
+                <a16:creationId xmlns:a16="http://schemas.microsoft.com/office/drawing/2014/main" id="{D4771268-CB57-404A-9271-370EB28F6090}"/>
+              </a:ext>
+              <a:ext uri="{C183D7F6-B498-43B3-948B-1728B52AA6E4}">
+                <adec:decorative xmlns:adec="http://schemas.microsoft.com/office/drawing/2017/decorative" val="1"/>
+              </a:ext>
+            </a:extLst>
+          </p:cNvPr>
+          <p:cNvSpPr>
+            <a:spLocks noGrp="1" noRot="1" noChangeAspect="1" noMove="1" noResize="1" noEditPoints="1" noAdjustHandles="1" noChangeArrowheads="1" noChangeShapeType="1" noTextEdit="1"/>
+          </p:cNvSpPr>
+          <p:nvPr>
+            <p:extLst>
+              <p:ext uri="{386F3935-93C4-4BCD-93E2-E3B085C9AB24}">
+                <p16:designElem xmlns:p16="http://schemas.microsoft.com/office/powerpoint/2015/main" val="1"/>
+              </p:ext>
+            </p:extLst>
+          </p:nvPr>
+        </p:nvSpPr>
+        <p:spPr>
+          <a:xfrm rot="16200000">
+            <a:off x="800100" y="1491343"/>
+            <a:ext cx="3333749" cy="3499103"/>
+          </a:xfrm>
+          <a:prstGeom prst="downArrow">
+            <a:avLst>
+              <a:gd name="adj1" fmla="val 100000"/>
+              <a:gd name="adj2" fmla="val 15788"/>
+            </a:avLst>
+          </a:prstGeom>
+          <a:solidFill>
+            <a:srgbClr val="404040"/>
+          </a:solidFill>
+          <a:ln w="53975">
+            <a:noFill/>
+          </a:ln>
+        </p:spPr>
+        <p:style>
+          <a:lnRef idx="2">
+            <a:schemeClr val="accent1">
+              <a:shade val="50000"/>
+            </a:schemeClr>
+          </a:lnRef>
+          <a:fillRef idx="1">
+            <a:schemeClr val="accent1"/>
+          </a:fillRef>
+          <a:effectRef idx="0">
+            <a:schemeClr val="accent1"/>
+          </a:effectRef>
+          <a:fontRef idx="minor">
+            <a:schemeClr val="lt1"/>
+          </a:fontRef>
+        </p:style>
+        <p:txBody>
+          <a:bodyPr rtlCol="0" anchor="ctr"/>
+          <a:lstStyle/>
+          <a:p>
+            <a:pPr algn="ctr"/>
+            <a:endParaRPr lang="en-US"/>
+          </a:p>
+        </p:txBody>
+      </p:sp>
+      <p:sp>
+        <p:nvSpPr>
+          <p:cNvPr id="2" name="Title 1">
+            <a:extLst>
+              <a:ext uri="{FF2B5EF4-FFF2-40B4-BE49-F238E27FC236}">
+                <a16:creationId xmlns:a16="http://schemas.microsoft.com/office/drawing/2014/main" id="{53C5D828-9666-E312-B574-9FE965A7D6BE}"/>
+              </a:ext>
+            </a:extLst>
+          </p:cNvPr>
+          <p:cNvSpPr>
+            <a:spLocks noGrp="1"/>
+          </p:cNvSpPr>
+          <p:nvPr>
+            <p:ph type="title"/>
+          </p:nvPr>
+        </p:nvSpPr>
+        <p:spPr>
+          <a:xfrm>
+            <a:off x="889000" y="1967266"/>
+            <a:ext cx="2768600" cy="2547257"/>
+          </a:xfrm>
+          <a:noFill/>
+        </p:spPr>
+        <p:txBody>
+          <a:bodyPr vert="horz" lIns="91440" tIns="45720" rIns="91440" bIns="45720" rtlCol="0" anchor="ctr">
+            <a:normAutofit/>
+          </a:bodyPr>
+          <a:lstStyle/>
+          <a:p>
+            <a:pPr algn="ctr"/>
+            <a:r>
+              <a:rPr lang="en-US" sz="3600" kern="1200" dirty="0">
+                <a:solidFill>
+                  <a:srgbClr val="FFFFFF"/>
+                </a:solidFill>
+                <a:latin typeface="+mj-lt"/>
+                <a:ea typeface="+mj-ea"/>
+                <a:cs typeface="+mj-cs"/>
+              </a:rPr>
+              <a:t>Git: Basic commands</a:t>
+            </a:r>
+          </a:p>
+        </p:txBody>
+      </p:sp>
+      <p:sp>
+        <p:nvSpPr>
+          <p:cNvPr id="3" name="Footer Placeholder 2">
+            <a:extLst>
+              <a:ext uri="{FF2B5EF4-FFF2-40B4-BE49-F238E27FC236}">
+                <a16:creationId xmlns:a16="http://schemas.microsoft.com/office/drawing/2014/main" id="{5AA19FA0-A765-8169-03F1-928E3EF7B595}"/>
+              </a:ext>
+            </a:extLst>
+          </p:cNvPr>
+          <p:cNvSpPr>
+            <a:spLocks noGrp="1"/>
+          </p:cNvSpPr>
+          <p:nvPr>
+            <p:ph type="ftr" sz="quarter" idx="11"/>
+          </p:nvPr>
+        </p:nvSpPr>
+        <p:spPr/>
+        <p:txBody>
+          <a:bodyPr/>
+          <a:lstStyle/>
+          <a:p>
+            <a:r>
+              <a:rPr lang="es-ES"/>
+              <a:t>Step 1 - Model - ver. 1</a:t>
+            </a:r>
+            <a:endParaRPr lang="ru-UA"/>
+          </a:p>
+        </p:txBody>
+      </p:sp>
+      <p:sp>
+        <p:nvSpPr>
+          <p:cNvPr id="4" name="Rectangle 3">
+            <a:extLst>
+              <a:ext uri="{FF2B5EF4-FFF2-40B4-BE49-F238E27FC236}">
+                <a16:creationId xmlns:a16="http://schemas.microsoft.com/office/drawing/2014/main" id="{107D3FF3-BFCA-F26A-7DC8-E1A5C69CE255}"/>
+              </a:ext>
+            </a:extLst>
+          </p:cNvPr>
+          <p:cNvSpPr/>
+          <p:nvPr/>
+        </p:nvSpPr>
+        <p:spPr>
+          <a:xfrm>
+            <a:off x="5818909" y="1676400"/>
+            <a:ext cx="4849091" cy="3231369"/>
+          </a:xfrm>
+          <a:prstGeom prst="rect">
+            <a:avLst/>
+          </a:prstGeom>
+        </p:spPr>
+        <p:style>
+          <a:lnRef idx="2">
+            <a:schemeClr val="accent1">
+              <a:shade val="15000"/>
+            </a:schemeClr>
+          </a:lnRef>
+          <a:fillRef idx="1">
+            <a:schemeClr val="accent1"/>
+          </a:fillRef>
+          <a:effectRef idx="0">
+            <a:schemeClr val="accent1"/>
+          </a:effectRef>
+          <a:fontRef idx="minor">
+            <a:schemeClr val="lt1"/>
+          </a:fontRef>
+        </p:style>
+        <p:txBody>
+          <a:bodyPr rtlCol="0" anchor="ctr"/>
+          <a:lstStyle/>
+          <a:p>
+            <a:pPr algn="ctr"/>
+            <a:endParaRPr lang="ru-UA"/>
+          </a:p>
+        </p:txBody>
+      </p:sp>
+    </p:spTree>
+    <p:extLst>
+      <p:ext uri="{BB962C8B-B14F-4D97-AF65-F5344CB8AC3E}">
+        <p14:creationId xmlns:p14="http://schemas.microsoft.com/office/powerpoint/2010/main" val="1453833506"/>
       </p:ext>
     </p:extLst>
   </p:cSld>
@@ -14657,6 +15620,1135 @@
     <p:extLst>
       <p:ext uri="{BB962C8B-B14F-4D97-AF65-F5344CB8AC3E}">
         <p14:creationId xmlns:p14="http://schemas.microsoft.com/office/powerpoint/2010/main" val="2972731808"/>
+      </p:ext>
+    </p:extLst>
+  </p:cSld>
+  <p:clrMapOvr>
+    <a:masterClrMapping/>
+  </p:clrMapOvr>
+</p:sld>
+</file>
+
+<file path=ppt/slides/slide20.xml><?xml version="1.0" encoding="utf-8"?>
+<p:sld xmlns:a="http://schemas.openxmlformats.org/drawingml/2006/main" xmlns:r="http://schemas.openxmlformats.org/officeDocument/2006/relationships" xmlns:p="http://schemas.openxmlformats.org/presentationml/2006/main">
+  <p:cSld>
+    <p:bg>
+      <p:bgPr>
+        <a:solidFill>
+          <a:schemeClr val="bg1"/>
+        </a:solidFill>
+        <a:effectLst/>
+      </p:bgPr>
+    </p:bg>
+    <p:spTree>
+      <p:nvGrpSpPr>
+        <p:cNvPr id="1" name=""/>
+        <p:cNvGrpSpPr/>
+        <p:nvPr/>
+      </p:nvGrpSpPr>
+      <p:grpSpPr>
+        <a:xfrm>
+          <a:off x="0" y="0"/>
+          <a:ext cx="0" cy="0"/>
+          <a:chOff x="0" y="0"/>
+          <a:chExt cx="0" cy="0"/>
+        </a:xfrm>
+      </p:grpSpPr>
+      <p:sp>
+        <p:nvSpPr>
+          <p:cNvPr id="24" name="Down Arrow 7">
+            <a:extLst>
+              <a:ext uri="{FF2B5EF4-FFF2-40B4-BE49-F238E27FC236}">
+                <a16:creationId xmlns:a16="http://schemas.microsoft.com/office/drawing/2014/main" id="{D4771268-CB57-404A-9271-370EB28F6090}"/>
+              </a:ext>
+              <a:ext uri="{C183D7F6-B498-43B3-948B-1728B52AA6E4}">
+                <adec:decorative xmlns:adec="http://schemas.microsoft.com/office/drawing/2017/decorative" val="1"/>
+              </a:ext>
+            </a:extLst>
+          </p:cNvPr>
+          <p:cNvSpPr>
+            <a:spLocks noGrp="1" noRot="1" noChangeAspect="1" noMove="1" noResize="1" noEditPoints="1" noAdjustHandles="1" noChangeArrowheads="1" noChangeShapeType="1" noTextEdit="1"/>
+          </p:cNvSpPr>
+          <p:nvPr>
+            <p:extLst>
+              <p:ext uri="{386F3935-93C4-4BCD-93E2-E3B085C9AB24}">
+                <p16:designElem xmlns:p16="http://schemas.microsoft.com/office/powerpoint/2015/main" val="1"/>
+              </p:ext>
+            </p:extLst>
+          </p:nvPr>
+        </p:nvSpPr>
+        <p:spPr>
+          <a:xfrm rot="16200000">
+            <a:off x="800100" y="1491343"/>
+            <a:ext cx="3333749" cy="3499103"/>
+          </a:xfrm>
+          <a:prstGeom prst="downArrow">
+            <a:avLst>
+              <a:gd name="adj1" fmla="val 100000"/>
+              <a:gd name="adj2" fmla="val 15788"/>
+            </a:avLst>
+          </a:prstGeom>
+          <a:solidFill>
+            <a:srgbClr val="404040"/>
+          </a:solidFill>
+          <a:ln w="53975">
+            <a:noFill/>
+          </a:ln>
+        </p:spPr>
+        <p:style>
+          <a:lnRef idx="2">
+            <a:schemeClr val="accent1">
+              <a:shade val="50000"/>
+            </a:schemeClr>
+          </a:lnRef>
+          <a:fillRef idx="1">
+            <a:schemeClr val="accent1"/>
+          </a:fillRef>
+          <a:effectRef idx="0">
+            <a:schemeClr val="accent1"/>
+          </a:effectRef>
+          <a:fontRef idx="minor">
+            <a:schemeClr val="lt1"/>
+          </a:fontRef>
+        </p:style>
+        <p:txBody>
+          <a:bodyPr rtlCol="0" anchor="ctr"/>
+          <a:lstStyle/>
+          <a:p>
+            <a:pPr algn="ctr"/>
+            <a:endParaRPr lang="en-US"/>
+          </a:p>
+        </p:txBody>
+      </p:sp>
+      <p:sp>
+        <p:nvSpPr>
+          <p:cNvPr id="2" name="Title 1">
+            <a:extLst>
+              <a:ext uri="{FF2B5EF4-FFF2-40B4-BE49-F238E27FC236}">
+                <a16:creationId xmlns:a16="http://schemas.microsoft.com/office/drawing/2014/main" id="{53C5D828-9666-E312-B574-9FE965A7D6BE}"/>
+              </a:ext>
+            </a:extLst>
+          </p:cNvPr>
+          <p:cNvSpPr>
+            <a:spLocks noGrp="1"/>
+          </p:cNvSpPr>
+          <p:nvPr>
+            <p:ph type="title"/>
+          </p:nvPr>
+        </p:nvSpPr>
+        <p:spPr>
+          <a:xfrm>
+            <a:off x="889000" y="1967266"/>
+            <a:ext cx="2768600" cy="2547257"/>
+          </a:xfrm>
+          <a:noFill/>
+        </p:spPr>
+        <p:txBody>
+          <a:bodyPr vert="horz" lIns="91440" tIns="45720" rIns="91440" bIns="45720" rtlCol="0" anchor="ctr">
+            <a:normAutofit/>
+          </a:bodyPr>
+          <a:lstStyle/>
+          <a:p>
+            <a:pPr algn="ctr"/>
+            <a:r>
+              <a:rPr lang="en-US" sz="3600" kern="1200" dirty="0">
+                <a:solidFill>
+                  <a:srgbClr val="FFFFFF"/>
+                </a:solidFill>
+                <a:latin typeface="+mj-lt"/>
+                <a:ea typeface="+mj-ea"/>
+                <a:cs typeface="+mj-cs"/>
+              </a:rPr>
+              <a:t>Git: Branching</a:t>
+            </a:r>
+          </a:p>
+        </p:txBody>
+      </p:sp>
+      <p:sp>
+        <p:nvSpPr>
+          <p:cNvPr id="3" name="Footer Placeholder 2">
+            <a:extLst>
+              <a:ext uri="{FF2B5EF4-FFF2-40B4-BE49-F238E27FC236}">
+                <a16:creationId xmlns:a16="http://schemas.microsoft.com/office/drawing/2014/main" id="{5AA19FA0-A765-8169-03F1-928E3EF7B595}"/>
+              </a:ext>
+            </a:extLst>
+          </p:cNvPr>
+          <p:cNvSpPr>
+            <a:spLocks noGrp="1"/>
+          </p:cNvSpPr>
+          <p:nvPr>
+            <p:ph type="ftr" sz="quarter" idx="11"/>
+          </p:nvPr>
+        </p:nvSpPr>
+        <p:spPr/>
+        <p:txBody>
+          <a:bodyPr/>
+          <a:lstStyle/>
+          <a:p>
+            <a:r>
+              <a:rPr lang="es-ES"/>
+              <a:t>Step 1 - Model - ver. 1</a:t>
+            </a:r>
+            <a:endParaRPr lang="ru-UA"/>
+          </a:p>
+        </p:txBody>
+      </p:sp>
+      <p:sp>
+        <p:nvSpPr>
+          <p:cNvPr id="4" name="Rectangle 3">
+            <a:extLst>
+              <a:ext uri="{FF2B5EF4-FFF2-40B4-BE49-F238E27FC236}">
+                <a16:creationId xmlns:a16="http://schemas.microsoft.com/office/drawing/2014/main" id="{107D3FF3-BFCA-F26A-7DC8-E1A5C69CE255}"/>
+              </a:ext>
+            </a:extLst>
+          </p:cNvPr>
+          <p:cNvSpPr/>
+          <p:nvPr/>
+        </p:nvSpPr>
+        <p:spPr>
+          <a:xfrm>
+            <a:off x="5818909" y="1676400"/>
+            <a:ext cx="4849091" cy="3231369"/>
+          </a:xfrm>
+          <a:prstGeom prst="rect">
+            <a:avLst/>
+          </a:prstGeom>
+        </p:spPr>
+        <p:style>
+          <a:lnRef idx="2">
+            <a:schemeClr val="accent1">
+              <a:shade val="15000"/>
+            </a:schemeClr>
+          </a:lnRef>
+          <a:fillRef idx="1">
+            <a:schemeClr val="accent1"/>
+          </a:fillRef>
+          <a:effectRef idx="0">
+            <a:schemeClr val="accent1"/>
+          </a:effectRef>
+          <a:fontRef idx="minor">
+            <a:schemeClr val="lt1"/>
+          </a:fontRef>
+        </p:style>
+        <p:txBody>
+          <a:bodyPr rtlCol="0" anchor="ctr"/>
+          <a:lstStyle/>
+          <a:p>
+            <a:pPr algn="ctr"/>
+            <a:endParaRPr lang="ru-UA"/>
+          </a:p>
+        </p:txBody>
+      </p:sp>
+    </p:spTree>
+    <p:extLst>
+      <p:ext uri="{BB962C8B-B14F-4D97-AF65-F5344CB8AC3E}">
+        <p14:creationId xmlns:p14="http://schemas.microsoft.com/office/powerpoint/2010/main" val="4046445197"/>
+      </p:ext>
+    </p:extLst>
+  </p:cSld>
+  <p:clrMapOvr>
+    <a:masterClrMapping/>
+  </p:clrMapOvr>
+</p:sld>
+</file>
+
+<file path=ppt/slides/slide21.xml><?xml version="1.0" encoding="utf-8"?>
+<p:sld xmlns:a="http://schemas.openxmlformats.org/drawingml/2006/main" xmlns:r="http://schemas.openxmlformats.org/officeDocument/2006/relationships" xmlns:p="http://schemas.openxmlformats.org/presentationml/2006/main">
+  <p:cSld>
+    <p:bg>
+      <p:bgPr>
+        <a:solidFill>
+          <a:schemeClr val="bg1"/>
+        </a:solidFill>
+        <a:effectLst/>
+      </p:bgPr>
+    </p:bg>
+    <p:spTree>
+      <p:nvGrpSpPr>
+        <p:cNvPr id="1" name=""/>
+        <p:cNvGrpSpPr/>
+        <p:nvPr/>
+      </p:nvGrpSpPr>
+      <p:grpSpPr>
+        <a:xfrm>
+          <a:off x="0" y="0"/>
+          <a:ext cx="0" cy="0"/>
+          <a:chOff x="0" y="0"/>
+          <a:chExt cx="0" cy="0"/>
+        </a:xfrm>
+      </p:grpSpPr>
+      <p:sp>
+        <p:nvSpPr>
+          <p:cNvPr id="24" name="Down Arrow 7">
+            <a:extLst>
+              <a:ext uri="{FF2B5EF4-FFF2-40B4-BE49-F238E27FC236}">
+                <a16:creationId xmlns:a16="http://schemas.microsoft.com/office/drawing/2014/main" id="{D4771268-CB57-404A-9271-370EB28F6090}"/>
+              </a:ext>
+              <a:ext uri="{C183D7F6-B498-43B3-948B-1728B52AA6E4}">
+                <adec:decorative xmlns:adec="http://schemas.microsoft.com/office/drawing/2017/decorative" val="1"/>
+              </a:ext>
+            </a:extLst>
+          </p:cNvPr>
+          <p:cNvSpPr>
+            <a:spLocks noGrp="1" noRot="1" noChangeAspect="1" noMove="1" noResize="1" noEditPoints="1" noAdjustHandles="1" noChangeArrowheads="1" noChangeShapeType="1" noTextEdit="1"/>
+          </p:cNvSpPr>
+          <p:nvPr>
+            <p:extLst>
+              <p:ext uri="{386F3935-93C4-4BCD-93E2-E3B085C9AB24}">
+                <p16:designElem xmlns:p16="http://schemas.microsoft.com/office/powerpoint/2015/main" val="1"/>
+              </p:ext>
+            </p:extLst>
+          </p:nvPr>
+        </p:nvSpPr>
+        <p:spPr>
+          <a:xfrm rot="16200000">
+            <a:off x="800100" y="1491343"/>
+            <a:ext cx="3333749" cy="3499103"/>
+          </a:xfrm>
+          <a:prstGeom prst="downArrow">
+            <a:avLst>
+              <a:gd name="adj1" fmla="val 100000"/>
+              <a:gd name="adj2" fmla="val 15788"/>
+            </a:avLst>
+          </a:prstGeom>
+          <a:solidFill>
+            <a:srgbClr val="404040"/>
+          </a:solidFill>
+          <a:ln w="53975">
+            <a:noFill/>
+          </a:ln>
+        </p:spPr>
+        <p:style>
+          <a:lnRef idx="2">
+            <a:schemeClr val="accent1">
+              <a:shade val="50000"/>
+            </a:schemeClr>
+          </a:lnRef>
+          <a:fillRef idx="1">
+            <a:schemeClr val="accent1"/>
+          </a:fillRef>
+          <a:effectRef idx="0">
+            <a:schemeClr val="accent1"/>
+          </a:effectRef>
+          <a:fontRef idx="minor">
+            <a:schemeClr val="lt1"/>
+          </a:fontRef>
+        </p:style>
+        <p:txBody>
+          <a:bodyPr rtlCol="0" anchor="ctr"/>
+          <a:lstStyle/>
+          <a:p>
+            <a:pPr algn="ctr"/>
+            <a:endParaRPr lang="en-US"/>
+          </a:p>
+        </p:txBody>
+      </p:sp>
+      <p:sp>
+        <p:nvSpPr>
+          <p:cNvPr id="2" name="Title 1">
+            <a:extLst>
+              <a:ext uri="{FF2B5EF4-FFF2-40B4-BE49-F238E27FC236}">
+                <a16:creationId xmlns:a16="http://schemas.microsoft.com/office/drawing/2014/main" id="{53C5D828-9666-E312-B574-9FE965A7D6BE}"/>
+              </a:ext>
+            </a:extLst>
+          </p:cNvPr>
+          <p:cNvSpPr>
+            <a:spLocks noGrp="1"/>
+          </p:cNvSpPr>
+          <p:nvPr>
+            <p:ph type="title"/>
+          </p:nvPr>
+        </p:nvSpPr>
+        <p:spPr>
+          <a:xfrm>
+            <a:off x="889000" y="1967266"/>
+            <a:ext cx="2768600" cy="2547257"/>
+          </a:xfrm>
+          <a:noFill/>
+        </p:spPr>
+        <p:txBody>
+          <a:bodyPr vert="horz" lIns="91440" tIns="45720" rIns="91440" bIns="45720" rtlCol="0" anchor="ctr">
+            <a:normAutofit/>
+          </a:bodyPr>
+          <a:lstStyle/>
+          <a:p>
+            <a:pPr algn="ctr"/>
+            <a:r>
+              <a:rPr lang="en-US" sz="3600" kern="1200" dirty="0">
+                <a:solidFill>
+                  <a:srgbClr val="FFFFFF"/>
+                </a:solidFill>
+                <a:latin typeface="+mj-lt"/>
+                <a:ea typeface="+mj-ea"/>
+                <a:cs typeface="+mj-cs"/>
+              </a:rPr>
+              <a:t>Git: Remote Repositories</a:t>
+            </a:r>
+          </a:p>
+        </p:txBody>
+      </p:sp>
+      <p:sp>
+        <p:nvSpPr>
+          <p:cNvPr id="3" name="Footer Placeholder 2">
+            <a:extLst>
+              <a:ext uri="{FF2B5EF4-FFF2-40B4-BE49-F238E27FC236}">
+                <a16:creationId xmlns:a16="http://schemas.microsoft.com/office/drawing/2014/main" id="{5AA19FA0-A765-8169-03F1-928E3EF7B595}"/>
+              </a:ext>
+            </a:extLst>
+          </p:cNvPr>
+          <p:cNvSpPr>
+            <a:spLocks noGrp="1"/>
+          </p:cNvSpPr>
+          <p:nvPr>
+            <p:ph type="ftr" sz="quarter" idx="11"/>
+          </p:nvPr>
+        </p:nvSpPr>
+        <p:spPr/>
+        <p:txBody>
+          <a:bodyPr/>
+          <a:lstStyle/>
+          <a:p>
+            <a:r>
+              <a:rPr lang="es-ES"/>
+              <a:t>Step 1 - Model - ver. 1</a:t>
+            </a:r>
+            <a:endParaRPr lang="ru-UA"/>
+          </a:p>
+        </p:txBody>
+      </p:sp>
+      <p:sp>
+        <p:nvSpPr>
+          <p:cNvPr id="4" name="Rectangle 3">
+            <a:extLst>
+              <a:ext uri="{FF2B5EF4-FFF2-40B4-BE49-F238E27FC236}">
+                <a16:creationId xmlns:a16="http://schemas.microsoft.com/office/drawing/2014/main" id="{107D3FF3-BFCA-F26A-7DC8-E1A5C69CE255}"/>
+              </a:ext>
+            </a:extLst>
+          </p:cNvPr>
+          <p:cNvSpPr/>
+          <p:nvPr/>
+        </p:nvSpPr>
+        <p:spPr>
+          <a:xfrm>
+            <a:off x="5818909" y="1676400"/>
+            <a:ext cx="4849091" cy="3231369"/>
+          </a:xfrm>
+          <a:prstGeom prst="rect">
+            <a:avLst/>
+          </a:prstGeom>
+        </p:spPr>
+        <p:style>
+          <a:lnRef idx="2">
+            <a:schemeClr val="accent1">
+              <a:shade val="15000"/>
+            </a:schemeClr>
+          </a:lnRef>
+          <a:fillRef idx="1">
+            <a:schemeClr val="accent1"/>
+          </a:fillRef>
+          <a:effectRef idx="0">
+            <a:schemeClr val="accent1"/>
+          </a:effectRef>
+          <a:fontRef idx="minor">
+            <a:schemeClr val="lt1"/>
+          </a:fontRef>
+        </p:style>
+        <p:txBody>
+          <a:bodyPr rtlCol="0" anchor="ctr"/>
+          <a:lstStyle/>
+          <a:p>
+            <a:pPr algn="ctr"/>
+            <a:endParaRPr lang="ru-UA"/>
+          </a:p>
+        </p:txBody>
+      </p:sp>
+    </p:spTree>
+    <p:extLst>
+      <p:ext uri="{BB962C8B-B14F-4D97-AF65-F5344CB8AC3E}">
+        <p14:creationId xmlns:p14="http://schemas.microsoft.com/office/powerpoint/2010/main" val="332551928"/>
+      </p:ext>
+    </p:extLst>
+  </p:cSld>
+  <p:clrMapOvr>
+    <a:masterClrMapping/>
+  </p:clrMapOvr>
+</p:sld>
+</file>
+
+<file path=ppt/slides/slide22.xml><?xml version="1.0" encoding="utf-8"?>
+<p:sld xmlns:a="http://schemas.openxmlformats.org/drawingml/2006/main" xmlns:r="http://schemas.openxmlformats.org/officeDocument/2006/relationships" xmlns:p="http://schemas.openxmlformats.org/presentationml/2006/main">
+  <p:cSld>
+    <p:bg>
+      <p:bgPr>
+        <a:solidFill>
+          <a:schemeClr val="bg1"/>
+        </a:solidFill>
+        <a:effectLst/>
+      </p:bgPr>
+    </p:bg>
+    <p:spTree>
+      <p:nvGrpSpPr>
+        <p:cNvPr id="1" name=""/>
+        <p:cNvGrpSpPr/>
+        <p:nvPr/>
+      </p:nvGrpSpPr>
+      <p:grpSpPr>
+        <a:xfrm>
+          <a:off x="0" y="0"/>
+          <a:ext cx="0" cy="0"/>
+          <a:chOff x="0" y="0"/>
+          <a:chExt cx="0" cy="0"/>
+        </a:xfrm>
+      </p:grpSpPr>
+      <p:sp>
+        <p:nvSpPr>
+          <p:cNvPr id="24" name="Down Arrow 7">
+            <a:extLst>
+              <a:ext uri="{FF2B5EF4-FFF2-40B4-BE49-F238E27FC236}">
+                <a16:creationId xmlns:a16="http://schemas.microsoft.com/office/drawing/2014/main" id="{D4771268-CB57-404A-9271-370EB28F6090}"/>
+              </a:ext>
+              <a:ext uri="{C183D7F6-B498-43B3-948B-1728B52AA6E4}">
+                <adec:decorative xmlns:adec="http://schemas.microsoft.com/office/drawing/2017/decorative" val="1"/>
+              </a:ext>
+            </a:extLst>
+          </p:cNvPr>
+          <p:cNvSpPr>
+            <a:spLocks noGrp="1" noRot="1" noChangeAspect="1" noMove="1" noResize="1" noEditPoints="1" noAdjustHandles="1" noChangeArrowheads="1" noChangeShapeType="1" noTextEdit="1"/>
+          </p:cNvSpPr>
+          <p:nvPr>
+            <p:extLst>
+              <p:ext uri="{386F3935-93C4-4BCD-93E2-E3B085C9AB24}">
+                <p16:designElem xmlns:p16="http://schemas.microsoft.com/office/powerpoint/2015/main" val="1"/>
+              </p:ext>
+            </p:extLst>
+          </p:nvPr>
+        </p:nvSpPr>
+        <p:spPr>
+          <a:xfrm rot="16200000">
+            <a:off x="800100" y="1491343"/>
+            <a:ext cx="3333749" cy="3499103"/>
+          </a:xfrm>
+          <a:prstGeom prst="downArrow">
+            <a:avLst>
+              <a:gd name="adj1" fmla="val 100000"/>
+              <a:gd name="adj2" fmla="val 15788"/>
+            </a:avLst>
+          </a:prstGeom>
+          <a:solidFill>
+            <a:srgbClr val="404040"/>
+          </a:solidFill>
+          <a:ln w="53975">
+            <a:noFill/>
+          </a:ln>
+        </p:spPr>
+        <p:style>
+          <a:lnRef idx="2">
+            <a:schemeClr val="accent1">
+              <a:shade val="50000"/>
+            </a:schemeClr>
+          </a:lnRef>
+          <a:fillRef idx="1">
+            <a:schemeClr val="accent1"/>
+          </a:fillRef>
+          <a:effectRef idx="0">
+            <a:schemeClr val="accent1"/>
+          </a:effectRef>
+          <a:fontRef idx="minor">
+            <a:schemeClr val="lt1"/>
+          </a:fontRef>
+        </p:style>
+        <p:txBody>
+          <a:bodyPr rtlCol="0" anchor="ctr"/>
+          <a:lstStyle/>
+          <a:p>
+            <a:pPr algn="ctr"/>
+            <a:endParaRPr lang="en-US"/>
+          </a:p>
+        </p:txBody>
+      </p:sp>
+      <p:sp>
+        <p:nvSpPr>
+          <p:cNvPr id="2" name="Title 1">
+            <a:extLst>
+              <a:ext uri="{FF2B5EF4-FFF2-40B4-BE49-F238E27FC236}">
+                <a16:creationId xmlns:a16="http://schemas.microsoft.com/office/drawing/2014/main" id="{53C5D828-9666-E312-B574-9FE965A7D6BE}"/>
+              </a:ext>
+            </a:extLst>
+          </p:cNvPr>
+          <p:cNvSpPr>
+            <a:spLocks noGrp="1"/>
+          </p:cNvSpPr>
+          <p:nvPr>
+            <p:ph type="title"/>
+          </p:nvPr>
+        </p:nvSpPr>
+        <p:spPr>
+          <a:xfrm>
+            <a:off x="889000" y="1967266"/>
+            <a:ext cx="2768600" cy="2547257"/>
+          </a:xfrm>
+          <a:noFill/>
+        </p:spPr>
+        <p:txBody>
+          <a:bodyPr vert="horz" lIns="91440" tIns="45720" rIns="91440" bIns="45720" rtlCol="0" anchor="ctr">
+            <a:normAutofit/>
+          </a:bodyPr>
+          <a:lstStyle/>
+          <a:p>
+            <a:pPr algn="ctr"/>
+            <a:r>
+              <a:rPr lang="en-US" sz="3600" kern="1200" dirty="0">
+                <a:solidFill>
+                  <a:srgbClr val="FFFFFF"/>
+                </a:solidFill>
+                <a:latin typeface="+mj-lt"/>
+                <a:ea typeface="+mj-ea"/>
+                <a:cs typeface="+mj-cs"/>
+              </a:rPr>
+              <a:t>Git: Advanced</a:t>
+            </a:r>
+          </a:p>
+        </p:txBody>
+      </p:sp>
+      <p:sp>
+        <p:nvSpPr>
+          <p:cNvPr id="3" name="Footer Placeholder 2">
+            <a:extLst>
+              <a:ext uri="{FF2B5EF4-FFF2-40B4-BE49-F238E27FC236}">
+                <a16:creationId xmlns:a16="http://schemas.microsoft.com/office/drawing/2014/main" id="{5AA19FA0-A765-8169-03F1-928E3EF7B595}"/>
+              </a:ext>
+            </a:extLst>
+          </p:cNvPr>
+          <p:cNvSpPr>
+            <a:spLocks noGrp="1"/>
+          </p:cNvSpPr>
+          <p:nvPr>
+            <p:ph type="ftr" sz="quarter" idx="11"/>
+          </p:nvPr>
+        </p:nvSpPr>
+        <p:spPr/>
+        <p:txBody>
+          <a:bodyPr/>
+          <a:lstStyle/>
+          <a:p>
+            <a:r>
+              <a:rPr lang="es-ES"/>
+              <a:t>Step 1 - Model - ver. 1</a:t>
+            </a:r>
+            <a:endParaRPr lang="ru-UA"/>
+          </a:p>
+        </p:txBody>
+      </p:sp>
+      <p:pic>
+        <p:nvPicPr>
+          <p:cNvPr id="6" name="Picture 5">
+            <a:extLst>
+              <a:ext uri="{FF2B5EF4-FFF2-40B4-BE49-F238E27FC236}">
+                <a16:creationId xmlns:a16="http://schemas.microsoft.com/office/drawing/2014/main" id="{540496AA-0B24-0040-9F44-BAFA2FCB0BAA}"/>
+              </a:ext>
+            </a:extLst>
+          </p:cNvPr>
+          <p:cNvPicPr>
+            <a:picLocks noChangeAspect="1"/>
+          </p:cNvPicPr>
+          <p:nvPr/>
+        </p:nvPicPr>
+        <p:blipFill>
+          <a:blip r:embed="rId2"/>
+          <a:stretch>
+            <a:fillRect/>
+          </a:stretch>
+        </p:blipFill>
+        <p:spPr>
+          <a:xfrm>
+            <a:off x="4974682" y="424000"/>
+            <a:ext cx="6001588" cy="3086531"/>
+          </a:xfrm>
+          <a:prstGeom prst="rect">
+            <a:avLst/>
+          </a:prstGeom>
+        </p:spPr>
+      </p:pic>
+      <p:pic>
+        <p:nvPicPr>
+          <p:cNvPr id="8" name="Picture 7">
+            <a:extLst>
+              <a:ext uri="{FF2B5EF4-FFF2-40B4-BE49-F238E27FC236}">
+                <a16:creationId xmlns:a16="http://schemas.microsoft.com/office/drawing/2014/main" id="{658C3F76-54EF-576F-9F63-72AC8DC29881}"/>
+              </a:ext>
+            </a:extLst>
+          </p:cNvPr>
+          <p:cNvPicPr>
+            <a:picLocks noChangeAspect="1"/>
+          </p:cNvPicPr>
+          <p:nvPr/>
+        </p:nvPicPr>
+        <p:blipFill>
+          <a:blip r:embed="rId3"/>
+          <a:stretch>
+            <a:fillRect/>
+          </a:stretch>
+        </p:blipFill>
+        <p:spPr>
+          <a:xfrm>
+            <a:off x="5109833" y="3696873"/>
+            <a:ext cx="4715533" cy="2524477"/>
+          </a:xfrm>
+          <a:prstGeom prst="rect">
+            <a:avLst/>
+          </a:prstGeom>
+        </p:spPr>
+      </p:pic>
+    </p:spTree>
+    <p:extLst>
+      <p:ext uri="{BB962C8B-B14F-4D97-AF65-F5344CB8AC3E}">
+        <p14:creationId xmlns:p14="http://schemas.microsoft.com/office/powerpoint/2010/main" val="256048852"/>
+      </p:ext>
+    </p:extLst>
+  </p:cSld>
+  <p:clrMapOvr>
+    <a:masterClrMapping/>
+  </p:clrMapOvr>
+</p:sld>
+</file>
+
+<file path=ppt/slides/slide23.xml><?xml version="1.0" encoding="utf-8"?>
+<p:sld xmlns:a="http://schemas.openxmlformats.org/drawingml/2006/main" xmlns:r="http://schemas.openxmlformats.org/officeDocument/2006/relationships" xmlns:p="http://schemas.openxmlformats.org/presentationml/2006/main">
+  <p:cSld>
+    <p:bg>
+      <p:bgPr>
+        <a:solidFill>
+          <a:schemeClr val="bg1"/>
+        </a:solidFill>
+        <a:effectLst/>
+      </p:bgPr>
+    </p:bg>
+    <p:spTree>
+      <p:nvGrpSpPr>
+        <p:cNvPr id="1" name=""/>
+        <p:cNvGrpSpPr/>
+        <p:nvPr/>
+      </p:nvGrpSpPr>
+      <p:grpSpPr>
+        <a:xfrm>
+          <a:off x="0" y="0"/>
+          <a:ext cx="0" cy="0"/>
+          <a:chOff x="0" y="0"/>
+          <a:chExt cx="0" cy="0"/>
+        </a:xfrm>
+      </p:grpSpPr>
+      <p:sp>
+        <p:nvSpPr>
+          <p:cNvPr id="24" name="Down Arrow 7">
+            <a:extLst>
+              <a:ext uri="{FF2B5EF4-FFF2-40B4-BE49-F238E27FC236}">
+                <a16:creationId xmlns:a16="http://schemas.microsoft.com/office/drawing/2014/main" id="{D4771268-CB57-404A-9271-370EB28F6090}"/>
+              </a:ext>
+              <a:ext uri="{C183D7F6-B498-43B3-948B-1728B52AA6E4}">
+                <adec:decorative xmlns:adec="http://schemas.microsoft.com/office/drawing/2017/decorative" val="1"/>
+              </a:ext>
+            </a:extLst>
+          </p:cNvPr>
+          <p:cNvSpPr>
+            <a:spLocks noGrp="1" noRot="1" noChangeAspect="1" noMove="1" noResize="1" noEditPoints="1" noAdjustHandles="1" noChangeArrowheads="1" noChangeShapeType="1" noTextEdit="1"/>
+          </p:cNvSpPr>
+          <p:nvPr>
+            <p:extLst>
+              <p:ext uri="{386F3935-93C4-4BCD-93E2-E3B085C9AB24}">
+                <p16:designElem xmlns:p16="http://schemas.microsoft.com/office/powerpoint/2015/main" val="1"/>
+              </p:ext>
+            </p:extLst>
+          </p:nvPr>
+        </p:nvSpPr>
+        <p:spPr>
+          <a:xfrm rot="16200000">
+            <a:off x="800100" y="1491343"/>
+            <a:ext cx="3333749" cy="3499103"/>
+          </a:xfrm>
+          <a:prstGeom prst="downArrow">
+            <a:avLst>
+              <a:gd name="adj1" fmla="val 100000"/>
+              <a:gd name="adj2" fmla="val 15788"/>
+            </a:avLst>
+          </a:prstGeom>
+          <a:solidFill>
+            <a:srgbClr val="404040"/>
+          </a:solidFill>
+          <a:ln w="53975">
+            <a:noFill/>
+          </a:ln>
+        </p:spPr>
+        <p:style>
+          <a:lnRef idx="2">
+            <a:schemeClr val="accent1">
+              <a:shade val="50000"/>
+            </a:schemeClr>
+          </a:lnRef>
+          <a:fillRef idx="1">
+            <a:schemeClr val="accent1"/>
+          </a:fillRef>
+          <a:effectRef idx="0">
+            <a:schemeClr val="accent1"/>
+          </a:effectRef>
+          <a:fontRef idx="minor">
+            <a:schemeClr val="lt1"/>
+          </a:fontRef>
+        </p:style>
+        <p:txBody>
+          <a:bodyPr rtlCol="0" anchor="ctr"/>
+          <a:lstStyle/>
+          <a:p>
+            <a:pPr algn="ctr"/>
+            <a:endParaRPr lang="en-US"/>
+          </a:p>
+        </p:txBody>
+      </p:sp>
+      <p:sp>
+        <p:nvSpPr>
+          <p:cNvPr id="2" name="Title 1">
+            <a:extLst>
+              <a:ext uri="{FF2B5EF4-FFF2-40B4-BE49-F238E27FC236}">
+                <a16:creationId xmlns:a16="http://schemas.microsoft.com/office/drawing/2014/main" id="{53C5D828-9666-E312-B574-9FE965A7D6BE}"/>
+              </a:ext>
+            </a:extLst>
+          </p:cNvPr>
+          <p:cNvSpPr>
+            <a:spLocks noGrp="1"/>
+          </p:cNvSpPr>
+          <p:nvPr>
+            <p:ph type="title"/>
+          </p:nvPr>
+        </p:nvSpPr>
+        <p:spPr>
+          <a:xfrm>
+            <a:off x="889000" y="1967266"/>
+            <a:ext cx="2768600" cy="2547257"/>
+          </a:xfrm>
+          <a:noFill/>
+        </p:spPr>
+        <p:txBody>
+          <a:bodyPr vert="horz" lIns="91440" tIns="45720" rIns="91440" bIns="45720" rtlCol="0" anchor="ctr">
+            <a:normAutofit/>
+          </a:bodyPr>
+          <a:lstStyle/>
+          <a:p>
+            <a:pPr algn="ctr"/>
+            <a:r>
+              <a:rPr lang="en-US" sz="3600" kern="1200" dirty="0">
+                <a:solidFill>
+                  <a:srgbClr val="FFFFFF"/>
+                </a:solidFill>
+                <a:latin typeface="+mj-lt"/>
+                <a:ea typeface="+mj-ea"/>
+                <a:cs typeface="+mj-cs"/>
+              </a:rPr>
+              <a:t>Git: Best practice: commit</a:t>
+            </a:r>
+          </a:p>
+        </p:txBody>
+      </p:sp>
+      <p:sp>
+        <p:nvSpPr>
+          <p:cNvPr id="3" name="Footer Placeholder 2">
+            <a:extLst>
+              <a:ext uri="{FF2B5EF4-FFF2-40B4-BE49-F238E27FC236}">
+                <a16:creationId xmlns:a16="http://schemas.microsoft.com/office/drawing/2014/main" id="{5AA19FA0-A765-8169-03F1-928E3EF7B595}"/>
+              </a:ext>
+            </a:extLst>
+          </p:cNvPr>
+          <p:cNvSpPr>
+            <a:spLocks noGrp="1"/>
+          </p:cNvSpPr>
+          <p:nvPr>
+            <p:ph type="ftr" sz="quarter" idx="11"/>
+          </p:nvPr>
+        </p:nvSpPr>
+        <p:spPr/>
+        <p:txBody>
+          <a:bodyPr/>
+          <a:lstStyle/>
+          <a:p>
+            <a:r>
+              <a:rPr lang="es-ES"/>
+              <a:t>Step 1 - Model - ver. 1</a:t>
+            </a:r>
+            <a:endParaRPr lang="ru-UA"/>
+          </a:p>
+        </p:txBody>
+      </p:sp>
+      <p:sp>
+        <p:nvSpPr>
+          <p:cNvPr id="4" name="Rectangle 3">
+            <a:extLst>
+              <a:ext uri="{FF2B5EF4-FFF2-40B4-BE49-F238E27FC236}">
+                <a16:creationId xmlns:a16="http://schemas.microsoft.com/office/drawing/2014/main" id="{107D3FF3-BFCA-F26A-7DC8-E1A5C69CE255}"/>
+              </a:ext>
+            </a:extLst>
+          </p:cNvPr>
+          <p:cNvSpPr/>
+          <p:nvPr/>
+        </p:nvSpPr>
+        <p:spPr>
+          <a:xfrm>
+            <a:off x="5818909" y="1676400"/>
+            <a:ext cx="4849091" cy="3231369"/>
+          </a:xfrm>
+          <a:prstGeom prst="rect">
+            <a:avLst/>
+          </a:prstGeom>
+        </p:spPr>
+        <p:style>
+          <a:lnRef idx="2">
+            <a:schemeClr val="accent1">
+              <a:shade val="15000"/>
+            </a:schemeClr>
+          </a:lnRef>
+          <a:fillRef idx="1">
+            <a:schemeClr val="accent1"/>
+          </a:fillRef>
+          <a:effectRef idx="0">
+            <a:schemeClr val="accent1"/>
+          </a:effectRef>
+          <a:fontRef idx="minor">
+            <a:schemeClr val="lt1"/>
+          </a:fontRef>
+        </p:style>
+        <p:txBody>
+          <a:bodyPr rtlCol="0" anchor="ctr"/>
+          <a:lstStyle/>
+          <a:p>
+            <a:pPr algn="ctr"/>
+            <a:endParaRPr lang="ru-UA"/>
+          </a:p>
+        </p:txBody>
+      </p:sp>
+    </p:spTree>
+    <p:extLst>
+      <p:ext uri="{BB962C8B-B14F-4D97-AF65-F5344CB8AC3E}">
+        <p14:creationId xmlns:p14="http://schemas.microsoft.com/office/powerpoint/2010/main" val="1857131316"/>
+      </p:ext>
+    </p:extLst>
+  </p:cSld>
+  <p:clrMapOvr>
+    <a:masterClrMapping/>
+  </p:clrMapOvr>
+</p:sld>
+</file>
+
+<file path=ppt/slides/slide24.xml><?xml version="1.0" encoding="utf-8"?>
+<p:sld xmlns:a="http://schemas.openxmlformats.org/drawingml/2006/main" xmlns:r="http://schemas.openxmlformats.org/officeDocument/2006/relationships" xmlns:p="http://schemas.openxmlformats.org/presentationml/2006/main">
+  <p:cSld>
+    <p:bg>
+      <p:bgPr>
+        <a:solidFill>
+          <a:schemeClr val="bg1"/>
+        </a:solidFill>
+        <a:effectLst/>
+      </p:bgPr>
+    </p:bg>
+    <p:spTree>
+      <p:nvGrpSpPr>
+        <p:cNvPr id="1" name=""/>
+        <p:cNvGrpSpPr/>
+        <p:nvPr/>
+      </p:nvGrpSpPr>
+      <p:grpSpPr>
+        <a:xfrm>
+          <a:off x="0" y="0"/>
+          <a:ext cx="0" cy="0"/>
+          <a:chOff x="0" y="0"/>
+          <a:chExt cx="0" cy="0"/>
+        </a:xfrm>
+      </p:grpSpPr>
+      <p:sp>
+        <p:nvSpPr>
+          <p:cNvPr id="24" name="Down Arrow 7">
+            <a:extLst>
+              <a:ext uri="{FF2B5EF4-FFF2-40B4-BE49-F238E27FC236}">
+                <a16:creationId xmlns:a16="http://schemas.microsoft.com/office/drawing/2014/main" id="{D4771268-CB57-404A-9271-370EB28F6090}"/>
+              </a:ext>
+              <a:ext uri="{C183D7F6-B498-43B3-948B-1728B52AA6E4}">
+                <adec:decorative xmlns:adec="http://schemas.microsoft.com/office/drawing/2017/decorative" val="1"/>
+              </a:ext>
+            </a:extLst>
+          </p:cNvPr>
+          <p:cNvSpPr>
+            <a:spLocks noGrp="1" noRot="1" noChangeAspect="1" noMove="1" noResize="1" noEditPoints="1" noAdjustHandles="1" noChangeArrowheads="1" noChangeShapeType="1" noTextEdit="1"/>
+          </p:cNvSpPr>
+          <p:nvPr>
+            <p:extLst>
+              <p:ext uri="{386F3935-93C4-4BCD-93E2-E3B085C9AB24}">
+                <p16:designElem xmlns:p16="http://schemas.microsoft.com/office/powerpoint/2015/main" val="1"/>
+              </p:ext>
+            </p:extLst>
+          </p:nvPr>
+        </p:nvSpPr>
+        <p:spPr>
+          <a:xfrm rot="16200000">
+            <a:off x="800100" y="1491343"/>
+            <a:ext cx="3333749" cy="3499103"/>
+          </a:xfrm>
+          <a:prstGeom prst="downArrow">
+            <a:avLst>
+              <a:gd name="adj1" fmla="val 100000"/>
+              <a:gd name="adj2" fmla="val 15788"/>
+            </a:avLst>
+          </a:prstGeom>
+          <a:solidFill>
+            <a:srgbClr val="404040"/>
+          </a:solidFill>
+          <a:ln w="53975">
+            <a:noFill/>
+          </a:ln>
+        </p:spPr>
+        <p:style>
+          <a:lnRef idx="2">
+            <a:schemeClr val="accent1">
+              <a:shade val="50000"/>
+            </a:schemeClr>
+          </a:lnRef>
+          <a:fillRef idx="1">
+            <a:schemeClr val="accent1"/>
+          </a:fillRef>
+          <a:effectRef idx="0">
+            <a:schemeClr val="accent1"/>
+          </a:effectRef>
+          <a:fontRef idx="minor">
+            <a:schemeClr val="lt1"/>
+          </a:fontRef>
+        </p:style>
+        <p:txBody>
+          <a:bodyPr rtlCol="0" anchor="ctr"/>
+          <a:lstStyle/>
+          <a:p>
+            <a:pPr algn="ctr"/>
+            <a:endParaRPr lang="en-US"/>
+          </a:p>
+        </p:txBody>
+      </p:sp>
+      <p:sp>
+        <p:nvSpPr>
+          <p:cNvPr id="2" name="Title 1">
+            <a:extLst>
+              <a:ext uri="{FF2B5EF4-FFF2-40B4-BE49-F238E27FC236}">
+                <a16:creationId xmlns:a16="http://schemas.microsoft.com/office/drawing/2014/main" id="{53C5D828-9666-E312-B574-9FE965A7D6BE}"/>
+              </a:ext>
+            </a:extLst>
+          </p:cNvPr>
+          <p:cNvSpPr>
+            <a:spLocks noGrp="1"/>
+          </p:cNvSpPr>
+          <p:nvPr>
+            <p:ph type="title"/>
+          </p:nvPr>
+        </p:nvSpPr>
+        <p:spPr>
+          <a:xfrm>
+            <a:off x="889000" y="1967266"/>
+            <a:ext cx="2422236" cy="2547257"/>
+          </a:xfrm>
+          <a:noFill/>
+        </p:spPr>
+        <p:txBody>
+          <a:bodyPr vert="horz" lIns="91440" tIns="45720" rIns="91440" bIns="45720" rtlCol="0" anchor="ctr">
+            <a:normAutofit/>
+          </a:bodyPr>
+          <a:lstStyle/>
+          <a:p>
+            <a:pPr algn="ctr"/>
+            <a:r>
+              <a:rPr lang="en-US" sz="3600" kern="1200" dirty="0">
+                <a:solidFill>
+                  <a:srgbClr val="FFFFFF"/>
+                </a:solidFill>
+                <a:latin typeface="+mj-lt"/>
+                <a:ea typeface="+mj-ea"/>
+                <a:cs typeface="+mj-cs"/>
+              </a:rPr>
+              <a:t>Git: Best practice: git-ignore</a:t>
+            </a:r>
+          </a:p>
+        </p:txBody>
+      </p:sp>
+      <p:sp>
+        <p:nvSpPr>
+          <p:cNvPr id="3" name="Footer Placeholder 2">
+            <a:extLst>
+              <a:ext uri="{FF2B5EF4-FFF2-40B4-BE49-F238E27FC236}">
+                <a16:creationId xmlns:a16="http://schemas.microsoft.com/office/drawing/2014/main" id="{5AA19FA0-A765-8169-03F1-928E3EF7B595}"/>
+              </a:ext>
+            </a:extLst>
+          </p:cNvPr>
+          <p:cNvSpPr>
+            <a:spLocks noGrp="1"/>
+          </p:cNvSpPr>
+          <p:nvPr>
+            <p:ph type="ftr" sz="quarter" idx="11"/>
+          </p:nvPr>
+        </p:nvSpPr>
+        <p:spPr/>
+        <p:txBody>
+          <a:bodyPr/>
+          <a:lstStyle/>
+          <a:p>
+            <a:r>
+              <a:rPr lang="es-ES"/>
+              <a:t>Step 1 - Model - ver. 1</a:t>
+            </a:r>
+            <a:endParaRPr lang="ru-UA"/>
+          </a:p>
+        </p:txBody>
+      </p:sp>
+      <p:sp>
+        <p:nvSpPr>
+          <p:cNvPr id="4" name="Rectangle 3">
+            <a:extLst>
+              <a:ext uri="{FF2B5EF4-FFF2-40B4-BE49-F238E27FC236}">
+                <a16:creationId xmlns:a16="http://schemas.microsoft.com/office/drawing/2014/main" id="{107D3FF3-BFCA-F26A-7DC8-E1A5C69CE255}"/>
+              </a:ext>
+            </a:extLst>
+          </p:cNvPr>
+          <p:cNvSpPr/>
+          <p:nvPr/>
+        </p:nvSpPr>
+        <p:spPr>
+          <a:xfrm>
+            <a:off x="5818909" y="1676400"/>
+            <a:ext cx="4849091" cy="3231369"/>
+          </a:xfrm>
+          <a:prstGeom prst="rect">
+            <a:avLst/>
+          </a:prstGeom>
+        </p:spPr>
+        <p:style>
+          <a:lnRef idx="2">
+            <a:schemeClr val="accent1">
+              <a:shade val="15000"/>
+            </a:schemeClr>
+          </a:lnRef>
+          <a:fillRef idx="1">
+            <a:schemeClr val="accent1"/>
+          </a:fillRef>
+          <a:effectRef idx="0">
+            <a:schemeClr val="accent1"/>
+          </a:effectRef>
+          <a:fontRef idx="minor">
+            <a:schemeClr val="lt1"/>
+          </a:fontRef>
+        </p:style>
+        <p:txBody>
+          <a:bodyPr rtlCol="0" anchor="ctr"/>
+          <a:lstStyle/>
+          <a:p>
+            <a:pPr algn="ctr"/>
+            <a:endParaRPr lang="ru-UA"/>
+          </a:p>
+        </p:txBody>
+      </p:sp>
+    </p:spTree>
+    <p:extLst>
+      <p:ext uri="{BB962C8B-B14F-4D97-AF65-F5344CB8AC3E}">
+        <p14:creationId xmlns:p14="http://schemas.microsoft.com/office/powerpoint/2010/main" val="1026488598"/>
       </p:ext>
     </p:extLst>
   </p:cSld>

--- a/Step06-Version_Control_System_presentation.pptx
+++ b/Step06-Version_Control_System_presentation.pptx
@@ -190,809 +190,6 @@
 <file path=ppt/changesInfos/changesInfo1.xml><?xml version="1.0" encoding="utf-8"?>
 <pc:chgInfo xmlns:a="http://schemas.openxmlformats.org/drawingml/2006/main" xmlns:r="http://schemas.openxmlformats.org/officeDocument/2006/relationships" xmlns:ac="http://schemas.microsoft.com/office/drawing/2013/main/command" xmlns:pc="http://schemas.microsoft.com/office/powerpoint/2013/main/command">
   <pc:docChgLst>
-    <pc:chgData name="Ihor Aleksandrov" userId="c3051032-6b87-4db2-b257-777a0106fbd9" providerId="ADAL" clId="{C410F7C1-205D-4591-95F1-05C694B00F48}"/>
-    <pc:docChg chg="undo redo custSel addSld delSld modSld sldOrd addSection delSection modSection">
-      <pc:chgData name="Ihor Aleksandrov" userId="c3051032-6b87-4db2-b257-777a0106fbd9" providerId="ADAL" clId="{C410F7C1-205D-4591-95F1-05C694B00F48}" dt="2024-02-02T13:18:23.690" v="310" actId="14100"/>
-      <pc:docMkLst>
-        <pc:docMk/>
-      </pc:docMkLst>
-      <pc:sldChg chg="modSp mod">
-        <pc:chgData name="Ihor Aleksandrov" userId="c3051032-6b87-4db2-b257-777a0106fbd9" providerId="ADAL" clId="{C410F7C1-205D-4591-95F1-05C694B00F48}" dt="2024-02-01T12:41:12.005" v="7" actId="6549"/>
-        <pc:sldMkLst>
-          <pc:docMk/>
-          <pc:sldMk cId="552267186" sldId="256"/>
-        </pc:sldMkLst>
-        <pc:spChg chg="mod">
-          <ac:chgData name="Ihor Aleksandrov" userId="c3051032-6b87-4db2-b257-777a0106fbd9" providerId="ADAL" clId="{C410F7C1-205D-4591-95F1-05C694B00F48}" dt="2024-02-01T12:41:12.005" v="7" actId="6549"/>
-          <ac:spMkLst>
-            <pc:docMk/>
-            <pc:sldMk cId="552267186" sldId="256"/>
-            <ac:spMk id="2" creationId="{18C18207-A109-5552-1541-0ABBAA316282}"/>
-          </ac:spMkLst>
-        </pc:spChg>
-      </pc:sldChg>
-      <pc:sldChg chg="del">
-        <pc:chgData name="Ihor Aleksandrov" userId="c3051032-6b87-4db2-b257-777a0106fbd9" providerId="ADAL" clId="{C410F7C1-205D-4591-95F1-05C694B00F48}" dt="2024-02-01T12:41:36.061" v="8" actId="2696"/>
-        <pc:sldMkLst>
-          <pc:docMk/>
-          <pc:sldMk cId="4197480136" sldId="268"/>
-        </pc:sldMkLst>
-      </pc:sldChg>
-      <pc:sldChg chg="modSp mod">
-        <pc:chgData name="Ihor Aleksandrov" userId="c3051032-6b87-4db2-b257-777a0106fbd9" providerId="ADAL" clId="{C410F7C1-205D-4591-95F1-05C694B00F48}" dt="2024-02-01T12:40:46.091" v="3"/>
-        <pc:sldMkLst>
-          <pc:docMk/>
-          <pc:sldMk cId="2052164358" sldId="302"/>
-        </pc:sldMkLst>
-        <pc:spChg chg="mod">
-          <ac:chgData name="Ihor Aleksandrov" userId="c3051032-6b87-4db2-b257-777a0106fbd9" providerId="ADAL" clId="{C410F7C1-205D-4591-95F1-05C694B00F48}" dt="2024-02-01T12:40:46.091" v="3"/>
-          <ac:spMkLst>
-            <pc:docMk/>
-            <pc:sldMk cId="2052164358" sldId="302"/>
-            <ac:spMk id="2" creationId="{5DF8ECE0-DBF5-C309-B35B-C6A0C6C847B2}"/>
-          </ac:spMkLst>
-        </pc:spChg>
-      </pc:sldChg>
-      <pc:sldChg chg="addSp delSp modSp mod">
-        <pc:chgData name="Ihor Aleksandrov" userId="c3051032-6b87-4db2-b257-777a0106fbd9" providerId="ADAL" clId="{C410F7C1-205D-4591-95F1-05C694B00F48}" dt="2024-02-01T12:43:00.433" v="24" actId="20577"/>
-        <pc:sldMkLst>
-          <pc:docMk/>
-          <pc:sldMk cId="1009650064" sldId="304"/>
-        </pc:sldMkLst>
-        <pc:spChg chg="mod">
-          <ac:chgData name="Ihor Aleksandrov" userId="c3051032-6b87-4db2-b257-777a0106fbd9" providerId="ADAL" clId="{C410F7C1-205D-4591-95F1-05C694B00F48}" dt="2024-02-01T12:43:00.433" v="24" actId="20577"/>
-          <ac:spMkLst>
-            <pc:docMk/>
-            <pc:sldMk cId="1009650064" sldId="304"/>
-            <ac:spMk id="2" creationId="{53C5D828-9666-E312-B574-9FE965A7D6BE}"/>
-          </ac:spMkLst>
-        </pc:spChg>
-        <pc:picChg chg="add mod">
-          <ac:chgData name="Ihor Aleksandrov" userId="c3051032-6b87-4db2-b257-777a0106fbd9" providerId="ADAL" clId="{C410F7C1-205D-4591-95F1-05C694B00F48}" dt="2024-02-01T12:42:43.848" v="14" actId="1076"/>
-          <ac:picMkLst>
-            <pc:docMk/>
-            <pc:sldMk cId="1009650064" sldId="304"/>
-            <ac:picMk id="4" creationId="{92907877-90FB-5BAD-BBDC-D0209540D5C3}"/>
-          </ac:picMkLst>
-        </pc:picChg>
-        <pc:picChg chg="del">
-          <ac:chgData name="Ihor Aleksandrov" userId="c3051032-6b87-4db2-b257-777a0106fbd9" providerId="ADAL" clId="{C410F7C1-205D-4591-95F1-05C694B00F48}" dt="2024-02-01T12:42:29.398" v="9" actId="478"/>
-          <ac:picMkLst>
-            <pc:docMk/>
-            <pc:sldMk cId="1009650064" sldId="304"/>
-            <ac:picMk id="5" creationId="{F0022280-0E09-E00E-9A77-DDC8C0BF78AC}"/>
-          </ac:picMkLst>
-        </pc:picChg>
-      </pc:sldChg>
-      <pc:sldChg chg="addSp delSp modSp add mod">
-        <pc:chgData name="Ihor Aleksandrov" userId="c3051032-6b87-4db2-b257-777a0106fbd9" providerId="ADAL" clId="{C410F7C1-205D-4591-95F1-05C694B00F48}" dt="2024-02-01T12:48:29.309" v="33" actId="1076"/>
-        <pc:sldMkLst>
-          <pc:docMk/>
-          <pc:sldMk cId="3629557438" sldId="305"/>
-        </pc:sldMkLst>
-        <pc:spChg chg="mod">
-          <ac:chgData name="Ihor Aleksandrov" userId="c3051032-6b87-4db2-b257-777a0106fbd9" providerId="ADAL" clId="{C410F7C1-205D-4591-95F1-05C694B00F48}" dt="2024-02-01T12:48:10.196" v="29"/>
-          <ac:spMkLst>
-            <pc:docMk/>
-            <pc:sldMk cId="3629557438" sldId="305"/>
-            <ac:spMk id="2" creationId="{53C5D828-9666-E312-B574-9FE965A7D6BE}"/>
-          </ac:spMkLst>
-        </pc:spChg>
-        <pc:picChg chg="del">
-          <ac:chgData name="Ihor Aleksandrov" userId="c3051032-6b87-4db2-b257-777a0106fbd9" providerId="ADAL" clId="{C410F7C1-205D-4591-95F1-05C694B00F48}" dt="2024-02-01T12:48:12.041" v="30" actId="478"/>
-          <ac:picMkLst>
-            <pc:docMk/>
-            <pc:sldMk cId="3629557438" sldId="305"/>
-            <ac:picMk id="4" creationId="{92907877-90FB-5BAD-BBDC-D0209540D5C3}"/>
-          </ac:picMkLst>
-        </pc:picChg>
-        <pc:picChg chg="add mod">
-          <ac:chgData name="Ihor Aleksandrov" userId="c3051032-6b87-4db2-b257-777a0106fbd9" providerId="ADAL" clId="{C410F7C1-205D-4591-95F1-05C694B00F48}" dt="2024-02-01T12:48:29.309" v="33" actId="1076"/>
-          <ac:picMkLst>
-            <pc:docMk/>
-            <pc:sldMk cId="3629557438" sldId="305"/>
-            <ac:picMk id="6" creationId="{EF93F0E0-CC9E-E0D5-56A0-72C8DC1831DC}"/>
-          </ac:picMkLst>
-        </pc:picChg>
-      </pc:sldChg>
-      <pc:sldChg chg="del">
-        <pc:chgData name="Ihor Aleksandrov" userId="c3051032-6b87-4db2-b257-777a0106fbd9" providerId="ADAL" clId="{C410F7C1-205D-4591-95F1-05C694B00F48}" dt="2024-02-01T12:41:36.061" v="8" actId="2696"/>
-        <pc:sldMkLst>
-          <pc:docMk/>
-          <pc:sldMk cId="3689973886" sldId="305"/>
-        </pc:sldMkLst>
-      </pc:sldChg>
-      <pc:sldChg chg="add del">
-        <pc:chgData name="Ihor Aleksandrov" userId="c3051032-6b87-4db2-b257-777a0106fbd9" providerId="ADAL" clId="{C410F7C1-205D-4591-95F1-05C694B00F48}" dt="2024-02-01T12:47:48.950" v="27" actId="2890"/>
-        <pc:sldMkLst>
-          <pc:docMk/>
-          <pc:sldMk cId="3867725491" sldId="305"/>
-        </pc:sldMkLst>
-      </pc:sldChg>
-      <pc:sldChg chg="addSp delSp modSp add mod">
-        <pc:chgData name="Ihor Aleksandrov" userId="c3051032-6b87-4db2-b257-777a0106fbd9" providerId="ADAL" clId="{C410F7C1-205D-4591-95F1-05C694B00F48}" dt="2024-02-01T12:52:22.446" v="40" actId="1076"/>
-        <pc:sldMkLst>
-          <pc:docMk/>
-          <pc:sldMk cId="190743272" sldId="306"/>
-        </pc:sldMkLst>
-        <pc:spChg chg="mod">
-          <ac:chgData name="Ihor Aleksandrov" userId="c3051032-6b87-4db2-b257-777a0106fbd9" providerId="ADAL" clId="{C410F7C1-205D-4591-95F1-05C694B00F48}" dt="2024-02-01T12:51:51.226" v="35"/>
-          <ac:spMkLst>
-            <pc:docMk/>
-            <pc:sldMk cId="190743272" sldId="306"/>
-            <ac:spMk id="2" creationId="{53C5D828-9666-E312-B574-9FE965A7D6BE}"/>
-          </ac:spMkLst>
-        </pc:spChg>
-        <pc:picChg chg="add mod">
-          <ac:chgData name="Ihor Aleksandrov" userId="c3051032-6b87-4db2-b257-777a0106fbd9" providerId="ADAL" clId="{C410F7C1-205D-4591-95F1-05C694B00F48}" dt="2024-02-01T12:52:22.446" v="40" actId="1076"/>
-          <ac:picMkLst>
-            <pc:docMk/>
-            <pc:sldMk cId="190743272" sldId="306"/>
-            <ac:picMk id="4" creationId="{D36BE76F-536D-6706-2056-EA89D41EC22E}"/>
-          </ac:picMkLst>
-        </pc:picChg>
-        <pc:picChg chg="del">
-          <ac:chgData name="Ihor Aleksandrov" userId="c3051032-6b87-4db2-b257-777a0106fbd9" providerId="ADAL" clId="{C410F7C1-205D-4591-95F1-05C694B00F48}" dt="2024-02-01T12:51:54.633" v="36" actId="478"/>
-          <ac:picMkLst>
-            <pc:docMk/>
-            <pc:sldMk cId="190743272" sldId="306"/>
-            <ac:picMk id="6" creationId="{EF93F0E0-CC9E-E0D5-56A0-72C8DC1831DC}"/>
-          </ac:picMkLst>
-        </pc:picChg>
-      </pc:sldChg>
-      <pc:sldChg chg="add del replId">
-        <pc:chgData name="Ihor Aleksandrov" userId="c3051032-6b87-4db2-b257-777a0106fbd9" providerId="ADAL" clId="{C410F7C1-205D-4591-95F1-05C694B00F48}" dt="2024-02-01T12:47:48.950" v="27" actId="2890"/>
-        <pc:sldMkLst>
-          <pc:docMk/>
-          <pc:sldMk cId="1273637311" sldId="306"/>
-        </pc:sldMkLst>
-      </pc:sldChg>
-      <pc:sldChg chg="del">
-        <pc:chgData name="Ihor Aleksandrov" userId="c3051032-6b87-4db2-b257-777a0106fbd9" providerId="ADAL" clId="{C410F7C1-205D-4591-95F1-05C694B00F48}" dt="2024-02-01T12:41:36.061" v="8" actId="2696"/>
-        <pc:sldMkLst>
-          <pc:docMk/>
-          <pc:sldMk cId="2869883964" sldId="306"/>
-        </pc:sldMkLst>
-      </pc:sldChg>
-      <pc:sldChg chg="del">
-        <pc:chgData name="Ihor Aleksandrov" userId="c3051032-6b87-4db2-b257-777a0106fbd9" providerId="ADAL" clId="{C410F7C1-205D-4591-95F1-05C694B00F48}" dt="2024-02-01T12:41:36.061" v="8" actId="2696"/>
-        <pc:sldMkLst>
-          <pc:docMk/>
-          <pc:sldMk cId="609281495" sldId="307"/>
-        </pc:sldMkLst>
-      </pc:sldChg>
-      <pc:sldChg chg="addSp delSp modSp add mod">
-        <pc:chgData name="Ihor Aleksandrov" userId="c3051032-6b87-4db2-b257-777a0106fbd9" providerId="ADAL" clId="{C410F7C1-205D-4591-95F1-05C694B00F48}" dt="2024-02-01T13:00:27.590" v="51" actId="1076"/>
-        <pc:sldMkLst>
-          <pc:docMk/>
-          <pc:sldMk cId="4107602535" sldId="307"/>
-        </pc:sldMkLst>
-        <pc:spChg chg="mod">
-          <ac:chgData name="Ihor Aleksandrov" userId="c3051032-6b87-4db2-b257-777a0106fbd9" providerId="ADAL" clId="{C410F7C1-205D-4591-95F1-05C694B00F48}" dt="2024-02-01T13:00:03.221" v="42"/>
-          <ac:spMkLst>
-            <pc:docMk/>
-            <pc:sldMk cId="4107602535" sldId="307"/>
-            <ac:spMk id="2" creationId="{53C5D828-9666-E312-B574-9FE965A7D6BE}"/>
-          </ac:spMkLst>
-        </pc:spChg>
-        <pc:picChg chg="del">
-          <ac:chgData name="Ihor Aleksandrov" userId="c3051032-6b87-4db2-b257-777a0106fbd9" providerId="ADAL" clId="{C410F7C1-205D-4591-95F1-05C694B00F48}" dt="2024-02-01T13:00:12.722" v="43" actId="478"/>
-          <ac:picMkLst>
-            <pc:docMk/>
-            <pc:sldMk cId="4107602535" sldId="307"/>
-            <ac:picMk id="4" creationId="{D36BE76F-536D-6706-2056-EA89D41EC22E}"/>
-          </ac:picMkLst>
-        </pc:picChg>
-        <pc:picChg chg="add mod">
-          <ac:chgData name="Ihor Aleksandrov" userId="c3051032-6b87-4db2-b257-777a0106fbd9" providerId="ADAL" clId="{C410F7C1-205D-4591-95F1-05C694B00F48}" dt="2024-02-01T13:00:27.590" v="51" actId="1076"/>
-          <ac:picMkLst>
-            <pc:docMk/>
-            <pc:sldMk cId="4107602535" sldId="307"/>
-            <ac:picMk id="5" creationId="{A34F27FE-21C6-CACE-4C02-730CC097A333}"/>
-          </ac:picMkLst>
-        </pc:picChg>
-      </pc:sldChg>
-      <pc:sldChg chg="del">
-        <pc:chgData name="Ihor Aleksandrov" userId="c3051032-6b87-4db2-b257-777a0106fbd9" providerId="ADAL" clId="{C410F7C1-205D-4591-95F1-05C694B00F48}" dt="2024-02-01T12:41:36.061" v="8" actId="2696"/>
-        <pc:sldMkLst>
-          <pc:docMk/>
-          <pc:sldMk cId="892253496" sldId="308"/>
-        </pc:sldMkLst>
-      </pc:sldChg>
-      <pc:sldChg chg="addSp delSp modSp add mod">
-        <pc:chgData name="Ihor Aleksandrov" userId="c3051032-6b87-4db2-b257-777a0106fbd9" providerId="ADAL" clId="{C410F7C1-205D-4591-95F1-05C694B00F48}" dt="2024-02-01T13:06:17.179" v="60" actId="1076"/>
-        <pc:sldMkLst>
-          <pc:docMk/>
-          <pc:sldMk cId="2644992822" sldId="308"/>
-        </pc:sldMkLst>
-        <pc:spChg chg="mod">
-          <ac:chgData name="Ihor Aleksandrov" userId="c3051032-6b87-4db2-b257-777a0106fbd9" providerId="ADAL" clId="{C410F7C1-205D-4591-95F1-05C694B00F48}" dt="2024-02-01T13:05:39.732" v="53"/>
-          <ac:spMkLst>
-            <pc:docMk/>
-            <pc:sldMk cId="2644992822" sldId="308"/>
-            <ac:spMk id="2" creationId="{53C5D828-9666-E312-B574-9FE965A7D6BE}"/>
-          </ac:spMkLst>
-        </pc:spChg>
-        <pc:picChg chg="del">
-          <ac:chgData name="Ihor Aleksandrov" userId="c3051032-6b87-4db2-b257-777a0106fbd9" providerId="ADAL" clId="{C410F7C1-205D-4591-95F1-05C694B00F48}" dt="2024-02-01T13:05:57.708" v="54" actId="478"/>
-          <ac:picMkLst>
-            <pc:docMk/>
-            <pc:sldMk cId="2644992822" sldId="308"/>
-            <ac:picMk id="5" creationId="{A34F27FE-21C6-CACE-4C02-730CC097A333}"/>
-          </ac:picMkLst>
-        </pc:picChg>
-        <pc:picChg chg="add mod">
-          <ac:chgData name="Ihor Aleksandrov" userId="c3051032-6b87-4db2-b257-777a0106fbd9" providerId="ADAL" clId="{C410F7C1-205D-4591-95F1-05C694B00F48}" dt="2024-02-01T13:06:17.179" v="60" actId="1076"/>
-          <ac:picMkLst>
-            <pc:docMk/>
-            <pc:sldMk cId="2644992822" sldId="308"/>
-            <ac:picMk id="6" creationId="{0090B58C-FD36-6364-731B-B2B6F294EF79}"/>
-          </ac:picMkLst>
-        </pc:picChg>
-      </pc:sldChg>
-      <pc:sldChg chg="del">
-        <pc:chgData name="Ihor Aleksandrov" userId="c3051032-6b87-4db2-b257-777a0106fbd9" providerId="ADAL" clId="{C410F7C1-205D-4591-95F1-05C694B00F48}" dt="2024-02-01T12:41:36.061" v="8" actId="2696"/>
-        <pc:sldMkLst>
-          <pc:docMk/>
-          <pc:sldMk cId="322251114" sldId="309"/>
-        </pc:sldMkLst>
-      </pc:sldChg>
-      <pc:sldChg chg="addSp delSp modSp add mod">
-        <pc:chgData name="Ihor Aleksandrov" userId="c3051032-6b87-4db2-b257-777a0106fbd9" providerId="ADAL" clId="{C410F7C1-205D-4591-95F1-05C694B00F48}" dt="2024-02-01T13:09:06.115" v="72" actId="1076"/>
-        <pc:sldMkLst>
-          <pc:docMk/>
-          <pc:sldMk cId="1628478381" sldId="309"/>
-        </pc:sldMkLst>
-        <pc:spChg chg="mod">
-          <ac:chgData name="Ihor Aleksandrov" userId="c3051032-6b87-4db2-b257-777a0106fbd9" providerId="ADAL" clId="{C410F7C1-205D-4591-95F1-05C694B00F48}" dt="2024-02-01T13:08:55.151" v="66"/>
-          <ac:spMkLst>
-            <pc:docMk/>
-            <pc:sldMk cId="1628478381" sldId="309"/>
-            <ac:spMk id="2" creationId="{53C5D828-9666-E312-B574-9FE965A7D6BE}"/>
-          </ac:spMkLst>
-        </pc:spChg>
-        <pc:picChg chg="add mod">
-          <ac:chgData name="Ihor Aleksandrov" userId="c3051032-6b87-4db2-b257-777a0106fbd9" providerId="ADAL" clId="{C410F7C1-205D-4591-95F1-05C694B00F48}" dt="2024-02-01T13:09:06.115" v="72" actId="1076"/>
-          <ac:picMkLst>
-            <pc:docMk/>
-            <pc:sldMk cId="1628478381" sldId="309"/>
-            <ac:picMk id="5" creationId="{BB19ADC9-FBEE-1576-0442-611686085618}"/>
-          </ac:picMkLst>
-        </pc:picChg>
-        <pc:picChg chg="del">
-          <ac:chgData name="Ihor Aleksandrov" userId="c3051032-6b87-4db2-b257-777a0106fbd9" providerId="ADAL" clId="{C410F7C1-205D-4591-95F1-05C694B00F48}" dt="2024-02-01T13:09:00.463" v="67" actId="478"/>
-          <ac:picMkLst>
-            <pc:docMk/>
-            <pc:sldMk cId="1628478381" sldId="309"/>
-            <ac:picMk id="6" creationId="{0090B58C-FD36-6364-731B-B2B6F294EF79}"/>
-          </ac:picMkLst>
-        </pc:picChg>
-      </pc:sldChg>
-      <pc:sldChg chg="addSp delSp modSp add mod">
-        <pc:chgData name="Ihor Aleksandrov" userId="c3051032-6b87-4db2-b257-777a0106fbd9" providerId="ADAL" clId="{C410F7C1-205D-4591-95F1-05C694B00F48}" dt="2024-02-01T13:15:34.507" v="82" actId="1076"/>
-        <pc:sldMkLst>
-          <pc:docMk/>
-          <pc:sldMk cId="3050358783" sldId="310"/>
-        </pc:sldMkLst>
-        <pc:picChg chg="add del mod">
-          <ac:chgData name="Ihor Aleksandrov" userId="c3051032-6b87-4db2-b257-777a0106fbd9" providerId="ADAL" clId="{C410F7C1-205D-4591-95F1-05C694B00F48}" dt="2024-02-01T13:15:17.274" v="78" actId="478"/>
-          <ac:picMkLst>
-            <pc:docMk/>
-            <pc:sldMk cId="3050358783" sldId="310"/>
-            <ac:picMk id="4" creationId="{0B523341-A4FE-3F89-3866-F3A1E44611CF}"/>
-          </ac:picMkLst>
-        </pc:picChg>
-        <pc:picChg chg="del">
-          <ac:chgData name="Ihor Aleksandrov" userId="c3051032-6b87-4db2-b257-777a0106fbd9" providerId="ADAL" clId="{C410F7C1-205D-4591-95F1-05C694B00F48}" dt="2024-02-01T13:15:02.205" v="74" actId="478"/>
-          <ac:picMkLst>
-            <pc:docMk/>
-            <pc:sldMk cId="3050358783" sldId="310"/>
-            <ac:picMk id="5" creationId="{BB19ADC9-FBEE-1576-0442-611686085618}"/>
-          </ac:picMkLst>
-        </pc:picChg>
-        <pc:picChg chg="add mod">
-          <ac:chgData name="Ihor Aleksandrov" userId="c3051032-6b87-4db2-b257-777a0106fbd9" providerId="ADAL" clId="{C410F7C1-205D-4591-95F1-05C694B00F48}" dt="2024-02-01T13:15:34.507" v="82" actId="1076"/>
-          <ac:picMkLst>
-            <pc:docMk/>
-            <pc:sldMk cId="3050358783" sldId="310"/>
-            <ac:picMk id="7" creationId="{53BBDC68-2FC0-4C28-900D-76B82EEA6783}"/>
-          </ac:picMkLst>
-        </pc:picChg>
-      </pc:sldChg>
-      <pc:sldChg chg="del">
-        <pc:chgData name="Ihor Aleksandrov" userId="c3051032-6b87-4db2-b257-777a0106fbd9" providerId="ADAL" clId="{C410F7C1-205D-4591-95F1-05C694B00F48}" dt="2024-02-01T12:41:36.061" v="8" actId="2696"/>
-        <pc:sldMkLst>
-          <pc:docMk/>
-          <pc:sldMk cId="3511455361" sldId="310"/>
-        </pc:sldMkLst>
-      </pc:sldChg>
-      <pc:sldChg chg="addSp delSp modSp add mod">
-        <pc:chgData name="Ihor Aleksandrov" userId="c3051032-6b87-4db2-b257-777a0106fbd9" providerId="ADAL" clId="{C410F7C1-205D-4591-95F1-05C694B00F48}" dt="2024-02-01T13:18:19.271" v="89" actId="1076"/>
-        <pc:sldMkLst>
-          <pc:docMk/>
-          <pc:sldMk cId="206060696" sldId="311"/>
-        </pc:sldMkLst>
-        <pc:spChg chg="mod">
-          <ac:chgData name="Ihor Aleksandrov" userId="c3051032-6b87-4db2-b257-777a0106fbd9" providerId="ADAL" clId="{C410F7C1-205D-4591-95F1-05C694B00F48}" dt="2024-02-01T13:17:59.953" v="84"/>
-          <ac:spMkLst>
-            <pc:docMk/>
-            <pc:sldMk cId="206060696" sldId="311"/>
-            <ac:spMk id="2" creationId="{53C5D828-9666-E312-B574-9FE965A7D6BE}"/>
-          </ac:spMkLst>
-        </pc:spChg>
-        <pc:picChg chg="add mod">
-          <ac:chgData name="Ihor Aleksandrov" userId="c3051032-6b87-4db2-b257-777a0106fbd9" providerId="ADAL" clId="{C410F7C1-205D-4591-95F1-05C694B00F48}" dt="2024-02-01T13:18:19.271" v="89" actId="1076"/>
-          <ac:picMkLst>
-            <pc:docMk/>
-            <pc:sldMk cId="206060696" sldId="311"/>
-            <ac:picMk id="5" creationId="{950A5D0E-4AA9-2966-86FC-34821557903F}"/>
-          </ac:picMkLst>
-        </pc:picChg>
-        <pc:picChg chg="del">
-          <ac:chgData name="Ihor Aleksandrov" userId="c3051032-6b87-4db2-b257-777a0106fbd9" providerId="ADAL" clId="{C410F7C1-205D-4591-95F1-05C694B00F48}" dt="2024-02-01T13:18:01.653" v="85" actId="478"/>
-          <ac:picMkLst>
-            <pc:docMk/>
-            <pc:sldMk cId="206060696" sldId="311"/>
-            <ac:picMk id="7" creationId="{53BBDC68-2FC0-4C28-900D-76B82EEA6783}"/>
-          </ac:picMkLst>
-        </pc:picChg>
-      </pc:sldChg>
-      <pc:sldChg chg="del">
-        <pc:chgData name="Ihor Aleksandrov" userId="c3051032-6b87-4db2-b257-777a0106fbd9" providerId="ADAL" clId="{C410F7C1-205D-4591-95F1-05C694B00F48}" dt="2024-02-01T12:41:36.061" v="8" actId="2696"/>
-        <pc:sldMkLst>
-          <pc:docMk/>
-          <pc:sldMk cId="1118882355" sldId="311"/>
-        </pc:sldMkLst>
-      </pc:sldChg>
-      <pc:sldChg chg="del">
-        <pc:chgData name="Ihor Aleksandrov" userId="c3051032-6b87-4db2-b257-777a0106fbd9" providerId="ADAL" clId="{C410F7C1-205D-4591-95F1-05C694B00F48}" dt="2024-02-01T12:41:36.061" v="8" actId="2696"/>
-        <pc:sldMkLst>
-          <pc:docMk/>
-          <pc:sldMk cId="804494040" sldId="312"/>
-        </pc:sldMkLst>
-      </pc:sldChg>
-      <pc:sldChg chg="addSp delSp modSp add mod">
-        <pc:chgData name="Ihor Aleksandrov" userId="c3051032-6b87-4db2-b257-777a0106fbd9" providerId="ADAL" clId="{C410F7C1-205D-4591-95F1-05C694B00F48}" dt="2024-02-01T13:20:03.392" v="95" actId="1076"/>
-        <pc:sldMkLst>
-          <pc:docMk/>
-          <pc:sldMk cId="3580708111" sldId="312"/>
-        </pc:sldMkLst>
-        <pc:spChg chg="mod">
-          <ac:chgData name="Ihor Aleksandrov" userId="c3051032-6b87-4db2-b257-777a0106fbd9" providerId="ADAL" clId="{C410F7C1-205D-4591-95F1-05C694B00F48}" dt="2024-02-01T13:19:41.780" v="91"/>
-          <ac:spMkLst>
-            <pc:docMk/>
-            <pc:sldMk cId="3580708111" sldId="312"/>
-            <ac:spMk id="2" creationId="{53C5D828-9666-E312-B574-9FE965A7D6BE}"/>
-          </ac:spMkLst>
-        </pc:spChg>
-        <pc:picChg chg="del">
-          <ac:chgData name="Ihor Aleksandrov" userId="c3051032-6b87-4db2-b257-777a0106fbd9" providerId="ADAL" clId="{C410F7C1-205D-4591-95F1-05C694B00F48}" dt="2024-02-01T13:19:55.760" v="92" actId="478"/>
-          <ac:picMkLst>
-            <pc:docMk/>
-            <pc:sldMk cId="3580708111" sldId="312"/>
-            <ac:picMk id="5" creationId="{950A5D0E-4AA9-2966-86FC-34821557903F}"/>
-          </ac:picMkLst>
-        </pc:picChg>
-        <pc:picChg chg="add mod">
-          <ac:chgData name="Ihor Aleksandrov" userId="c3051032-6b87-4db2-b257-777a0106fbd9" providerId="ADAL" clId="{C410F7C1-205D-4591-95F1-05C694B00F48}" dt="2024-02-01T13:20:03.392" v="95" actId="1076"/>
-          <ac:picMkLst>
-            <pc:docMk/>
-            <pc:sldMk cId="3580708111" sldId="312"/>
-            <ac:picMk id="6" creationId="{C060F215-02EB-24B7-EFE1-6F8BB1A2531B}"/>
-          </ac:picMkLst>
-        </pc:picChg>
-      </pc:sldChg>
-      <pc:sldChg chg="del">
-        <pc:chgData name="Ihor Aleksandrov" userId="c3051032-6b87-4db2-b257-777a0106fbd9" providerId="ADAL" clId="{C410F7C1-205D-4591-95F1-05C694B00F48}" dt="2024-02-01T12:41:36.061" v="8" actId="2696"/>
-        <pc:sldMkLst>
-          <pc:docMk/>
-          <pc:sldMk cId="516861898" sldId="313"/>
-        </pc:sldMkLst>
-      </pc:sldChg>
-      <pc:sldChg chg="addSp delSp modSp add mod">
-        <pc:chgData name="Ihor Aleksandrov" userId="c3051032-6b87-4db2-b257-777a0106fbd9" providerId="ADAL" clId="{C410F7C1-205D-4591-95F1-05C694B00F48}" dt="2024-02-01T13:21:36.150" v="103" actId="1076"/>
-        <pc:sldMkLst>
-          <pc:docMk/>
-          <pc:sldMk cId="798856435" sldId="313"/>
-        </pc:sldMkLst>
-        <pc:spChg chg="mod">
-          <ac:chgData name="Ihor Aleksandrov" userId="c3051032-6b87-4db2-b257-777a0106fbd9" providerId="ADAL" clId="{C410F7C1-205D-4591-95F1-05C694B00F48}" dt="2024-02-01T13:21:13.637" v="97"/>
-          <ac:spMkLst>
-            <pc:docMk/>
-            <pc:sldMk cId="798856435" sldId="313"/>
-            <ac:spMk id="2" creationId="{53C5D828-9666-E312-B574-9FE965A7D6BE}"/>
-          </ac:spMkLst>
-        </pc:spChg>
-        <pc:picChg chg="add mod">
-          <ac:chgData name="Ihor Aleksandrov" userId="c3051032-6b87-4db2-b257-777a0106fbd9" providerId="ADAL" clId="{C410F7C1-205D-4591-95F1-05C694B00F48}" dt="2024-02-01T13:21:36.150" v="103" actId="1076"/>
-          <ac:picMkLst>
-            <pc:docMk/>
-            <pc:sldMk cId="798856435" sldId="313"/>
-            <ac:picMk id="5" creationId="{9DB391DB-B759-39BD-7FCC-84C93ADA13FF}"/>
-          </ac:picMkLst>
-        </pc:picChg>
-        <pc:picChg chg="del">
-          <ac:chgData name="Ihor Aleksandrov" userId="c3051032-6b87-4db2-b257-777a0106fbd9" providerId="ADAL" clId="{C410F7C1-205D-4591-95F1-05C694B00F48}" dt="2024-02-01T13:21:24.924" v="98" actId="478"/>
-          <ac:picMkLst>
-            <pc:docMk/>
-            <pc:sldMk cId="798856435" sldId="313"/>
-            <ac:picMk id="6" creationId="{C060F215-02EB-24B7-EFE1-6F8BB1A2531B}"/>
-          </ac:picMkLst>
-        </pc:picChg>
-      </pc:sldChg>
-      <pc:sldChg chg="addSp delSp modSp add mod">
-        <pc:chgData name="Ihor Aleksandrov" userId="c3051032-6b87-4db2-b257-777a0106fbd9" providerId="ADAL" clId="{C410F7C1-205D-4591-95F1-05C694B00F48}" dt="2024-02-01T13:22:55.130" v="109" actId="1076"/>
-        <pc:sldMkLst>
-          <pc:docMk/>
-          <pc:sldMk cId="1385670279" sldId="314"/>
-        </pc:sldMkLst>
-        <pc:spChg chg="mod">
-          <ac:chgData name="Ihor Aleksandrov" userId="c3051032-6b87-4db2-b257-777a0106fbd9" providerId="ADAL" clId="{C410F7C1-205D-4591-95F1-05C694B00F48}" dt="2024-02-01T13:22:34.976" v="105"/>
-          <ac:spMkLst>
-            <pc:docMk/>
-            <pc:sldMk cId="1385670279" sldId="314"/>
-            <ac:spMk id="2" creationId="{53C5D828-9666-E312-B574-9FE965A7D6BE}"/>
-          </ac:spMkLst>
-        </pc:spChg>
-        <pc:picChg chg="del">
-          <ac:chgData name="Ihor Aleksandrov" userId="c3051032-6b87-4db2-b257-777a0106fbd9" providerId="ADAL" clId="{C410F7C1-205D-4591-95F1-05C694B00F48}" dt="2024-02-01T13:22:37.366" v="106" actId="478"/>
-          <ac:picMkLst>
-            <pc:docMk/>
-            <pc:sldMk cId="1385670279" sldId="314"/>
-            <ac:picMk id="5" creationId="{9DB391DB-B759-39BD-7FCC-84C93ADA13FF}"/>
-          </ac:picMkLst>
-        </pc:picChg>
-        <pc:picChg chg="add mod">
-          <ac:chgData name="Ihor Aleksandrov" userId="c3051032-6b87-4db2-b257-777a0106fbd9" providerId="ADAL" clId="{C410F7C1-205D-4591-95F1-05C694B00F48}" dt="2024-02-01T13:22:55.130" v="109" actId="1076"/>
-          <ac:picMkLst>
-            <pc:docMk/>
-            <pc:sldMk cId="1385670279" sldId="314"/>
-            <ac:picMk id="6" creationId="{810788BD-3E43-8F5F-12B4-93BDC8058BDA}"/>
-          </ac:picMkLst>
-        </pc:picChg>
-      </pc:sldChg>
-      <pc:sldChg chg="del">
-        <pc:chgData name="Ihor Aleksandrov" userId="c3051032-6b87-4db2-b257-777a0106fbd9" providerId="ADAL" clId="{C410F7C1-205D-4591-95F1-05C694B00F48}" dt="2024-02-01T12:41:36.061" v="8" actId="2696"/>
-        <pc:sldMkLst>
-          <pc:docMk/>
-          <pc:sldMk cId="3021580720" sldId="314"/>
-        </pc:sldMkLst>
-      </pc:sldChg>
-      <pc:sldChg chg="del">
-        <pc:chgData name="Ihor Aleksandrov" userId="c3051032-6b87-4db2-b257-777a0106fbd9" providerId="ADAL" clId="{C410F7C1-205D-4591-95F1-05C694B00F48}" dt="2024-02-01T12:41:36.061" v="8" actId="2696"/>
-        <pc:sldMkLst>
-          <pc:docMk/>
-          <pc:sldMk cId="1571930096" sldId="315"/>
-        </pc:sldMkLst>
-      </pc:sldChg>
-      <pc:sldChg chg="modSp add mod ord">
-        <pc:chgData name="Ihor Aleksandrov" userId="c3051032-6b87-4db2-b257-777a0106fbd9" providerId="ADAL" clId="{C410F7C1-205D-4591-95F1-05C694B00F48}" dt="2024-02-01T13:24:52.642" v="117" actId="20577"/>
-        <pc:sldMkLst>
-          <pc:docMk/>
-          <pc:sldMk cId="2634595727" sldId="315"/>
-        </pc:sldMkLst>
-        <pc:spChg chg="mod">
-          <ac:chgData name="Ihor Aleksandrov" userId="c3051032-6b87-4db2-b257-777a0106fbd9" providerId="ADAL" clId="{C410F7C1-205D-4591-95F1-05C694B00F48}" dt="2024-02-01T13:24:52.642" v="117" actId="20577"/>
-          <ac:spMkLst>
-            <pc:docMk/>
-            <pc:sldMk cId="2634595727" sldId="315"/>
-            <ac:spMk id="2" creationId="{18C18207-A109-5552-1541-0ABBAA316282}"/>
-          </ac:spMkLst>
-        </pc:spChg>
-      </pc:sldChg>
-      <pc:sldChg chg="addSp delSp modSp add mod ord replId">
-        <pc:chgData name="Ihor Aleksandrov" userId="c3051032-6b87-4db2-b257-777a0106fbd9" providerId="ADAL" clId="{C410F7C1-205D-4591-95F1-05C694B00F48}" dt="2024-02-02T11:16:12.667" v="127" actId="20577"/>
-        <pc:sldMkLst>
-          <pc:docMk/>
-          <pc:sldMk cId="417898339" sldId="316"/>
-        </pc:sldMkLst>
-        <pc:spChg chg="mod">
-          <ac:chgData name="Ihor Aleksandrov" userId="c3051032-6b87-4db2-b257-777a0106fbd9" providerId="ADAL" clId="{C410F7C1-205D-4591-95F1-05C694B00F48}" dt="2024-02-02T11:16:12.667" v="127" actId="20577"/>
-          <ac:spMkLst>
-            <pc:docMk/>
-            <pc:sldMk cId="417898339" sldId="316"/>
-            <ac:spMk id="2" creationId="{53C5D828-9666-E312-B574-9FE965A7D6BE}"/>
-          </ac:spMkLst>
-        </pc:spChg>
-        <pc:picChg chg="add del">
-          <ac:chgData name="Ihor Aleksandrov" userId="c3051032-6b87-4db2-b257-777a0106fbd9" providerId="ADAL" clId="{C410F7C1-205D-4591-95F1-05C694B00F48}" dt="2024-02-02T10:38:22.731" v="121"/>
-          <ac:picMkLst>
-            <pc:docMk/>
-            <pc:sldMk cId="417898339" sldId="316"/>
-            <ac:picMk id="4" creationId="{3F75A88A-3264-0210-98B6-DCA69FFCEF98}"/>
-          </ac:picMkLst>
-        </pc:picChg>
-        <pc:picChg chg="del">
-          <ac:chgData name="Ihor Aleksandrov" userId="c3051032-6b87-4db2-b257-777a0106fbd9" providerId="ADAL" clId="{C410F7C1-205D-4591-95F1-05C694B00F48}" dt="2024-02-01T13:24:56.668" v="118" actId="478"/>
-          <ac:picMkLst>
-            <pc:docMk/>
-            <pc:sldMk cId="417898339" sldId="316"/>
-            <ac:picMk id="4" creationId="{92907877-90FB-5BAD-BBDC-D0209540D5C3}"/>
-          </ac:picMkLst>
-        </pc:picChg>
-        <pc:picChg chg="add mod">
-          <ac:chgData name="Ihor Aleksandrov" userId="c3051032-6b87-4db2-b257-777a0106fbd9" providerId="ADAL" clId="{C410F7C1-205D-4591-95F1-05C694B00F48}" dt="2024-02-02T10:38:58.956" v="124" actId="1076"/>
-          <ac:picMkLst>
-            <pc:docMk/>
-            <pc:sldMk cId="417898339" sldId="316"/>
-            <ac:picMk id="6" creationId="{0C9E6090-2EB5-167B-69B1-29BC280B19FF}"/>
-          </ac:picMkLst>
-        </pc:picChg>
-      </pc:sldChg>
-      <pc:sldChg chg="del">
-        <pc:chgData name="Ihor Aleksandrov" userId="c3051032-6b87-4db2-b257-777a0106fbd9" providerId="ADAL" clId="{C410F7C1-205D-4591-95F1-05C694B00F48}" dt="2024-02-01T12:41:36.061" v="8" actId="2696"/>
-        <pc:sldMkLst>
-          <pc:docMk/>
-          <pc:sldMk cId="1133084570" sldId="316"/>
-        </pc:sldMkLst>
-      </pc:sldChg>
-      <pc:sldChg chg="del">
-        <pc:chgData name="Ihor Aleksandrov" userId="c3051032-6b87-4db2-b257-777a0106fbd9" providerId="ADAL" clId="{C410F7C1-205D-4591-95F1-05C694B00F48}" dt="2024-02-01T12:41:36.061" v="8" actId="2696"/>
-        <pc:sldMkLst>
-          <pc:docMk/>
-          <pc:sldMk cId="356788772" sldId="317"/>
-        </pc:sldMkLst>
-      </pc:sldChg>
-      <pc:sldChg chg="addSp delSp modSp add mod">
-        <pc:chgData name="Ihor Aleksandrov" userId="c3051032-6b87-4db2-b257-777a0106fbd9" providerId="ADAL" clId="{C410F7C1-205D-4591-95F1-05C694B00F48}" dt="2024-02-02T11:20:38.327" v="156" actId="20577"/>
-        <pc:sldMkLst>
-          <pc:docMk/>
-          <pc:sldMk cId="2689025171" sldId="317"/>
-        </pc:sldMkLst>
-        <pc:spChg chg="mod">
-          <ac:chgData name="Ihor Aleksandrov" userId="c3051032-6b87-4db2-b257-777a0106fbd9" providerId="ADAL" clId="{C410F7C1-205D-4591-95F1-05C694B00F48}" dt="2024-02-02T11:20:38.327" v="156" actId="20577"/>
-          <ac:spMkLst>
-            <pc:docMk/>
-            <pc:sldMk cId="2689025171" sldId="317"/>
-            <ac:spMk id="2" creationId="{53C5D828-9666-E312-B574-9FE965A7D6BE}"/>
-          </ac:spMkLst>
-        </pc:spChg>
-        <pc:picChg chg="add mod">
-          <ac:chgData name="Ihor Aleksandrov" userId="c3051032-6b87-4db2-b257-777a0106fbd9" providerId="ADAL" clId="{C410F7C1-205D-4591-95F1-05C694B00F48}" dt="2024-02-02T11:19:07.746" v="149" actId="1076"/>
-          <ac:picMkLst>
-            <pc:docMk/>
-            <pc:sldMk cId="2689025171" sldId="317"/>
-            <ac:picMk id="5" creationId="{323F2EC2-F203-FEDB-F7E0-AE9C8F083AFF}"/>
-          </ac:picMkLst>
-        </pc:picChg>
-        <pc:picChg chg="del">
-          <ac:chgData name="Ihor Aleksandrov" userId="c3051032-6b87-4db2-b257-777a0106fbd9" providerId="ADAL" clId="{C410F7C1-205D-4591-95F1-05C694B00F48}" dt="2024-02-02T11:17:50.119" v="141" actId="478"/>
-          <ac:picMkLst>
-            <pc:docMk/>
-            <pc:sldMk cId="2689025171" sldId="317"/>
-            <ac:picMk id="6" creationId="{0C9E6090-2EB5-167B-69B1-29BC280B19FF}"/>
-          </ac:picMkLst>
-        </pc:picChg>
-      </pc:sldChg>
-      <pc:sldChg chg="del">
-        <pc:chgData name="Ihor Aleksandrov" userId="c3051032-6b87-4db2-b257-777a0106fbd9" providerId="ADAL" clId="{C410F7C1-205D-4591-95F1-05C694B00F48}" dt="2024-02-01T12:41:36.061" v="8" actId="2696"/>
-        <pc:sldMkLst>
-          <pc:docMk/>
-          <pc:sldMk cId="2690505772" sldId="318"/>
-        </pc:sldMkLst>
-      </pc:sldChg>
-      <pc:sldChg chg="addSp delSp modSp add mod">
-        <pc:chgData name="Ihor Aleksandrov" userId="c3051032-6b87-4db2-b257-777a0106fbd9" providerId="ADAL" clId="{C410F7C1-205D-4591-95F1-05C694B00F48}" dt="2024-02-02T12:52:38.052" v="190" actId="1076"/>
-        <pc:sldMkLst>
-          <pc:docMk/>
-          <pc:sldMk cId="3962432003" sldId="318"/>
-        </pc:sldMkLst>
-        <pc:spChg chg="mod">
-          <ac:chgData name="Ihor Aleksandrov" userId="c3051032-6b87-4db2-b257-777a0106fbd9" providerId="ADAL" clId="{C410F7C1-205D-4591-95F1-05C694B00F48}" dt="2024-02-02T11:26:06.624" v="180" actId="20577"/>
-          <ac:spMkLst>
-            <pc:docMk/>
-            <pc:sldMk cId="3962432003" sldId="318"/>
-            <ac:spMk id="2" creationId="{53C5D828-9666-E312-B574-9FE965A7D6BE}"/>
-          </ac:spMkLst>
-        </pc:spChg>
-        <pc:picChg chg="del">
-          <ac:chgData name="Ihor Aleksandrov" userId="c3051032-6b87-4db2-b257-777a0106fbd9" providerId="ADAL" clId="{C410F7C1-205D-4591-95F1-05C694B00F48}" dt="2024-02-02T11:26:09.859" v="181" actId="478"/>
-          <ac:picMkLst>
-            <pc:docMk/>
-            <pc:sldMk cId="3962432003" sldId="318"/>
-            <ac:picMk id="5" creationId="{323F2EC2-F203-FEDB-F7E0-AE9C8F083AFF}"/>
-          </ac:picMkLst>
-        </pc:picChg>
-        <pc:picChg chg="add mod">
-          <ac:chgData name="Ihor Aleksandrov" userId="c3051032-6b87-4db2-b257-777a0106fbd9" providerId="ADAL" clId="{C410F7C1-205D-4591-95F1-05C694B00F48}" dt="2024-02-02T12:51:40.823" v="185" actId="1076"/>
-          <ac:picMkLst>
-            <pc:docMk/>
-            <pc:sldMk cId="3962432003" sldId="318"/>
-            <ac:picMk id="6" creationId="{6CE0DC01-884F-14E9-19A9-BFE03913D4A5}"/>
-          </ac:picMkLst>
-        </pc:picChg>
-        <pc:picChg chg="add mod">
-          <ac:chgData name="Ihor Aleksandrov" userId="c3051032-6b87-4db2-b257-777a0106fbd9" providerId="ADAL" clId="{C410F7C1-205D-4591-95F1-05C694B00F48}" dt="2024-02-02T12:52:38.052" v="190" actId="1076"/>
-          <ac:picMkLst>
-            <pc:docMk/>
-            <pc:sldMk cId="3962432003" sldId="318"/>
-            <ac:picMk id="8" creationId="{E4C6AC16-EBCB-F04F-FB78-E9853A14796C}"/>
-          </ac:picMkLst>
-        </pc:picChg>
-      </pc:sldChg>
-      <pc:sldChg chg="addSp delSp modSp add mod">
-        <pc:chgData name="Ihor Aleksandrov" userId="c3051032-6b87-4db2-b257-777a0106fbd9" providerId="ADAL" clId="{C410F7C1-205D-4591-95F1-05C694B00F48}" dt="2024-02-02T12:56:08.952" v="223" actId="11529"/>
-        <pc:sldMkLst>
-          <pc:docMk/>
-          <pc:sldMk cId="1453833506" sldId="319"/>
-        </pc:sldMkLst>
-        <pc:spChg chg="mod">
-          <ac:chgData name="Ihor Aleksandrov" userId="c3051032-6b87-4db2-b257-777a0106fbd9" providerId="ADAL" clId="{C410F7C1-205D-4591-95F1-05C694B00F48}" dt="2024-02-02T12:55:12.965" v="220" actId="20577"/>
-          <ac:spMkLst>
-            <pc:docMk/>
-            <pc:sldMk cId="1453833506" sldId="319"/>
-            <ac:spMk id="2" creationId="{53C5D828-9666-E312-B574-9FE965A7D6BE}"/>
-          </ac:spMkLst>
-        </pc:spChg>
-        <pc:spChg chg="add">
-          <ac:chgData name="Ihor Aleksandrov" userId="c3051032-6b87-4db2-b257-777a0106fbd9" providerId="ADAL" clId="{C410F7C1-205D-4591-95F1-05C694B00F48}" dt="2024-02-02T12:56:08.952" v="223" actId="11529"/>
-          <ac:spMkLst>
-            <pc:docMk/>
-            <pc:sldMk cId="1453833506" sldId="319"/>
-            <ac:spMk id="4" creationId="{107D3FF3-BFCA-F26A-7DC8-E1A5C69CE255}"/>
-          </ac:spMkLst>
-        </pc:spChg>
-        <pc:picChg chg="del">
-          <ac:chgData name="Ihor Aleksandrov" userId="c3051032-6b87-4db2-b257-777a0106fbd9" providerId="ADAL" clId="{C410F7C1-205D-4591-95F1-05C694B00F48}" dt="2024-02-02T12:55:14.695" v="221" actId="478"/>
-          <ac:picMkLst>
-            <pc:docMk/>
-            <pc:sldMk cId="1453833506" sldId="319"/>
-            <ac:picMk id="6" creationId="{6CE0DC01-884F-14E9-19A9-BFE03913D4A5}"/>
-          </ac:picMkLst>
-        </pc:picChg>
-        <pc:picChg chg="del">
-          <ac:chgData name="Ihor Aleksandrov" userId="c3051032-6b87-4db2-b257-777a0106fbd9" providerId="ADAL" clId="{C410F7C1-205D-4591-95F1-05C694B00F48}" dt="2024-02-02T12:55:16.619" v="222" actId="478"/>
-          <ac:picMkLst>
-            <pc:docMk/>
-            <pc:sldMk cId="1453833506" sldId="319"/>
-            <ac:picMk id="8" creationId="{E4C6AC16-EBCB-F04F-FB78-E9853A14796C}"/>
-          </ac:picMkLst>
-        </pc:picChg>
-      </pc:sldChg>
-      <pc:sldChg chg="del">
-        <pc:chgData name="Ihor Aleksandrov" userId="c3051032-6b87-4db2-b257-777a0106fbd9" providerId="ADAL" clId="{C410F7C1-205D-4591-95F1-05C694B00F48}" dt="2024-02-01T12:41:36.061" v="8" actId="2696"/>
-        <pc:sldMkLst>
-          <pc:docMk/>
-          <pc:sldMk cId="3618741339" sldId="319"/>
-        </pc:sldMkLst>
-      </pc:sldChg>
-      <pc:sldChg chg="del">
-        <pc:chgData name="Ihor Aleksandrov" userId="c3051032-6b87-4db2-b257-777a0106fbd9" providerId="ADAL" clId="{C410F7C1-205D-4591-95F1-05C694B00F48}" dt="2024-02-01T12:41:36.061" v="8" actId="2696"/>
-        <pc:sldMkLst>
-          <pc:docMk/>
-          <pc:sldMk cId="955539517" sldId="320"/>
-        </pc:sldMkLst>
-      </pc:sldChg>
-      <pc:sldChg chg="modSp add mod">
-        <pc:chgData name="Ihor Aleksandrov" userId="c3051032-6b87-4db2-b257-777a0106fbd9" providerId="ADAL" clId="{C410F7C1-205D-4591-95F1-05C694B00F48}" dt="2024-02-02T13:04:06.781" v="233" actId="20577"/>
-        <pc:sldMkLst>
-          <pc:docMk/>
-          <pc:sldMk cId="4046445197" sldId="320"/>
-        </pc:sldMkLst>
-        <pc:spChg chg="mod">
-          <ac:chgData name="Ihor Aleksandrov" userId="c3051032-6b87-4db2-b257-777a0106fbd9" providerId="ADAL" clId="{C410F7C1-205D-4591-95F1-05C694B00F48}" dt="2024-02-02T13:04:06.781" v="233" actId="20577"/>
-          <ac:spMkLst>
-            <pc:docMk/>
-            <pc:sldMk cId="4046445197" sldId="320"/>
-            <ac:spMk id="2" creationId="{53C5D828-9666-E312-B574-9FE965A7D6BE}"/>
-          </ac:spMkLst>
-        </pc:spChg>
-      </pc:sldChg>
-      <pc:sldChg chg="modSp add mod">
-        <pc:chgData name="Ihor Aleksandrov" userId="c3051032-6b87-4db2-b257-777a0106fbd9" providerId="ADAL" clId="{C410F7C1-205D-4591-95F1-05C694B00F48}" dt="2024-02-02T13:07:51.693" v="253" actId="20577"/>
-        <pc:sldMkLst>
-          <pc:docMk/>
-          <pc:sldMk cId="332551928" sldId="321"/>
-        </pc:sldMkLst>
-        <pc:spChg chg="mod">
-          <ac:chgData name="Ihor Aleksandrov" userId="c3051032-6b87-4db2-b257-777a0106fbd9" providerId="ADAL" clId="{C410F7C1-205D-4591-95F1-05C694B00F48}" dt="2024-02-02T13:07:51.693" v="253" actId="20577"/>
-          <ac:spMkLst>
-            <pc:docMk/>
-            <pc:sldMk cId="332551928" sldId="321"/>
-            <ac:spMk id="2" creationId="{53C5D828-9666-E312-B574-9FE965A7D6BE}"/>
-          </ac:spMkLst>
-        </pc:spChg>
-      </pc:sldChg>
-      <pc:sldChg chg="del">
-        <pc:chgData name="Ihor Aleksandrov" userId="c3051032-6b87-4db2-b257-777a0106fbd9" providerId="ADAL" clId="{C410F7C1-205D-4591-95F1-05C694B00F48}" dt="2024-02-01T12:41:36.061" v="8" actId="2696"/>
-        <pc:sldMkLst>
-          <pc:docMk/>
-          <pc:sldMk cId="3974958853" sldId="321"/>
-        </pc:sldMkLst>
-      </pc:sldChg>
-      <pc:sldChg chg="addSp delSp modSp add mod">
-        <pc:chgData name="Ihor Aleksandrov" userId="c3051032-6b87-4db2-b257-777a0106fbd9" providerId="ADAL" clId="{C410F7C1-205D-4591-95F1-05C694B00F48}" dt="2024-02-02T13:11:30.064" v="269" actId="1076"/>
-        <pc:sldMkLst>
-          <pc:docMk/>
-          <pc:sldMk cId="256048852" sldId="322"/>
-        </pc:sldMkLst>
-        <pc:spChg chg="mod">
-          <ac:chgData name="Ihor Aleksandrov" userId="c3051032-6b87-4db2-b257-777a0106fbd9" providerId="ADAL" clId="{C410F7C1-205D-4591-95F1-05C694B00F48}" dt="2024-02-02T13:10:12.450" v="262" actId="20577"/>
-          <ac:spMkLst>
-            <pc:docMk/>
-            <pc:sldMk cId="256048852" sldId="322"/>
-            <ac:spMk id="2" creationId="{53C5D828-9666-E312-B574-9FE965A7D6BE}"/>
-          </ac:spMkLst>
-        </pc:spChg>
-        <pc:spChg chg="del">
-          <ac:chgData name="Ihor Aleksandrov" userId="c3051032-6b87-4db2-b257-777a0106fbd9" providerId="ADAL" clId="{C410F7C1-205D-4591-95F1-05C694B00F48}" dt="2024-02-02T13:10:17.500" v="263" actId="478"/>
-          <ac:spMkLst>
-            <pc:docMk/>
-            <pc:sldMk cId="256048852" sldId="322"/>
-            <ac:spMk id="4" creationId="{107D3FF3-BFCA-F26A-7DC8-E1A5C69CE255}"/>
-          </ac:spMkLst>
-        </pc:spChg>
-        <pc:picChg chg="add mod">
-          <ac:chgData name="Ihor Aleksandrov" userId="c3051032-6b87-4db2-b257-777a0106fbd9" providerId="ADAL" clId="{C410F7C1-205D-4591-95F1-05C694B00F48}" dt="2024-02-02T13:10:46.078" v="266" actId="1076"/>
-          <ac:picMkLst>
-            <pc:docMk/>
-            <pc:sldMk cId="256048852" sldId="322"/>
-            <ac:picMk id="6" creationId="{540496AA-0B24-0040-9F44-BAFA2FCB0BAA}"/>
-          </ac:picMkLst>
-        </pc:picChg>
-        <pc:picChg chg="add mod">
-          <ac:chgData name="Ihor Aleksandrov" userId="c3051032-6b87-4db2-b257-777a0106fbd9" providerId="ADAL" clId="{C410F7C1-205D-4591-95F1-05C694B00F48}" dt="2024-02-02T13:11:30.064" v="269" actId="1076"/>
-          <ac:picMkLst>
-            <pc:docMk/>
-            <pc:sldMk cId="256048852" sldId="322"/>
-            <ac:picMk id="8" creationId="{658C3F76-54EF-576F-9F63-72AC8DC29881}"/>
-          </ac:picMkLst>
-        </pc:picChg>
-      </pc:sldChg>
-      <pc:sldChg chg="del">
-        <pc:chgData name="Ihor Aleksandrov" userId="c3051032-6b87-4db2-b257-777a0106fbd9" providerId="ADAL" clId="{C410F7C1-205D-4591-95F1-05C694B00F48}" dt="2024-02-01T12:41:36.061" v="8" actId="2696"/>
-        <pc:sldMkLst>
-          <pc:docMk/>
-          <pc:sldMk cId="3021423085" sldId="322"/>
-        </pc:sldMkLst>
-      </pc:sldChg>
-      <pc:sldChg chg="del">
-        <pc:chgData name="Ihor Aleksandrov" userId="c3051032-6b87-4db2-b257-777a0106fbd9" providerId="ADAL" clId="{C410F7C1-205D-4591-95F1-05C694B00F48}" dt="2024-02-01T12:41:36.061" v="8" actId="2696"/>
-        <pc:sldMkLst>
-          <pc:docMk/>
-          <pc:sldMk cId="816537371" sldId="323"/>
-        </pc:sldMkLst>
-      </pc:sldChg>
-      <pc:sldChg chg="modSp add mod ord">
-        <pc:chgData name="Ihor Aleksandrov" userId="c3051032-6b87-4db2-b257-777a0106fbd9" providerId="ADAL" clId="{C410F7C1-205D-4591-95F1-05C694B00F48}" dt="2024-02-02T13:16:46.348" v="293" actId="20577"/>
-        <pc:sldMkLst>
-          <pc:docMk/>
-          <pc:sldMk cId="1857131316" sldId="323"/>
-        </pc:sldMkLst>
-        <pc:spChg chg="mod">
-          <ac:chgData name="Ihor Aleksandrov" userId="c3051032-6b87-4db2-b257-777a0106fbd9" providerId="ADAL" clId="{C410F7C1-205D-4591-95F1-05C694B00F48}" dt="2024-02-02T13:16:46.348" v="293" actId="20577"/>
-          <ac:spMkLst>
-            <pc:docMk/>
-            <pc:sldMk cId="1857131316" sldId="323"/>
-            <ac:spMk id="2" creationId="{53C5D828-9666-E312-B574-9FE965A7D6BE}"/>
-          </ac:spMkLst>
-        </pc:spChg>
-      </pc:sldChg>
-      <pc:sldChg chg="modSp add mod">
-        <pc:chgData name="Ihor Aleksandrov" userId="c3051032-6b87-4db2-b257-777a0106fbd9" providerId="ADAL" clId="{C410F7C1-205D-4591-95F1-05C694B00F48}" dt="2024-02-02T13:18:23.690" v="310" actId="14100"/>
-        <pc:sldMkLst>
-          <pc:docMk/>
-          <pc:sldMk cId="1026488598" sldId="324"/>
-        </pc:sldMkLst>
-        <pc:spChg chg="mod">
-          <ac:chgData name="Ihor Aleksandrov" userId="c3051032-6b87-4db2-b257-777a0106fbd9" providerId="ADAL" clId="{C410F7C1-205D-4591-95F1-05C694B00F48}" dt="2024-02-02T13:18:23.690" v="310" actId="14100"/>
-          <ac:spMkLst>
-            <pc:docMk/>
-            <pc:sldMk cId="1026488598" sldId="324"/>
-            <ac:spMk id="2" creationId="{53C5D828-9666-E312-B574-9FE965A7D6BE}"/>
-          </ac:spMkLst>
-        </pc:spChg>
-      </pc:sldChg>
-      <pc:sldChg chg="del">
-        <pc:chgData name="Ihor Aleksandrov" userId="c3051032-6b87-4db2-b257-777a0106fbd9" providerId="ADAL" clId="{C410F7C1-205D-4591-95F1-05C694B00F48}" dt="2024-02-01T12:41:36.061" v="8" actId="2696"/>
-        <pc:sldMkLst>
-          <pc:docMk/>
-          <pc:sldMk cId="3114329589" sldId="324"/>
-        </pc:sldMkLst>
-      </pc:sldChg>
-    </pc:docChg>
-  </pc:docChgLst>
-  <pc:docChgLst>
     <pc:chgData name="Ihor Aleksandrov" userId="c3051032-6b87-4db2-b257-777a0106fbd9" providerId="ADAL" clId="{1BA64282-8772-44DD-ADE1-6DE4E20DF9D4}"/>
     <pc:docChg chg="undo custSel addSld delSld modSld sldOrd addSection delSection modSection">
       <pc:chgData name="Ihor Aleksandrov" userId="c3051032-6b87-4db2-b257-777a0106fbd9" providerId="ADAL" clId="{1BA64282-8772-44DD-ADE1-6DE4E20DF9D4}" dt="2024-01-31T08:21:19.563" v="583" actId="14100"/>
@@ -2255,6 +1452,1755 @@
             <ac:picMk id="5" creationId="{1E6DB63B-EC74-3639-FEE4-934B615E45D7}"/>
           </ac:picMkLst>
         </pc:picChg>
+      </pc:sldChg>
+    </pc:docChg>
+  </pc:docChgLst>
+  <pc:docChgLst>
+    <pc:chgData name="Ihor Aleksandrov" userId="c3051032-6b87-4db2-b257-777a0106fbd9" providerId="ADAL" clId="{DF783FCC-C35F-4D2C-B134-D1A27E72D448}"/>
+    <pc:docChg chg="undo custSel addSld delSld modSld sldOrd addMainMaster delMainMaster addSection modSection">
+      <pc:chgData name="Ihor Aleksandrov" userId="c3051032-6b87-4db2-b257-777a0106fbd9" providerId="ADAL" clId="{DF783FCC-C35F-4D2C-B134-D1A27E72D448}" dt="2024-01-26T13:49:38.017" v="476" actId="1076"/>
+      <pc:docMkLst>
+        <pc:docMk/>
+      </pc:docMkLst>
+      <pc:sldChg chg="modSp add del mod">
+        <pc:chgData name="Ihor Aleksandrov" userId="c3051032-6b87-4db2-b257-777a0106fbd9" providerId="ADAL" clId="{DF783FCC-C35F-4D2C-B134-D1A27E72D448}" dt="2024-01-26T09:37:02.125" v="21" actId="20577"/>
+        <pc:sldMkLst>
+          <pc:docMk/>
+          <pc:sldMk cId="552267186" sldId="256"/>
+        </pc:sldMkLst>
+        <pc:spChg chg="mod">
+          <ac:chgData name="Ihor Aleksandrov" userId="c3051032-6b87-4db2-b257-777a0106fbd9" providerId="ADAL" clId="{DF783FCC-C35F-4D2C-B134-D1A27E72D448}" dt="2024-01-26T09:37:02.125" v="21" actId="20577"/>
+          <ac:spMkLst>
+            <pc:docMk/>
+            <pc:sldMk cId="552267186" sldId="256"/>
+            <ac:spMk id="2" creationId="{18C18207-A109-5552-1541-0ABBAA316282}"/>
+          </ac:spMkLst>
+        </pc:spChg>
+      </pc:sldChg>
+      <pc:sldChg chg="addSp delSp modSp add del mod">
+        <pc:chgData name="Ihor Aleksandrov" userId="c3051032-6b87-4db2-b257-777a0106fbd9" providerId="ADAL" clId="{DF783FCC-C35F-4D2C-B134-D1A27E72D448}" dt="2024-01-26T10:34:00.196" v="47"/>
+        <pc:sldMkLst>
+          <pc:docMk/>
+          <pc:sldMk cId="4197480136" sldId="268"/>
+        </pc:sldMkLst>
+        <pc:spChg chg="mod">
+          <ac:chgData name="Ihor Aleksandrov" userId="c3051032-6b87-4db2-b257-777a0106fbd9" providerId="ADAL" clId="{DF783FCC-C35F-4D2C-B134-D1A27E72D448}" dt="2024-01-26T10:32:58.017" v="35" actId="20577"/>
+          <ac:spMkLst>
+            <pc:docMk/>
+            <pc:sldMk cId="4197480136" sldId="268"/>
+            <ac:spMk id="2" creationId="{53C5D828-9666-E312-B574-9FE965A7D6BE}"/>
+          </ac:spMkLst>
+        </pc:spChg>
+        <pc:picChg chg="add mod">
+          <ac:chgData name="Ihor Aleksandrov" userId="c3051032-6b87-4db2-b257-777a0106fbd9" providerId="ADAL" clId="{DF783FCC-C35F-4D2C-B134-D1A27E72D448}" dt="2024-01-26T10:34:00.196" v="47"/>
+          <ac:picMkLst>
+            <pc:docMk/>
+            <pc:sldMk cId="4197480136" sldId="268"/>
+            <ac:picMk id="5" creationId="{48B8D675-CA93-B1DA-C8B0-E9A8D9721494}"/>
+          </ac:picMkLst>
+        </pc:picChg>
+        <pc:picChg chg="del">
+          <ac:chgData name="Ihor Aleksandrov" userId="c3051032-6b87-4db2-b257-777a0106fbd9" providerId="ADAL" clId="{DF783FCC-C35F-4D2C-B134-D1A27E72D448}" dt="2024-01-26T10:33:12.173" v="36" actId="478"/>
+          <ac:picMkLst>
+            <pc:docMk/>
+            <pc:sldMk cId="4197480136" sldId="268"/>
+            <ac:picMk id="6" creationId="{96E01597-C9C0-8F09-1E61-63CEB43A5D58}"/>
+          </ac:picMkLst>
+        </pc:picChg>
+      </pc:sldChg>
+      <pc:sldChg chg="modSp mod">
+        <pc:chgData name="Ihor Aleksandrov" userId="c3051032-6b87-4db2-b257-777a0106fbd9" providerId="ADAL" clId="{DF783FCC-C35F-4D2C-B134-D1A27E72D448}" dt="2024-01-26T09:35:41.705" v="4"/>
+        <pc:sldMkLst>
+          <pc:docMk/>
+          <pc:sldMk cId="2052164358" sldId="302"/>
+        </pc:sldMkLst>
+        <pc:spChg chg="mod">
+          <ac:chgData name="Ihor Aleksandrov" userId="c3051032-6b87-4db2-b257-777a0106fbd9" providerId="ADAL" clId="{DF783FCC-C35F-4D2C-B134-D1A27E72D448}" dt="2024-01-26T09:35:41.705" v="4"/>
+          <ac:spMkLst>
+            <pc:docMk/>
+            <pc:sldMk cId="2052164358" sldId="302"/>
+            <ac:spMk id="2" creationId="{5DF8ECE0-DBF5-C309-B35B-C6A0C6C847B2}"/>
+          </ac:spMkLst>
+        </pc:spChg>
+      </pc:sldChg>
+      <pc:sldChg chg="modSp mod">
+        <pc:chgData name="Ihor Aleksandrov" userId="c3051032-6b87-4db2-b257-777a0106fbd9" providerId="ADAL" clId="{DF783FCC-C35F-4D2C-B134-D1A27E72D448}" dt="2024-01-26T13:46:17.622" v="472" actId="14100"/>
+        <pc:sldMkLst>
+          <pc:docMk/>
+          <pc:sldMk cId="2972731808" sldId="303"/>
+        </pc:sldMkLst>
+        <pc:graphicFrameChg chg="mod">
+          <ac:chgData name="Ihor Aleksandrov" userId="c3051032-6b87-4db2-b257-777a0106fbd9" providerId="ADAL" clId="{DF783FCC-C35F-4D2C-B134-D1A27E72D448}" dt="2024-01-26T13:46:17.622" v="472" actId="14100"/>
+          <ac:graphicFrameMkLst>
+            <pc:docMk/>
+            <pc:sldMk cId="2972731808" sldId="303"/>
+            <ac:graphicFrameMk id="50" creationId="{438840ED-2B50-ED19-12CF-99B1789AE150}"/>
+          </ac:graphicFrameMkLst>
+        </pc:graphicFrameChg>
+      </pc:sldChg>
+      <pc:sldChg chg="add del">
+        <pc:chgData name="Ihor Aleksandrov" userId="c3051032-6b87-4db2-b257-777a0106fbd9" providerId="ADAL" clId="{DF783FCC-C35F-4D2C-B134-D1A27E72D448}" dt="2024-01-26T09:36:38.278" v="7" actId="2696"/>
+        <pc:sldMkLst>
+          <pc:docMk/>
+          <pc:sldMk cId="2437677464" sldId="304"/>
+        </pc:sldMkLst>
+      </pc:sldChg>
+      <pc:sldChg chg="addSp delSp modSp add mod">
+        <pc:chgData name="Ihor Aleksandrov" userId="c3051032-6b87-4db2-b257-777a0106fbd9" providerId="ADAL" clId="{DF783FCC-C35F-4D2C-B134-D1A27E72D448}" dt="2024-01-26T10:37:47.393" v="72" actId="1076"/>
+        <pc:sldMkLst>
+          <pc:docMk/>
+          <pc:sldMk cId="2663829398" sldId="304"/>
+        </pc:sldMkLst>
+        <pc:spChg chg="mod">
+          <ac:chgData name="Ihor Aleksandrov" userId="c3051032-6b87-4db2-b257-777a0106fbd9" providerId="ADAL" clId="{DF783FCC-C35F-4D2C-B134-D1A27E72D448}" dt="2024-01-26T10:36:14.718" v="52"/>
+          <ac:spMkLst>
+            <pc:docMk/>
+            <pc:sldMk cId="2663829398" sldId="304"/>
+            <ac:spMk id="2" creationId="{53C5D828-9666-E312-B574-9FE965A7D6BE}"/>
+          </ac:spMkLst>
+        </pc:spChg>
+        <pc:picChg chg="add mod">
+          <ac:chgData name="Ihor Aleksandrov" userId="c3051032-6b87-4db2-b257-777a0106fbd9" providerId="ADAL" clId="{DF783FCC-C35F-4D2C-B134-D1A27E72D448}" dt="2024-01-26T10:37:47.393" v="72" actId="1076"/>
+          <ac:picMkLst>
+            <pc:docMk/>
+            <pc:sldMk cId="2663829398" sldId="304"/>
+            <ac:picMk id="4" creationId="{FCFA766F-83CB-5C1C-AAE0-E7EBDC3565E1}"/>
+          </ac:picMkLst>
+        </pc:picChg>
+        <pc:picChg chg="del">
+          <ac:chgData name="Ihor Aleksandrov" userId="c3051032-6b87-4db2-b257-777a0106fbd9" providerId="ADAL" clId="{DF783FCC-C35F-4D2C-B134-D1A27E72D448}" dt="2024-01-26T10:36:17.274" v="53" actId="478"/>
+          <ac:picMkLst>
+            <pc:docMk/>
+            <pc:sldMk cId="2663829398" sldId="304"/>
+            <ac:picMk id="5" creationId="{48B8D675-CA93-B1DA-C8B0-E9A8D9721494}"/>
+          </ac:picMkLst>
+        </pc:picChg>
+      </pc:sldChg>
+      <pc:sldChg chg="addSp delSp modSp add mod">
+        <pc:chgData name="Ihor Aleksandrov" userId="c3051032-6b87-4db2-b257-777a0106fbd9" providerId="ADAL" clId="{DF783FCC-C35F-4D2C-B134-D1A27E72D448}" dt="2024-01-26T11:02:50.166" v="113" actId="1036"/>
+        <pc:sldMkLst>
+          <pc:docMk/>
+          <pc:sldMk cId="90847877" sldId="305"/>
+        </pc:sldMkLst>
+        <pc:spChg chg="mod">
+          <ac:chgData name="Ihor Aleksandrov" userId="c3051032-6b87-4db2-b257-777a0106fbd9" providerId="ADAL" clId="{DF783FCC-C35F-4D2C-B134-D1A27E72D448}" dt="2024-01-26T11:00:56.843" v="75" actId="20577"/>
+          <ac:spMkLst>
+            <pc:docMk/>
+            <pc:sldMk cId="90847877" sldId="305"/>
+            <ac:spMk id="2" creationId="{53C5D828-9666-E312-B574-9FE965A7D6BE}"/>
+          </ac:spMkLst>
+        </pc:spChg>
+        <pc:picChg chg="del">
+          <ac:chgData name="Ihor Aleksandrov" userId="c3051032-6b87-4db2-b257-777a0106fbd9" providerId="ADAL" clId="{DF783FCC-C35F-4D2C-B134-D1A27E72D448}" dt="2024-01-26T11:01:32.422" v="76" actId="478"/>
+          <ac:picMkLst>
+            <pc:docMk/>
+            <pc:sldMk cId="90847877" sldId="305"/>
+            <ac:picMk id="4" creationId="{FCFA766F-83CB-5C1C-AAE0-E7EBDC3565E1}"/>
+          </ac:picMkLst>
+        </pc:picChg>
+        <pc:picChg chg="add mod">
+          <ac:chgData name="Ihor Aleksandrov" userId="c3051032-6b87-4db2-b257-777a0106fbd9" providerId="ADAL" clId="{DF783FCC-C35F-4D2C-B134-D1A27E72D448}" dt="2024-01-26T11:02:07.815" v="78" actId="1076"/>
+          <ac:picMkLst>
+            <pc:docMk/>
+            <pc:sldMk cId="90847877" sldId="305"/>
+            <ac:picMk id="6" creationId="{8E098978-CBA3-C53D-2AC7-6E736F346038}"/>
+          </ac:picMkLst>
+        </pc:picChg>
+        <pc:picChg chg="add mod">
+          <ac:chgData name="Ihor Aleksandrov" userId="c3051032-6b87-4db2-b257-777a0106fbd9" providerId="ADAL" clId="{DF783FCC-C35F-4D2C-B134-D1A27E72D448}" dt="2024-01-26T11:02:23.689" v="89" actId="1036"/>
+          <ac:picMkLst>
+            <pc:docMk/>
+            <pc:sldMk cId="90847877" sldId="305"/>
+            <ac:picMk id="8" creationId="{048150D0-EEA6-F03D-53F3-560A3ECE73ED}"/>
+          </ac:picMkLst>
+        </pc:picChg>
+        <pc:picChg chg="add mod">
+          <ac:chgData name="Ihor Aleksandrov" userId="c3051032-6b87-4db2-b257-777a0106fbd9" providerId="ADAL" clId="{DF783FCC-C35F-4D2C-B134-D1A27E72D448}" dt="2024-01-26T11:02:50.166" v="113" actId="1036"/>
+          <ac:picMkLst>
+            <pc:docMk/>
+            <pc:sldMk cId="90847877" sldId="305"/>
+            <ac:picMk id="10" creationId="{0D805EFE-1FBF-FD52-8DDC-4879878D0844}"/>
+          </ac:picMkLst>
+        </pc:picChg>
+      </pc:sldChg>
+      <pc:sldChg chg="add del">
+        <pc:chgData name="Ihor Aleksandrov" userId="c3051032-6b87-4db2-b257-777a0106fbd9" providerId="ADAL" clId="{DF783FCC-C35F-4D2C-B134-D1A27E72D448}" dt="2024-01-26T09:36:38.278" v="7" actId="2696"/>
+        <pc:sldMkLst>
+          <pc:docMk/>
+          <pc:sldMk cId="3615190178" sldId="305"/>
+        </pc:sldMkLst>
+      </pc:sldChg>
+      <pc:sldChg chg="addSp delSp modSp add mod">
+        <pc:chgData name="Ihor Aleksandrov" userId="c3051032-6b87-4db2-b257-777a0106fbd9" providerId="ADAL" clId="{DF783FCC-C35F-4D2C-B134-D1A27E72D448}" dt="2024-01-26T11:08:25.726" v="126" actId="1076"/>
+        <pc:sldMkLst>
+          <pc:docMk/>
+          <pc:sldMk cId="420494837" sldId="306"/>
+        </pc:sldMkLst>
+        <pc:spChg chg="mod">
+          <ac:chgData name="Ihor Aleksandrov" userId="c3051032-6b87-4db2-b257-777a0106fbd9" providerId="ADAL" clId="{DF783FCC-C35F-4D2C-B134-D1A27E72D448}" dt="2024-01-26T11:05:03.395" v="117" actId="20577"/>
+          <ac:spMkLst>
+            <pc:docMk/>
+            <pc:sldMk cId="420494837" sldId="306"/>
+            <ac:spMk id="2" creationId="{53C5D828-9666-E312-B574-9FE965A7D6BE}"/>
+          </ac:spMkLst>
+        </pc:spChg>
+        <pc:picChg chg="add mod">
+          <ac:chgData name="Ihor Aleksandrov" userId="c3051032-6b87-4db2-b257-777a0106fbd9" providerId="ADAL" clId="{DF783FCC-C35F-4D2C-B134-D1A27E72D448}" dt="2024-01-26T11:08:16.399" v="123" actId="1076"/>
+          <ac:picMkLst>
+            <pc:docMk/>
+            <pc:sldMk cId="420494837" sldId="306"/>
+            <ac:picMk id="5" creationId="{F9F6D8B4-95C0-C160-F6BC-F60E1B8389DC}"/>
+          </ac:picMkLst>
+        </pc:picChg>
+        <pc:picChg chg="del">
+          <ac:chgData name="Ihor Aleksandrov" userId="c3051032-6b87-4db2-b257-777a0106fbd9" providerId="ADAL" clId="{DF783FCC-C35F-4D2C-B134-D1A27E72D448}" dt="2024-01-26T11:05:47.639" v="118" actId="478"/>
+          <ac:picMkLst>
+            <pc:docMk/>
+            <pc:sldMk cId="420494837" sldId="306"/>
+            <ac:picMk id="6" creationId="{8E098978-CBA3-C53D-2AC7-6E736F346038}"/>
+          </ac:picMkLst>
+        </pc:picChg>
+        <pc:picChg chg="del">
+          <ac:chgData name="Ihor Aleksandrov" userId="c3051032-6b87-4db2-b257-777a0106fbd9" providerId="ADAL" clId="{DF783FCC-C35F-4D2C-B134-D1A27E72D448}" dt="2024-01-26T11:05:49.948" v="119" actId="478"/>
+          <ac:picMkLst>
+            <pc:docMk/>
+            <pc:sldMk cId="420494837" sldId="306"/>
+            <ac:picMk id="8" creationId="{048150D0-EEA6-F03D-53F3-560A3ECE73ED}"/>
+          </ac:picMkLst>
+        </pc:picChg>
+        <pc:picChg chg="add mod">
+          <ac:chgData name="Ihor Aleksandrov" userId="c3051032-6b87-4db2-b257-777a0106fbd9" providerId="ADAL" clId="{DF783FCC-C35F-4D2C-B134-D1A27E72D448}" dt="2024-01-26T11:08:25.726" v="126" actId="1076"/>
+          <ac:picMkLst>
+            <pc:docMk/>
+            <pc:sldMk cId="420494837" sldId="306"/>
+            <ac:picMk id="9" creationId="{8DE22683-1DCE-F916-E898-47CF6229B7CE}"/>
+          </ac:picMkLst>
+        </pc:picChg>
+        <pc:picChg chg="del">
+          <ac:chgData name="Ihor Aleksandrov" userId="c3051032-6b87-4db2-b257-777a0106fbd9" providerId="ADAL" clId="{DF783FCC-C35F-4D2C-B134-D1A27E72D448}" dt="2024-01-26T11:05:53.464" v="120" actId="478"/>
+          <ac:picMkLst>
+            <pc:docMk/>
+            <pc:sldMk cId="420494837" sldId="306"/>
+            <ac:picMk id="10" creationId="{0D805EFE-1FBF-FD52-8DDC-4879878D0844}"/>
+          </ac:picMkLst>
+        </pc:picChg>
+      </pc:sldChg>
+      <pc:sldChg chg="add del">
+        <pc:chgData name="Ihor Aleksandrov" userId="c3051032-6b87-4db2-b257-777a0106fbd9" providerId="ADAL" clId="{DF783FCC-C35F-4D2C-B134-D1A27E72D448}" dt="2024-01-26T09:36:38.278" v="7" actId="2696"/>
+        <pc:sldMkLst>
+          <pc:docMk/>
+          <pc:sldMk cId="1836256656" sldId="306"/>
+        </pc:sldMkLst>
+      </pc:sldChg>
+      <pc:sldChg chg="add del">
+        <pc:chgData name="Ihor Aleksandrov" userId="c3051032-6b87-4db2-b257-777a0106fbd9" providerId="ADAL" clId="{DF783FCC-C35F-4D2C-B134-D1A27E72D448}" dt="2024-01-26T09:36:38.278" v="7" actId="2696"/>
+        <pc:sldMkLst>
+          <pc:docMk/>
+          <pc:sldMk cId="198741980" sldId="307"/>
+        </pc:sldMkLst>
+      </pc:sldChg>
+      <pc:sldChg chg="addSp delSp modSp add mod">
+        <pc:chgData name="Ihor Aleksandrov" userId="c3051032-6b87-4db2-b257-777a0106fbd9" providerId="ADAL" clId="{DF783FCC-C35F-4D2C-B134-D1A27E72D448}" dt="2024-01-26T11:13:08.952" v="138" actId="1076"/>
+        <pc:sldMkLst>
+          <pc:docMk/>
+          <pc:sldMk cId="1938047355" sldId="307"/>
+        </pc:sldMkLst>
+        <pc:spChg chg="mod">
+          <ac:chgData name="Ihor Aleksandrov" userId="c3051032-6b87-4db2-b257-777a0106fbd9" providerId="ADAL" clId="{DF783FCC-C35F-4D2C-B134-D1A27E72D448}" dt="2024-01-26T11:11:00.832" v="133" actId="20577"/>
+          <ac:spMkLst>
+            <pc:docMk/>
+            <pc:sldMk cId="1938047355" sldId="307"/>
+            <ac:spMk id="2" creationId="{53C5D828-9666-E312-B574-9FE965A7D6BE}"/>
+          </ac:spMkLst>
+        </pc:spChg>
+        <pc:picChg chg="del">
+          <ac:chgData name="Ihor Aleksandrov" userId="c3051032-6b87-4db2-b257-777a0106fbd9" providerId="ADAL" clId="{DF783FCC-C35F-4D2C-B134-D1A27E72D448}" dt="2024-01-26T11:11:31.596" v="134" actId="478"/>
+          <ac:picMkLst>
+            <pc:docMk/>
+            <pc:sldMk cId="1938047355" sldId="307"/>
+            <ac:picMk id="5" creationId="{F9F6D8B4-95C0-C160-F6BC-F60E1B8389DC}"/>
+          </ac:picMkLst>
+        </pc:picChg>
+        <pc:picChg chg="add mod">
+          <ac:chgData name="Ihor Aleksandrov" userId="c3051032-6b87-4db2-b257-777a0106fbd9" providerId="ADAL" clId="{DF783FCC-C35F-4D2C-B134-D1A27E72D448}" dt="2024-01-26T11:13:08.952" v="138" actId="1076"/>
+          <ac:picMkLst>
+            <pc:docMk/>
+            <pc:sldMk cId="1938047355" sldId="307"/>
+            <ac:picMk id="6" creationId="{9E283F72-3A1C-C9B6-B2F7-8739C40F746A}"/>
+          </ac:picMkLst>
+        </pc:picChg>
+        <pc:picChg chg="del">
+          <ac:chgData name="Ihor Aleksandrov" userId="c3051032-6b87-4db2-b257-777a0106fbd9" providerId="ADAL" clId="{DF783FCC-C35F-4D2C-B134-D1A27E72D448}" dt="2024-01-26T11:11:33.613" v="135" actId="478"/>
+          <ac:picMkLst>
+            <pc:docMk/>
+            <pc:sldMk cId="1938047355" sldId="307"/>
+            <ac:picMk id="9" creationId="{8DE22683-1DCE-F916-E898-47CF6229B7CE}"/>
+          </ac:picMkLst>
+        </pc:picChg>
+      </pc:sldChg>
+      <pc:sldChg chg="add del">
+        <pc:chgData name="Ihor Aleksandrov" userId="c3051032-6b87-4db2-b257-777a0106fbd9" providerId="ADAL" clId="{DF783FCC-C35F-4D2C-B134-D1A27E72D448}" dt="2024-01-26T09:36:41.344" v="8" actId="2696"/>
+        <pc:sldMkLst>
+          <pc:docMk/>
+          <pc:sldMk cId="2347286244" sldId="308"/>
+        </pc:sldMkLst>
+      </pc:sldChg>
+      <pc:sldChg chg="addSp delSp modSp add mod">
+        <pc:chgData name="Ihor Aleksandrov" userId="c3051032-6b87-4db2-b257-777a0106fbd9" providerId="ADAL" clId="{DF783FCC-C35F-4D2C-B134-D1A27E72D448}" dt="2024-01-26T13:49:38.017" v="476" actId="1076"/>
+        <pc:sldMkLst>
+          <pc:docMk/>
+          <pc:sldMk cId="4274413980" sldId="308"/>
+        </pc:sldMkLst>
+        <pc:spChg chg="mod">
+          <ac:chgData name="Ihor Aleksandrov" userId="c3051032-6b87-4db2-b257-777a0106fbd9" providerId="ADAL" clId="{DF783FCC-C35F-4D2C-B134-D1A27E72D448}" dt="2024-01-26T11:17:29.617" v="150" actId="20577"/>
+          <ac:spMkLst>
+            <pc:docMk/>
+            <pc:sldMk cId="4274413980" sldId="308"/>
+            <ac:spMk id="2" creationId="{53C5D828-9666-E312-B574-9FE965A7D6BE}"/>
+          </ac:spMkLst>
+        </pc:spChg>
+        <pc:spChg chg="add del">
+          <ac:chgData name="Ihor Aleksandrov" userId="c3051032-6b87-4db2-b257-777a0106fbd9" providerId="ADAL" clId="{DF783FCC-C35F-4D2C-B134-D1A27E72D448}" dt="2024-01-26T13:49:34.226" v="475" actId="478"/>
+          <ac:spMkLst>
+            <pc:docMk/>
+            <pc:sldMk cId="4274413980" sldId="308"/>
+            <ac:spMk id="4" creationId="{91F87B49-5965-0686-132C-82FF71BF90C4}"/>
+          </ac:spMkLst>
+        </pc:spChg>
+        <pc:picChg chg="add mod">
+          <ac:chgData name="Ihor Aleksandrov" userId="c3051032-6b87-4db2-b257-777a0106fbd9" providerId="ADAL" clId="{DF783FCC-C35F-4D2C-B134-D1A27E72D448}" dt="2024-01-26T13:49:38.017" v="476" actId="1076"/>
+          <ac:picMkLst>
+            <pc:docMk/>
+            <pc:sldMk cId="4274413980" sldId="308"/>
+            <ac:picMk id="5" creationId="{CE7009DE-0262-AC3D-D9CE-67DDCC6CEE93}"/>
+          </ac:picMkLst>
+        </pc:picChg>
+        <pc:picChg chg="del">
+          <ac:chgData name="Ihor Aleksandrov" userId="c3051032-6b87-4db2-b257-777a0106fbd9" providerId="ADAL" clId="{DF783FCC-C35F-4D2C-B134-D1A27E72D448}" dt="2024-01-26T11:14:40.895" v="149" actId="478"/>
+          <ac:picMkLst>
+            <pc:docMk/>
+            <pc:sldMk cId="4274413980" sldId="308"/>
+            <ac:picMk id="6" creationId="{9E283F72-3A1C-C9B6-B2F7-8739C40F746A}"/>
+          </ac:picMkLst>
+        </pc:picChg>
+      </pc:sldChg>
+      <pc:sldChg chg="addSp delSp modSp add mod">
+        <pc:chgData name="Ihor Aleksandrov" userId="c3051032-6b87-4db2-b257-777a0106fbd9" providerId="ADAL" clId="{DF783FCC-C35F-4D2C-B134-D1A27E72D448}" dt="2024-01-26T11:21:29.316" v="167" actId="1076"/>
+        <pc:sldMkLst>
+          <pc:docMk/>
+          <pc:sldMk cId="3572219502" sldId="309"/>
+        </pc:sldMkLst>
+        <pc:spChg chg="mod">
+          <ac:chgData name="Ihor Aleksandrov" userId="c3051032-6b87-4db2-b257-777a0106fbd9" providerId="ADAL" clId="{DF783FCC-C35F-4D2C-B134-D1A27E72D448}" dt="2024-01-26T11:20:09.576" v="160" actId="20577"/>
+          <ac:spMkLst>
+            <pc:docMk/>
+            <pc:sldMk cId="3572219502" sldId="309"/>
+            <ac:spMk id="2" creationId="{53C5D828-9666-E312-B574-9FE965A7D6BE}"/>
+          </ac:spMkLst>
+        </pc:spChg>
+        <pc:spChg chg="del">
+          <ac:chgData name="Ihor Aleksandrov" userId="c3051032-6b87-4db2-b257-777a0106fbd9" providerId="ADAL" clId="{DF783FCC-C35F-4D2C-B134-D1A27E72D448}" dt="2024-01-26T11:21:20.104" v="163" actId="478"/>
+          <ac:spMkLst>
+            <pc:docMk/>
+            <pc:sldMk cId="3572219502" sldId="309"/>
+            <ac:spMk id="4" creationId="{91F87B49-5965-0686-132C-82FF71BF90C4}"/>
+          </ac:spMkLst>
+        </pc:spChg>
+        <pc:picChg chg="add mod">
+          <ac:chgData name="Ihor Aleksandrov" userId="c3051032-6b87-4db2-b257-777a0106fbd9" providerId="ADAL" clId="{DF783FCC-C35F-4D2C-B134-D1A27E72D448}" dt="2024-01-26T11:21:29.316" v="167" actId="1076"/>
+          <ac:picMkLst>
+            <pc:docMk/>
+            <pc:sldMk cId="3572219502" sldId="309"/>
+            <ac:picMk id="5" creationId="{7CADBF52-3379-A0DB-C2D3-AD13E50F4810}"/>
+          </ac:picMkLst>
+        </pc:picChg>
+      </pc:sldChg>
+      <pc:sldChg chg="addSp delSp modSp add mod">
+        <pc:chgData name="Ihor Aleksandrov" userId="c3051032-6b87-4db2-b257-777a0106fbd9" providerId="ADAL" clId="{DF783FCC-C35F-4D2C-B134-D1A27E72D448}" dt="2024-01-26T11:25:23.338" v="173" actId="1076"/>
+        <pc:sldMkLst>
+          <pc:docMk/>
+          <pc:sldMk cId="2777986827" sldId="310"/>
+        </pc:sldMkLst>
+        <pc:spChg chg="mod">
+          <ac:chgData name="Ihor Aleksandrov" userId="c3051032-6b87-4db2-b257-777a0106fbd9" providerId="ADAL" clId="{DF783FCC-C35F-4D2C-B134-D1A27E72D448}" dt="2024-01-26T11:25:12.797" v="169" actId="20577"/>
+          <ac:spMkLst>
+            <pc:docMk/>
+            <pc:sldMk cId="2777986827" sldId="310"/>
+            <ac:spMk id="2" creationId="{53C5D828-9666-E312-B574-9FE965A7D6BE}"/>
+          </ac:spMkLst>
+        </pc:spChg>
+        <pc:picChg chg="del">
+          <ac:chgData name="Ihor Aleksandrov" userId="c3051032-6b87-4db2-b257-777a0106fbd9" providerId="ADAL" clId="{DF783FCC-C35F-4D2C-B134-D1A27E72D448}" dt="2024-01-26T11:25:15.201" v="170" actId="478"/>
+          <ac:picMkLst>
+            <pc:docMk/>
+            <pc:sldMk cId="2777986827" sldId="310"/>
+            <ac:picMk id="5" creationId="{7CADBF52-3379-A0DB-C2D3-AD13E50F4810}"/>
+          </ac:picMkLst>
+        </pc:picChg>
+        <pc:picChg chg="add mod">
+          <ac:chgData name="Ihor Aleksandrov" userId="c3051032-6b87-4db2-b257-777a0106fbd9" providerId="ADAL" clId="{DF783FCC-C35F-4D2C-B134-D1A27E72D448}" dt="2024-01-26T11:25:23.338" v="173" actId="1076"/>
+          <ac:picMkLst>
+            <pc:docMk/>
+            <pc:sldMk cId="2777986827" sldId="310"/>
+            <ac:picMk id="6" creationId="{0FF2F593-A13B-5DDB-88EB-006260BEE328}"/>
+          </ac:picMkLst>
+        </pc:picChg>
+      </pc:sldChg>
+      <pc:sldChg chg="modSp add mod ord">
+        <pc:chgData name="Ihor Aleksandrov" userId="c3051032-6b87-4db2-b257-777a0106fbd9" providerId="ADAL" clId="{DF783FCC-C35F-4D2C-B134-D1A27E72D448}" dt="2024-01-26T11:50:15.315" v="188" actId="20577"/>
+        <pc:sldMkLst>
+          <pc:docMk/>
+          <pc:sldMk cId="484484455" sldId="311"/>
+        </pc:sldMkLst>
+        <pc:spChg chg="mod">
+          <ac:chgData name="Ihor Aleksandrov" userId="c3051032-6b87-4db2-b257-777a0106fbd9" providerId="ADAL" clId="{DF783FCC-C35F-4D2C-B134-D1A27E72D448}" dt="2024-01-26T11:50:15.315" v="188" actId="20577"/>
+          <ac:spMkLst>
+            <pc:docMk/>
+            <pc:sldMk cId="484484455" sldId="311"/>
+            <ac:spMk id="2" creationId="{18C18207-A109-5552-1541-0ABBAA316282}"/>
+          </ac:spMkLst>
+        </pc:spChg>
+      </pc:sldChg>
+      <pc:sldChg chg="addSp delSp modSp add mod ord">
+        <pc:chgData name="Ihor Aleksandrov" userId="c3051032-6b87-4db2-b257-777a0106fbd9" providerId="ADAL" clId="{DF783FCC-C35F-4D2C-B134-D1A27E72D448}" dt="2024-01-26T11:59:10.243" v="218" actId="1076"/>
+        <pc:sldMkLst>
+          <pc:docMk/>
+          <pc:sldMk cId="3071951183" sldId="312"/>
+        </pc:sldMkLst>
+        <pc:spChg chg="mod">
+          <ac:chgData name="Ihor Aleksandrov" userId="c3051032-6b87-4db2-b257-777a0106fbd9" providerId="ADAL" clId="{DF783FCC-C35F-4D2C-B134-D1A27E72D448}" dt="2024-01-26T11:58:37.056" v="212" actId="20577"/>
+          <ac:spMkLst>
+            <pc:docMk/>
+            <pc:sldMk cId="3071951183" sldId="312"/>
+            <ac:spMk id="2" creationId="{53C5D828-9666-E312-B574-9FE965A7D6BE}"/>
+          </ac:spMkLst>
+        </pc:spChg>
+        <pc:picChg chg="add mod">
+          <ac:chgData name="Ihor Aleksandrov" userId="c3051032-6b87-4db2-b257-777a0106fbd9" providerId="ADAL" clId="{DF783FCC-C35F-4D2C-B134-D1A27E72D448}" dt="2024-01-26T11:59:10.243" v="218" actId="1076"/>
+          <ac:picMkLst>
+            <pc:docMk/>
+            <pc:sldMk cId="3071951183" sldId="312"/>
+            <ac:picMk id="5" creationId="{A4BEC793-F7E8-D57E-E495-4A952075089A}"/>
+          </ac:picMkLst>
+        </pc:picChg>
+        <pc:picChg chg="del">
+          <ac:chgData name="Ihor Aleksandrov" userId="c3051032-6b87-4db2-b257-777a0106fbd9" providerId="ADAL" clId="{DF783FCC-C35F-4D2C-B134-D1A27E72D448}" dt="2024-01-26T11:58:39.250" v="213" actId="478"/>
+          <ac:picMkLst>
+            <pc:docMk/>
+            <pc:sldMk cId="3071951183" sldId="312"/>
+            <ac:picMk id="6" creationId="{0FF2F593-A13B-5DDB-88EB-006260BEE328}"/>
+          </ac:picMkLst>
+        </pc:picChg>
+      </pc:sldChg>
+      <pc:sldChg chg="addSp delSp modSp add mod">
+        <pc:chgData name="Ihor Aleksandrov" userId="c3051032-6b87-4db2-b257-777a0106fbd9" providerId="ADAL" clId="{DF783FCC-C35F-4D2C-B134-D1A27E72D448}" dt="2024-01-26T12:31:57.105" v="243"/>
+        <pc:sldMkLst>
+          <pc:docMk/>
+          <pc:sldMk cId="4014532755" sldId="313"/>
+        </pc:sldMkLst>
+        <pc:spChg chg="mod">
+          <ac:chgData name="Ihor Aleksandrov" userId="c3051032-6b87-4db2-b257-777a0106fbd9" providerId="ADAL" clId="{DF783FCC-C35F-4D2C-B134-D1A27E72D448}" dt="2024-01-26T12:26:21.004" v="225" actId="20577"/>
+          <ac:spMkLst>
+            <pc:docMk/>
+            <pc:sldMk cId="4014532755" sldId="313"/>
+            <ac:spMk id="2" creationId="{53C5D828-9666-E312-B574-9FE965A7D6BE}"/>
+          </ac:spMkLst>
+        </pc:spChg>
+        <pc:picChg chg="del">
+          <ac:chgData name="Ihor Aleksandrov" userId="c3051032-6b87-4db2-b257-777a0106fbd9" providerId="ADAL" clId="{DF783FCC-C35F-4D2C-B134-D1A27E72D448}" dt="2024-01-26T12:26:40.665" v="226" actId="478"/>
+          <ac:picMkLst>
+            <pc:docMk/>
+            <pc:sldMk cId="4014532755" sldId="313"/>
+            <ac:picMk id="5" creationId="{A4BEC793-F7E8-D57E-E495-4A952075089A}"/>
+          </ac:picMkLst>
+        </pc:picChg>
+        <pc:picChg chg="add mod">
+          <ac:chgData name="Ihor Aleksandrov" userId="c3051032-6b87-4db2-b257-777a0106fbd9" providerId="ADAL" clId="{DF783FCC-C35F-4D2C-B134-D1A27E72D448}" dt="2024-01-26T12:26:48.160" v="230" actId="1076"/>
+          <ac:picMkLst>
+            <pc:docMk/>
+            <pc:sldMk cId="4014532755" sldId="313"/>
+            <ac:picMk id="6" creationId="{B022E9A4-52AD-1F66-AC22-B0AE53D1145C}"/>
+          </ac:picMkLst>
+        </pc:picChg>
+        <pc:picChg chg="add mod">
+          <ac:chgData name="Ihor Aleksandrov" userId="c3051032-6b87-4db2-b257-777a0106fbd9" providerId="ADAL" clId="{DF783FCC-C35F-4D2C-B134-D1A27E72D448}" dt="2024-01-26T12:31:57.105" v="243"/>
+          <ac:picMkLst>
+            <pc:docMk/>
+            <pc:sldMk cId="4014532755" sldId="313"/>
+            <ac:picMk id="8" creationId="{C31A8AEA-045D-CA8D-2F87-86C7BC7F2140}"/>
+          </ac:picMkLst>
+        </pc:picChg>
+      </pc:sldChg>
+      <pc:sldChg chg="addSp delSp modSp add mod">
+        <pc:chgData name="Ihor Aleksandrov" userId="c3051032-6b87-4db2-b257-777a0106fbd9" providerId="ADAL" clId="{DF783FCC-C35F-4D2C-B134-D1A27E72D448}" dt="2024-01-26T12:32:51.622" v="251" actId="1076"/>
+        <pc:sldMkLst>
+          <pc:docMk/>
+          <pc:sldMk cId="2667496052" sldId="314"/>
+        </pc:sldMkLst>
+        <pc:spChg chg="mod">
+          <ac:chgData name="Ihor Aleksandrov" userId="c3051032-6b87-4db2-b257-777a0106fbd9" providerId="ADAL" clId="{DF783FCC-C35F-4D2C-B134-D1A27E72D448}" dt="2024-01-26T12:31:25.149" v="239" actId="20577"/>
+          <ac:spMkLst>
+            <pc:docMk/>
+            <pc:sldMk cId="2667496052" sldId="314"/>
+            <ac:spMk id="2" creationId="{53C5D828-9666-E312-B574-9FE965A7D6BE}"/>
+          </ac:spMkLst>
+        </pc:spChg>
+        <pc:picChg chg="add mod">
+          <ac:chgData name="Ihor Aleksandrov" userId="c3051032-6b87-4db2-b257-777a0106fbd9" providerId="ADAL" clId="{DF783FCC-C35F-4D2C-B134-D1A27E72D448}" dt="2024-01-26T12:32:22.536" v="247" actId="1076"/>
+          <ac:picMkLst>
+            <pc:docMk/>
+            <pc:sldMk cId="2667496052" sldId="314"/>
+            <ac:picMk id="5" creationId="{2A84FB53-5035-A5A9-7433-F22FB7E72F74}"/>
+          </ac:picMkLst>
+        </pc:picChg>
+        <pc:picChg chg="del">
+          <ac:chgData name="Ihor Aleksandrov" userId="c3051032-6b87-4db2-b257-777a0106fbd9" providerId="ADAL" clId="{DF783FCC-C35F-4D2C-B134-D1A27E72D448}" dt="2024-01-26T12:31:28.180" v="240" actId="478"/>
+          <ac:picMkLst>
+            <pc:docMk/>
+            <pc:sldMk cId="2667496052" sldId="314"/>
+            <ac:picMk id="6" creationId="{B022E9A4-52AD-1F66-AC22-B0AE53D1145C}"/>
+          </ac:picMkLst>
+        </pc:picChg>
+        <pc:picChg chg="add mod">
+          <ac:chgData name="Ihor Aleksandrov" userId="c3051032-6b87-4db2-b257-777a0106fbd9" providerId="ADAL" clId="{DF783FCC-C35F-4D2C-B134-D1A27E72D448}" dt="2024-01-26T12:32:51.622" v="251" actId="1076"/>
+          <ac:picMkLst>
+            <pc:docMk/>
+            <pc:sldMk cId="2667496052" sldId="314"/>
+            <ac:picMk id="8" creationId="{788EF69A-41E4-9FC3-E1EB-9468A0CB8CE3}"/>
+          </ac:picMkLst>
+        </pc:picChg>
+      </pc:sldChg>
+      <pc:sldChg chg="addSp delSp modSp add mod">
+        <pc:chgData name="Ihor Aleksandrov" userId="c3051032-6b87-4db2-b257-777a0106fbd9" providerId="ADAL" clId="{DF783FCC-C35F-4D2C-B134-D1A27E72D448}" dt="2024-01-26T12:35:46.374" v="267" actId="14100"/>
+        <pc:sldMkLst>
+          <pc:docMk/>
+          <pc:sldMk cId="2503154780" sldId="315"/>
+        </pc:sldMkLst>
+        <pc:spChg chg="mod">
+          <ac:chgData name="Ihor Aleksandrov" userId="c3051032-6b87-4db2-b257-777a0106fbd9" providerId="ADAL" clId="{DF783FCC-C35F-4D2C-B134-D1A27E72D448}" dt="2024-01-26T12:35:02.030" v="257" actId="20577"/>
+          <ac:spMkLst>
+            <pc:docMk/>
+            <pc:sldMk cId="2503154780" sldId="315"/>
+            <ac:spMk id="2" creationId="{53C5D828-9666-E312-B574-9FE965A7D6BE}"/>
+          </ac:spMkLst>
+        </pc:spChg>
+        <pc:picChg chg="del">
+          <ac:chgData name="Ihor Aleksandrov" userId="c3051032-6b87-4db2-b257-777a0106fbd9" providerId="ADAL" clId="{DF783FCC-C35F-4D2C-B134-D1A27E72D448}" dt="2024-01-26T12:35:05.874" v="258" actId="478"/>
+          <ac:picMkLst>
+            <pc:docMk/>
+            <pc:sldMk cId="2503154780" sldId="315"/>
+            <ac:picMk id="5" creationId="{2A84FB53-5035-A5A9-7433-F22FB7E72F74}"/>
+          </ac:picMkLst>
+        </pc:picChg>
+        <pc:picChg chg="add mod">
+          <ac:chgData name="Ihor Aleksandrov" userId="c3051032-6b87-4db2-b257-777a0106fbd9" providerId="ADAL" clId="{DF783FCC-C35F-4D2C-B134-D1A27E72D448}" dt="2024-01-26T12:35:23.497" v="262" actId="1076"/>
+          <ac:picMkLst>
+            <pc:docMk/>
+            <pc:sldMk cId="2503154780" sldId="315"/>
+            <ac:picMk id="6" creationId="{9A2F53BF-A25F-C5EF-07AB-3F824C4EA8C5}"/>
+          </ac:picMkLst>
+        </pc:picChg>
+        <pc:picChg chg="del">
+          <ac:chgData name="Ihor Aleksandrov" userId="c3051032-6b87-4db2-b257-777a0106fbd9" providerId="ADAL" clId="{DF783FCC-C35F-4D2C-B134-D1A27E72D448}" dt="2024-01-26T12:35:07.679" v="259" actId="478"/>
+          <ac:picMkLst>
+            <pc:docMk/>
+            <pc:sldMk cId="2503154780" sldId="315"/>
+            <ac:picMk id="8" creationId="{788EF69A-41E4-9FC3-E1EB-9468A0CB8CE3}"/>
+          </ac:picMkLst>
+        </pc:picChg>
+        <pc:picChg chg="add mod">
+          <ac:chgData name="Ihor Aleksandrov" userId="c3051032-6b87-4db2-b257-777a0106fbd9" providerId="ADAL" clId="{DF783FCC-C35F-4D2C-B134-D1A27E72D448}" dt="2024-01-26T12:35:46.374" v="267" actId="14100"/>
+          <ac:picMkLst>
+            <pc:docMk/>
+            <pc:sldMk cId="2503154780" sldId="315"/>
+            <ac:picMk id="9" creationId="{34F80E18-578A-16A9-85C5-532F9FD4B0B9}"/>
+          </ac:picMkLst>
+        </pc:picChg>
+      </pc:sldChg>
+      <pc:sldChg chg="addSp delSp modSp add mod">
+        <pc:chgData name="Ihor Aleksandrov" userId="c3051032-6b87-4db2-b257-777a0106fbd9" providerId="ADAL" clId="{DF783FCC-C35F-4D2C-B134-D1A27E72D448}" dt="2024-01-26T12:38:40.524" v="289"/>
+        <pc:sldMkLst>
+          <pc:docMk/>
+          <pc:sldMk cId="4210310787" sldId="316"/>
+        </pc:sldMkLst>
+        <pc:spChg chg="mod">
+          <ac:chgData name="Ihor Aleksandrov" userId="c3051032-6b87-4db2-b257-777a0106fbd9" providerId="ADAL" clId="{DF783FCC-C35F-4D2C-B134-D1A27E72D448}" dt="2024-01-26T12:37:58.438" v="279" actId="20577"/>
+          <ac:spMkLst>
+            <pc:docMk/>
+            <pc:sldMk cId="4210310787" sldId="316"/>
+            <ac:spMk id="2" creationId="{53C5D828-9666-E312-B574-9FE965A7D6BE}"/>
+          </ac:spMkLst>
+        </pc:spChg>
+        <pc:picChg chg="add mod">
+          <ac:chgData name="Ihor Aleksandrov" userId="c3051032-6b87-4db2-b257-777a0106fbd9" providerId="ADAL" clId="{DF783FCC-C35F-4D2C-B134-D1A27E72D448}" dt="2024-01-26T12:38:18.643" v="284" actId="1076"/>
+          <ac:picMkLst>
+            <pc:docMk/>
+            <pc:sldMk cId="4210310787" sldId="316"/>
+            <ac:picMk id="5" creationId="{8E7A6064-484E-B30C-7E3A-19B2D5316902}"/>
+          </ac:picMkLst>
+        </pc:picChg>
+        <pc:picChg chg="del">
+          <ac:chgData name="Ihor Aleksandrov" userId="c3051032-6b87-4db2-b257-777a0106fbd9" providerId="ADAL" clId="{DF783FCC-C35F-4D2C-B134-D1A27E72D448}" dt="2024-01-26T12:37:50.476" v="269" actId="478"/>
+          <ac:picMkLst>
+            <pc:docMk/>
+            <pc:sldMk cId="4210310787" sldId="316"/>
+            <ac:picMk id="6" creationId="{9A2F53BF-A25F-C5EF-07AB-3F824C4EA8C5}"/>
+          </ac:picMkLst>
+        </pc:picChg>
+        <pc:picChg chg="add mod">
+          <ac:chgData name="Ihor Aleksandrov" userId="c3051032-6b87-4db2-b257-777a0106fbd9" providerId="ADAL" clId="{DF783FCC-C35F-4D2C-B134-D1A27E72D448}" dt="2024-01-26T12:38:40.524" v="289"/>
+          <ac:picMkLst>
+            <pc:docMk/>
+            <pc:sldMk cId="4210310787" sldId="316"/>
+            <ac:picMk id="8" creationId="{5275D103-485B-C43F-327E-ED0BECCAB575}"/>
+          </ac:picMkLst>
+        </pc:picChg>
+        <pc:picChg chg="del">
+          <ac:chgData name="Ihor Aleksandrov" userId="c3051032-6b87-4db2-b257-777a0106fbd9" providerId="ADAL" clId="{DF783FCC-C35F-4D2C-B134-D1A27E72D448}" dt="2024-01-26T12:38:02.286" v="280" actId="478"/>
+          <ac:picMkLst>
+            <pc:docMk/>
+            <pc:sldMk cId="4210310787" sldId="316"/>
+            <ac:picMk id="9" creationId="{34F80E18-578A-16A9-85C5-532F9FD4B0B9}"/>
+          </ac:picMkLst>
+        </pc:picChg>
+      </pc:sldChg>
+      <pc:sldChg chg="addSp delSp modSp add mod">
+        <pc:chgData name="Ihor Aleksandrov" userId="c3051032-6b87-4db2-b257-777a0106fbd9" providerId="ADAL" clId="{DF783FCC-C35F-4D2C-B134-D1A27E72D448}" dt="2024-01-26T12:40:46.440" v="310" actId="1076"/>
+        <pc:sldMkLst>
+          <pc:docMk/>
+          <pc:sldMk cId="1401046882" sldId="317"/>
+        </pc:sldMkLst>
+        <pc:spChg chg="mod">
+          <ac:chgData name="Ihor Aleksandrov" userId="c3051032-6b87-4db2-b257-777a0106fbd9" providerId="ADAL" clId="{DF783FCC-C35F-4D2C-B134-D1A27E72D448}" dt="2024-01-26T12:39:56.941" v="299" actId="20577"/>
+          <ac:spMkLst>
+            <pc:docMk/>
+            <pc:sldMk cId="1401046882" sldId="317"/>
+            <ac:spMk id="2" creationId="{53C5D828-9666-E312-B574-9FE965A7D6BE}"/>
+          </ac:spMkLst>
+        </pc:spChg>
+        <pc:picChg chg="del">
+          <ac:chgData name="Ihor Aleksandrov" userId="c3051032-6b87-4db2-b257-777a0106fbd9" providerId="ADAL" clId="{DF783FCC-C35F-4D2C-B134-D1A27E72D448}" dt="2024-01-26T12:40:00.564" v="300" actId="478"/>
+          <ac:picMkLst>
+            <pc:docMk/>
+            <pc:sldMk cId="1401046882" sldId="317"/>
+            <ac:picMk id="5" creationId="{8E7A6064-484E-B30C-7E3A-19B2D5316902}"/>
+          </ac:picMkLst>
+        </pc:picChg>
+        <pc:picChg chg="add mod">
+          <ac:chgData name="Ihor Aleksandrov" userId="c3051032-6b87-4db2-b257-777a0106fbd9" providerId="ADAL" clId="{DF783FCC-C35F-4D2C-B134-D1A27E72D448}" dt="2024-01-26T12:40:42.603" v="309" actId="1076"/>
+          <ac:picMkLst>
+            <pc:docMk/>
+            <pc:sldMk cId="1401046882" sldId="317"/>
+            <ac:picMk id="6" creationId="{C1BEC785-1A5C-BC57-8AF1-75EF2EF4F5B0}"/>
+          </ac:picMkLst>
+        </pc:picChg>
+        <pc:picChg chg="del">
+          <ac:chgData name="Ihor Aleksandrov" userId="c3051032-6b87-4db2-b257-777a0106fbd9" providerId="ADAL" clId="{DF783FCC-C35F-4D2C-B134-D1A27E72D448}" dt="2024-01-26T12:40:02.322" v="301" actId="478"/>
+          <ac:picMkLst>
+            <pc:docMk/>
+            <pc:sldMk cId="1401046882" sldId="317"/>
+            <ac:picMk id="8" creationId="{5275D103-485B-C43F-327E-ED0BECCAB575}"/>
+          </ac:picMkLst>
+        </pc:picChg>
+        <pc:picChg chg="add mod">
+          <ac:chgData name="Ihor Aleksandrov" userId="c3051032-6b87-4db2-b257-777a0106fbd9" providerId="ADAL" clId="{DF783FCC-C35F-4D2C-B134-D1A27E72D448}" dt="2024-01-26T12:40:46.440" v="310" actId="1076"/>
+          <ac:picMkLst>
+            <pc:docMk/>
+            <pc:sldMk cId="1401046882" sldId="317"/>
+            <ac:picMk id="9" creationId="{25716AD4-AC61-DD67-E0EB-5B1D649196E5}"/>
+          </ac:picMkLst>
+        </pc:picChg>
+      </pc:sldChg>
+      <pc:sldChg chg="addSp delSp modSp add mod">
+        <pc:chgData name="Ihor Aleksandrov" userId="c3051032-6b87-4db2-b257-777a0106fbd9" providerId="ADAL" clId="{DF783FCC-C35F-4D2C-B134-D1A27E72D448}" dt="2024-01-26T12:43:27.844" v="342" actId="1076"/>
+        <pc:sldMkLst>
+          <pc:docMk/>
+          <pc:sldMk cId="701027107" sldId="318"/>
+        </pc:sldMkLst>
+        <pc:spChg chg="mod">
+          <ac:chgData name="Ihor Aleksandrov" userId="c3051032-6b87-4db2-b257-777a0106fbd9" providerId="ADAL" clId="{DF783FCC-C35F-4D2C-B134-D1A27E72D448}" dt="2024-01-26T12:42:31.864" v="330" actId="20577"/>
+          <ac:spMkLst>
+            <pc:docMk/>
+            <pc:sldMk cId="701027107" sldId="318"/>
+            <ac:spMk id="2" creationId="{53C5D828-9666-E312-B574-9FE965A7D6BE}"/>
+          </ac:spMkLst>
+        </pc:spChg>
+        <pc:picChg chg="add mod">
+          <ac:chgData name="Ihor Aleksandrov" userId="c3051032-6b87-4db2-b257-777a0106fbd9" providerId="ADAL" clId="{DF783FCC-C35F-4D2C-B134-D1A27E72D448}" dt="2024-01-26T12:43:04.267" v="336" actId="1076"/>
+          <ac:picMkLst>
+            <pc:docMk/>
+            <pc:sldMk cId="701027107" sldId="318"/>
+            <ac:picMk id="5" creationId="{C9E7A61D-7A9F-90BF-2073-99800DC02183}"/>
+          </ac:picMkLst>
+        </pc:picChg>
+        <pc:picChg chg="del">
+          <ac:chgData name="Ihor Aleksandrov" userId="c3051032-6b87-4db2-b257-777a0106fbd9" providerId="ADAL" clId="{DF783FCC-C35F-4D2C-B134-D1A27E72D448}" dt="2024-01-26T12:42:35.321" v="331" actId="478"/>
+          <ac:picMkLst>
+            <pc:docMk/>
+            <pc:sldMk cId="701027107" sldId="318"/>
+            <ac:picMk id="6" creationId="{C1BEC785-1A5C-BC57-8AF1-75EF2EF4F5B0}"/>
+          </ac:picMkLst>
+        </pc:picChg>
+        <pc:picChg chg="add mod">
+          <ac:chgData name="Ihor Aleksandrov" userId="c3051032-6b87-4db2-b257-777a0106fbd9" providerId="ADAL" clId="{DF783FCC-C35F-4D2C-B134-D1A27E72D448}" dt="2024-01-26T12:43:27.844" v="342" actId="1076"/>
+          <ac:picMkLst>
+            <pc:docMk/>
+            <pc:sldMk cId="701027107" sldId="318"/>
+            <ac:picMk id="8" creationId="{38F011CA-CFEE-3631-F749-FEC935A4A03A}"/>
+          </ac:picMkLst>
+        </pc:picChg>
+        <pc:picChg chg="del">
+          <ac:chgData name="Ihor Aleksandrov" userId="c3051032-6b87-4db2-b257-777a0106fbd9" providerId="ADAL" clId="{DF783FCC-C35F-4D2C-B134-D1A27E72D448}" dt="2024-01-26T12:42:37.555" v="332" actId="478"/>
+          <ac:picMkLst>
+            <pc:docMk/>
+            <pc:sldMk cId="701027107" sldId="318"/>
+            <ac:picMk id="9" creationId="{25716AD4-AC61-DD67-E0EB-5B1D649196E5}"/>
+          </ac:picMkLst>
+        </pc:picChg>
+      </pc:sldChg>
+      <pc:sldChg chg="addSp delSp modSp add mod">
+        <pc:chgData name="Ihor Aleksandrov" userId="c3051032-6b87-4db2-b257-777a0106fbd9" providerId="ADAL" clId="{DF783FCC-C35F-4D2C-B134-D1A27E72D448}" dt="2024-01-26T12:57:35.107" v="378" actId="1076"/>
+        <pc:sldMkLst>
+          <pc:docMk/>
+          <pc:sldMk cId="166848246" sldId="319"/>
+        </pc:sldMkLst>
+        <pc:spChg chg="mod">
+          <ac:chgData name="Ihor Aleksandrov" userId="c3051032-6b87-4db2-b257-777a0106fbd9" providerId="ADAL" clId="{DF783FCC-C35F-4D2C-B134-D1A27E72D448}" dt="2024-01-26T12:52:25.573" v="373" actId="20577"/>
+          <ac:spMkLst>
+            <pc:docMk/>
+            <pc:sldMk cId="166848246" sldId="319"/>
+            <ac:spMk id="2" creationId="{53C5D828-9666-E312-B574-9FE965A7D6BE}"/>
+          </ac:spMkLst>
+        </pc:spChg>
+        <pc:picChg chg="del">
+          <ac:chgData name="Ihor Aleksandrov" userId="c3051032-6b87-4db2-b257-777a0106fbd9" providerId="ADAL" clId="{DF783FCC-C35F-4D2C-B134-D1A27E72D448}" dt="2024-01-26T12:52:30.351" v="374" actId="478"/>
+          <ac:picMkLst>
+            <pc:docMk/>
+            <pc:sldMk cId="166848246" sldId="319"/>
+            <ac:picMk id="5" creationId="{C9E7A61D-7A9F-90BF-2073-99800DC02183}"/>
+          </ac:picMkLst>
+        </pc:picChg>
+        <pc:picChg chg="add mod">
+          <ac:chgData name="Ihor Aleksandrov" userId="c3051032-6b87-4db2-b257-777a0106fbd9" providerId="ADAL" clId="{DF783FCC-C35F-4D2C-B134-D1A27E72D448}" dt="2024-01-26T12:57:35.107" v="378" actId="1076"/>
+          <ac:picMkLst>
+            <pc:docMk/>
+            <pc:sldMk cId="166848246" sldId="319"/>
+            <ac:picMk id="6" creationId="{A6296786-68CA-315E-9A7E-1157749A9EE6}"/>
+          </ac:picMkLst>
+        </pc:picChg>
+        <pc:picChg chg="del">
+          <ac:chgData name="Ihor Aleksandrov" userId="c3051032-6b87-4db2-b257-777a0106fbd9" providerId="ADAL" clId="{DF783FCC-C35F-4D2C-B134-D1A27E72D448}" dt="2024-01-26T12:52:32.169" v="375" actId="478"/>
+          <ac:picMkLst>
+            <pc:docMk/>
+            <pc:sldMk cId="166848246" sldId="319"/>
+            <ac:picMk id="8" creationId="{38F011CA-CFEE-3631-F749-FEC935A4A03A}"/>
+          </ac:picMkLst>
+        </pc:picChg>
+      </pc:sldChg>
+      <pc:sldChg chg="addSp delSp modSp add mod">
+        <pc:chgData name="Ihor Aleksandrov" userId="c3051032-6b87-4db2-b257-777a0106fbd9" providerId="ADAL" clId="{DF783FCC-C35F-4D2C-B134-D1A27E72D448}" dt="2024-01-26T13:05:10.980" v="418" actId="22"/>
+        <pc:sldMkLst>
+          <pc:docMk/>
+          <pc:sldMk cId="2292472459" sldId="320"/>
+        </pc:sldMkLst>
+        <pc:spChg chg="mod">
+          <ac:chgData name="Ihor Aleksandrov" userId="c3051032-6b87-4db2-b257-777a0106fbd9" providerId="ADAL" clId="{DF783FCC-C35F-4D2C-B134-D1A27E72D448}" dt="2024-01-26T13:05:00.672" v="415" actId="20577"/>
+          <ac:spMkLst>
+            <pc:docMk/>
+            <pc:sldMk cId="2292472459" sldId="320"/>
+            <ac:spMk id="2" creationId="{53C5D828-9666-E312-B574-9FE965A7D6BE}"/>
+          </ac:spMkLst>
+        </pc:spChg>
+        <pc:picChg chg="add mod">
+          <ac:chgData name="Ihor Aleksandrov" userId="c3051032-6b87-4db2-b257-777a0106fbd9" providerId="ADAL" clId="{DF783FCC-C35F-4D2C-B134-D1A27E72D448}" dt="2024-01-26T13:05:03.560" v="416" actId="1076"/>
+          <ac:picMkLst>
+            <pc:docMk/>
+            <pc:sldMk cId="2292472459" sldId="320"/>
+            <ac:picMk id="5" creationId="{96D28E5B-C3E7-BFA3-AAE0-7B1931753B37}"/>
+          </ac:picMkLst>
+        </pc:picChg>
+        <pc:picChg chg="del">
+          <ac:chgData name="Ihor Aleksandrov" userId="c3051032-6b87-4db2-b257-777a0106fbd9" providerId="ADAL" clId="{DF783FCC-C35F-4D2C-B134-D1A27E72D448}" dt="2024-01-26T13:04:28.153" v="405" actId="478"/>
+          <ac:picMkLst>
+            <pc:docMk/>
+            <pc:sldMk cId="2292472459" sldId="320"/>
+            <ac:picMk id="6" creationId="{A6296786-68CA-315E-9A7E-1157749A9EE6}"/>
+          </ac:picMkLst>
+        </pc:picChg>
+        <pc:picChg chg="add del">
+          <ac:chgData name="Ihor Aleksandrov" userId="c3051032-6b87-4db2-b257-777a0106fbd9" providerId="ADAL" clId="{DF783FCC-C35F-4D2C-B134-D1A27E72D448}" dt="2024-01-26T13:05:10.980" v="418" actId="22"/>
+          <ac:picMkLst>
+            <pc:docMk/>
+            <pc:sldMk cId="2292472459" sldId="320"/>
+            <ac:picMk id="8" creationId="{554A2027-36D0-B7EA-D3DD-F719AF23123B}"/>
+          </ac:picMkLst>
+        </pc:picChg>
+      </pc:sldChg>
+      <pc:sldChg chg="addSp delSp modSp add mod">
+        <pc:chgData name="Ihor Aleksandrov" userId="c3051032-6b87-4db2-b257-777a0106fbd9" providerId="ADAL" clId="{DF783FCC-C35F-4D2C-B134-D1A27E72D448}" dt="2024-01-26T13:05:24.717" v="423" actId="1076"/>
+        <pc:sldMkLst>
+          <pc:docMk/>
+          <pc:sldMk cId="1322111015" sldId="321"/>
+        </pc:sldMkLst>
+        <pc:picChg chg="del">
+          <ac:chgData name="Ihor Aleksandrov" userId="c3051032-6b87-4db2-b257-777a0106fbd9" providerId="ADAL" clId="{DF783FCC-C35F-4D2C-B134-D1A27E72D448}" dt="2024-01-26T13:05:21.645" v="422" actId="478"/>
+          <ac:picMkLst>
+            <pc:docMk/>
+            <pc:sldMk cId="1322111015" sldId="321"/>
+            <ac:picMk id="5" creationId="{96D28E5B-C3E7-BFA3-AAE0-7B1931753B37}"/>
+          </ac:picMkLst>
+        </pc:picChg>
+        <pc:picChg chg="add mod">
+          <ac:chgData name="Ihor Aleksandrov" userId="c3051032-6b87-4db2-b257-777a0106fbd9" providerId="ADAL" clId="{DF783FCC-C35F-4D2C-B134-D1A27E72D448}" dt="2024-01-26T13:05:24.717" v="423" actId="1076"/>
+          <ac:picMkLst>
+            <pc:docMk/>
+            <pc:sldMk cId="1322111015" sldId="321"/>
+            <ac:picMk id="6" creationId="{04B218F6-449B-2F93-DB6F-C091B7A2D68D}"/>
+          </ac:picMkLst>
+        </pc:picChg>
+      </pc:sldChg>
+      <pc:sldChg chg="addSp delSp modSp add mod">
+        <pc:chgData name="Ihor Aleksandrov" userId="c3051032-6b87-4db2-b257-777a0106fbd9" providerId="ADAL" clId="{DF783FCC-C35F-4D2C-B134-D1A27E72D448}" dt="2024-01-26T13:06:32.202" v="432" actId="1076"/>
+        <pc:sldMkLst>
+          <pc:docMk/>
+          <pc:sldMk cId="3503328695" sldId="322"/>
+        </pc:sldMkLst>
+        <pc:picChg chg="add mod">
+          <ac:chgData name="Ihor Aleksandrov" userId="c3051032-6b87-4db2-b257-777a0106fbd9" providerId="ADAL" clId="{DF783FCC-C35F-4D2C-B134-D1A27E72D448}" dt="2024-01-26T13:06:25.597" v="429" actId="1076"/>
+          <ac:picMkLst>
+            <pc:docMk/>
+            <pc:sldMk cId="3503328695" sldId="322"/>
+            <ac:picMk id="5" creationId="{9C4BF8C2-EC18-9A18-0A44-8EB1C9CE1208}"/>
+          </ac:picMkLst>
+        </pc:picChg>
+        <pc:picChg chg="del">
+          <ac:chgData name="Ihor Aleksandrov" userId="c3051032-6b87-4db2-b257-777a0106fbd9" providerId="ADAL" clId="{DF783FCC-C35F-4D2C-B134-D1A27E72D448}" dt="2024-01-26T13:05:58.351" v="425" actId="478"/>
+          <ac:picMkLst>
+            <pc:docMk/>
+            <pc:sldMk cId="3503328695" sldId="322"/>
+            <ac:picMk id="6" creationId="{04B218F6-449B-2F93-DB6F-C091B7A2D68D}"/>
+          </ac:picMkLst>
+        </pc:picChg>
+        <pc:picChg chg="add mod">
+          <ac:chgData name="Ihor Aleksandrov" userId="c3051032-6b87-4db2-b257-777a0106fbd9" providerId="ADAL" clId="{DF783FCC-C35F-4D2C-B134-D1A27E72D448}" dt="2024-01-26T13:06:32.202" v="432" actId="1076"/>
+          <ac:picMkLst>
+            <pc:docMk/>
+            <pc:sldMk cId="3503328695" sldId="322"/>
+            <ac:picMk id="8" creationId="{70532B56-37B8-7540-3150-B8251ACB964C}"/>
+          </ac:picMkLst>
+        </pc:picChg>
+      </pc:sldChg>
+      <pc:sldChg chg="addSp delSp modSp add mod">
+        <pc:chgData name="Ihor Aleksandrov" userId="c3051032-6b87-4db2-b257-777a0106fbd9" providerId="ADAL" clId="{DF783FCC-C35F-4D2C-B134-D1A27E72D448}" dt="2024-01-26T13:08:01.330" v="440" actId="1076"/>
+        <pc:sldMkLst>
+          <pc:docMk/>
+          <pc:sldMk cId="362375175" sldId="323"/>
+        </pc:sldMkLst>
+        <pc:picChg chg="del">
+          <ac:chgData name="Ihor Aleksandrov" userId="c3051032-6b87-4db2-b257-777a0106fbd9" providerId="ADAL" clId="{DF783FCC-C35F-4D2C-B134-D1A27E72D448}" dt="2024-01-26T13:07:52.593" v="435" actId="478"/>
+          <ac:picMkLst>
+            <pc:docMk/>
+            <pc:sldMk cId="362375175" sldId="323"/>
+            <ac:picMk id="5" creationId="{9C4BF8C2-EC18-9A18-0A44-8EB1C9CE1208}"/>
+          </ac:picMkLst>
+        </pc:picChg>
+        <pc:picChg chg="add mod">
+          <ac:chgData name="Ihor Aleksandrov" userId="c3051032-6b87-4db2-b257-777a0106fbd9" providerId="ADAL" clId="{DF783FCC-C35F-4D2C-B134-D1A27E72D448}" dt="2024-01-26T13:08:01.330" v="440" actId="1076"/>
+          <ac:picMkLst>
+            <pc:docMk/>
+            <pc:sldMk cId="362375175" sldId="323"/>
+            <ac:picMk id="6" creationId="{BB101808-A913-0FD5-1B8C-DA75C36C2155}"/>
+          </ac:picMkLst>
+        </pc:picChg>
+        <pc:picChg chg="del">
+          <ac:chgData name="Ihor Aleksandrov" userId="c3051032-6b87-4db2-b257-777a0106fbd9" providerId="ADAL" clId="{DF783FCC-C35F-4D2C-B134-D1A27E72D448}" dt="2024-01-26T13:07:49.273" v="434" actId="478"/>
+          <ac:picMkLst>
+            <pc:docMk/>
+            <pc:sldMk cId="362375175" sldId="323"/>
+            <ac:picMk id="8" creationId="{70532B56-37B8-7540-3150-B8251ACB964C}"/>
+          </ac:picMkLst>
+        </pc:picChg>
+      </pc:sldChg>
+      <pc:sldMasterChg chg="add del addSldLayout delSldLayout">
+        <pc:chgData name="Ihor Aleksandrov" userId="c3051032-6b87-4db2-b257-777a0106fbd9" providerId="ADAL" clId="{DF783FCC-C35F-4D2C-B134-D1A27E72D448}" dt="2024-01-26T09:36:25.550" v="6" actId="2696"/>
+        <pc:sldMasterMkLst>
+          <pc:docMk/>
+          <pc:sldMasterMk cId="1579723609" sldId="2147483660"/>
+        </pc:sldMasterMkLst>
+        <pc:sldLayoutChg chg="add del">
+          <pc:chgData name="Ihor Aleksandrov" userId="c3051032-6b87-4db2-b257-777a0106fbd9" providerId="ADAL" clId="{DF783FCC-C35F-4D2C-B134-D1A27E72D448}" dt="2024-01-26T09:36:25.550" v="6" actId="2696"/>
+          <pc:sldLayoutMkLst>
+            <pc:docMk/>
+            <pc:sldMasterMk cId="1579723609" sldId="2147483660"/>
+            <pc:sldLayoutMk cId="3357226012" sldId="2147483651"/>
+          </pc:sldLayoutMkLst>
+        </pc:sldLayoutChg>
+        <pc:sldLayoutChg chg="add del">
+          <pc:chgData name="Ihor Aleksandrov" userId="c3051032-6b87-4db2-b257-777a0106fbd9" providerId="ADAL" clId="{DF783FCC-C35F-4D2C-B134-D1A27E72D448}" dt="2024-01-26T09:36:25.550" v="6" actId="2696"/>
+          <pc:sldLayoutMkLst>
+            <pc:docMk/>
+            <pc:sldMasterMk cId="1579723609" sldId="2147483660"/>
+            <pc:sldLayoutMk cId="2416164443" sldId="2147483652"/>
+          </pc:sldLayoutMkLst>
+        </pc:sldLayoutChg>
+        <pc:sldLayoutChg chg="add del">
+          <pc:chgData name="Ihor Aleksandrov" userId="c3051032-6b87-4db2-b257-777a0106fbd9" providerId="ADAL" clId="{DF783FCC-C35F-4D2C-B134-D1A27E72D448}" dt="2024-01-26T09:36:25.550" v="6" actId="2696"/>
+          <pc:sldLayoutMkLst>
+            <pc:docMk/>
+            <pc:sldMasterMk cId="1579723609" sldId="2147483660"/>
+            <pc:sldLayoutMk cId="1566824437" sldId="2147483653"/>
+          </pc:sldLayoutMkLst>
+        </pc:sldLayoutChg>
+        <pc:sldLayoutChg chg="add del">
+          <pc:chgData name="Ihor Aleksandrov" userId="c3051032-6b87-4db2-b257-777a0106fbd9" providerId="ADAL" clId="{DF783FCC-C35F-4D2C-B134-D1A27E72D448}" dt="2024-01-26T09:36:25.550" v="6" actId="2696"/>
+          <pc:sldLayoutMkLst>
+            <pc:docMk/>
+            <pc:sldMasterMk cId="1579723609" sldId="2147483660"/>
+            <pc:sldLayoutMk cId="2529685914" sldId="2147483654"/>
+          </pc:sldLayoutMkLst>
+        </pc:sldLayoutChg>
+        <pc:sldLayoutChg chg="add del">
+          <pc:chgData name="Ihor Aleksandrov" userId="c3051032-6b87-4db2-b257-777a0106fbd9" providerId="ADAL" clId="{DF783FCC-C35F-4D2C-B134-D1A27E72D448}" dt="2024-01-26T09:36:25.550" v="6" actId="2696"/>
+          <pc:sldLayoutMkLst>
+            <pc:docMk/>
+            <pc:sldMasterMk cId="1579723609" sldId="2147483660"/>
+            <pc:sldLayoutMk cId="1471059010" sldId="2147483655"/>
+          </pc:sldLayoutMkLst>
+        </pc:sldLayoutChg>
+        <pc:sldLayoutChg chg="add del">
+          <pc:chgData name="Ihor Aleksandrov" userId="c3051032-6b87-4db2-b257-777a0106fbd9" providerId="ADAL" clId="{DF783FCC-C35F-4D2C-B134-D1A27E72D448}" dt="2024-01-26T09:36:25.550" v="6" actId="2696"/>
+          <pc:sldLayoutMkLst>
+            <pc:docMk/>
+            <pc:sldMasterMk cId="1579723609" sldId="2147483660"/>
+            <pc:sldLayoutMk cId="583042130" sldId="2147483656"/>
+          </pc:sldLayoutMkLst>
+        </pc:sldLayoutChg>
+        <pc:sldLayoutChg chg="add del">
+          <pc:chgData name="Ihor Aleksandrov" userId="c3051032-6b87-4db2-b257-777a0106fbd9" providerId="ADAL" clId="{DF783FCC-C35F-4D2C-B134-D1A27E72D448}" dt="2024-01-26T09:36:25.550" v="6" actId="2696"/>
+          <pc:sldLayoutMkLst>
+            <pc:docMk/>
+            <pc:sldMasterMk cId="1579723609" sldId="2147483660"/>
+            <pc:sldLayoutMk cId="141902003" sldId="2147483657"/>
+          </pc:sldLayoutMkLst>
+        </pc:sldLayoutChg>
+        <pc:sldLayoutChg chg="add del">
+          <pc:chgData name="Ihor Aleksandrov" userId="c3051032-6b87-4db2-b257-777a0106fbd9" providerId="ADAL" clId="{DF783FCC-C35F-4D2C-B134-D1A27E72D448}" dt="2024-01-26T09:36:25.550" v="6" actId="2696"/>
+          <pc:sldLayoutMkLst>
+            <pc:docMk/>
+            <pc:sldMasterMk cId="1579723609" sldId="2147483660"/>
+            <pc:sldLayoutMk cId="454445818" sldId="2147483658"/>
+          </pc:sldLayoutMkLst>
+        </pc:sldLayoutChg>
+        <pc:sldLayoutChg chg="add del">
+          <pc:chgData name="Ihor Aleksandrov" userId="c3051032-6b87-4db2-b257-777a0106fbd9" providerId="ADAL" clId="{DF783FCC-C35F-4D2C-B134-D1A27E72D448}" dt="2024-01-26T09:36:25.550" v="6" actId="2696"/>
+          <pc:sldLayoutMkLst>
+            <pc:docMk/>
+            <pc:sldMasterMk cId="1579723609" sldId="2147483660"/>
+            <pc:sldLayoutMk cId="3042422475" sldId="2147483659"/>
+          </pc:sldLayoutMkLst>
+        </pc:sldLayoutChg>
+        <pc:sldLayoutChg chg="add del">
+          <pc:chgData name="Ihor Aleksandrov" userId="c3051032-6b87-4db2-b257-777a0106fbd9" providerId="ADAL" clId="{DF783FCC-C35F-4D2C-B134-D1A27E72D448}" dt="2024-01-26T09:36:25.550" v="6" actId="2696"/>
+          <pc:sldLayoutMkLst>
+            <pc:docMk/>
+            <pc:sldMasterMk cId="1579723609" sldId="2147483660"/>
+            <pc:sldLayoutMk cId="639927661" sldId="2147483661"/>
+          </pc:sldLayoutMkLst>
+        </pc:sldLayoutChg>
+        <pc:sldLayoutChg chg="add del">
+          <pc:chgData name="Ihor Aleksandrov" userId="c3051032-6b87-4db2-b257-777a0106fbd9" providerId="ADAL" clId="{DF783FCC-C35F-4D2C-B134-D1A27E72D448}" dt="2024-01-26T09:36:25.550" v="6" actId="2696"/>
+          <pc:sldLayoutMkLst>
+            <pc:docMk/>
+            <pc:sldMasterMk cId="1579723609" sldId="2147483660"/>
+            <pc:sldLayoutMk cId="1498987355" sldId="2147483662"/>
+          </pc:sldLayoutMkLst>
+        </pc:sldLayoutChg>
+      </pc:sldMasterChg>
+    </pc:docChg>
+  </pc:docChgLst>
+  <pc:docChgLst>
+    <pc:chgData name="Ihor Aleksandrov" userId="c3051032-6b87-4db2-b257-777a0106fbd9" providerId="ADAL" clId="{CD6A1DE1-ACF9-4B80-94F3-F58CA81605B6}"/>
+    <pc:docChg chg="undo redo custSel addSld delSld modSld sldOrd addSection delSection modSection">
+      <pc:chgData name="Ihor Aleksandrov" userId="c3051032-6b87-4db2-b257-777a0106fbd9" providerId="ADAL" clId="{CD6A1DE1-ACF9-4B80-94F3-F58CA81605B6}" dt="2024-01-31T16:36:06.805" v="251" actId="20577"/>
+      <pc:docMkLst>
+        <pc:docMk/>
+      </pc:docMkLst>
+      <pc:sldChg chg="modSp mod">
+        <pc:chgData name="Ihor Aleksandrov" userId="c3051032-6b87-4db2-b257-777a0106fbd9" providerId="ADAL" clId="{CD6A1DE1-ACF9-4B80-94F3-F58CA81605B6}" dt="2024-01-31T09:08:37.650" v="10" actId="20577"/>
+        <pc:sldMkLst>
+          <pc:docMk/>
+          <pc:sldMk cId="552267186" sldId="256"/>
+        </pc:sldMkLst>
+        <pc:spChg chg="mod">
+          <ac:chgData name="Ihor Aleksandrov" userId="c3051032-6b87-4db2-b257-777a0106fbd9" providerId="ADAL" clId="{CD6A1DE1-ACF9-4B80-94F3-F58CA81605B6}" dt="2024-01-31T09:08:37.650" v="10" actId="20577"/>
+          <ac:spMkLst>
+            <pc:docMk/>
+            <pc:sldMk cId="552267186" sldId="256"/>
+            <ac:spMk id="2" creationId="{18C18207-A109-5552-1541-0ABBAA316282}"/>
+          </ac:spMkLst>
+        </pc:spChg>
+      </pc:sldChg>
+      <pc:sldChg chg="addSp delSp modSp mod ord">
+        <pc:chgData name="Ihor Aleksandrov" userId="c3051032-6b87-4db2-b257-777a0106fbd9" providerId="ADAL" clId="{CD6A1DE1-ACF9-4B80-94F3-F58CA81605B6}" dt="2024-01-31T14:10:17.392" v="37"/>
+        <pc:sldMkLst>
+          <pc:docMk/>
+          <pc:sldMk cId="4197480136" sldId="268"/>
+        </pc:sldMkLst>
+        <pc:spChg chg="mod">
+          <ac:chgData name="Ihor Aleksandrov" userId="c3051032-6b87-4db2-b257-777a0106fbd9" providerId="ADAL" clId="{CD6A1DE1-ACF9-4B80-94F3-F58CA81605B6}" dt="2024-01-31T14:10:17.392" v="37"/>
+          <ac:spMkLst>
+            <pc:docMk/>
+            <pc:sldMk cId="4197480136" sldId="268"/>
+            <ac:spMk id="2" creationId="{53C5D828-9666-E312-B574-9FE965A7D6BE}"/>
+          </ac:spMkLst>
+        </pc:spChg>
+        <pc:spChg chg="del">
+          <ac:chgData name="Ihor Aleksandrov" userId="c3051032-6b87-4db2-b257-777a0106fbd9" providerId="ADAL" clId="{CD6A1DE1-ACF9-4B80-94F3-F58CA81605B6}" dt="2024-01-31T14:07:40.586" v="16" actId="478"/>
+          <ac:spMkLst>
+            <pc:docMk/>
+            <pc:sldMk cId="4197480136" sldId="268"/>
+            <ac:spMk id="4" creationId="{13451CDA-1490-D1A7-A07B-AFF3680A7469}"/>
+          </ac:spMkLst>
+        </pc:spChg>
+        <pc:picChg chg="add del mod">
+          <ac:chgData name="Ihor Aleksandrov" userId="c3051032-6b87-4db2-b257-777a0106fbd9" providerId="ADAL" clId="{CD6A1DE1-ACF9-4B80-94F3-F58CA81605B6}" dt="2024-01-31T14:09:37.609" v="23" actId="478"/>
+          <ac:picMkLst>
+            <pc:docMk/>
+            <pc:sldMk cId="4197480136" sldId="268"/>
+            <ac:picMk id="5" creationId="{F0022280-0E09-E00E-9A77-DDC8C0BF78AC}"/>
+          </ac:picMkLst>
+        </pc:picChg>
+        <pc:picChg chg="add mod">
+          <ac:chgData name="Ihor Aleksandrov" userId="c3051032-6b87-4db2-b257-777a0106fbd9" providerId="ADAL" clId="{CD6A1DE1-ACF9-4B80-94F3-F58CA81605B6}" dt="2024-01-31T14:09:46.445" v="28" actId="1076"/>
+          <ac:picMkLst>
+            <pc:docMk/>
+            <pc:sldMk cId="4197480136" sldId="268"/>
+            <ac:picMk id="6" creationId="{4159ACBD-A9C3-7371-B502-430612B37D57}"/>
+          </ac:picMkLst>
+        </pc:picChg>
+      </pc:sldChg>
+      <pc:sldChg chg="modSp mod">
+        <pc:chgData name="Ihor Aleksandrov" userId="c3051032-6b87-4db2-b257-777a0106fbd9" providerId="ADAL" clId="{CD6A1DE1-ACF9-4B80-94F3-F58CA81605B6}" dt="2024-01-31T09:08:12.162" v="1"/>
+        <pc:sldMkLst>
+          <pc:docMk/>
+          <pc:sldMk cId="2052164358" sldId="302"/>
+        </pc:sldMkLst>
+        <pc:spChg chg="mod">
+          <ac:chgData name="Ihor Aleksandrov" userId="c3051032-6b87-4db2-b257-777a0106fbd9" providerId="ADAL" clId="{CD6A1DE1-ACF9-4B80-94F3-F58CA81605B6}" dt="2024-01-31T09:08:12.162" v="1"/>
+          <ac:spMkLst>
+            <pc:docMk/>
+            <pc:sldMk cId="2052164358" sldId="302"/>
+            <ac:spMk id="2" creationId="{5DF8ECE0-DBF5-C309-B35B-C6A0C6C847B2}"/>
+          </ac:spMkLst>
+        </pc:spChg>
+      </pc:sldChg>
+      <pc:sldChg chg="modSp">
+        <pc:chgData name="Ihor Aleksandrov" userId="c3051032-6b87-4db2-b257-777a0106fbd9" providerId="ADAL" clId="{CD6A1DE1-ACF9-4B80-94F3-F58CA81605B6}" dt="2024-01-31T16:36:06.805" v="251" actId="20577"/>
+        <pc:sldMkLst>
+          <pc:docMk/>
+          <pc:sldMk cId="2972731808" sldId="303"/>
+        </pc:sldMkLst>
+        <pc:graphicFrameChg chg="mod">
+          <ac:chgData name="Ihor Aleksandrov" userId="c3051032-6b87-4db2-b257-777a0106fbd9" providerId="ADAL" clId="{CD6A1DE1-ACF9-4B80-94F3-F58CA81605B6}" dt="2024-01-31T16:36:06.805" v="251" actId="20577"/>
+          <ac:graphicFrameMkLst>
+            <pc:docMk/>
+            <pc:sldMk cId="2972731808" sldId="303"/>
+            <ac:graphicFrameMk id="50" creationId="{438840ED-2B50-ED19-12CF-99B1789AE150}"/>
+          </ac:graphicFrameMkLst>
+        </pc:graphicFrameChg>
+      </pc:sldChg>
+      <pc:sldChg chg="add">
+        <pc:chgData name="Ihor Aleksandrov" userId="c3051032-6b87-4db2-b257-777a0106fbd9" providerId="ADAL" clId="{CD6A1DE1-ACF9-4B80-94F3-F58CA81605B6}" dt="2024-01-31T14:07:59.482" v="22" actId="2890"/>
+        <pc:sldMkLst>
+          <pc:docMk/>
+          <pc:sldMk cId="1009650064" sldId="304"/>
+        </pc:sldMkLst>
+      </pc:sldChg>
+      <pc:sldChg chg="del">
+        <pc:chgData name="Ihor Aleksandrov" userId="c3051032-6b87-4db2-b257-777a0106fbd9" providerId="ADAL" clId="{CD6A1DE1-ACF9-4B80-94F3-F58CA81605B6}" dt="2024-01-31T09:09:41.621" v="12" actId="2696"/>
+        <pc:sldMkLst>
+          <pc:docMk/>
+          <pc:sldMk cId="3549163878" sldId="304"/>
+        </pc:sldMkLst>
+      </pc:sldChg>
+      <pc:sldChg chg="addSp delSp modSp add mod">
+        <pc:chgData name="Ihor Aleksandrov" userId="c3051032-6b87-4db2-b257-777a0106fbd9" providerId="ADAL" clId="{CD6A1DE1-ACF9-4B80-94F3-F58CA81605B6}" dt="2024-01-31T14:17:45.758" v="45"/>
+        <pc:sldMkLst>
+          <pc:docMk/>
+          <pc:sldMk cId="3689973886" sldId="305"/>
+        </pc:sldMkLst>
+        <pc:spChg chg="mod">
+          <ac:chgData name="Ihor Aleksandrov" userId="c3051032-6b87-4db2-b257-777a0106fbd9" providerId="ADAL" clId="{CD6A1DE1-ACF9-4B80-94F3-F58CA81605B6}" dt="2024-01-31T14:17:45.758" v="45"/>
+          <ac:spMkLst>
+            <pc:docMk/>
+            <pc:sldMk cId="3689973886" sldId="305"/>
+            <ac:spMk id="2" creationId="{53C5D828-9666-E312-B574-9FE965A7D6BE}"/>
+          </ac:spMkLst>
+        </pc:spChg>
+        <pc:picChg chg="add mod">
+          <ac:chgData name="Ihor Aleksandrov" userId="c3051032-6b87-4db2-b257-777a0106fbd9" providerId="ADAL" clId="{CD6A1DE1-ACF9-4B80-94F3-F58CA81605B6}" dt="2024-01-31T14:15:35.700" v="44" actId="1076"/>
+          <ac:picMkLst>
+            <pc:docMk/>
+            <pc:sldMk cId="3689973886" sldId="305"/>
+            <ac:picMk id="5" creationId="{65983233-09CA-119D-EF1F-584282E32591}"/>
+          </ac:picMkLst>
+        </pc:picChg>
+        <pc:picChg chg="del">
+          <ac:chgData name="Ihor Aleksandrov" userId="c3051032-6b87-4db2-b257-777a0106fbd9" providerId="ADAL" clId="{CD6A1DE1-ACF9-4B80-94F3-F58CA81605B6}" dt="2024-01-31T14:15:27.455" v="40" actId="478"/>
+          <ac:picMkLst>
+            <pc:docMk/>
+            <pc:sldMk cId="3689973886" sldId="305"/>
+            <ac:picMk id="6" creationId="{4159ACBD-A9C3-7371-B502-430612B37D57}"/>
+          </ac:picMkLst>
+        </pc:picChg>
+      </pc:sldChg>
+      <pc:sldChg chg="del">
+        <pc:chgData name="Ihor Aleksandrov" userId="c3051032-6b87-4db2-b257-777a0106fbd9" providerId="ADAL" clId="{CD6A1DE1-ACF9-4B80-94F3-F58CA81605B6}" dt="2024-01-31T09:09:41.621" v="12" actId="2696"/>
+        <pc:sldMkLst>
+          <pc:docMk/>
+          <pc:sldMk cId="3859147720" sldId="305"/>
+        </pc:sldMkLst>
+      </pc:sldChg>
+      <pc:sldChg chg="del">
+        <pc:chgData name="Ihor Aleksandrov" userId="c3051032-6b87-4db2-b257-777a0106fbd9" providerId="ADAL" clId="{CD6A1DE1-ACF9-4B80-94F3-F58CA81605B6}" dt="2024-01-31T09:09:41.621" v="12" actId="2696"/>
+        <pc:sldMkLst>
+          <pc:docMk/>
+          <pc:sldMk cId="2864035387" sldId="306"/>
+        </pc:sldMkLst>
+      </pc:sldChg>
+      <pc:sldChg chg="addSp delSp modSp add mod">
+        <pc:chgData name="Ihor Aleksandrov" userId="c3051032-6b87-4db2-b257-777a0106fbd9" providerId="ADAL" clId="{CD6A1DE1-ACF9-4B80-94F3-F58CA81605B6}" dt="2024-01-31T14:19:42.222" v="51" actId="11529"/>
+        <pc:sldMkLst>
+          <pc:docMk/>
+          <pc:sldMk cId="2869883964" sldId="306"/>
+        </pc:sldMkLst>
+        <pc:spChg chg="mod">
+          <ac:chgData name="Ihor Aleksandrov" userId="c3051032-6b87-4db2-b257-777a0106fbd9" providerId="ADAL" clId="{CD6A1DE1-ACF9-4B80-94F3-F58CA81605B6}" dt="2024-01-31T14:18:50.257" v="49"/>
+          <ac:spMkLst>
+            <pc:docMk/>
+            <pc:sldMk cId="2869883964" sldId="306"/>
+            <ac:spMk id="2" creationId="{53C5D828-9666-E312-B574-9FE965A7D6BE}"/>
+          </ac:spMkLst>
+        </pc:spChg>
+        <pc:spChg chg="add">
+          <ac:chgData name="Ihor Aleksandrov" userId="c3051032-6b87-4db2-b257-777a0106fbd9" providerId="ADAL" clId="{CD6A1DE1-ACF9-4B80-94F3-F58CA81605B6}" dt="2024-01-31T14:19:42.222" v="51" actId="11529"/>
+          <ac:spMkLst>
+            <pc:docMk/>
+            <pc:sldMk cId="2869883964" sldId="306"/>
+            <ac:spMk id="4" creationId="{A7A10FCB-73CC-EC25-5BA2-8A25FEB14B6A}"/>
+          </ac:spMkLst>
+        </pc:spChg>
+        <pc:picChg chg="del">
+          <ac:chgData name="Ihor Aleksandrov" userId="c3051032-6b87-4db2-b257-777a0106fbd9" providerId="ADAL" clId="{CD6A1DE1-ACF9-4B80-94F3-F58CA81605B6}" dt="2024-01-31T14:19:35.964" v="50" actId="478"/>
+          <ac:picMkLst>
+            <pc:docMk/>
+            <pc:sldMk cId="2869883964" sldId="306"/>
+            <ac:picMk id="5" creationId="{65983233-09CA-119D-EF1F-584282E32591}"/>
+          </ac:picMkLst>
+        </pc:picChg>
+      </pc:sldChg>
+      <pc:sldChg chg="modSp add mod">
+        <pc:chgData name="Ihor Aleksandrov" userId="c3051032-6b87-4db2-b257-777a0106fbd9" providerId="ADAL" clId="{CD6A1DE1-ACF9-4B80-94F3-F58CA81605B6}" dt="2024-01-31T14:21:43.315" v="55"/>
+        <pc:sldMkLst>
+          <pc:docMk/>
+          <pc:sldMk cId="609281495" sldId="307"/>
+        </pc:sldMkLst>
+        <pc:spChg chg="mod">
+          <ac:chgData name="Ihor Aleksandrov" userId="c3051032-6b87-4db2-b257-777a0106fbd9" providerId="ADAL" clId="{CD6A1DE1-ACF9-4B80-94F3-F58CA81605B6}" dt="2024-01-31T14:21:43.315" v="55"/>
+          <ac:spMkLst>
+            <pc:docMk/>
+            <pc:sldMk cId="609281495" sldId="307"/>
+            <ac:spMk id="2" creationId="{53C5D828-9666-E312-B574-9FE965A7D6BE}"/>
+          </ac:spMkLst>
+        </pc:spChg>
+      </pc:sldChg>
+      <pc:sldChg chg="del">
+        <pc:chgData name="Ihor Aleksandrov" userId="c3051032-6b87-4db2-b257-777a0106fbd9" providerId="ADAL" clId="{CD6A1DE1-ACF9-4B80-94F3-F58CA81605B6}" dt="2024-01-31T09:09:41.621" v="12" actId="2696"/>
+        <pc:sldMkLst>
+          <pc:docMk/>
+          <pc:sldMk cId="1602066729" sldId="307"/>
+        </pc:sldMkLst>
+      </pc:sldChg>
+      <pc:sldChg chg="modSp add mod">
+        <pc:chgData name="Ihor Aleksandrov" userId="c3051032-6b87-4db2-b257-777a0106fbd9" providerId="ADAL" clId="{CD6A1DE1-ACF9-4B80-94F3-F58CA81605B6}" dt="2024-01-31T14:23:36.164" v="57"/>
+        <pc:sldMkLst>
+          <pc:docMk/>
+          <pc:sldMk cId="892253496" sldId="308"/>
+        </pc:sldMkLst>
+        <pc:spChg chg="mod">
+          <ac:chgData name="Ihor Aleksandrov" userId="c3051032-6b87-4db2-b257-777a0106fbd9" providerId="ADAL" clId="{CD6A1DE1-ACF9-4B80-94F3-F58CA81605B6}" dt="2024-01-31T14:23:36.164" v="57"/>
+          <ac:spMkLst>
+            <pc:docMk/>
+            <pc:sldMk cId="892253496" sldId="308"/>
+            <ac:spMk id="2" creationId="{53C5D828-9666-E312-B574-9FE965A7D6BE}"/>
+          </ac:spMkLst>
+        </pc:spChg>
+      </pc:sldChg>
+      <pc:sldChg chg="del">
+        <pc:chgData name="Ihor Aleksandrov" userId="c3051032-6b87-4db2-b257-777a0106fbd9" providerId="ADAL" clId="{CD6A1DE1-ACF9-4B80-94F3-F58CA81605B6}" dt="2024-01-31T09:09:41.621" v="12" actId="2696"/>
+        <pc:sldMkLst>
+          <pc:docMk/>
+          <pc:sldMk cId="3269251051" sldId="308"/>
+        </pc:sldMkLst>
+      </pc:sldChg>
+      <pc:sldChg chg="modSp add mod">
+        <pc:chgData name="Ihor Aleksandrov" userId="c3051032-6b87-4db2-b257-777a0106fbd9" providerId="ADAL" clId="{CD6A1DE1-ACF9-4B80-94F3-F58CA81605B6}" dt="2024-01-31T14:28:00.006" v="68" actId="6549"/>
+        <pc:sldMkLst>
+          <pc:docMk/>
+          <pc:sldMk cId="322251114" sldId="309"/>
+        </pc:sldMkLst>
+        <pc:spChg chg="mod">
+          <ac:chgData name="Ihor Aleksandrov" userId="c3051032-6b87-4db2-b257-777a0106fbd9" providerId="ADAL" clId="{CD6A1DE1-ACF9-4B80-94F3-F58CA81605B6}" dt="2024-01-31T14:28:00.006" v="68" actId="6549"/>
+          <ac:spMkLst>
+            <pc:docMk/>
+            <pc:sldMk cId="322251114" sldId="309"/>
+            <ac:spMk id="2" creationId="{53C5D828-9666-E312-B574-9FE965A7D6BE}"/>
+          </ac:spMkLst>
+        </pc:spChg>
+      </pc:sldChg>
+      <pc:sldChg chg="del">
+        <pc:chgData name="Ihor Aleksandrov" userId="c3051032-6b87-4db2-b257-777a0106fbd9" providerId="ADAL" clId="{CD6A1DE1-ACF9-4B80-94F3-F58CA81605B6}" dt="2024-01-31T09:09:41.621" v="12" actId="2696"/>
+        <pc:sldMkLst>
+          <pc:docMk/>
+          <pc:sldMk cId="1192723176" sldId="309"/>
+        </pc:sldMkLst>
+      </pc:sldChg>
+      <pc:sldChg chg="del">
+        <pc:chgData name="Ihor Aleksandrov" userId="c3051032-6b87-4db2-b257-777a0106fbd9" providerId="ADAL" clId="{CD6A1DE1-ACF9-4B80-94F3-F58CA81605B6}" dt="2024-01-31T09:09:41.621" v="12" actId="2696"/>
+        <pc:sldMkLst>
+          <pc:docMk/>
+          <pc:sldMk cId="349494834" sldId="310"/>
+        </pc:sldMkLst>
+      </pc:sldChg>
+      <pc:sldChg chg="modSp add mod">
+        <pc:chgData name="Ihor Aleksandrov" userId="c3051032-6b87-4db2-b257-777a0106fbd9" providerId="ADAL" clId="{CD6A1DE1-ACF9-4B80-94F3-F58CA81605B6}" dt="2024-01-31T14:41:19.484" v="113" actId="20577"/>
+        <pc:sldMkLst>
+          <pc:docMk/>
+          <pc:sldMk cId="3511455361" sldId="310"/>
+        </pc:sldMkLst>
+        <pc:spChg chg="mod">
+          <ac:chgData name="Ihor Aleksandrov" userId="c3051032-6b87-4db2-b257-777a0106fbd9" providerId="ADAL" clId="{CD6A1DE1-ACF9-4B80-94F3-F58CA81605B6}" dt="2024-01-31T14:41:19.484" v="113" actId="20577"/>
+          <ac:spMkLst>
+            <pc:docMk/>
+            <pc:sldMk cId="3511455361" sldId="310"/>
+            <ac:spMk id="2" creationId="{53C5D828-9666-E312-B574-9FE965A7D6BE}"/>
+          </ac:spMkLst>
+        </pc:spChg>
+      </pc:sldChg>
+      <pc:sldChg chg="del">
+        <pc:chgData name="Ihor Aleksandrov" userId="c3051032-6b87-4db2-b257-777a0106fbd9" providerId="ADAL" clId="{CD6A1DE1-ACF9-4B80-94F3-F58CA81605B6}" dt="2024-01-31T09:09:41.621" v="12" actId="2696"/>
+        <pc:sldMkLst>
+          <pc:docMk/>
+          <pc:sldMk cId="499114694" sldId="311"/>
+        </pc:sldMkLst>
+      </pc:sldChg>
+      <pc:sldChg chg="modSp add mod">
+        <pc:chgData name="Ihor Aleksandrov" userId="c3051032-6b87-4db2-b257-777a0106fbd9" providerId="ADAL" clId="{CD6A1DE1-ACF9-4B80-94F3-F58CA81605B6}" dt="2024-01-31T14:45:28.900" v="115"/>
+        <pc:sldMkLst>
+          <pc:docMk/>
+          <pc:sldMk cId="1118882355" sldId="311"/>
+        </pc:sldMkLst>
+        <pc:spChg chg="mod">
+          <ac:chgData name="Ihor Aleksandrov" userId="c3051032-6b87-4db2-b257-777a0106fbd9" providerId="ADAL" clId="{CD6A1DE1-ACF9-4B80-94F3-F58CA81605B6}" dt="2024-01-31T14:45:28.900" v="115"/>
+          <ac:spMkLst>
+            <pc:docMk/>
+            <pc:sldMk cId="1118882355" sldId="311"/>
+            <ac:spMk id="2" creationId="{53C5D828-9666-E312-B574-9FE965A7D6BE}"/>
+          </ac:spMkLst>
+        </pc:spChg>
+      </pc:sldChg>
+      <pc:sldChg chg="del">
+        <pc:chgData name="Ihor Aleksandrov" userId="c3051032-6b87-4db2-b257-777a0106fbd9" providerId="ADAL" clId="{CD6A1DE1-ACF9-4B80-94F3-F58CA81605B6}" dt="2024-01-31T09:09:41.621" v="12" actId="2696"/>
+        <pc:sldMkLst>
+          <pc:docMk/>
+          <pc:sldMk cId="270713766" sldId="312"/>
+        </pc:sldMkLst>
+      </pc:sldChg>
+      <pc:sldChg chg="modSp add mod">
+        <pc:chgData name="Ihor Aleksandrov" userId="c3051032-6b87-4db2-b257-777a0106fbd9" providerId="ADAL" clId="{CD6A1DE1-ACF9-4B80-94F3-F58CA81605B6}" dt="2024-01-31T14:47:18.694" v="119"/>
+        <pc:sldMkLst>
+          <pc:docMk/>
+          <pc:sldMk cId="804494040" sldId="312"/>
+        </pc:sldMkLst>
+        <pc:spChg chg="mod">
+          <ac:chgData name="Ihor Aleksandrov" userId="c3051032-6b87-4db2-b257-777a0106fbd9" providerId="ADAL" clId="{CD6A1DE1-ACF9-4B80-94F3-F58CA81605B6}" dt="2024-01-31T14:47:18.694" v="119"/>
+          <ac:spMkLst>
+            <pc:docMk/>
+            <pc:sldMk cId="804494040" sldId="312"/>
+            <ac:spMk id="2" creationId="{53C5D828-9666-E312-B574-9FE965A7D6BE}"/>
+          </ac:spMkLst>
+        </pc:spChg>
+      </pc:sldChg>
+      <pc:sldChg chg="modSp add mod">
+        <pc:chgData name="Ihor Aleksandrov" userId="c3051032-6b87-4db2-b257-777a0106fbd9" providerId="ADAL" clId="{CD6A1DE1-ACF9-4B80-94F3-F58CA81605B6}" dt="2024-01-31T14:49:19.729" v="125"/>
+        <pc:sldMkLst>
+          <pc:docMk/>
+          <pc:sldMk cId="516861898" sldId="313"/>
+        </pc:sldMkLst>
+        <pc:spChg chg="mod">
+          <ac:chgData name="Ihor Aleksandrov" userId="c3051032-6b87-4db2-b257-777a0106fbd9" providerId="ADAL" clId="{CD6A1DE1-ACF9-4B80-94F3-F58CA81605B6}" dt="2024-01-31T14:49:19.729" v="125"/>
+          <ac:spMkLst>
+            <pc:docMk/>
+            <pc:sldMk cId="516861898" sldId="313"/>
+            <ac:spMk id="2" creationId="{53C5D828-9666-E312-B574-9FE965A7D6BE}"/>
+          </ac:spMkLst>
+        </pc:spChg>
+      </pc:sldChg>
+      <pc:sldChg chg="del">
+        <pc:chgData name="Ihor Aleksandrov" userId="c3051032-6b87-4db2-b257-777a0106fbd9" providerId="ADAL" clId="{CD6A1DE1-ACF9-4B80-94F3-F58CA81605B6}" dt="2024-01-31T09:09:41.621" v="12" actId="2696"/>
+        <pc:sldMkLst>
+          <pc:docMk/>
+          <pc:sldMk cId="3773115567" sldId="313"/>
+        </pc:sldMkLst>
+      </pc:sldChg>
+      <pc:sldChg chg="del">
+        <pc:chgData name="Ihor Aleksandrov" userId="c3051032-6b87-4db2-b257-777a0106fbd9" providerId="ADAL" clId="{CD6A1DE1-ACF9-4B80-94F3-F58CA81605B6}" dt="2024-01-31T09:09:41.621" v="12" actId="2696"/>
+        <pc:sldMkLst>
+          <pc:docMk/>
+          <pc:sldMk cId="141045630" sldId="314"/>
+        </pc:sldMkLst>
+      </pc:sldChg>
+      <pc:sldChg chg="addSp delSp modSp add mod">
+        <pc:chgData name="Ihor Aleksandrov" userId="c3051032-6b87-4db2-b257-777a0106fbd9" providerId="ADAL" clId="{CD6A1DE1-ACF9-4B80-94F3-F58CA81605B6}" dt="2024-01-31T15:01:29.780" v="129" actId="22"/>
+        <pc:sldMkLst>
+          <pc:docMk/>
+          <pc:sldMk cId="3021580720" sldId="314"/>
+        </pc:sldMkLst>
+        <pc:spChg chg="mod">
+          <ac:chgData name="Ihor Aleksandrov" userId="c3051032-6b87-4db2-b257-777a0106fbd9" providerId="ADAL" clId="{CD6A1DE1-ACF9-4B80-94F3-F58CA81605B6}" dt="2024-01-31T14:57:18.485" v="127"/>
+          <ac:spMkLst>
+            <pc:docMk/>
+            <pc:sldMk cId="3021580720" sldId="314"/>
+            <ac:spMk id="2" creationId="{53C5D828-9666-E312-B574-9FE965A7D6BE}"/>
+          </ac:spMkLst>
+        </pc:spChg>
+        <pc:spChg chg="add del">
+          <ac:chgData name="Ihor Aleksandrov" userId="c3051032-6b87-4db2-b257-777a0106fbd9" providerId="ADAL" clId="{CD6A1DE1-ACF9-4B80-94F3-F58CA81605B6}" dt="2024-01-31T15:01:29.780" v="129" actId="22"/>
+          <ac:spMkLst>
+            <pc:docMk/>
+            <pc:sldMk cId="3021580720" sldId="314"/>
+            <ac:spMk id="6" creationId="{F057BD1F-14DA-AC1C-4B2D-1E5D44A96B3F}"/>
+          </ac:spMkLst>
+        </pc:spChg>
+      </pc:sldChg>
+      <pc:sldChg chg="del">
+        <pc:chgData name="Ihor Aleksandrov" userId="c3051032-6b87-4db2-b257-777a0106fbd9" providerId="ADAL" clId="{CD6A1DE1-ACF9-4B80-94F3-F58CA81605B6}" dt="2024-01-31T09:09:41.621" v="12" actId="2696"/>
+        <pc:sldMkLst>
+          <pc:docMk/>
+          <pc:sldMk cId="1532481946" sldId="315"/>
+        </pc:sldMkLst>
+      </pc:sldChg>
+      <pc:sldChg chg="modSp add mod">
+        <pc:chgData name="Ihor Aleksandrov" userId="c3051032-6b87-4db2-b257-777a0106fbd9" providerId="ADAL" clId="{CD6A1DE1-ACF9-4B80-94F3-F58CA81605B6}" dt="2024-01-31T15:01:47.443" v="136" actId="20577"/>
+        <pc:sldMkLst>
+          <pc:docMk/>
+          <pc:sldMk cId="1571930096" sldId="315"/>
+        </pc:sldMkLst>
+        <pc:spChg chg="mod">
+          <ac:chgData name="Ihor Aleksandrov" userId="c3051032-6b87-4db2-b257-777a0106fbd9" providerId="ADAL" clId="{CD6A1DE1-ACF9-4B80-94F3-F58CA81605B6}" dt="2024-01-31T15:01:47.443" v="136" actId="20577"/>
+          <ac:spMkLst>
+            <pc:docMk/>
+            <pc:sldMk cId="1571930096" sldId="315"/>
+            <ac:spMk id="2" creationId="{53C5D828-9666-E312-B574-9FE965A7D6BE}"/>
+          </ac:spMkLst>
+        </pc:spChg>
+      </pc:sldChg>
+      <pc:sldChg chg="modSp add mod">
+        <pc:chgData name="Ihor Aleksandrov" userId="c3051032-6b87-4db2-b257-777a0106fbd9" providerId="ADAL" clId="{CD6A1DE1-ACF9-4B80-94F3-F58CA81605B6}" dt="2024-01-31T15:03:02.352" v="159" actId="14100"/>
+        <pc:sldMkLst>
+          <pc:docMk/>
+          <pc:sldMk cId="1133084570" sldId="316"/>
+        </pc:sldMkLst>
+        <pc:spChg chg="mod">
+          <ac:chgData name="Ihor Aleksandrov" userId="c3051032-6b87-4db2-b257-777a0106fbd9" providerId="ADAL" clId="{CD6A1DE1-ACF9-4B80-94F3-F58CA81605B6}" dt="2024-01-31T15:03:02.352" v="159" actId="14100"/>
+          <ac:spMkLst>
+            <pc:docMk/>
+            <pc:sldMk cId="1133084570" sldId="316"/>
+            <ac:spMk id="2" creationId="{53C5D828-9666-E312-B574-9FE965A7D6BE}"/>
+          </ac:spMkLst>
+        </pc:spChg>
+      </pc:sldChg>
+      <pc:sldChg chg="del">
+        <pc:chgData name="Ihor Aleksandrov" userId="c3051032-6b87-4db2-b257-777a0106fbd9" providerId="ADAL" clId="{CD6A1DE1-ACF9-4B80-94F3-F58CA81605B6}" dt="2024-01-31T09:09:41.621" v="12" actId="2696"/>
+        <pc:sldMkLst>
+          <pc:docMk/>
+          <pc:sldMk cId="2524846561" sldId="316"/>
+        </pc:sldMkLst>
+      </pc:sldChg>
+      <pc:sldChg chg="del">
+        <pc:chgData name="Ihor Aleksandrov" userId="c3051032-6b87-4db2-b257-777a0106fbd9" providerId="ADAL" clId="{CD6A1DE1-ACF9-4B80-94F3-F58CA81605B6}" dt="2024-01-31T09:09:41.621" v="12" actId="2696"/>
+        <pc:sldMkLst>
+          <pc:docMk/>
+          <pc:sldMk cId="340892873" sldId="317"/>
+        </pc:sldMkLst>
+      </pc:sldChg>
+      <pc:sldChg chg="modSp add mod">
+        <pc:chgData name="Ihor Aleksandrov" userId="c3051032-6b87-4db2-b257-777a0106fbd9" providerId="ADAL" clId="{CD6A1DE1-ACF9-4B80-94F3-F58CA81605B6}" dt="2024-01-31T15:06:04.633" v="164" actId="20577"/>
+        <pc:sldMkLst>
+          <pc:docMk/>
+          <pc:sldMk cId="356788772" sldId="317"/>
+        </pc:sldMkLst>
+        <pc:spChg chg="mod">
+          <ac:chgData name="Ihor Aleksandrov" userId="c3051032-6b87-4db2-b257-777a0106fbd9" providerId="ADAL" clId="{CD6A1DE1-ACF9-4B80-94F3-F58CA81605B6}" dt="2024-01-31T15:06:04.633" v="164" actId="20577"/>
+          <ac:spMkLst>
+            <pc:docMk/>
+            <pc:sldMk cId="356788772" sldId="317"/>
+            <ac:spMk id="2" creationId="{53C5D828-9666-E312-B574-9FE965A7D6BE}"/>
+          </ac:spMkLst>
+        </pc:spChg>
+      </pc:sldChg>
+      <pc:sldChg chg="del">
+        <pc:chgData name="Ihor Aleksandrov" userId="c3051032-6b87-4db2-b257-777a0106fbd9" providerId="ADAL" clId="{CD6A1DE1-ACF9-4B80-94F3-F58CA81605B6}" dt="2024-01-31T09:09:41.621" v="12" actId="2696"/>
+        <pc:sldMkLst>
+          <pc:docMk/>
+          <pc:sldMk cId="1315442765" sldId="318"/>
+        </pc:sldMkLst>
+      </pc:sldChg>
+      <pc:sldChg chg="modSp add mod ord">
+        <pc:chgData name="Ihor Aleksandrov" userId="c3051032-6b87-4db2-b257-777a0106fbd9" providerId="ADAL" clId="{CD6A1DE1-ACF9-4B80-94F3-F58CA81605B6}" dt="2024-01-31T16:18:42.992" v="170"/>
+        <pc:sldMkLst>
+          <pc:docMk/>
+          <pc:sldMk cId="2690505772" sldId="318"/>
+        </pc:sldMkLst>
+        <pc:spChg chg="mod">
+          <ac:chgData name="Ihor Aleksandrov" userId="c3051032-6b87-4db2-b257-777a0106fbd9" providerId="ADAL" clId="{CD6A1DE1-ACF9-4B80-94F3-F58CA81605B6}" dt="2024-01-31T16:18:42.992" v="170"/>
+          <ac:spMkLst>
+            <pc:docMk/>
+            <pc:sldMk cId="2690505772" sldId="318"/>
+            <ac:spMk id="2" creationId="{18C18207-A109-5552-1541-0ABBAA316282}"/>
+          </ac:spMkLst>
+        </pc:spChg>
+      </pc:sldChg>
+      <pc:sldChg chg="del">
+        <pc:chgData name="Ihor Aleksandrov" userId="c3051032-6b87-4db2-b257-777a0106fbd9" providerId="ADAL" clId="{CD6A1DE1-ACF9-4B80-94F3-F58CA81605B6}" dt="2024-01-31T09:09:41.621" v="12" actId="2696"/>
+        <pc:sldMkLst>
+          <pc:docMk/>
+          <pc:sldMk cId="2257188714" sldId="319"/>
+        </pc:sldMkLst>
+      </pc:sldChg>
+      <pc:sldChg chg="addSp delSp modSp add mod ord">
+        <pc:chgData name="Ihor Aleksandrov" userId="c3051032-6b87-4db2-b257-777a0106fbd9" providerId="ADAL" clId="{CD6A1DE1-ACF9-4B80-94F3-F58CA81605B6}" dt="2024-01-31T16:20:55.716" v="179" actId="1076"/>
+        <pc:sldMkLst>
+          <pc:docMk/>
+          <pc:sldMk cId="3618741339" sldId="319"/>
+        </pc:sldMkLst>
+        <pc:spChg chg="mod">
+          <ac:chgData name="Ihor Aleksandrov" userId="c3051032-6b87-4db2-b257-777a0106fbd9" providerId="ADAL" clId="{CD6A1DE1-ACF9-4B80-94F3-F58CA81605B6}" dt="2024-01-31T16:20:19.318" v="174"/>
+          <ac:spMkLst>
+            <pc:docMk/>
+            <pc:sldMk cId="3618741339" sldId="319"/>
+            <ac:spMk id="2" creationId="{53C5D828-9666-E312-B574-9FE965A7D6BE}"/>
+          </ac:spMkLst>
+        </pc:spChg>
+        <pc:spChg chg="del">
+          <ac:chgData name="Ihor Aleksandrov" userId="c3051032-6b87-4db2-b257-777a0106fbd9" providerId="ADAL" clId="{CD6A1DE1-ACF9-4B80-94F3-F58CA81605B6}" dt="2024-01-31T16:20:22.303" v="175" actId="478"/>
+          <ac:spMkLst>
+            <pc:docMk/>
+            <pc:sldMk cId="3618741339" sldId="319"/>
+            <ac:spMk id="4" creationId="{A7A10FCB-73CC-EC25-5BA2-8A25FEB14B6A}"/>
+          </ac:spMkLst>
+        </pc:spChg>
+        <pc:picChg chg="add mod">
+          <ac:chgData name="Ihor Aleksandrov" userId="c3051032-6b87-4db2-b257-777a0106fbd9" providerId="ADAL" clId="{CD6A1DE1-ACF9-4B80-94F3-F58CA81605B6}" dt="2024-01-31T16:20:55.716" v="179" actId="1076"/>
+          <ac:picMkLst>
+            <pc:docMk/>
+            <pc:sldMk cId="3618741339" sldId="319"/>
+            <ac:picMk id="5" creationId="{F532E8B4-0BE7-0CB3-9EF5-566DC21B1A9C}"/>
+          </ac:picMkLst>
+        </pc:picChg>
+      </pc:sldChg>
+      <pc:sldChg chg="addSp delSp modSp add mod">
+        <pc:chgData name="Ihor Aleksandrov" userId="c3051032-6b87-4db2-b257-777a0106fbd9" providerId="ADAL" clId="{CD6A1DE1-ACF9-4B80-94F3-F58CA81605B6}" dt="2024-01-31T16:23:53.931" v="186" actId="1076"/>
+        <pc:sldMkLst>
+          <pc:docMk/>
+          <pc:sldMk cId="955539517" sldId="320"/>
+        </pc:sldMkLst>
+        <pc:spChg chg="mod">
+          <ac:chgData name="Ihor Aleksandrov" userId="c3051032-6b87-4db2-b257-777a0106fbd9" providerId="ADAL" clId="{CD6A1DE1-ACF9-4B80-94F3-F58CA81605B6}" dt="2024-01-31T16:23:45.804" v="183"/>
+          <ac:spMkLst>
+            <pc:docMk/>
+            <pc:sldMk cId="955539517" sldId="320"/>
+            <ac:spMk id="2" creationId="{53C5D828-9666-E312-B574-9FE965A7D6BE}"/>
+          </ac:spMkLst>
+        </pc:spChg>
+        <pc:picChg chg="add mod">
+          <ac:chgData name="Ihor Aleksandrov" userId="c3051032-6b87-4db2-b257-777a0106fbd9" providerId="ADAL" clId="{CD6A1DE1-ACF9-4B80-94F3-F58CA81605B6}" dt="2024-01-31T16:23:53.931" v="186" actId="1076"/>
+          <ac:picMkLst>
+            <pc:docMk/>
+            <pc:sldMk cId="955539517" sldId="320"/>
+            <ac:picMk id="4" creationId="{28A2D3FD-7D05-8035-871B-BC18824DA49F}"/>
+          </ac:picMkLst>
+        </pc:picChg>
+        <pc:picChg chg="del">
+          <ac:chgData name="Ihor Aleksandrov" userId="c3051032-6b87-4db2-b257-777a0106fbd9" providerId="ADAL" clId="{CD6A1DE1-ACF9-4B80-94F3-F58CA81605B6}" dt="2024-01-31T16:23:47.155" v="184" actId="478"/>
+          <ac:picMkLst>
+            <pc:docMk/>
+            <pc:sldMk cId="955539517" sldId="320"/>
+            <ac:picMk id="5" creationId="{F532E8B4-0BE7-0CB3-9EF5-566DC21B1A9C}"/>
+          </ac:picMkLst>
+        </pc:picChg>
+      </pc:sldChg>
+      <pc:sldChg chg="del">
+        <pc:chgData name="Ihor Aleksandrov" userId="c3051032-6b87-4db2-b257-777a0106fbd9" providerId="ADAL" clId="{CD6A1DE1-ACF9-4B80-94F3-F58CA81605B6}" dt="2024-01-31T09:09:41.621" v="12" actId="2696"/>
+        <pc:sldMkLst>
+          <pc:docMk/>
+          <pc:sldMk cId="2940295210" sldId="320"/>
+        </pc:sldMkLst>
+      </pc:sldChg>
+      <pc:sldChg chg="del">
+        <pc:chgData name="Ihor Aleksandrov" userId="c3051032-6b87-4db2-b257-777a0106fbd9" providerId="ADAL" clId="{CD6A1DE1-ACF9-4B80-94F3-F58CA81605B6}" dt="2024-01-31T09:09:41.621" v="12" actId="2696"/>
+        <pc:sldMkLst>
+          <pc:docMk/>
+          <pc:sldMk cId="2741142378" sldId="321"/>
+        </pc:sldMkLst>
+      </pc:sldChg>
+      <pc:sldChg chg="addSp delSp modSp add mod">
+        <pc:chgData name="Ihor Aleksandrov" userId="c3051032-6b87-4db2-b257-777a0106fbd9" providerId="ADAL" clId="{CD6A1DE1-ACF9-4B80-94F3-F58CA81605B6}" dt="2024-01-31T16:27:29.733" v="196" actId="1076"/>
+        <pc:sldMkLst>
+          <pc:docMk/>
+          <pc:sldMk cId="3974958853" sldId="321"/>
+        </pc:sldMkLst>
+        <pc:spChg chg="mod">
+          <ac:chgData name="Ihor Aleksandrov" userId="c3051032-6b87-4db2-b257-777a0106fbd9" providerId="ADAL" clId="{CD6A1DE1-ACF9-4B80-94F3-F58CA81605B6}" dt="2024-01-31T16:27:07.186" v="192"/>
+          <ac:spMkLst>
+            <pc:docMk/>
+            <pc:sldMk cId="3974958853" sldId="321"/>
+            <ac:spMk id="2" creationId="{53C5D828-9666-E312-B574-9FE965A7D6BE}"/>
+          </ac:spMkLst>
+        </pc:spChg>
+        <pc:picChg chg="del">
+          <ac:chgData name="Ihor Aleksandrov" userId="c3051032-6b87-4db2-b257-777a0106fbd9" providerId="ADAL" clId="{CD6A1DE1-ACF9-4B80-94F3-F58CA81605B6}" dt="2024-01-31T16:27:22.384" v="193" actId="478"/>
+          <ac:picMkLst>
+            <pc:docMk/>
+            <pc:sldMk cId="3974958853" sldId="321"/>
+            <ac:picMk id="4" creationId="{28A2D3FD-7D05-8035-871B-BC18824DA49F}"/>
+          </ac:picMkLst>
+        </pc:picChg>
+        <pc:picChg chg="add mod">
+          <ac:chgData name="Ihor Aleksandrov" userId="c3051032-6b87-4db2-b257-777a0106fbd9" providerId="ADAL" clId="{CD6A1DE1-ACF9-4B80-94F3-F58CA81605B6}" dt="2024-01-31T16:27:29.733" v="196" actId="1076"/>
+          <ac:picMkLst>
+            <pc:docMk/>
+            <pc:sldMk cId="3974958853" sldId="321"/>
+            <ac:picMk id="6" creationId="{B6424C26-77F8-976F-095A-C034C68F13F1}"/>
+          </ac:picMkLst>
+        </pc:picChg>
+      </pc:sldChg>
+      <pc:sldChg chg="del">
+        <pc:chgData name="Ihor Aleksandrov" userId="c3051032-6b87-4db2-b257-777a0106fbd9" providerId="ADAL" clId="{CD6A1DE1-ACF9-4B80-94F3-F58CA81605B6}" dt="2024-01-31T09:09:41.621" v="12" actId="2696"/>
+        <pc:sldMkLst>
+          <pc:docMk/>
+          <pc:sldMk cId="1250702623" sldId="322"/>
+        </pc:sldMkLst>
+      </pc:sldChg>
+      <pc:sldChg chg="addSp delSp modSp add mod">
+        <pc:chgData name="Ihor Aleksandrov" userId="c3051032-6b87-4db2-b257-777a0106fbd9" providerId="ADAL" clId="{CD6A1DE1-ACF9-4B80-94F3-F58CA81605B6}" dt="2024-01-31T16:30:11.818" v="204"/>
+        <pc:sldMkLst>
+          <pc:docMk/>
+          <pc:sldMk cId="3021423085" sldId="322"/>
+        </pc:sldMkLst>
+        <pc:spChg chg="mod">
+          <ac:chgData name="Ihor Aleksandrov" userId="c3051032-6b87-4db2-b257-777a0106fbd9" providerId="ADAL" clId="{CD6A1DE1-ACF9-4B80-94F3-F58CA81605B6}" dt="2024-01-31T16:30:11.818" v="204"/>
+          <ac:spMkLst>
+            <pc:docMk/>
+            <pc:sldMk cId="3021423085" sldId="322"/>
+            <ac:spMk id="2" creationId="{53C5D828-9666-E312-B574-9FE965A7D6BE}"/>
+          </ac:spMkLst>
+        </pc:spChg>
+        <pc:picChg chg="add mod">
+          <ac:chgData name="Ihor Aleksandrov" userId="c3051032-6b87-4db2-b257-777a0106fbd9" providerId="ADAL" clId="{CD6A1DE1-ACF9-4B80-94F3-F58CA81605B6}" dt="2024-01-31T16:29:33.614" v="201" actId="1076"/>
+          <ac:picMkLst>
+            <pc:docMk/>
+            <pc:sldMk cId="3021423085" sldId="322"/>
+            <ac:picMk id="5" creationId="{79E04EF6-B44B-E770-0D59-0AE9905B0613}"/>
+          </ac:picMkLst>
+        </pc:picChg>
+        <pc:picChg chg="del">
+          <ac:chgData name="Ihor Aleksandrov" userId="c3051032-6b87-4db2-b257-777a0106fbd9" providerId="ADAL" clId="{CD6A1DE1-ACF9-4B80-94F3-F58CA81605B6}" dt="2024-01-31T16:29:27.557" v="198" actId="478"/>
+          <ac:picMkLst>
+            <pc:docMk/>
+            <pc:sldMk cId="3021423085" sldId="322"/>
+            <ac:picMk id="6" creationId="{B6424C26-77F8-976F-095A-C034C68F13F1}"/>
+          </ac:picMkLst>
+        </pc:picChg>
+      </pc:sldChg>
+      <pc:sldChg chg="addSp delSp modSp add mod">
+        <pc:chgData name="Ihor Aleksandrov" userId="c3051032-6b87-4db2-b257-777a0106fbd9" providerId="ADAL" clId="{CD6A1DE1-ACF9-4B80-94F3-F58CA81605B6}" dt="2024-01-31T16:32:26.979" v="210" actId="11529"/>
+        <pc:sldMkLst>
+          <pc:docMk/>
+          <pc:sldMk cId="816537371" sldId="323"/>
+        </pc:sldMkLst>
+        <pc:spChg chg="mod">
+          <ac:chgData name="Ihor Aleksandrov" userId="c3051032-6b87-4db2-b257-777a0106fbd9" providerId="ADAL" clId="{CD6A1DE1-ACF9-4B80-94F3-F58CA81605B6}" dt="2024-01-31T16:32:20.906" v="208"/>
+          <ac:spMkLst>
+            <pc:docMk/>
+            <pc:sldMk cId="816537371" sldId="323"/>
+            <ac:spMk id="2" creationId="{53C5D828-9666-E312-B574-9FE965A7D6BE}"/>
+          </ac:spMkLst>
+        </pc:spChg>
+        <pc:spChg chg="add">
+          <ac:chgData name="Ihor Aleksandrov" userId="c3051032-6b87-4db2-b257-777a0106fbd9" providerId="ADAL" clId="{CD6A1DE1-ACF9-4B80-94F3-F58CA81605B6}" dt="2024-01-31T16:32:26.979" v="210" actId="11529"/>
+          <ac:spMkLst>
+            <pc:docMk/>
+            <pc:sldMk cId="816537371" sldId="323"/>
+            <ac:spMk id="4" creationId="{03542100-9D21-41B2-EBC8-F5312B69ACDA}"/>
+          </ac:spMkLst>
+        </pc:spChg>
+        <pc:picChg chg="del">
+          <ac:chgData name="Ihor Aleksandrov" userId="c3051032-6b87-4db2-b257-777a0106fbd9" providerId="ADAL" clId="{CD6A1DE1-ACF9-4B80-94F3-F58CA81605B6}" dt="2024-01-31T16:32:22.331" v="209" actId="478"/>
+          <ac:picMkLst>
+            <pc:docMk/>
+            <pc:sldMk cId="816537371" sldId="323"/>
+            <ac:picMk id="5" creationId="{79E04EF6-B44B-E770-0D59-0AE9905B0613}"/>
+          </ac:picMkLst>
+        </pc:picChg>
+      </pc:sldChg>
+      <pc:sldChg chg="del">
+        <pc:chgData name="Ihor Aleksandrov" userId="c3051032-6b87-4db2-b257-777a0106fbd9" providerId="ADAL" clId="{CD6A1DE1-ACF9-4B80-94F3-F58CA81605B6}" dt="2024-01-31T09:09:41.621" v="12" actId="2696"/>
+        <pc:sldMkLst>
+          <pc:docMk/>
+          <pc:sldMk cId="4226268188" sldId="323"/>
+        </pc:sldMkLst>
+      </pc:sldChg>
+      <pc:sldChg chg="del">
+        <pc:chgData name="Ihor Aleksandrov" userId="c3051032-6b87-4db2-b257-777a0106fbd9" providerId="ADAL" clId="{CD6A1DE1-ACF9-4B80-94F3-F58CA81605B6}" dt="2024-01-31T09:09:41.621" v="12" actId="2696"/>
+        <pc:sldMkLst>
+          <pc:docMk/>
+          <pc:sldMk cId="3008917412" sldId="324"/>
+        </pc:sldMkLst>
+      </pc:sldChg>
+      <pc:sldChg chg="modSp add mod">
+        <pc:chgData name="Ihor Aleksandrov" userId="c3051032-6b87-4db2-b257-777a0106fbd9" providerId="ADAL" clId="{CD6A1DE1-ACF9-4B80-94F3-F58CA81605B6}" dt="2024-01-31T16:33:14.683" v="218" actId="20577"/>
+        <pc:sldMkLst>
+          <pc:docMk/>
+          <pc:sldMk cId="3114329589" sldId="324"/>
+        </pc:sldMkLst>
+        <pc:spChg chg="mod">
+          <ac:chgData name="Ihor Aleksandrov" userId="c3051032-6b87-4db2-b257-777a0106fbd9" providerId="ADAL" clId="{CD6A1DE1-ACF9-4B80-94F3-F58CA81605B6}" dt="2024-01-31T16:33:14.683" v="218" actId="20577"/>
+          <ac:spMkLst>
+            <pc:docMk/>
+            <pc:sldMk cId="3114329589" sldId="324"/>
+            <ac:spMk id="2" creationId="{53C5D828-9666-E312-B574-9FE965A7D6BE}"/>
+          </ac:spMkLst>
+        </pc:spChg>
+      </pc:sldChg>
+      <pc:sldChg chg="del">
+        <pc:chgData name="Ihor Aleksandrov" userId="c3051032-6b87-4db2-b257-777a0106fbd9" providerId="ADAL" clId="{CD6A1DE1-ACF9-4B80-94F3-F58CA81605B6}" dt="2024-01-31T09:09:41.621" v="12" actId="2696"/>
+        <pc:sldMkLst>
+          <pc:docMk/>
+          <pc:sldMk cId="2706419546" sldId="325"/>
+        </pc:sldMkLst>
+      </pc:sldChg>
+      <pc:sldChg chg="del">
+        <pc:chgData name="Ihor Aleksandrov" userId="c3051032-6b87-4db2-b257-777a0106fbd9" providerId="ADAL" clId="{CD6A1DE1-ACF9-4B80-94F3-F58CA81605B6}" dt="2024-01-31T09:09:41.621" v="12" actId="2696"/>
+        <pc:sldMkLst>
+          <pc:docMk/>
+          <pc:sldMk cId="3970945218" sldId="326"/>
+        </pc:sldMkLst>
+      </pc:sldChg>
+      <pc:sldChg chg="del">
+        <pc:chgData name="Ihor Aleksandrov" userId="c3051032-6b87-4db2-b257-777a0106fbd9" providerId="ADAL" clId="{CD6A1DE1-ACF9-4B80-94F3-F58CA81605B6}" dt="2024-01-31T09:09:41.621" v="12" actId="2696"/>
+        <pc:sldMkLst>
+          <pc:docMk/>
+          <pc:sldMk cId="3529826239" sldId="327"/>
+        </pc:sldMkLst>
+      </pc:sldChg>
+      <pc:sldChg chg="del">
+        <pc:chgData name="Ihor Aleksandrov" userId="c3051032-6b87-4db2-b257-777a0106fbd9" providerId="ADAL" clId="{CD6A1DE1-ACF9-4B80-94F3-F58CA81605B6}" dt="2024-01-31T09:09:41.621" v="12" actId="2696"/>
+        <pc:sldMkLst>
+          <pc:docMk/>
+          <pc:sldMk cId="2063279392" sldId="328"/>
+        </pc:sldMkLst>
+      </pc:sldChg>
+      <pc:sldChg chg="del">
+        <pc:chgData name="Ihor Aleksandrov" userId="c3051032-6b87-4db2-b257-777a0106fbd9" providerId="ADAL" clId="{CD6A1DE1-ACF9-4B80-94F3-F58CA81605B6}" dt="2024-01-31T09:09:41.621" v="12" actId="2696"/>
+        <pc:sldMkLst>
+          <pc:docMk/>
+          <pc:sldMk cId="2502396658" sldId="329"/>
+        </pc:sldMkLst>
+      </pc:sldChg>
+      <pc:sldChg chg="del">
+        <pc:chgData name="Ihor Aleksandrov" userId="c3051032-6b87-4db2-b257-777a0106fbd9" providerId="ADAL" clId="{CD6A1DE1-ACF9-4B80-94F3-F58CA81605B6}" dt="2024-01-31T09:09:41.621" v="12" actId="2696"/>
+        <pc:sldMkLst>
+          <pc:docMk/>
+          <pc:sldMk cId="287166604" sldId="330"/>
+        </pc:sldMkLst>
+      </pc:sldChg>
+      <pc:sldChg chg="del">
+        <pc:chgData name="Ihor Aleksandrov" userId="c3051032-6b87-4db2-b257-777a0106fbd9" providerId="ADAL" clId="{CD6A1DE1-ACF9-4B80-94F3-F58CA81605B6}" dt="2024-01-31T09:09:41.621" v="12" actId="2696"/>
+        <pc:sldMkLst>
+          <pc:docMk/>
+          <pc:sldMk cId="4118740463" sldId="331"/>
+        </pc:sldMkLst>
+      </pc:sldChg>
+      <pc:sldChg chg="del">
+        <pc:chgData name="Ihor Aleksandrov" userId="c3051032-6b87-4db2-b257-777a0106fbd9" providerId="ADAL" clId="{CD6A1DE1-ACF9-4B80-94F3-F58CA81605B6}" dt="2024-01-31T09:09:41.621" v="12" actId="2696"/>
+        <pc:sldMkLst>
+          <pc:docMk/>
+          <pc:sldMk cId="246431689" sldId="332"/>
+        </pc:sldMkLst>
+      </pc:sldChg>
+      <pc:sldChg chg="del">
+        <pc:chgData name="Ihor Aleksandrov" userId="c3051032-6b87-4db2-b257-777a0106fbd9" providerId="ADAL" clId="{CD6A1DE1-ACF9-4B80-94F3-F58CA81605B6}" dt="2024-01-31T09:09:41.621" v="12" actId="2696"/>
+        <pc:sldMkLst>
+          <pc:docMk/>
+          <pc:sldMk cId="3336478611" sldId="333"/>
+        </pc:sldMkLst>
+      </pc:sldChg>
+      <pc:sldChg chg="del">
+        <pc:chgData name="Ihor Aleksandrov" userId="c3051032-6b87-4db2-b257-777a0106fbd9" providerId="ADAL" clId="{CD6A1DE1-ACF9-4B80-94F3-F58CA81605B6}" dt="2024-01-31T09:09:41.621" v="12" actId="2696"/>
+        <pc:sldMkLst>
+          <pc:docMk/>
+          <pc:sldMk cId="4103443897" sldId="334"/>
+        </pc:sldMkLst>
+      </pc:sldChg>
+      <pc:sldChg chg="del">
+        <pc:chgData name="Ihor Aleksandrov" userId="c3051032-6b87-4db2-b257-777a0106fbd9" providerId="ADAL" clId="{CD6A1DE1-ACF9-4B80-94F3-F58CA81605B6}" dt="2024-01-31T09:09:41.621" v="12" actId="2696"/>
+        <pc:sldMkLst>
+          <pc:docMk/>
+          <pc:sldMk cId="3743280714" sldId="335"/>
+        </pc:sldMkLst>
+      </pc:sldChg>
+      <pc:sldChg chg="del">
+        <pc:chgData name="Ihor Aleksandrov" userId="c3051032-6b87-4db2-b257-777a0106fbd9" providerId="ADAL" clId="{CD6A1DE1-ACF9-4B80-94F3-F58CA81605B6}" dt="2024-01-31T09:09:41.621" v="12" actId="2696"/>
+        <pc:sldMkLst>
+          <pc:docMk/>
+          <pc:sldMk cId="3674171182" sldId="336"/>
+        </pc:sldMkLst>
+      </pc:sldChg>
+      <pc:sldChg chg="del">
+        <pc:chgData name="Ihor Aleksandrov" userId="c3051032-6b87-4db2-b257-777a0106fbd9" providerId="ADAL" clId="{CD6A1DE1-ACF9-4B80-94F3-F58CA81605B6}" dt="2024-01-31T09:09:41.621" v="12" actId="2696"/>
+        <pc:sldMkLst>
+          <pc:docMk/>
+          <pc:sldMk cId="1296882423" sldId="337"/>
+        </pc:sldMkLst>
+      </pc:sldChg>
+      <pc:sldChg chg="del">
+        <pc:chgData name="Ihor Aleksandrov" userId="c3051032-6b87-4db2-b257-777a0106fbd9" providerId="ADAL" clId="{CD6A1DE1-ACF9-4B80-94F3-F58CA81605B6}" dt="2024-01-31T09:09:41.621" v="12" actId="2696"/>
+        <pc:sldMkLst>
+          <pc:docMk/>
+          <pc:sldMk cId="2578212810" sldId="338"/>
+        </pc:sldMkLst>
+      </pc:sldChg>
+      <pc:sldChg chg="del">
+        <pc:chgData name="Ihor Aleksandrov" userId="c3051032-6b87-4db2-b257-777a0106fbd9" providerId="ADAL" clId="{CD6A1DE1-ACF9-4B80-94F3-F58CA81605B6}" dt="2024-01-31T09:09:41.621" v="12" actId="2696"/>
+        <pc:sldMkLst>
+          <pc:docMk/>
+          <pc:sldMk cId="1227530818" sldId="339"/>
+        </pc:sldMkLst>
+      </pc:sldChg>
+      <pc:sldChg chg="del">
+        <pc:chgData name="Ihor Aleksandrov" userId="c3051032-6b87-4db2-b257-777a0106fbd9" providerId="ADAL" clId="{CD6A1DE1-ACF9-4B80-94F3-F58CA81605B6}" dt="2024-01-31T09:09:41.621" v="12" actId="2696"/>
+        <pc:sldMkLst>
+          <pc:docMk/>
+          <pc:sldMk cId="3182037683" sldId="340"/>
+        </pc:sldMkLst>
+      </pc:sldChg>
+      <pc:sldChg chg="del">
+        <pc:chgData name="Ihor Aleksandrov" userId="c3051032-6b87-4db2-b257-777a0106fbd9" providerId="ADAL" clId="{CD6A1DE1-ACF9-4B80-94F3-F58CA81605B6}" dt="2024-01-31T09:09:41.621" v="12" actId="2696"/>
+        <pc:sldMkLst>
+          <pc:docMk/>
+          <pc:sldMk cId="960138513" sldId="341"/>
+        </pc:sldMkLst>
       </pc:sldChg>
     </pc:docChg>
   </pc:docChgLst>
@@ -2554,1890 +3500,6 @@
             <pc:docMk/>
             <pc:sldMasterMk cId="1579723609" sldId="2147483660"/>
             <pc:sldLayoutMk cId="1498987355" sldId="2147483662"/>
-          </pc:sldLayoutMkLst>
-        </pc:sldLayoutChg>
-      </pc:sldMasterChg>
-    </pc:docChg>
-  </pc:docChgLst>
-  <pc:docChgLst>
-    <pc:chgData name="Ihor Aleksandrov" userId="c3051032-6b87-4db2-b257-777a0106fbd9" providerId="ADAL" clId="{DF783FCC-C35F-4D2C-B134-D1A27E72D448}"/>
-    <pc:docChg chg="undo custSel addSld delSld modSld sldOrd addMainMaster delMainMaster addSection modSection">
-      <pc:chgData name="Ihor Aleksandrov" userId="c3051032-6b87-4db2-b257-777a0106fbd9" providerId="ADAL" clId="{DF783FCC-C35F-4D2C-B134-D1A27E72D448}" dt="2024-01-26T13:49:38.017" v="476" actId="1076"/>
-      <pc:docMkLst>
-        <pc:docMk/>
-      </pc:docMkLst>
-      <pc:sldChg chg="modSp add del mod">
-        <pc:chgData name="Ihor Aleksandrov" userId="c3051032-6b87-4db2-b257-777a0106fbd9" providerId="ADAL" clId="{DF783FCC-C35F-4D2C-B134-D1A27E72D448}" dt="2024-01-26T09:37:02.125" v="21" actId="20577"/>
-        <pc:sldMkLst>
-          <pc:docMk/>
-          <pc:sldMk cId="552267186" sldId="256"/>
-        </pc:sldMkLst>
-        <pc:spChg chg="mod">
-          <ac:chgData name="Ihor Aleksandrov" userId="c3051032-6b87-4db2-b257-777a0106fbd9" providerId="ADAL" clId="{DF783FCC-C35F-4D2C-B134-D1A27E72D448}" dt="2024-01-26T09:37:02.125" v="21" actId="20577"/>
-          <ac:spMkLst>
-            <pc:docMk/>
-            <pc:sldMk cId="552267186" sldId="256"/>
-            <ac:spMk id="2" creationId="{18C18207-A109-5552-1541-0ABBAA316282}"/>
-          </ac:spMkLst>
-        </pc:spChg>
-      </pc:sldChg>
-      <pc:sldChg chg="addSp delSp modSp add del mod">
-        <pc:chgData name="Ihor Aleksandrov" userId="c3051032-6b87-4db2-b257-777a0106fbd9" providerId="ADAL" clId="{DF783FCC-C35F-4D2C-B134-D1A27E72D448}" dt="2024-01-26T10:34:00.196" v="47"/>
-        <pc:sldMkLst>
-          <pc:docMk/>
-          <pc:sldMk cId="4197480136" sldId="268"/>
-        </pc:sldMkLst>
-        <pc:spChg chg="mod">
-          <ac:chgData name="Ihor Aleksandrov" userId="c3051032-6b87-4db2-b257-777a0106fbd9" providerId="ADAL" clId="{DF783FCC-C35F-4D2C-B134-D1A27E72D448}" dt="2024-01-26T10:32:58.017" v="35" actId="20577"/>
-          <ac:spMkLst>
-            <pc:docMk/>
-            <pc:sldMk cId="4197480136" sldId="268"/>
-            <ac:spMk id="2" creationId="{53C5D828-9666-E312-B574-9FE965A7D6BE}"/>
-          </ac:spMkLst>
-        </pc:spChg>
-        <pc:picChg chg="add mod">
-          <ac:chgData name="Ihor Aleksandrov" userId="c3051032-6b87-4db2-b257-777a0106fbd9" providerId="ADAL" clId="{DF783FCC-C35F-4D2C-B134-D1A27E72D448}" dt="2024-01-26T10:34:00.196" v="47"/>
-          <ac:picMkLst>
-            <pc:docMk/>
-            <pc:sldMk cId="4197480136" sldId="268"/>
-            <ac:picMk id="5" creationId="{48B8D675-CA93-B1DA-C8B0-E9A8D9721494}"/>
-          </ac:picMkLst>
-        </pc:picChg>
-        <pc:picChg chg="del">
-          <ac:chgData name="Ihor Aleksandrov" userId="c3051032-6b87-4db2-b257-777a0106fbd9" providerId="ADAL" clId="{DF783FCC-C35F-4D2C-B134-D1A27E72D448}" dt="2024-01-26T10:33:12.173" v="36" actId="478"/>
-          <ac:picMkLst>
-            <pc:docMk/>
-            <pc:sldMk cId="4197480136" sldId="268"/>
-            <ac:picMk id="6" creationId="{96E01597-C9C0-8F09-1E61-63CEB43A5D58}"/>
-          </ac:picMkLst>
-        </pc:picChg>
-      </pc:sldChg>
-      <pc:sldChg chg="modSp mod">
-        <pc:chgData name="Ihor Aleksandrov" userId="c3051032-6b87-4db2-b257-777a0106fbd9" providerId="ADAL" clId="{DF783FCC-C35F-4D2C-B134-D1A27E72D448}" dt="2024-01-26T09:35:41.705" v="4"/>
-        <pc:sldMkLst>
-          <pc:docMk/>
-          <pc:sldMk cId="2052164358" sldId="302"/>
-        </pc:sldMkLst>
-        <pc:spChg chg="mod">
-          <ac:chgData name="Ihor Aleksandrov" userId="c3051032-6b87-4db2-b257-777a0106fbd9" providerId="ADAL" clId="{DF783FCC-C35F-4D2C-B134-D1A27E72D448}" dt="2024-01-26T09:35:41.705" v="4"/>
-          <ac:spMkLst>
-            <pc:docMk/>
-            <pc:sldMk cId="2052164358" sldId="302"/>
-            <ac:spMk id="2" creationId="{5DF8ECE0-DBF5-C309-B35B-C6A0C6C847B2}"/>
-          </ac:spMkLst>
-        </pc:spChg>
-      </pc:sldChg>
-      <pc:sldChg chg="modSp mod">
-        <pc:chgData name="Ihor Aleksandrov" userId="c3051032-6b87-4db2-b257-777a0106fbd9" providerId="ADAL" clId="{DF783FCC-C35F-4D2C-B134-D1A27E72D448}" dt="2024-01-26T13:46:17.622" v="472" actId="14100"/>
-        <pc:sldMkLst>
-          <pc:docMk/>
-          <pc:sldMk cId="2972731808" sldId="303"/>
-        </pc:sldMkLst>
-        <pc:graphicFrameChg chg="mod">
-          <ac:chgData name="Ihor Aleksandrov" userId="c3051032-6b87-4db2-b257-777a0106fbd9" providerId="ADAL" clId="{DF783FCC-C35F-4D2C-B134-D1A27E72D448}" dt="2024-01-26T13:46:17.622" v="472" actId="14100"/>
-          <ac:graphicFrameMkLst>
-            <pc:docMk/>
-            <pc:sldMk cId="2972731808" sldId="303"/>
-            <ac:graphicFrameMk id="50" creationId="{438840ED-2B50-ED19-12CF-99B1789AE150}"/>
-          </ac:graphicFrameMkLst>
-        </pc:graphicFrameChg>
-      </pc:sldChg>
-      <pc:sldChg chg="add del">
-        <pc:chgData name="Ihor Aleksandrov" userId="c3051032-6b87-4db2-b257-777a0106fbd9" providerId="ADAL" clId="{DF783FCC-C35F-4D2C-B134-D1A27E72D448}" dt="2024-01-26T09:36:38.278" v="7" actId="2696"/>
-        <pc:sldMkLst>
-          <pc:docMk/>
-          <pc:sldMk cId="2437677464" sldId="304"/>
-        </pc:sldMkLst>
-      </pc:sldChg>
-      <pc:sldChg chg="addSp delSp modSp add mod">
-        <pc:chgData name="Ihor Aleksandrov" userId="c3051032-6b87-4db2-b257-777a0106fbd9" providerId="ADAL" clId="{DF783FCC-C35F-4D2C-B134-D1A27E72D448}" dt="2024-01-26T10:37:47.393" v="72" actId="1076"/>
-        <pc:sldMkLst>
-          <pc:docMk/>
-          <pc:sldMk cId="2663829398" sldId="304"/>
-        </pc:sldMkLst>
-        <pc:spChg chg="mod">
-          <ac:chgData name="Ihor Aleksandrov" userId="c3051032-6b87-4db2-b257-777a0106fbd9" providerId="ADAL" clId="{DF783FCC-C35F-4D2C-B134-D1A27E72D448}" dt="2024-01-26T10:36:14.718" v="52"/>
-          <ac:spMkLst>
-            <pc:docMk/>
-            <pc:sldMk cId="2663829398" sldId="304"/>
-            <ac:spMk id="2" creationId="{53C5D828-9666-E312-B574-9FE965A7D6BE}"/>
-          </ac:spMkLst>
-        </pc:spChg>
-        <pc:picChg chg="add mod">
-          <ac:chgData name="Ihor Aleksandrov" userId="c3051032-6b87-4db2-b257-777a0106fbd9" providerId="ADAL" clId="{DF783FCC-C35F-4D2C-B134-D1A27E72D448}" dt="2024-01-26T10:37:47.393" v="72" actId="1076"/>
-          <ac:picMkLst>
-            <pc:docMk/>
-            <pc:sldMk cId="2663829398" sldId="304"/>
-            <ac:picMk id="4" creationId="{FCFA766F-83CB-5C1C-AAE0-E7EBDC3565E1}"/>
-          </ac:picMkLst>
-        </pc:picChg>
-        <pc:picChg chg="del">
-          <ac:chgData name="Ihor Aleksandrov" userId="c3051032-6b87-4db2-b257-777a0106fbd9" providerId="ADAL" clId="{DF783FCC-C35F-4D2C-B134-D1A27E72D448}" dt="2024-01-26T10:36:17.274" v="53" actId="478"/>
-          <ac:picMkLst>
-            <pc:docMk/>
-            <pc:sldMk cId="2663829398" sldId="304"/>
-            <ac:picMk id="5" creationId="{48B8D675-CA93-B1DA-C8B0-E9A8D9721494}"/>
-          </ac:picMkLst>
-        </pc:picChg>
-      </pc:sldChg>
-      <pc:sldChg chg="addSp delSp modSp add mod">
-        <pc:chgData name="Ihor Aleksandrov" userId="c3051032-6b87-4db2-b257-777a0106fbd9" providerId="ADAL" clId="{DF783FCC-C35F-4D2C-B134-D1A27E72D448}" dt="2024-01-26T11:02:50.166" v="113" actId="1036"/>
-        <pc:sldMkLst>
-          <pc:docMk/>
-          <pc:sldMk cId="90847877" sldId="305"/>
-        </pc:sldMkLst>
-        <pc:spChg chg="mod">
-          <ac:chgData name="Ihor Aleksandrov" userId="c3051032-6b87-4db2-b257-777a0106fbd9" providerId="ADAL" clId="{DF783FCC-C35F-4D2C-B134-D1A27E72D448}" dt="2024-01-26T11:00:56.843" v="75" actId="20577"/>
-          <ac:spMkLst>
-            <pc:docMk/>
-            <pc:sldMk cId="90847877" sldId="305"/>
-            <ac:spMk id="2" creationId="{53C5D828-9666-E312-B574-9FE965A7D6BE}"/>
-          </ac:spMkLst>
-        </pc:spChg>
-        <pc:picChg chg="del">
-          <ac:chgData name="Ihor Aleksandrov" userId="c3051032-6b87-4db2-b257-777a0106fbd9" providerId="ADAL" clId="{DF783FCC-C35F-4D2C-B134-D1A27E72D448}" dt="2024-01-26T11:01:32.422" v="76" actId="478"/>
-          <ac:picMkLst>
-            <pc:docMk/>
-            <pc:sldMk cId="90847877" sldId="305"/>
-            <ac:picMk id="4" creationId="{FCFA766F-83CB-5C1C-AAE0-E7EBDC3565E1}"/>
-          </ac:picMkLst>
-        </pc:picChg>
-        <pc:picChg chg="add mod">
-          <ac:chgData name="Ihor Aleksandrov" userId="c3051032-6b87-4db2-b257-777a0106fbd9" providerId="ADAL" clId="{DF783FCC-C35F-4D2C-B134-D1A27E72D448}" dt="2024-01-26T11:02:07.815" v="78" actId="1076"/>
-          <ac:picMkLst>
-            <pc:docMk/>
-            <pc:sldMk cId="90847877" sldId="305"/>
-            <ac:picMk id="6" creationId="{8E098978-CBA3-C53D-2AC7-6E736F346038}"/>
-          </ac:picMkLst>
-        </pc:picChg>
-        <pc:picChg chg="add mod">
-          <ac:chgData name="Ihor Aleksandrov" userId="c3051032-6b87-4db2-b257-777a0106fbd9" providerId="ADAL" clId="{DF783FCC-C35F-4D2C-B134-D1A27E72D448}" dt="2024-01-26T11:02:23.689" v="89" actId="1036"/>
-          <ac:picMkLst>
-            <pc:docMk/>
-            <pc:sldMk cId="90847877" sldId="305"/>
-            <ac:picMk id="8" creationId="{048150D0-EEA6-F03D-53F3-560A3ECE73ED}"/>
-          </ac:picMkLst>
-        </pc:picChg>
-        <pc:picChg chg="add mod">
-          <ac:chgData name="Ihor Aleksandrov" userId="c3051032-6b87-4db2-b257-777a0106fbd9" providerId="ADAL" clId="{DF783FCC-C35F-4D2C-B134-D1A27E72D448}" dt="2024-01-26T11:02:50.166" v="113" actId="1036"/>
-          <ac:picMkLst>
-            <pc:docMk/>
-            <pc:sldMk cId="90847877" sldId="305"/>
-            <ac:picMk id="10" creationId="{0D805EFE-1FBF-FD52-8DDC-4879878D0844}"/>
-          </ac:picMkLst>
-        </pc:picChg>
-      </pc:sldChg>
-      <pc:sldChg chg="add del">
-        <pc:chgData name="Ihor Aleksandrov" userId="c3051032-6b87-4db2-b257-777a0106fbd9" providerId="ADAL" clId="{DF783FCC-C35F-4D2C-B134-D1A27E72D448}" dt="2024-01-26T09:36:38.278" v="7" actId="2696"/>
-        <pc:sldMkLst>
-          <pc:docMk/>
-          <pc:sldMk cId="3615190178" sldId="305"/>
-        </pc:sldMkLst>
-      </pc:sldChg>
-      <pc:sldChg chg="addSp delSp modSp add mod">
-        <pc:chgData name="Ihor Aleksandrov" userId="c3051032-6b87-4db2-b257-777a0106fbd9" providerId="ADAL" clId="{DF783FCC-C35F-4D2C-B134-D1A27E72D448}" dt="2024-01-26T11:08:25.726" v="126" actId="1076"/>
-        <pc:sldMkLst>
-          <pc:docMk/>
-          <pc:sldMk cId="420494837" sldId="306"/>
-        </pc:sldMkLst>
-        <pc:spChg chg="mod">
-          <ac:chgData name="Ihor Aleksandrov" userId="c3051032-6b87-4db2-b257-777a0106fbd9" providerId="ADAL" clId="{DF783FCC-C35F-4D2C-B134-D1A27E72D448}" dt="2024-01-26T11:05:03.395" v="117" actId="20577"/>
-          <ac:spMkLst>
-            <pc:docMk/>
-            <pc:sldMk cId="420494837" sldId="306"/>
-            <ac:spMk id="2" creationId="{53C5D828-9666-E312-B574-9FE965A7D6BE}"/>
-          </ac:spMkLst>
-        </pc:spChg>
-        <pc:picChg chg="add mod">
-          <ac:chgData name="Ihor Aleksandrov" userId="c3051032-6b87-4db2-b257-777a0106fbd9" providerId="ADAL" clId="{DF783FCC-C35F-4D2C-B134-D1A27E72D448}" dt="2024-01-26T11:08:16.399" v="123" actId="1076"/>
-          <ac:picMkLst>
-            <pc:docMk/>
-            <pc:sldMk cId="420494837" sldId="306"/>
-            <ac:picMk id="5" creationId="{F9F6D8B4-95C0-C160-F6BC-F60E1B8389DC}"/>
-          </ac:picMkLst>
-        </pc:picChg>
-        <pc:picChg chg="del">
-          <ac:chgData name="Ihor Aleksandrov" userId="c3051032-6b87-4db2-b257-777a0106fbd9" providerId="ADAL" clId="{DF783FCC-C35F-4D2C-B134-D1A27E72D448}" dt="2024-01-26T11:05:47.639" v="118" actId="478"/>
-          <ac:picMkLst>
-            <pc:docMk/>
-            <pc:sldMk cId="420494837" sldId="306"/>
-            <ac:picMk id="6" creationId="{8E098978-CBA3-C53D-2AC7-6E736F346038}"/>
-          </ac:picMkLst>
-        </pc:picChg>
-        <pc:picChg chg="del">
-          <ac:chgData name="Ihor Aleksandrov" userId="c3051032-6b87-4db2-b257-777a0106fbd9" providerId="ADAL" clId="{DF783FCC-C35F-4D2C-B134-D1A27E72D448}" dt="2024-01-26T11:05:49.948" v="119" actId="478"/>
-          <ac:picMkLst>
-            <pc:docMk/>
-            <pc:sldMk cId="420494837" sldId="306"/>
-            <ac:picMk id="8" creationId="{048150D0-EEA6-F03D-53F3-560A3ECE73ED}"/>
-          </ac:picMkLst>
-        </pc:picChg>
-        <pc:picChg chg="add mod">
-          <ac:chgData name="Ihor Aleksandrov" userId="c3051032-6b87-4db2-b257-777a0106fbd9" providerId="ADAL" clId="{DF783FCC-C35F-4D2C-B134-D1A27E72D448}" dt="2024-01-26T11:08:25.726" v="126" actId="1076"/>
-          <ac:picMkLst>
-            <pc:docMk/>
-            <pc:sldMk cId="420494837" sldId="306"/>
-            <ac:picMk id="9" creationId="{8DE22683-1DCE-F916-E898-47CF6229B7CE}"/>
-          </ac:picMkLst>
-        </pc:picChg>
-        <pc:picChg chg="del">
-          <ac:chgData name="Ihor Aleksandrov" userId="c3051032-6b87-4db2-b257-777a0106fbd9" providerId="ADAL" clId="{DF783FCC-C35F-4D2C-B134-D1A27E72D448}" dt="2024-01-26T11:05:53.464" v="120" actId="478"/>
-          <ac:picMkLst>
-            <pc:docMk/>
-            <pc:sldMk cId="420494837" sldId="306"/>
-            <ac:picMk id="10" creationId="{0D805EFE-1FBF-FD52-8DDC-4879878D0844}"/>
-          </ac:picMkLst>
-        </pc:picChg>
-      </pc:sldChg>
-      <pc:sldChg chg="add del">
-        <pc:chgData name="Ihor Aleksandrov" userId="c3051032-6b87-4db2-b257-777a0106fbd9" providerId="ADAL" clId="{DF783FCC-C35F-4D2C-B134-D1A27E72D448}" dt="2024-01-26T09:36:38.278" v="7" actId="2696"/>
-        <pc:sldMkLst>
-          <pc:docMk/>
-          <pc:sldMk cId="1836256656" sldId="306"/>
-        </pc:sldMkLst>
-      </pc:sldChg>
-      <pc:sldChg chg="add del">
-        <pc:chgData name="Ihor Aleksandrov" userId="c3051032-6b87-4db2-b257-777a0106fbd9" providerId="ADAL" clId="{DF783FCC-C35F-4D2C-B134-D1A27E72D448}" dt="2024-01-26T09:36:38.278" v="7" actId="2696"/>
-        <pc:sldMkLst>
-          <pc:docMk/>
-          <pc:sldMk cId="198741980" sldId="307"/>
-        </pc:sldMkLst>
-      </pc:sldChg>
-      <pc:sldChg chg="addSp delSp modSp add mod">
-        <pc:chgData name="Ihor Aleksandrov" userId="c3051032-6b87-4db2-b257-777a0106fbd9" providerId="ADAL" clId="{DF783FCC-C35F-4D2C-B134-D1A27E72D448}" dt="2024-01-26T11:13:08.952" v="138" actId="1076"/>
-        <pc:sldMkLst>
-          <pc:docMk/>
-          <pc:sldMk cId="1938047355" sldId="307"/>
-        </pc:sldMkLst>
-        <pc:spChg chg="mod">
-          <ac:chgData name="Ihor Aleksandrov" userId="c3051032-6b87-4db2-b257-777a0106fbd9" providerId="ADAL" clId="{DF783FCC-C35F-4D2C-B134-D1A27E72D448}" dt="2024-01-26T11:11:00.832" v="133" actId="20577"/>
-          <ac:spMkLst>
-            <pc:docMk/>
-            <pc:sldMk cId="1938047355" sldId="307"/>
-            <ac:spMk id="2" creationId="{53C5D828-9666-E312-B574-9FE965A7D6BE}"/>
-          </ac:spMkLst>
-        </pc:spChg>
-        <pc:picChg chg="del">
-          <ac:chgData name="Ihor Aleksandrov" userId="c3051032-6b87-4db2-b257-777a0106fbd9" providerId="ADAL" clId="{DF783FCC-C35F-4D2C-B134-D1A27E72D448}" dt="2024-01-26T11:11:31.596" v="134" actId="478"/>
-          <ac:picMkLst>
-            <pc:docMk/>
-            <pc:sldMk cId="1938047355" sldId="307"/>
-            <ac:picMk id="5" creationId="{F9F6D8B4-95C0-C160-F6BC-F60E1B8389DC}"/>
-          </ac:picMkLst>
-        </pc:picChg>
-        <pc:picChg chg="add mod">
-          <ac:chgData name="Ihor Aleksandrov" userId="c3051032-6b87-4db2-b257-777a0106fbd9" providerId="ADAL" clId="{DF783FCC-C35F-4D2C-B134-D1A27E72D448}" dt="2024-01-26T11:13:08.952" v="138" actId="1076"/>
-          <ac:picMkLst>
-            <pc:docMk/>
-            <pc:sldMk cId="1938047355" sldId="307"/>
-            <ac:picMk id="6" creationId="{9E283F72-3A1C-C9B6-B2F7-8739C40F746A}"/>
-          </ac:picMkLst>
-        </pc:picChg>
-        <pc:picChg chg="del">
-          <ac:chgData name="Ihor Aleksandrov" userId="c3051032-6b87-4db2-b257-777a0106fbd9" providerId="ADAL" clId="{DF783FCC-C35F-4D2C-B134-D1A27E72D448}" dt="2024-01-26T11:11:33.613" v="135" actId="478"/>
-          <ac:picMkLst>
-            <pc:docMk/>
-            <pc:sldMk cId="1938047355" sldId="307"/>
-            <ac:picMk id="9" creationId="{8DE22683-1DCE-F916-E898-47CF6229B7CE}"/>
-          </ac:picMkLst>
-        </pc:picChg>
-      </pc:sldChg>
-      <pc:sldChg chg="add del">
-        <pc:chgData name="Ihor Aleksandrov" userId="c3051032-6b87-4db2-b257-777a0106fbd9" providerId="ADAL" clId="{DF783FCC-C35F-4D2C-B134-D1A27E72D448}" dt="2024-01-26T09:36:41.344" v="8" actId="2696"/>
-        <pc:sldMkLst>
-          <pc:docMk/>
-          <pc:sldMk cId="2347286244" sldId="308"/>
-        </pc:sldMkLst>
-      </pc:sldChg>
-      <pc:sldChg chg="addSp delSp modSp add mod">
-        <pc:chgData name="Ihor Aleksandrov" userId="c3051032-6b87-4db2-b257-777a0106fbd9" providerId="ADAL" clId="{DF783FCC-C35F-4D2C-B134-D1A27E72D448}" dt="2024-01-26T13:49:38.017" v="476" actId="1076"/>
-        <pc:sldMkLst>
-          <pc:docMk/>
-          <pc:sldMk cId="4274413980" sldId="308"/>
-        </pc:sldMkLst>
-        <pc:spChg chg="mod">
-          <ac:chgData name="Ihor Aleksandrov" userId="c3051032-6b87-4db2-b257-777a0106fbd9" providerId="ADAL" clId="{DF783FCC-C35F-4D2C-B134-D1A27E72D448}" dt="2024-01-26T11:17:29.617" v="150" actId="20577"/>
-          <ac:spMkLst>
-            <pc:docMk/>
-            <pc:sldMk cId="4274413980" sldId="308"/>
-            <ac:spMk id="2" creationId="{53C5D828-9666-E312-B574-9FE965A7D6BE}"/>
-          </ac:spMkLst>
-        </pc:spChg>
-        <pc:spChg chg="add del">
-          <ac:chgData name="Ihor Aleksandrov" userId="c3051032-6b87-4db2-b257-777a0106fbd9" providerId="ADAL" clId="{DF783FCC-C35F-4D2C-B134-D1A27E72D448}" dt="2024-01-26T13:49:34.226" v="475" actId="478"/>
-          <ac:spMkLst>
-            <pc:docMk/>
-            <pc:sldMk cId="4274413980" sldId="308"/>
-            <ac:spMk id="4" creationId="{91F87B49-5965-0686-132C-82FF71BF90C4}"/>
-          </ac:spMkLst>
-        </pc:spChg>
-        <pc:picChg chg="add mod">
-          <ac:chgData name="Ihor Aleksandrov" userId="c3051032-6b87-4db2-b257-777a0106fbd9" providerId="ADAL" clId="{DF783FCC-C35F-4D2C-B134-D1A27E72D448}" dt="2024-01-26T13:49:38.017" v="476" actId="1076"/>
-          <ac:picMkLst>
-            <pc:docMk/>
-            <pc:sldMk cId="4274413980" sldId="308"/>
-            <ac:picMk id="5" creationId="{CE7009DE-0262-AC3D-D9CE-67DDCC6CEE93}"/>
-          </ac:picMkLst>
-        </pc:picChg>
-        <pc:picChg chg="del">
-          <ac:chgData name="Ihor Aleksandrov" userId="c3051032-6b87-4db2-b257-777a0106fbd9" providerId="ADAL" clId="{DF783FCC-C35F-4D2C-B134-D1A27E72D448}" dt="2024-01-26T11:14:40.895" v="149" actId="478"/>
-          <ac:picMkLst>
-            <pc:docMk/>
-            <pc:sldMk cId="4274413980" sldId="308"/>
-            <ac:picMk id="6" creationId="{9E283F72-3A1C-C9B6-B2F7-8739C40F746A}"/>
-          </ac:picMkLst>
-        </pc:picChg>
-      </pc:sldChg>
-      <pc:sldChg chg="addSp delSp modSp add mod">
-        <pc:chgData name="Ihor Aleksandrov" userId="c3051032-6b87-4db2-b257-777a0106fbd9" providerId="ADAL" clId="{DF783FCC-C35F-4D2C-B134-D1A27E72D448}" dt="2024-01-26T11:21:29.316" v="167" actId="1076"/>
-        <pc:sldMkLst>
-          <pc:docMk/>
-          <pc:sldMk cId="3572219502" sldId="309"/>
-        </pc:sldMkLst>
-        <pc:spChg chg="mod">
-          <ac:chgData name="Ihor Aleksandrov" userId="c3051032-6b87-4db2-b257-777a0106fbd9" providerId="ADAL" clId="{DF783FCC-C35F-4D2C-B134-D1A27E72D448}" dt="2024-01-26T11:20:09.576" v="160" actId="20577"/>
-          <ac:spMkLst>
-            <pc:docMk/>
-            <pc:sldMk cId="3572219502" sldId="309"/>
-            <ac:spMk id="2" creationId="{53C5D828-9666-E312-B574-9FE965A7D6BE}"/>
-          </ac:spMkLst>
-        </pc:spChg>
-        <pc:spChg chg="del">
-          <ac:chgData name="Ihor Aleksandrov" userId="c3051032-6b87-4db2-b257-777a0106fbd9" providerId="ADAL" clId="{DF783FCC-C35F-4D2C-B134-D1A27E72D448}" dt="2024-01-26T11:21:20.104" v="163" actId="478"/>
-          <ac:spMkLst>
-            <pc:docMk/>
-            <pc:sldMk cId="3572219502" sldId="309"/>
-            <ac:spMk id="4" creationId="{91F87B49-5965-0686-132C-82FF71BF90C4}"/>
-          </ac:spMkLst>
-        </pc:spChg>
-        <pc:picChg chg="add mod">
-          <ac:chgData name="Ihor Aleksandrov" userId="c3051032-6b87-4db2-b257-777a0106fbd9" providerId="ADAL" clId="{DF783FCC-C35F-4D2C-B134-D1A27E72D448}" dt="2024-01-26T11:21:29.316" v="167" actId="1076"/>
-          <ac:picMkLst>
-            <pc:docMk/>
-            <pc:sldMk cId="3572219502" sldId="309"/>
-            <ac:picMk id="5" creationId="{7CADBF52-3379-A0DB-C2D3-AD13E50F4810}"/>
-          </ac:picMkLst>
-        </pc:picChg>
-      </pc:sldChg>
-      <pc:sldChg chg="addSp delSp modSp add mod">
-        <pc:chgData name="Ihor Aleksandrov" userId="c3051032-6b87-4db2-b257-777a0106fbd9" providerId="ADAL" clId="{DF783FCC-C35F-4D2C-B134-D1A27E72D448}" dt="2024-01-26T11:25:23.338" v="173" actId="1076"/>
-        <pc:sldMkLst>
-          <pc:docMk/>
-          <pc:sldMk cId="2777986827" sldId="310"/>
-        </pc:sldMkLst>
-        <pc:spChg chg="mod">
-          <ac:chgData name="Ihor Aleksandrov" userId="c3051032-6b87-4db2-b257-777a0106fbd9" providerId="ADAL" clId="{DF783FCC-C35F-4D2C-B134-D1A27E72D448}" dt="2024-01-26T11:25:12.797" v="169" actId="20577"/>
-          <ac:spMkLst>
-            <pc:docMk/>
-            <pc:sldMk cId="2777986827" sldId="310"/>
-            <ac:spMk id="2" creationId="{53C5D828-9666-E312-B574-9FE965A7D6BE}"/>
-          </ac:spMkLst>
-        </pc:spChg>
-        <pc:picChg chg="del">
-          <ac:chgData name="Ihor Aleksandrov" userId="c3051032-6b87-4db2-b257-777a0106fbd9" providerId="ADAL" clId="{DF783FCC-C35F-4D2C-B134-D1A27E72D448}" dt="2024-01-26T11:25:15.201" v="170" actId="478"/>
-          <ac:picMkLst>
-            <pc:docMk/>
-            <pc:sldMk cId="2777986827" sldId="310"/>
-            <ac:picMk id="5" creationId="{7CADBF52-3379-A0DB-C2D3-AD13E50F4810}"/>
-          </ac:picMkLst>
-        </pc:picChg>
-        <pc:picChg chg="add mod">
-          <ac:chgData name="Ihor Aleksandrov" userId="c3051032-6b87-4db2-b257-777a0106fbd9" providerId="ADAL" clId="{DF783FCC-C35F-4D2C-B134-D1A27E72D448}" dt="2024-01-26T11:25:23.338" v="173" actId="1076"/>
-          <ac:picMkLst>
-            <pc:docMk/>
-            <pc:sldMk cId="2777986827" sldId="310"/>
-            <ac:picMk id="6" creationId="{0FF2F593-A13B-5DDB-88EB-006260BEE328}"/>
-          </ac:picMkLst>
-        </pc:picChg>
-      </pc:sldChg>
-      <pc:sldChg chg="modSp add mod ord">
-        <pc:chgData name="Ihor Aleksandrov" userId="c3051032-6b87-4db2-b257-777a0106fbd9" providerId="ADAL" clId="{DF783FCC-C35F-4D2C-B134-D1A27E72D448}" dt="2024-01-26T11:50:15.315" v="188" actId="20577"/>
-        <pc:sldMkLst>
-          <pc:docMk/>
-          <pc:sldMk cId="484484455" sldId="311"/>
-        </pc:sldMkLst>
-        <pc:spChg chg="mod">
-          <ac:chgData name="Ihor Aleksandrov" userId="c3051032-6b87-4db2-b257-777a0106fbd9" providerId="ADAL" clId="{DF783FCC-C35F-4D2C-B134-D1A27E72D448}" dt="2024-01-26T11:50:15.315" v="188" actId="20577"/>
-          <ac:spMkLst>
-            <pc:docMk/>
-            <pc:sldMk cId="484484455" sldId="311"/>
-            <ac:spMk id="2" creationId="{18C18207-A109-5552-1541-0ABBAA316282}"/>
-          </ac:spMkLst>
-        </pc:spChg>
-      </pc:sldChg>
-      <pc:sldChg chg="addSp delSp modSp add mod ord">
-        <pc:chgData name="Ihor Aleksandrov" userId="c3051032-6b87-4db2-b257-777a0106fbd9" providerId="ADAL" clId="{DF783FCC-C35F-4D2C-B134-D1A27E72D448}" dt="2024-01-26T11:59:10.243" v="218" actId="1076"/>
-        <pc:sldMkLst>
-          <pc:docMk/>
-          <pc:sldMk cId="3071951183" sldId="312"/>
-        </pc:sldMkLst>
-        <pc:spChg chg="mod">
-          <ac:chgData name="Ihor Aleksandrov" userId="c3051032-6b87-4db2-b257-777a0106fbd9" providerId="ADAL" clId="{DF783FCC-C35F-4D2C-B134-D1A27E72D448}" dt="2024-01-26T11:58:37.056" v="212" actId="20577"/>
-          <ac:spMkLst>
-            <pc:docMk/>
-            <pc:sldMk cId="3071951183" sldId="312"/>
-            <ac:spMk id="2" creationId="{53C5D828-9666-E312-B574-9FE965A7D6BE}"/>
-          </ac:spMkLst>
-        </pc:spChg>
-        <pc:picChg chg="add mod">
-          <ac:chgData name="Ihor Aleksandrov" userId="c3051032-6b87-4db2-b257-777a0106fbd9" providerId="ADAL" clId="{DF783FCC-C35F-4D2C-B134-D1A27E72D448}" dt="2024-01-26T11:59:10.243" v="218" actId="1076"/>
-          <ac:picMkLst>
-            <pc:docMk/>
-            <pc:sldMk cId="3071951183" sldId="312"/>
-            <ac:picMk id="5" creationId="{A4BEC793-F7E8-D57E-E495-4A952075089A}"/>
-          </ac:picMkLst>
-        </pc:picChg>
-        <pc:picChg chg="del">
-          <ac:chgData name="Ihor Aleksandrov" userId="c3051032-6b87-4db2-b257-777a0106fbd9" providerId="ADAL" clId="{DF783FCC-C35F-4D2C-B134-D1A27E72D448}" dt="2024-01-26T11:58:39.250" v="213" actId="478"/>
-          <ac:picMkLst>
-            <pc:docMk/>
-            <pc:sldMk cId="3071951183" sldId="312"/>
-            <ac:picMk id="6" creationId="{0FF2F593-A13B-5DDB-88EB-006260BEE328}"/>
-          </ac:picMkLst>
-        </pc:picChg>
-      </pc:sldChg>
-      <pc:sldChg chg="addSp delSp modSp add mod">
-        <pc:chgData name="Ihor Aleksandrov" userId="c3051032-6b87-4db2-b257-777a0106fbd9" providerId="ADAL" clId="{DF783FCC-C35F-4D2C-B134-D1A27E72D448}" dt="2024-01-26T12:31:57.105" v="243"/>
-        <pc:sldMkLst>
-          <pc:docMk/>
-          <pc:sldMk cId="4014532755" sldId="313"/>
-        </pc:sldMkLst>
-        <pc:spChg chg="mod">
-          <ac:chgData name="Ihor Aleksandrov" userId="c3051032-6b87-4db2-b257-777a0106fbd9" providerId="ADAL" clId="{DF783FCC-C35F-4D2C-B134-D1A27E72D448}" dt="2024-01-26T12:26:21.004" v="225" actId="20577"/>
-          <ac:spMkLst>
-            <pc:docMk/>
-            <pc:sldMk cId="4014532755" sldId="313"/>
-            <ac:spMk id="2" creationId="{53C5D828-9666-E312-B574-9FE965A7D6BE}"/>
-          </ac:spMkLst>
-        </pc:spChg>
-        <pc:picChg chg="del">
-          <ac:chgData name="Ihor Aleksandrov" userId="c3051032-6b87-4db2-b257-777a0106fbd9" providerId="ADAL" clId="{DF783FCC-C35F-4D2C-B134-D1A27E72D448}" dt="2024-01-26T12:26:40.665" v="226" actId="478"/>
-          <ac:picMkLst>
-            <pc:docMk/>
-            <pc:sldMk cId="4014532755" sldId="313"/>
-            <ac:picMk id="5" creationId="{A4BEC793-F7E8-D57E-E495-4A952075089A}"/>
-          </ac:picMkLst>
-        </pc:picChg>
-        <pc:picChg chg="add mod">
-          <ac:chgData name="Ihor Aleksandrov" userId="c3051032-6b87-4db2-b257-777a0106fbd9" providerId="ADAL" clId="{DF783FCC-C35F-4D2C-B134-D1A27E72D448}" dt="2024-01-26T12:26:48.160" v="230" actId="1076"/>
-          <ac:picMkLst>
-            <pc:docMk/>
-            <pc:sldMk cId="4014532755" sldId="313"/>
-            <ac:picMk id="6" creationId="{B022E9A4-52AD-1F66-AC22-B0AE53D1145C}"/>
-          </ac:picMkLst>
-        </pc:picChg>
-        <pc:picChg chg="add mod">
-          <ac:chgData name="Ihor Aleksandrov" userId="c3051032-6b87-4db2-b257-777a0106fbd9" providerId="ADAL" clId="{DF783FCC-C35F-4D2C-B134-D1A27E72D448}" dt="2024-01-26T12:31:57.105" v="243"/>
-          <ac:picMkLst>
-            <pc:docMk/>
-            <pc:sldMk cId="4014532755" sldId="313"/>
-            <ac:picMk id="8" creationId="{C31A8AEA-045D-CA8D-2F87-86C7BC7F2140}"/>
-          </ac:picMkLst>
-        </pc:picChg>
-      </pc:sldChg>
-      <pc:sldChg chg="addSp delSp modSp add mod">
-        <pc:chgData name="Ihor Aleksandrov" userId="c3051032-6b87-4db2-b257-777a0106fbd9" providerId="ADAL" clId="{DF783FCC-C35F-4D2C-B134-D1A27E72D448}" dt="2024-01-26T12:32:51.622" v="251" actId="1076"/>
-        <pc:sldMkLst>
-          <pc:docMk/>
-          <pc:sldMk cId="2667496052" sldId="314"/>
-        </pc:sldMkLst>
-        <pc:spChg chg="mod">
-          <ac:chgData name="Ihor Aleksandrov" userId="c3051032-6b87-4db2-b257-777a0106fbd9" providerId="ADAL" clId="{DF783FCC-C35F-4D2C-B134-D1A27E72D448}" dt="2024-01-26T12:31:25.149" v="239" actId="20577"/>
-          <ac:spMkLst>
-            <pc:docMk/>
-            <pc:sldMk cId="2667496052" sldId="314"/>
-            <ac:spMk id="2" creationId="{53C5D828-9666-E312-B574-9FE965A7D6BE}"/>
-          </ac:spMkLst>
-        </pc:spChg>
-        <pc:picChg chg="add mod">
-          <ac:chgData name="Ihor Aleksandrov" userId="c3051032-6b87-4db2-b257-777a0106fbd9" providerId="ADAL" clId="{DF783FCC-C35F-4D2C-B134-D1A27E72D448}" dt="2024-01-26T12:32:22.536" v="247" actId="1076"/>
-          <ac:picMkLst>
-            <pc:docMk/>
-            <pc:sldMk cId="2667496052" sldId="314"/>
-            <ac:picMk id="5" creationId="{2A84FB53-5035-A5A9-7433-F22FB7E72F74}"/>
-          </ac:picMkLst>
-        </pc:picChg>
-        <pc:picChg chg="del">
-          <ac:chgData name="Ihor Aleksandrov" userId="c3051032-6b87-4db2-b257-777a0106fbd9" providerId="ADAL" clId="{DF783FCC-C35F-4D2C-B134-D1A27E72D448}" dt="2024-01-26T12:31:28.180" v="240" actId="478"/>
-          <ac:picMkLst>
-            <pc:docMk/>
-            <pc:sldMk cId="2667496052" sldId="314"/>
-            <ac:picMk id="6" creationId="{B022E9A4-52AD-1F66-AC22-B0AE53D1145C}"/>
-          </ac:picMkLst>
-        </pc:picChg>
-        <pc:picChg chg="add mod">
-          <ac:chgData name="Ihor Aleksandrov" userId="c3051032-6b87-4db2-b257-777a0106fbd9" providerId="ADAL" clId="{DF783FCC-C35F-4D2C-B134-D1A27E72D448}" dt="2024-01-26T12:32:51.622" v="251" actId="1076"/>
-          <ac:picMkLst>
-            <pc:docMk/>
-            <pc:sldMk cId="2667496052" sldId="314"/>
-            <ac:picMk id="8" creationId="{788EF69A-41E4-9FC3-E1EB-9468A0CB8CE3}"/>
-          </ac:picMkLst>
-        </pc:picChg>
-      </pc:sldChg>
-      <pc:sldChg chg="addSp delSp modSp add mod">
-        <pc:chgData name="Ihor Aleksandrov" userId="c3051032-6b87-4db2-b257-777a0106fbd9" providerId="ADAL" clId="{DF783FCC-C35F-4D2C-B134-D1A27E72D448}" dt="2024-01-26T12:35:46.374" v="267" actId="14100"/>
-        <pc:sldMkLst>
-          <pc:docMk/>
-          <pc:sldMk cId="2503154780" sldId="315"/>
-        </pc:sldMkLst>
-        <pc:spChg chg="mod">
-          <ac:chgData name="Ihor Aleksandrov" userId="c3051032-6b87-4db2-b257-777a0106fbd9" providerId="ADAL" clId="{DF783FCC-C35F-4D2C-B134-D1A27E72D448}" dt="2024-01-26T12:35:02.030" v="257" actId="20577"/>
-          <ac:spMkLst>
-            <pc:docMk/>
-            <pc:sldMk cId="2503154780" sldId="315"/>
-            <ac:spMk id="2" creationId="{53C5D828-9666-E312-B574-9FE965A7D6BE}"/>
-          </ac:spMkLst>
-        </pc:spChg>
-        <pc:picChg chg="del">
-          <ac:chgData name="Ihor Aleksandrov" userId="c3051032-6b87-4db2-b257-777a0106fbd9" providerId="ADAL" clId="{DF783FCC-C35F-4D2C-B134-D1A27E72D448}" dt="2024-01-26T12:35:05.874" v="258" actId="478"/>
-          <ac:picMkLst>
-            <pc:docMk/>
-            <pc:sldMk cId="2503154780" sldId="315"/>
-            <ac:picMk id="5" creationId="{2A84FB53-5035-A5A9-7433-F22FB7E72F74}"/>
-          </ac:picMkLst>
-        </pc:picChg>
-        <pc:picChg chg="add mod">
-          <ac:chgData name="Ihor Aleksandrov" userId="c3051032-6b87-4db2-b257-777a0106fbd9" providerId="ADAL" clId="{DF783FCC-C35F-4D2C-B134-D1A27E72D448}" dt="2024-01-26T12:35:23.497" v="262" actId="1076"/>
-          <ac:picMkLst>
-            <pc:docMk/>
-            <pc:sldMk cId="2503154780" sldId="315"/>
-            <ac:picMk id="6" creationId="{9A2F53BF-A25F-C5EF-07AB-3F824C4EA8C5}"/>
-          </ac:picMkLst>
-        </pc:picChg>
-        <pc:picChg chg="del">
-          <ac:chgData name="Ihor Aleksandrov" userId="c3051032-6b87-4db2-b257-777a0106fbd9" providerId="ADAL" clId="{DF783FCC-C35F-4D2C-B134-D1A27E72D448}" dt="2024-01-26T12:35:07.679" v="259" actId="478"/>
-          <ac:picMkLst>
-            <pc:docMk/>
-            <pc:sldMk cId="2503154780" sldId="315"/>
-            <ac:picMk id="8" creationId="{788EF69A-41E4-9FC3-E1EB-9468A0CB8CE3}"/>
-          </ac:picMkLst>
-        </pc:picChg>
-        <pc:picChg chg="add mod">
-          <ac:chgData name="Ihor Aleksandrov" userId="c3051032-6b87-4db2-b257-777a0106fbd9" providerId="ADAL" clId="{DF783FCC-C35F-4D2C-B134-D1A27E72D448}" dt="2024-01-26T12:35:46.374" v="267" actId="14100"/>
-          <ac:picMkLst>
-            <pc:docMk/>
-            <pc:sldMk cId="2503154780" sldId="315"/>
-            <ac:picMk id="9" creationId="{34F80E18-578A-16A9-85C5-532F9FD4B0B9}"/>
-          </ac:picMkLst>
-        </pc:picChg>
-      </pc:sldChg>
-      <pc:sldChg chg="addSp delSp modSp add mod">
-        <pc:chgData name="Ihor Aleksandrov" userId="c3051032-6b87-4db2-b257-777a0106fbd9" providerId="ADAL" clId="{DF783FCC-C35F-4D2C-B134-D1A27E72D448}" dt="2024-01-26T12:38:40.524" v="289"/>
-        <pc:sldMkLst>
-          <pc:docMk/>
-          <pc:sldMk cId="4210310787" sldId="316"/>
-        </pc:sldMkLst>
-        <pc:spChg chg="mod">
-          <ac:chgData name="Ihor Aleksandrov" userId="c3051032-6b87-4db2-b257-777a0106fbd9" providerId="ADAL" clId="{DF783FCC-C35F-4D2C-B134-D1A27E72D448}" dt="2024-01-26T12:37:58.438" v="279" actId="20577"/>
-          <ac:spMkLst>
-            <pc:docMk/>
-            <pc:sldMk cId="4210310787" sldId="316"/>
-            <ac:spMk id="2" creationId="{53C5D828-9666-E312-B574-9FE965A7D6BE}"/>
-          </ac:spMkLst>
-        </pc:spChg>
-        <pc:picChg chg="add mod">
-          <ac:chgData name="Ihor Aleksandrov" userId="c3051032-6b87-4db2-b257-777a0106fbd9" providerId="ADAL" clId="{DF783FCC-C35F-4D2C-B134-D1A27E72D448}" dt="2024-01-26T12:38:18.643" v="284" actId="1076"/>
-          <ac:picMkLst>
-            <pc:docMk/>
-            <pc:sldMk cId="4210310787" sldId="316"/>
-            <ac:picMk id="5" creationId="{8E7A6064-484E-B30C-7E3A-19B2D5316902}"/>
-          </ac:picMkLst>
-        </pc:picChg>
-        <pc:picChg chg="del">
-          <ac:chgData name="Ihor Aleksandrov" userId="c3051032-6b87-4db2-b257-777a0106fbd9" providerId="ADAL" clId="{DF783FCC-C35F-4D2C-B134-D1A27E72D448}" dt="2024-01-26T12:37:50.476" v="269" actId="478"/>
-          <ac:picMkLst>
-            <pc:docMk/>
-            <pc:sldMk cId="4210310787" sldId="316"/>
-            <ac:picMk id="6" creationId="{9A2F53BF-A25F-C5EF-07AB-3F824C4EA8C5}"/>
-          </ac:picMkLst>
-        </pc:picChg>
-        <pc:picChg chg="add mod">
-          <ac:chgData name="Ihor Aleksandrov" userId="c3051032-6b87-4db2-b257-777a0106fbd9" providerId="ADAL" clId="{DF783FCC-C35F-4D2C-B134-D1A27E72D448}" dt="2024-01-26T12:38:40.524" v="289"/>
-          <ac:picMkLst>
-            <pc:docMk/>
-            <pc:sldMk cId="4210310787" sldId="316"/>
-            <ac:picMk id="8" creationId="{5275D103-485B-C43F-327E-ED0BECCAB575}"/>
-          </ac:picMkLst>
-        </pc:picChg>
-        <pc:picChg chg="del">
-          <ac:chgData name="Ihor Aleksandrov" userId="c3051032-6b87-4db2-b257-777a0106fbd9" providerId="ADAL" clId="{DF783FCC-C35F-4D2C-B134-D1A27E72D448}" dt="2024-01-26T12:38:02.286" v="280" actId="478"/>
-          <ac:picMkLst>
-            <pc:docMk/>
-            <pc:sldMk cId="4210310787" sldId="316"/>
-            <ac:picMk id="9" creationId="{34F80E18-578A-16A9-85C5-532F9FD4B0B9}"/>
-          </ac:picMkLst>
-        </pc:picChg>
-      </pc:sldChg>
-      <pc:sldChg chg="addSp delSp modSp add mod">
-        <pc:chgData name="Ihor Aleksandrov" userId="c3051032-6b87-4db2-b257-777a0106fbd9" providerId="ADAL" clId="{DF783FCC-C35F-4D2C-B134-D1A27E72D448}" dt="2024-01-26T12:40:46.440" v="310" actId="1076"/>
-        <pc:sldMkLst>
-          <pc:docMk/>
-          <pc:sldMk cId="1401046882" sldId="317"/>
-        </pc:sldMkLst>
-        <pc:spChg chg="mod">
-          <ac:chgData name="Ihor Aleksandrov" userId="c3051032-6b87-4db2-b257-777a0106fbd9" providerId="ADAL" clId="{DF783FCC-C35F-4D2C-B134-D1A27E72D448}" dt="2024-01-26T12:39:56.941" v="299" actId="20577"/>
-          <ac:spMkLst>
-            <pc:docMk/>
-            <pc:sldMk cId="1401046882" sldId="317"/>
-            <ac:spMk id="2" creationId="{53C5D828-9666-E312-B574-9FE965A7D6BE}"/>
-          </ac:spMkLst>
-        </pc:spChg>
-        <pc:picChg chg="del">
-          <ac:chgData name="Ihor Aleksandrov" userId="c3051032-6b87-4db2-b257-777a0106fbd9" providerId="ADAL" clId="{DF783FCC-C35F-4D2C-B134-D1A27E72D448}" dt="2024-01-26T12:40:00.564" v="300" actId="478"/>
-          <ac:picMkLst>
-            <pc:docMk/>
-            <pc:sldMk cId="1401046882" sldId="317"/>
-            <ac:picMk id="5" creationId="{8E7A6064-484E-B30C-7E3A-19B2D5316902}"/>
-          </ac:picMkLst>
-        </pc:picChg>
-        <pc:picChg chg="add mod">
-          <ac:chgData name="Ihor Aleksandrov" userId="c3051032-6b87-4db2-b257-777a0106fbd9" providerId="ADAL" clId="{DF783FCC-C35F-4D2C-B134-D1A27E72D448}" dt="2024-01-26T12:40:42.603" v="309" actId="1076"/>
-          <ac:picMkLst>
-            <pc:docMk/>
-            <pc:sldMk cId="1401046882" sldId="317"/>
-            <ac:picMk id="6" creationId="{C1BEC785-1A5C-BC57-8AF1-75EF2EF4F5B0}"/>
-          </ac:picMkLst>
-        </pc:picChg>
-        <pc:picChg chg="del">
-          <ac:chgData name="Ihor Aleksandrov" userId="c3051032-6b87-4db2-b257-777a0106fbd9" providerId="ADAL" clId="{DF783FCC-C35F-4D2C-B134-D1A27E72D448}" dt="2024-01-26T12:40:02.322" v="301" actId="478"/>
-          <ac:picMkLst>
-            <pc:docMk/>
-            <pc:sldMk cId="1401046882" sldId="317"/>
-            <ac:picMk id="8" creationId="{5275D103-485B-C43F-327E-ED0BECCAB575}"/>
-          </ac:picMkLst>
-        </pc:picChg>
-        <pc:picChg chg="add mod">
-          <ac:chgData name="Ihor Aleksandrov" userId="c3051032-6b87-4db2-b257-777a0106fbd9" providerId="ADAL" clId="{DF783FCC-C35F-4D2C-B134-D1A27E72D448}" dt="2024-01-26T12:40:46.440" v="310" actId="1076"/>
-          <ac:picMkLst>
-            <pc:docMk/>
-            <pc:sldMk cId="1401046882" sldId="317"/>
-            <ac:picMk id="9" creationId="{25716AD4-AC61-DD67-E0EB-5B1D649196E5}"/>
-          </ac:picMkLst>
-        </pc:picChg>
-      </pc:sldChg>
-      <pc:sldChg chg="addSp delSp modSp add mod">
-        <pc:chgData name="Ihor Aleksandrov" userId="c3051032-6b87-4db2-b257-777a0106fbd9" providerId="ADAL" clId="{DF783FCC-C35F-4D2C-B134-D1A27E72D448}" dt="2024-01-26T12:43:27.844" v="342" actId="1076"/>
-        <pc:sldMkLst>
-          <pc:docMk/>
-          <pc:sldMk cId="701027107" sldId="318"/>
-        </pc:sldMkLst>
-        <pc:spChg chg="mod">
-          <ac:chgData name="Ihor Aleksandrov" userId="c3051032-6b87-4db2-b257-777a0106fbd9" providerId="ADAL" clId="{DF783FCC-C35F-4D2C-B134-D1A27E72D448}" dt="2024-01-26T12:42:31.864" v="330" actId="20577"/>
-          <ac:spMkLst>
-            <pc:docMk/>
-            <pc:sldMk cId="701027107" sldId="318"/>
-            <ac:spMk id="2" creationId="{53C5D828-9666-E312-B574-9FE965A7D6BE}"/>
-          </ac:spMkLst>
-        </pc:spChg>
-        <pc:picChg chg="add mod">
-          <ac:chgData name="Ihor Aleksandrov" userId="c3051032-6b87-4db2-b257-777a0106fbd9" providerId="ADAL" clId="{DF783FCC-C35F-4D2C-B134-D1A27E72D448}" dt="2024-01-26T12:43:04.267" v="336" actId="1076"/>
-          <ac:picMkLst>
-            <pc:docMk/>
-            <pc:sldMk cId="701027107" sldId="318"/>
-            <ac:picMk id="5" creationId="{C9E7A61D-7A9F-90BF-2073-99800DC02183}"/>
-          </ac:picMkLst>
-        </pc:picChg>
-        <pc:picChg chg="del">
-          <ac:chgData name="Ihor Aleksandrov" userId="c3051032-6b87-4db2-b257-777a0106fbd9" providerId="ADAL" clId="{DF783FCC-C35F-4D2C-B134-D1A27E72D448}" dt="2024-01-26T12:42:35.321" v="331" actId="478"/>
-          <ac:picMkLst>
-            <pc:docMk/>
-            <pc:sldMk cId="701027107" sldId="318"/>
-            <ac:picMk id="6" creationId="{C1BEC785-1A5C-BC57-8AF1-75EF2EF4F5B0}"/>
-          </ac:picMkLst>
-        </pc:picChg>
-        <pc:picChg chg="add mod">
-          <ac:chgData name="Ihor Aleksandrov" userId="c3051032-6b87-4db2-b257-777a0106fbd9" providerId="ADAL" clId="{DF783FCC-C35F-4D2C-B134-D1A27E72D448}" dt="2024-01-26T12:43:27.844" v="342" actId="1076"/>
-          <ac:picMkLst>
-            <pc:docMk/>
-            <pc:sldMk cId="701027107" sldId="318"/>
-            <ac:picMk id="8" creationId="{38F011CA-CFEE-3631-F749-FEC935A4A03A}"/>
-          </ac:picMkLst>
-        </pc:picChg>
-        <pc:picChg chg="del">
-          <ac:chgData name="Ihor Aleksandrov" userId="c3051032-6b87-4db2-b257-777a0106fbd9" providerId="ADAL" clId="{DF783FCC-C35F-4D2C-B134-D1A27E72D448}" dt="2024-01-26T12:42:37.555" v="332" actId="478"/>
-          <ac:picMkLst>
-            <pc:docMk/>
-            <pc:sldMk cId="701027107" sldId="318"/>
-            <ac:picMk id="9" creationId="{25716AD4-AC61-DD67-E0EB-5B1D649196E5}"/>
-          </ac:picMkLst>
-        </pc:picChg>
-      </pc:sldChg>
-      <pc:sldChg chg="addSp delSp modSp add mod">
-        <pc:chgData name="Ihor Aleksandrov" userId="c3051032-6b87-4db2-b257-777a0106fbd9" providerId="ADAL" clId="{DF783FCC-C35F-4D2C-B134-D1A27E72D448}" dt="2024-01-26T12:57:35.107" v="378" actId="1076"/>
-        <pc:sldMkLst>
-          <pc:docMk/>
-          <pc:sldMk cId="166848246" sldId="319"/>
-        </pc:sldMkLst>
-        <pc:spChg chg="mod">
-          <ac:chgData name="Ihor Aleksandrov" userId="c3051032-6b87-4db2-b257-777a0106fbd9" providerId="ADAL" clId="{DF783FCC-C35F-4D2C-B134-D1A27E72D448}" dt="2024-01-26T12:52:25.573" v="373" actId="20577"/>
-          <ac:spMkLst>
-            <pc:docMk/>
-            <pc:sldMk cId="166848246" sldId="319"/>
-            <ac:spMk id="2" creationId="{53C5D828-9666-E312-B574-9FE965A7D6BE}"/>
-          </ac:spMkLst>
-        </pc:spChg>
-        <pc:picChg chg="del">
-          <ac:chgData name="Ihor Aleksandrov" userId="c3051032-6b87-4db2-b257-777a0106fbd9" providerId="ADAL" clId="{DF783FCC-C35F-4D2C-B134-D1A27E72D448}" dt="2024-01-26T12:52:30.351" v="374" actId="478"/>
-          <ac:picMkLst>
-            <pc:docMk/>
-            <pc:sldMk cId="166848246" sldId="319"/>
-            <ac:picMk id="5" creationId="{C9E7A61D-7A9F-90BF-2073-99800DC02183}"/>
-          </ac:picMkLst>
-        </pc:picChg>
-        <pc:picChg chg="add mod">
-          <ac:chgData name="Ihor Aleksandrov" userId="c3051032-6b87-4db2-b257-777a0106fbd9" providerId="ADAL" clId="{DF783FCC-C35F-4D2C-B134-D1A27E72D448}" dt="2024-01-26T12:57:35.107" v="378" actId="1076"/>
-          <ac:picMkLst>
-            <pc:docMk/>
-            <pc:sldMk cId="166848246" sldId="319"/>
-            <ac:picMk id="6" creationId="{A6296786-68CA-315E-9A7E-1157749A9EE6}"/>
-          </ac:picMkLst>
-        </pc:picChg>
-        <pc:picChg chg="del">
-          <ac:chgData name="Ihor Aleksandrov" userId="c3051032-6b87-4db2-b257-777a0106fbd9" providerId="ADAL" clId="{DF783FCC-C35F-4D2C-B134-D1A27E72D448}" dt="2024-01-26T12:52:32.169" v="375" actId="478"/>
-          <ac:picMkLst>
-            <pc:docMk/>
-            <pc:sldMk cId="166848246" sldId="319"/>
-            <ac:picMk id="8" creationId="{38F011CA-CFEE-3631-F749-FEC935A4A03A}"/>
-          </ac:picMkLst>
-        </pc:picChg>
-      </pc:sldChg>
-      <pc:sldChg chg="addSp delSp modSp add mod">
-        <pc:chgData name="Ihor Aleksandrov" userId="c3051032-6b87-4db2-b257-777a0106fbd9" providerId="ADAL" clId="{DF783FCC-C35F-4D2C-B134-D1A27E72D448}" dt="2024-01-26T13:05:10.980" v="418" actId="22"/>
-        <pc:sldMkLst>
-          <pc:docMk/>
-          <pc:sldMk cId="2292472459" sldId="320"/>
-        </pc:sldMkLst>
-        <pc:spChg chg="mod">
-          <ac:chgData name="Ihor Aleksandrov" userId="c3051032-6b87-4db2-b257-777a0106fbd9" providerId="ADAL" clId="{DF783FCC-C35F-4D2C-B134-D1A27E72D448}" dt="2024-01-26T13:05:00.672" v="415" actId="20577"/>
-          <ac:spMkLst>
-            <pc:docMk/>
-            <pc:sldMk cId="2292472459" sldId="320"/>
-            <ac:spMk id="2" creationId="{53C5D828-9666-E312-B574-9FE965A7D6BE}"/>
-          </ac:spMkLst>
-        </pc:spChg>
-        <pc:picChg chg="add mod">
-          <ac:chgData name="Ihor Aleksandrov" userId="c3051032-6b87-4db2-b257-777a0106fbd9" providerId="ADAL" clId="{DF783FCC-C35F-4D2C-B134-D1A27E72D448}" dt="2024-01-26T13:05:03.560" v="416" actId="1076"/>
-          <ac:picMkLst>
-            <pc:docMk/>
-            <pc:sldMk cId="2292472459" sldId="320"/>
-            <ac:picMk id="5" creationId="{96D28E5B-C3E7-BFA3-AAE0-7B1931753B37}"/>
-          </ac:picMkLst>
-        </pc:picChg>
-        <pc:picChg chg="del">
-          <ac:chgData name="Ihor Aleksandrov" userId="c3051032-6b87-4db2-b257-777a0106fbd9" providerId="ADAL" clId="{DF783FCC-C35F-4D2C-B134-D1A27E72D448}" dt="2024-01-26T13:04:28.153" v="405" actId="478"/>
-          <ac:picMkLst>
-            <pc:docMk/>
-            <pc:sldMk cId="2292472459" sldId="320"/>
-            <ac:picMk id="6" creationId="{A6296786-68CA-315E-9A7E-1157749A9EE6}"/>
-          </ac:picMkLst>
-        </pc:picChg>
-        <pc:picChg chg="add del">
-          <ac:chgData name="Ihor Aleksandrov" userId="c3051032-6b87-4db2-b257-777a0106fbd9" providerId="ADAL" clId="{DF783FCC-C35F-4D2C-B134-D1A27E72D448}" dt="2024-01-26T13:05:10.980" v="418" actId="22"/>
-          <ac:picMkLst>
-            <pc:docMk/>
-            <pc:sldMk cId="2292472459" sldId="320"/>
-            <ac:picMk id="8" creationId="{554A2027-36D0-B7EA-D3DD-F719AF23123B}"/>
-          </ac:picMkLst>
-        </pc:picChg>
-      </pc:sldChg>
-      <pc:sldChg chg="addSp delSp modSp add mod">
-        <pc:chgData name="Ihor Aleksandrov" userId="c3051032-6b87-4db2-b257-777a0106fbd9" providerId="ADAL" clId="{DF783FCC-C35F-4D2C-B134-D1A27E72D448}" dt="2024-01-26T13:05:24.717" v="423" actId="1076"/>
-        <pc:sldMkLst>
-          <pc:docMk/>
-          <pc:sldMk cId="1322111015" sldId="321"/>
-        </pc:sldMkLst>
-        <pc:picChg chg="del">
-          <ac:chgData name="Ihor Aleksandrov" userId="c3051032-6b87-4db2-b257-777a0106fbd9" providerId="ADAL" clId="{DF783FCC-C35F-4D2C-B134-D1A27E72D448}" dt="2024-01-26T13:05:21.645" v="422" actId="478"/>
-          <ac:picMkLst>
-            <pc:docMk/>
-            <pc:sldMk cId="1322111015" sldId="321"/>
-            <ac:picMk id="5" creationId="{96D28E5B-C3E7-BFA3-AAE0-7B1931753B37}"/>
-          </ac:picMkLst>
-        </pc:picChg>
-        <pc:picChg chg="add mod">
-          <ac:chgData name="Ihor Aleksandrov" userId="c3051032-6b87-4db2-b257-777a0106fbd9" providerId="ADAL" clId="{DF783FCC-C35F-4D2C-B134-D1A27E72D448}" dt="2024-01-26T13:05:24.717" v="423" actId="1076"/>
-          <ac:picMkLst>
-            <pc:docMk/>
-            <pc:sldMk cId="1322111015" sldId="321"/>
-            <ac:picMk id="6" creationId="{04B218F6-449B-2F93-DB6F-C091B7A2D68D}"/>
-          </ac:picMkLst>
-        </pc:picChg>
-      </pc:sldChg>
-      <pc:sldChg chg="addSp delSp modSp add mod">
-        <pc:chgData name="Ihor Aleksandrov" userId="c3051032-6b87-4db2-b257-777a0106fbd9" providerId="ADAL" clId="{DF783FCC-C35F-4D2C-B134-D1A27E72D448}" dt="2024-01-26T13:06:32.202" v="432" actId="1076"/>
-        <pc:sldMkLst>
-          <pc:docMk/>
-          <pc:sldMk cId="3503328695" sldId="322"/>
-        </pc:sldMkLst>
-        <pc:picChg chg="add mod">
-          <ac:chgData name="Ihor Aleksandrov" userId="c3051032-6b87-4db2-b257-777a0106fbd9" providerId="ADAL" clId="{DF783FCC-C35F-4D2C-B134-D1A27E72D448}" dt="2024-01-26T13:06:25.597" v="429" actId="1076"/>
-          <ac:picMkLst>
-            <pc:docMk/>
-            <pc:sldMk cId="3503328695" sldId="322"/>
-            <ac:picMk id="5" creationId="{9C4BF8C2-EC18-9A18-0A44-8EB1C9CE1208}"/>
-          </ac:picMkLst>
-        </pc:picChg>
-        <pc:picChg chg="del">
-          <ac:chgData name="Ihor Aleksandrov" userId="c3051032-6b87-4db2-b257-777a0106fbd9" providerId="ADAL" clId="{DF783FCC-C35F-4D2C-B134-D1A27E72D448}" dt="2024-01-26T13:05:58.351" v="425" actId="478"/>
-          <ac:picMkLst>
-            <pc:docMk/>
-            <pc:sldMk cId="3503328695" sldId="322"/>
-            <ac:picMk id="6" creationId="{04B218F6-449B-2F93-DB6F-C091B7A2D68D}"/>
-          </ac:picMkLst>
-        </pc:picChg>
-        <pc:picChg chg="add mod">
-          <ac:chgData name="Ihor Aleksandrov" userId="c3051032-6b87-4db2-b257-777a0106fbd9" providerId="ADAL" clId="{DF783FCC-C35F-4D2C-B134-D1A27E72D448}" dt="2024-01-26T13:06:32.202" v="432" actId="1076"/>
-          <ac:picMkLst>
-            <pc:docMk/>
-            <pc:sldMk cId="3503328695" sldId="322"/>
-            <ac:picMk id="8" creationId="{70532B56-37B8-7540-3150-B8251ACB964C}"/>
-          </ac:picMkLst>
-        </pc:picChg>
-      </pc:sldChg>
-      <pc:sldChg chg="addSp delSp modSp add mod">
-        <pc:chgData name="Ihor Aleksandrov" userId="c3051032-6b87-4db2-b257-777a0106fbd9" providerId="ADAL" clId="{DF783FCC-C35F-4D2C-B134-D1A27E72D448}" dt="2024-01-26T13:08:01.330" v="440" actId="1076"/>
-        <pc:sldMkLst>
-          <pc:docMk/>
-          <pc:sldMk cId="362375175" sldId="323"/>
-        </pc:sldMkLst>
-        <pc:picChg chg="del">
-          <ac:chgData name="Ihor Aleksandrov" userId="c3051032-6b87-4db2-b257-777a0106fbd9" providerId="ADAL" clId="{DF783FCC-C35F-4D2C-B134-D1A27E72D448}" dt="2024-01-26T13:07:52.593" v="435" actId="478"/>
-          <ac:picMkLst>
-            <pc:docMk/>
-            <pc:sldMk cId="362375175" sldId="323"/>
-            <ac:picMk id="5" creationId="{9C4BF8C2-EC18-9A18-0A44-8EB1C9CE1208}"/>
-          </ac:picMkLst>
-        </pc:picChg>
-        <pc:picChg chg="add mod">
-          <ac:chgData name="Ihor Aleksandrov" userId="c3051032-6b87-4db2-b257-777a0106fbd9" providerId="ADAL" clId="{DF783FCC-C35F-4D2C-B134-D1A27E72D448}" dt="2024-01-26T13:08:01.330" v="440" actId="1076"/>
-          <ac:picMkLst>
-            <pc:docMk/>
-            <pc:sldMk cId="362375175" sldId="323"/>
-            <ac:picMk id="6" creationId="{BB101808-A913-0FD5-1B8C-DA75C36C2155}"/>
-          </ac:picMkLst>
-        </pc:picChg>
-        <pc:picChg chg="del">
-          <ac:chgData name="Ihor Aleksandrov" userId="c3051032-6b87-4db2-b257-777a0106fbd9" providerId="ADAL" clId="{DF783FCC-C35F-4D2C-B134-D1A27E72D448}" dt="2024-01-26T13:07:49.273" v="434" actId="478"/>
-          <ac:picMkLst>
-            <pc:docMk/>
-            <pc:sldMk cId="362375175" sldId="323"/>
-            <ac:picMk id="8" creationId="{70532B56-37B8-7540-3150-B8251ACB964C}"/>
-          </ac:picMkLst>
-        </pc:picChg>
-      </pc:sldChg>
-      <pc:sldMasterChg chg="add del addSldLayout delSldLayout">
-        <pc:chgData name="Ihor Aleksandrov" userId="c3051032-6b87-4db2-b257-777a0106fbd9" providerId="ADAL" clId="{DF783FCC-C35F-4D2C-B134-D1A27E72D448}" dt="2024-01-26T09:36:25.550" v="6" actId="2696"/>
-        <pc:sldMasterMkLst>
-          <pc:docMk/>
-          <pc:sldMasterMk cId="1579723609" sldId="2147483660"/>
-        </pc:sldMasterMkLst>
-        <pc:sldLayoutChg chg="add del">
-          <pc:chgData name="Ihor Aleksandrov" userId="c3051032-6b87-4db2-b257-777a0106fbd9" providerId="ADAL" clId="{DF783FCC-C35F-4D2C-B134-D1A27E72D448}" dt="2024-01-26T09:36:25.550" v="6" actId="2696"/>
-          <pc:sldLayoutMkLst>
-            <pc:docMk/>
-            <pc:sldMasterMk cId="1579723609" sldId="2147483660"/>
-            <pc:sldLayoutMk cId="3357226012" sldId="2147483651"/>
-          </pc:sldLayoutMkLst>
-        </pc:sldLayoutChg>
-        <pc:sldLayoutChg chg="add del">
-          <pc:chgData name="Ihor Aleksandrov" userId="c3051032-6b87-4db2-b257-777a0106fbd9" providerId="ADAL" clId="{DF783FCC-C35F-4D2C-B134-D1A27E72D448}" dt="2024-01-26T09:36:25.550" v="6" actId="2696"/>
-          <pc:sldLayoutMkLst>
-            <pc:docMk/>
-            <pc:sldMasterMk cId="1579723609" sldId="2147483660"/>
-            <pc:sldLayoutMk cId="2416164443" sldId="2147483652"/>
-          </pc:sldLayoutMkLst>
-        </pc:sldLayoutChg>
-        <pc:sldLayoutChg chg="add del">
-          <pc:chgData name="Ihor Aleksandrov" userId="c3051032-6b87-4db2-b257-777a0106fbd9" providerId="ADAL" clId="{DF783FCC-C35F-4D2C-B134-D1A27E72D448}" dt="2024-01-26T09:36:25.550" v="6" actId="2696"/>
-          <pc:sldLayoutMkLst>
-            <pc:docMk/>
-            <pc:sldMasterMk cId="1579723609" sldId="2147483660"/>
-            <pc:sldLayoutMk cId="1566824437" sldId="2147483653"/>
-          </pc:sldLayoutMkLst>
-        </pc:sldLayoutChg>
-        <pc:sldLayoutChg chg="add del">
-          <pc:chgData name="Ihor Aleksandrov" userId="c3051032-6b87-4db2-b257-777a0106fbd9" providerId="ADAL" clId="{DF783FCC-C35F-4D2C-B134-D1A27E72D448}" dt="2024-01-26T09:36:25.550" v="6" actId="2696"/>
-          <pc:sldLayoutMkLst>
-            <pc:docMk/>
-            <pc:sldMasterMk cId="1579723609" sldId="2147483660"/>
-            <pc:sldLayoutMk cId="2529685914" sldId="2147483654"/>
-          </pc:sldLayoutMkLst>
-        </pc:sldLayoutChg>
-        <pc:sldLayoutChg chg="add del">
-          <pc:chgData name="Ihor Aleksandrov" userId="c3051032-6b87-4db2-b257-777a0106fbd9" providerId="ADAL" clId="{DF783FCC-C35F-4D2C-B134-D1A27E72D448}" dt="2024-01-26T09:36:25.550" v="6" actId="2696"/>
-          <pc:sldLayoutMkLst>
-            <pc:docMk/>
-            <pc:sldMasterMk cId="1579723609" sldId="2147483660"/>
-            <pc:sldLayoutMk cId="1471059010" sldId="2147483655"/>
-          </pc:sldLayoutMkLst>
-        </pc:sldLayoutChg>
-        <pc:sldLayoutChg chg="add del">
-          <pc:chgData name="Ihor Aleksandrov" userId="c3051032-6b87-4db2-b257-777a0106fbd9" providerId="ADAL" clId="{DF783FCC-C35F-4D2C-B134-D1A27E72D448}" dt="2024-01-26T09:36:25.550" v="6" actId="2696"/>
-          <pc:sldLayoutMkLst>
-            <pc:docMk/>
-            <pc:sldMasterMk cId="1579723609" sldId="2147483660"/>
-            <pc:sldLayoutMk cId="583042130" sldId="2147483656"/>
-          </pc:sldLayoutMkLst>
-        </pc:sldLayoutChg>
-        <pc:sldLayoutChg chg="add del">
-          <pc:chgData name="Ihor Aleksandrov" userId="c3051032-6b87-4db2-b257-777a0106fbd9" providerId="ADAL" clId="{DF783FCC-C35F-4D2C-B134-D1A27E72D448}" dt="2024-01-26T09:36:25.550" v="6" actId="2696"/>
-          <pc:sldLayoutMkLst>
-            <pc:docMk/>
-            <pc:sldMasterMk cId="1579723609" sldId="2147483660"/>
-            <pc:sldLayoutMk cId="141902003" sldId="2147483657"/>
-          </pc:sldLayoutMkLst>
-        </pc:sldLayoutChg>
-        <pc:sldLayoutChg chg="add del">
-          <pc:chgData name="Ihor Aleksandrov" userId="c3051032-6b87-4db2-b257-777a0106fbd9" providerId="ADAL" clId="{DF783FCC-C35F-4D2C-B134-D1A27E72D448}" dt="2024-01-26T09:36:25.550" v="6" actId="2696"/>
-          <pc:sldLayoutMkLst>
-            <pc:docMk/>
-            <pc:sldMasterMk cId="1579723609" sldId="2147483660"/>
-            <pc:sldLayoutMk cId="454445818" sldId="2147483658"/>
-          </pc:sldLayoutMkLst>
-        </pc:sldLayoutChg>
-        <pc:sldLayoutChg chg="add del">
-          <pc:chgData name="Ihor Aleksandrov" userId="c3051032-6b87-4db2-b257-777a0106fbd9" providerId="ADAL" clId="{DF783FCC-C35F-4D2C-B134-D1A27E72D448}" dt="2024-01-26T09:36:25.550" v="6" actId="2696"/>
-          <pc:sldLayoutMkLst>
-            <pc:docMk/>
-            <pc:sldMasterMk cId="1579723609" sldId="2147483660"/>
-            <pc:sldLayoutMk cId="3042422475" sldId="2147483659"/>
-          </pc:sldLayoutMkLst>
-        </pc:sldLayoutChg>
-        <pc:sldLayoutChg chg="add del">
-          <pc:chgData name="Ihor Aleksandrov" userId="c3051032-6b87-4db2-b257-777a0106fbd9" providerId="ADAL" clId="{DF783FCC-C35F-4D2C-B134-D1A27E72D448}" dt="2024-01-26T09:36:25.550" v="6" actId="2696"/>
-          <pc:sldLayoutMkLst>
-            <pc:docMk/>
-            <pc:sldMasterMk cId="1579723609" sldId="2147483660"/>
-            <pc:sldLayoutMk cId="639927661" sldId="2147483661"/>
-          </pc:sldLayoutMkLst>
-        </pc:sldLayoutChg>
-        <pc:sldLayoutChg chg="add del">
-          <pc:chgData name="Ihor Aleksandrov" userId="c3051032-6b87-4db2-b257-777a0106fbd9" providerId="ADAL" clId="{DF783FCC-C35F-4D2C-B134-D1A27E72D448}" dt="2024-01-26T09:36:25.550" v="6" actId="2696"/>
-          <pc:sldLayoutMkLst>
-            <pc:docMk/>
-            <pc:sldMasterMk cId="1579723609" sldId="2147483660"/>
-            <pc:sldLayoutMk cId="1498987355" sldId="2147483662"/>
-          </pc:sldLayoutMkLst>
-        </pc:sldLayoutChg>
-      </pc:sldMasterChg>
-    </pc:docChg>
-  </pc:docChgLst>
-  <pc:docChgLst>
-    <pc:chgData name="Ihor Aleksandrov" userId="c3051032-6b87-4db2-b257-777a0106fbd9" providerId="ADAL" clId="{D05EAF56-C8F0-4612-806C-93E1C27F1929}"/>
-    <pc:docChg chg="undo redo custSel addSld delSld modSld sldOrd addMainMaster addSection modSection">
-      <pc:chgData name="Ihor Aleksandrov" userId="c3051032-6b87-4db2-b257-777a0106fbd9" providerId="ADAL" clId="{D05EAF56-C8F0-4612-806C-93E1C27F1929}" dt="2024-01-25T12:18:42.706" v="325"/>
-      <pc:docMkLst>
-        <pc:docMk/>
-      </pc:docMkLst>
-      <pc:sldChg chg="addSp modSp mod setBg">
-        <pc:chgData name="Ihor Aleksandrov" userId="c3051032-6b87-4db2-b257-777a0106fbd9" providerId="ADAL" clId="{D05EAF56-C8F0-4612-806C-93E1C27F1929}" dt="2024-01-25T09:34:46.181" v="0" actId="26606"/>
-        <pc:sldMkLst>
-          <pc:docMk/>
-          <pc:sldMk cId="552267186" sldId="256"/>
-        </pc:sldMkLst>
-        <pc:spChg chg="mod">
-          <ac:chgData name="Ihor Aleksandrov" userId="c3051032-6b87-4db2-b257-777a0106fbd9" providerId="ADAL" clId="{D05EAF56-C8F0-4612-806C-93E1C27F1929}" dt="2024-01-25T09:34:46.181" v="0" actId="26606"/>
-          <ac:spMkLst>
-            <pc:docMk/>
-            <pc:sldMk cId="552267186" sldId="256"/>
-            <ac:spMk id="2" creationId="{18C18207-A109-5552-1541-0ABBAA316282}"/>
-          </ac:spMkLst>
-        </pc:spChg>
-        <pc:spChg chg="mod">
-          <ac:chgData name="Ihor Aleksandrov" userId="c3051032-6b87-4db2-b257-777a0106fbd9" providerId="ADAL" clId="{D05EAF56-C8F0-4612-806C-93E1C27F1929}" dt="2024-01-25T09:34:46.181" v="0" actId="26606"/>
-          <ac:spMkLst>
-            <pc:docMk/>
-            <pc:sldMk cId="552267186" sldId="256"/>
-            <ac:spMk id="3" creationId="{3473E1D3-7401-AD94-5C7A-49912FA8005A}"/>
-          </ac:spMkLst>
-        </pc:spChg>
-        <pc:spChg chg="mod">
-          <ac:chgData name="Ihor Aleksandrov" userId="c3051032-6b87-4db2-b257-777a0106fbd9" providerId="ADAL" clId="{D05EAF56-C8F0-4612-806C-93E1C27F1929}" dt="2024-01-25T09:34:46.181" v="0" actId="26606"/>
-          <ac:spMkLst>
-            <pc:docMk/>
-            <pc:sldMk cId="552267186" sldId="256"/>
-            <ac:spMk id="4" creationId="{C99D0D71-05C2-1881-DCFB-D99C1C10CBB8}"/>
-          </ac:spMkLst>
-        </pc:spChg>
-        <pc:spChg chg="add">
-          <ac:chgData name="Ihor Aleksandrov" userId="c3051032-6b87-4db2-b257-777a0106fbd9" providerId="ADAL" clId="{D05EAF56-C8F0-4612-806C-93E1C27F1929}" dt="2024-01-25T09:34:46.181" v="0" actId="26606"/>
-          <ac:spMkLst>
-            <pc:docMk/>
-            <pc:sldMk cId="552267186" sldId="256"/>
-            <ac:spMk id="9" creationId="{C3896A03-3945-419A-B66B-4EE266EDD152}"/>
-          </ac:spMkLst>
-        </pc:spChg>
-        <pc:spChg chg="add">
-          <ac:chgData name="Ihor Aleksandrov" userId="c3051032-6b87-4db2-b257-777a0106fbd9" providerId="ADAL" clId="{D05EAF56-C8F0-4612-806C-93E1C27F1929}" dt="2024-01-25T09:34:46.181" v="0" actId="26606"/>
-          <ac:spMkLst>
-            <pc:docMk/>
-            <pc:sldMk cId="552267186" sldId="256"/>
-            <ac:spMk id="11" creationId="{B34F5AD2-EDBD-4BBD-A55C-EAFFD0C7097A}"/>
-          </ac:spMkLst>
-        </pc:spChg>
-      </pc:sldChg>
-      <pc:sldChg chg="modSp mod">
-        <pc:chgData name="Ihor Aleksandrov" userId="c3051032-6b87-4db2-b257-777a0106fbd9" providerId="ADAL" clId="{D05EAF56-C8F0-4612-806C-93E1C27F1929}" dt="2024-01-25T11:00:29.329" v="160"/>
-        <pc:sldMkLst>
-          <pc:docMk/>
-          <pc:sldMk cId="3569579791" sldId="265"/>
-        </pc:sldMkLst>
-        <pc:spChg chg="mod">
-          <ac:chgData name="Ihor Aleksandrov" userId="c3051032-6b87-4db2-b257-777a0106fbd9" providerId="ADAL" clId="{D05EAF56-C8F0-4612-806C-93E1C27F1929}" dt="2024-01-25T11:00:29.329" v="160"/>
-          <ac:spMkLst>
-            <pc:docMk/>
-            <pc:sldMk cId="3569579791" sldId="265"/>
-            <ac:spMk id="2" creationId="{53C5D828-9666-E312-B574-9FE965A7D6BE}"/>
-          </ac:spMkLst>
-        </pc:spChg>
-      </pc:sldChg>
-      <pc:sldChg chg="addSp delSp modSp add mod">
-        <pc:chgData name="Ihor Aleksandrov" userId="c3051032-6b87-4db2-b257-777a0106fbd9" providerId="ADAL" clId="{D05EAF56-C8F0-4612-806C-93E1C27F1929}" dt="2024-01-25T10:19:44.220" v="11" actId="1076"/>
-        <pc:sldMkLst>
-          <pc:docMk/>
-          <pc:sldMk cId="3985704815" sldId="270"/>
-        </pc:sldMkLst>
-        <pc:spChg chg="mod">
-          <ac:chgData name="Ihor Aleksandrov" userId="c3051032-6b87-4db2-b257-777a0106fbd9" providerId="ADAL" clId="{D05EAF56-C8F0-4612-806C-93E1C27F1929}" dt="2024-01-25T10:19:15.861" v="6"/>
-          <ac:spMkLst>
-            <pc:docMk/>
-            <pc:sldMk cId="3985704815" sldId="270"/>
-            <ac:spMk id="2" creationId="{53C5D828-9666-E312-B574-9FE965A7D6BE}"/>
-          </ac:spMkLst>
-        </pc:spChg>
-        <pc:picChg chg="add mod">
-          <ac:chgData name="Ihor Aleksandrov" userId="c3051032-6b87-4db2-b257-777a0106fbd9" providerId="ADAL" clId="{D05EAF56-C8F0-4612-806C-93E1C27F1929}" dt="2024-01-25T10:19:44.220" v="11" actId="1076"/>
-          <ac:picMkLst>
-            <pc:docMk/>
-            <pc:sldMk cId="3985704815" sldId="270"/>
-            <ac:picMk id="5" creationId="{329D80B6-A19C-F87F-FE85-78E58BE79DFC}"/>
-          </ac:picMkLst>
-        </pc:picChg>
-        <pc:picChg chg="del">
-          <ac:chgData name="Ihor Aleksandrov" userId="c3051032-6b87-4db2-b257-777a0106fbd9" providerId="ADAL" clId="{D05EAF56-C8F0-4612-806C-93E1C27F1929}" dt="2024-01-25T10:19:18.657" v="7" actId="478"/>
-          <ac:picMkLst>
-            <pc:docMk/>
-            <pc:sldMk cId="3985704815" sldId="270"/>
-            <ac:picMk id="6" creationId="{BDB4DD57-1DD7-48B1-ABFB-EE3016703034}"/>
-          </ac:picMkLst>
-        </pc:picChg>
-      </pc:sldChg>
-      <pc:sldChg chg="addSp delSp modSp add mod">
-        <pc:chgData name="Ihor Aleksandrov" userId="c3051032-6b87-4db2-b257-777a0106fbd9" providerId="ADAL" clId="{D05EAF56-C8F0-4612-806C-93E1C27F1929}" dt="2024-01-25T10:21:34.770" v="23" actId="1076"/>
-        <pc:sldMkLst>
-          <pc:docMk/>
-          <pc:sldMk cId="2117969225" sldId="271"/>
-        </pc:sldMkLst>
-        <pc:spChg chg="mod">
-          <ac:chgData name="Ihor Aleksandrov" userId="c3051032-6b87-4db2-b257-777a0106fbd9" providerId="ADAL" clId="{D05EAF56-C8F0-4612-806C-93E1C27F1929}" dt="2024-01-25T10:20:53.128" v="15"/>
-          <ac:spMkLst>
-            <pc:docMk/>
-            <pc:sldMk cId="2117969225" sldId="271"/>
-            <ac:spMk id="2" creationId="{53C5D828-9666-E312-B574-9FE965A7D6BE}"/>
-          </ac:spMkLst>
-        </pc:spChg>
-        <pc:picChg chg="del">
-          <ac:chgData name="Ihor Aleksandrov" userId="c3051032-6b87-4db2-b257-777a0106fbd9" providerId="ADAL" clId="{D05EAF56-C8F0-4612-806C-93E1C27F1929}" dt="2024-01-25T10:21:32.921" v="22" actId="478"/>
-          <ac:picMkLst>
-            <pc:docMk/>
-            <pc:sldMk cId="2117969225" sldId="271"/>
-            <ac:picMk id="5" creationId="{329D80B6-A19C-F87F-FE85-78E58BE79DFC}"/>
-          </ac:picMkLst>
-        </pc:picChg>
-        <pc:picChg chg="add mod">
-          <ac:chgData name="Ihor Aleksandrov" userId="c3051032-6b87-4db2-b257-777a0106fbd9" providerId="ADAL" clId="{D05EAF56-C8F0-4612-806C-93E1C27F1929}" dt="2024-01-25T10:21:34.770" v="23" actId="1076"/>
-          <ac:picMkLst>
-            <pc:docMk/>
-            <pc:sldMk cId="2117969225" sldId="271"/>
-            <ac:picMk id="6" creationId="{4FAB23B6-5773-62B9-EF9A-E1E0562BE8E1}"/>
-          </ac:picMkLst>
-        </pc:picChg>
-      </pc:sldChg>
-      <pc:sldChg chg="addSp delSp modSp add mod">
-        <pc:chgData name="Ihor Aleksandrov" userId="c3051032-6b87-4db2-b257-777a0106fbd9" providerId="ADAL" clId="{D05EAF56-C8F0-4612-806C-93E1C27F1929}" dt="2024-01-25T10:22:58.698" v="32" actId="1076"/>
-        <pc:sldMkLst>
-          <pc:docMk/>
-          <pc:sldMk cId="1169417950" sldId="272"/>
-        </pc:sldMkLst>
-        <pc:spChg chg="mod">
-          <ac:chgData name="Ihor Aleksandrov" userId="c3051032-6b87-4db2-b257-777a0106fbd9" providerId="ADAL" clId="{D05EAF56-C8F0-4612-806C-93E1C27F1929}" dt="2024-01-25T10:22:37.334" v="27"/>
-          <ac:spMkLst>
-            <pc:docMk/>
-            <pc:sldMk cId="1169417950" sldId="272"/>
-            <ac:spMk id="2" creationId="{53C5D828-9666-E312-B574-9FE965A7D6BE}"/>
-          </ac:spMkLst>
-        </pc:spChg>
-        <pc:picChg chg="add mod">
-          <ac:chgData name="Ihor Aleksandrov" userId="c3051032-6b87-4db2-b257-777a0106fbd9" providerId="ADAL" clId="{D05EAF56-C8F0-4612-806C-93E1C27F1929}" dt="2024-01-25T10:22:58.698" v="32" actId="1076"/>
-          <ac:picMkLst>
-            <pc:docMk/>
-            <pc:sldMk cId="1169417950" sldId="272"/>
-            <ac:picMk id="5" creationId="{2673936C-DF0C-E6AF-ABCB-83A1EB8FE594}"/>
-          </ac:picMkLst>
-        </pc:picChg>
-        <pc:picChg chg="del">
-          <ac:chgData name="Ihor Aleksandrov" userId="c3051032-6b87-4db2-b257-777a0106fbd9" providerId="ADAL" clId="{D05EAF56-C8F0-4612-806C-93E1C27F1929}" dt="2024-01-25T10:22:48.916" v="28" actId="478"/>
-          <ac:picMkLst>
-            <pc:docMk/>
-            <pc:sldMk cId="1169417950" sldId="272"/>
-            <ac:picMk id="6" creationId="{4FAB23B6-5773-62B9-EF9A-E1E0562BE8E1}"/>
-          </ac:picMkLst>
-        </pc:picChg>
-      </pc:sldChg>
-      <pc:sldChg chg="addSp delSp modSp add mod">
-        <pc:chgData name="Ihor Aleksandrov" userId="c3051032-6b87-4db2-b257-777a0106fbd9" providerId="ADAL" clId="{D05EAF56-C8F0-4612-806C-93E1C27F1929}" dt="2024-01-25T10:24:25.717" v="41" actId="1076"/>
-        <pc:sldMkLst>
-          <pc:docMk/>
-          <pc:sldMk cId="22639359" sldId="273"/>
-        </pc:sldMkLst>
-        <pc:spChg chg="mod">
-          <ac:chgData name="Ihor Aleksandrov" userId="c3051032-6b87-4db2-b257-777a0106fbd9" providerId="ADAL" clId="{D05EAF56-C8F0-4612-806C-93E1C27F1929}" dt="2024-01-25T10:24:04.948" v="36"/>
-          <ac:spMkLst>
-            <pc:docMk/>
-            <pc:sldMk cId="22639359" sldId="273"/>
-            <ac:spMk id="2" creationId="{53C5D828-9666-E312-B574-9FE965A7D6BE}"/>
-          </ac:spMkLst>
-        </pc:spChg>
-        <pc:picChg chg="del">
-          <ac:chgData name="Ihor Aleksandrov" userId="c3051032-6b87-4db2-b257-777a0106fbd9" providerId="ADAL" clId="{D05EAF56-C8F0-4612-806C-93E1C27F1929}" dt="2024-01-25T10:24:16.672" v="37" actId="478"/>
-          <ac:picMkLst>
-            <pc:docMk/>
-            <pc:sldMk cId="22639359" sldId="273"/>
-            <ac:picMk id="5" creationId="{2673936C-DF0C-E6AF-ABCB-83A1EB8FE594}"/>
-          </ac:picMkLst>
-        </pc:picChg>
-        <pc:picChg chg="add mod">
-          <ac:chgData name="Ihor Aleksandrov" userId="c3051032-6b87-4db2-b257-777a0106fbd9" providerId="ADAL" clId="{D05EAF56-C8F0-4612-806C-93E1C27F1929}" dt="2024-01-25T10:24:25.717" v="41" actId="1076"/>
-          <ac:picMkLst>
-            <pc:docMk/>
-            <pc:sldMk cId="22639359" sldId="273"/>
-            <ac:picMk id="6" creationId="{F57DB18D-BCA3-CA46-401F-99D6D9BB7754}"/>
-          </ac:picMkLst>
-        </pc:picChg>
-      </pc:sldChg>
-      <pc:sldChg chg="addSp delSp modSp add mod">
-        <pc:chgData name="Ihor Aleksandrov" userId="c3051032-6b87-4db2-b257-777a0106fbd9" providerId="ADAL" clId="{D05EAF56-C8F0-4612-806C-93E1C27F1929}" dt="2024-01-25T10:26:48.038" v="50" actId="1076"/>
-        <pc:sldMkLst>
-          <pc:docMk/>
-          <pc:sldMk cId="2169937468" sldId="274"/>
-        </pc:sldMkLst>
-        <pc:spChg chg="mod">
-          <ac:chgData name="Ihor Aleksandrov" userId="c3051032-6b87-4db2-b257-777a0106fbd9" providerId="ADAL" clId="{D05EAF56-C8F0-4612-806C-93E1C27F1929}" dt="2024-01-25T10:26:26.621" v="45"/>
-          <ac:spMkLst>
-            <pc:docMk/>
-            <pc:sldMk cId="2169937468" sldId="274"/>
-            <ac:spMk id="2" creationId="{53C5D828-9666-E312-B574-9FE965A7D6BE}"/>
-          </ac:spMkLst>
-        </pc:spChg>
-        <pc:picChg chg="add mod">
-          <ac:chgData name="Ihor Aleksandrov" userId="c3051032-6b87-4db2-b257-777a0106fbd9" providerId="ADAL" clId="{D05EAF56-C8F0-4612-806C-93E1C27F1929}" dt="2024-01-25T10:26:48.038" v="50" actId="1076"/>
-          <ac:picMkLst>
-            <pc:docMk/>
-            <pc:sldMk cId="2169937468" sldId="274"/>
-            <ac:picMk id="5" creationId="{9A572A88-7842-99D5-9802-EEA8606516CC}"/>
-          </ac:picMkLst>
-        </pc:picChg>
-        <pc:picChg chg="del">
-          <ac:chgData name="Ihor Aleksandrov" userId="c3051032-6b87-4db2-b257-777a0106fbd9" providerId="ADAL" clId="{D05EAF56-C8F0-4612-806C-93E1C27F1929}" dt="2024-01-25T10:26:41.517" v="48" actId="478"/>
-          <ac:picMkLst>
-            <pc:docMk/>
-            <pc:sldMk cId="2169937468" sldId="274"/>
-            <ac:picMk id="6" creationId="{F57DB18D-BCA3-CA46-401F-99D6D9BB7754}"/>
-          </ac:picMkLst>
-        </pc:picChg>
-      </pc:sldChg>
-      <pc:sldChg chg="addSp delSp modSp add mod">
-        <pc:chgData name="Ihor Aleksandrov" userId="c3051032-6b87-4db2-b257-777a0106fbd9" providerId="ADAL" clId="{D05EAF56-C8F0-4612-806C-93E1C27F1929}" dt="2024-01-25T10:28:26.836" v="62" actId="1076"/>
-        <pc:sldMkLst>
-          <pc:docMk/>
-          <pc:sldMk cId="3976992233" sldId="275"/>
-        </pc:sldMkLst>
-        <pc:spChg chg="mod">
-          <ac:chgData name="Ihor Aleksandrov" userId="c3051032-6b87-4db2-b257-777a0106fbd9" providerId="ADAL" clId="{D05EAF56-C8F0-4612-806C-93E1C27F1929}" dt="2024-01-25T10:28:02.805" v="55" actId="27636"/>
-          <ac:spMkLst>
-            <pc:docMk/>
-            <pc:sldMk cId="3976992233" sldId="275"/>
-            <ac:spMk id="2" creationId="{53C5D828-9666-E312-B574-9FE965A7D6BE}"/>
-          </ac:spMkLst>
-        </pc:spChg>
-        <pc:picChg chg="del">
-          <ac:chgData name="Ihor Aleksandrov" userId="c3051032-6b87-4db2-b257-777a0106fbd9" providerId="ADAL" clId="{D05EAF56-C8F0-4612-806C-93E1C27F1929}" dt="2024-01-25T10:28:04.538" v="56" actId="478"/>
-          <ac:picMkLst>
-            <pc:docMk/>
-            <pc:sldMk cId="3976992233" sldId="275"/>
-            <ac:picMk id="5" creationId="{9A572A88-7842-99D5-9802-EEA8606516CC}"/>
-          </ac:picMkLst>
-        </pc:picChg>
-        <pc:picChg chg="add mod">
-          <ac:chgData name="Ihor Aleksandrov" userId="c3051032-6b87-4db2-b257-777a0106fbd9" providerId="ADAL" clId="{D05EAF56-C8F0-4612-806C-93E1C27F1929}" dt="2024-01-25T10:28:26.836" v="62" actId="1076"/>
-          <ac:picMkLst>
-            <pc:docMk/>
-            <pc:sldMk cId="3976992233" sldId="275"/>
-            <ac:picMk id="6" creationId="{76FE2D85-671A-24B1-C1D7-52F796E16C69}"/>
-          </ac:picMkLst>
-        </pc:picChg>
-      </pc:sldChg>
-      <pc:sldChg chg="addSp delSp modSp add mod ord">
-        <pc:chgData name="Ihor Aleksandrov" userId="c3051032-6b87-4db2-b257-777a0106fbd9" providerId="ADAL" clId="{D05EAF56-C8F0-4612-806C-93E1C27F1929}" dt="2024-01-25T10:48:12.411" v="112"/>
-        <pc:sldMkLst>
-          <pc:docMk/>
-          <pc:sldMk cId="2135561016" sldId="276"/>
-        </pc:sldMkLst>
-        <pc:spChg chg="mod">
-          <ac:chgData name="Ihor Aleksandrov" userId="c3051032-6b87-4db2-b257-777a0106fbd9" providerId="ADAL" clId="{D05EAF56-C8F0-4612-806C-93E1C27F1929}" dt="2024-01-25T10:32:37.109" v="72"/>
-          <ac:spMkLst>
-            <pc:docMk/>
-            <pc:sldMk cId="2135561016" sldId="276"/>
-            <ac:spMk id="2" creationId="{18C18207-A109-5552-1541-0ABBAA316282}"/>
-          </ac:spMkLst>
-        </pc:spChg>
-        <pc:spChg chg="del">
-          <ac:chgData name="Ihor Aleksandrov" userId="c3051032-6b87-4db2-b257-777a0106fbd9" providerId="ADAL" clId="{D05EAF56-C8F0-4612-806C-93E1C27F1929}" dt="2024-01-25T10:46:20.989" v="100" actId="478"/>
-          <ac:spMkLst>
-            <pc:docMk/>
-            <pc:sldMk cId="2135561016" sldId="276"/>
-            <ac:spMk id="3" creationId="{3473E1D3-7401-AD94-5C7A-49912FA8005A}"/>
-          </ac:spMkLst>
-        </pc:spChg>
-        <pc:picChg chg="add mod">
-          <ac:chgData name="Ihor Aleksandrov" userId="c3051032-6b87-4db2-b257-777a0106fbd9" providerId="ADAL" clId="{D05EAF56-C8F0-4612-806C-93E1C27F1929}" dt="2024-01-25T10:48:12.411" v="112"/>
-          <ac:picMkLst>
-            <pc:docMk/>
-            <pc:sldMk cId="2135561016" sldId="276"/>
-            <ac:picMk id="6" creationId="{BA86DDBB-D80D-1005-2EB0-33056830C288}"/>
-          </ac:picMkLst>
-        </pc:picChg>
-      </pc:sldChg>
-      <pc:sldChg chg="addSp delSp modSp add mod ord">
-        <pc:chgData name="Ihor Aleksandrov" userId="c3051032-6b87-4db2-b257-777a0106fbd9" providerId="ADAL" clId="{D05EAF56-C8F0-4612-806C-93E1C27F1929}" dt="2024-01-25T10:35:32.671" v="88" actId="1076"/>
-        <pc:sldMkLst>
-          <pc:docMk/>
-          <pc:sldMk cId="3216895555" sldId="277"/>
-        </pc:sldMkLst>
-        <pc:spChg chg="mod">
-          <ac:chgData name="Ihor Aleksandrov" userId="c3051032-6b87-4db2-b257-777a0106fbd9" providerId="ADAL" clId="{D05EAF56-C8F0-4612-806C-93E1C27F1929}" dt="2024-01-25T10:34:55.016" v="80" actId="27636"/>
-          <ac:spMkLst>
-            <pc:docMk/>
-            <pc:sldMk cId="3216895555" sldId="277"/>
-            <ac:spMk id="2" creationId="{53C5D828-9666-E312-B574-9FE965A7D6BE}"/>
-          </ac:spMkLst>
-        </pc:spChg>
-        <pc:picChg chg="add mod">
-          <ac:chgData name="Ihor Aleksandrov" userId="c3051032-6b87-4db2-b257-777a0106fbd9" providerId="ADAL" clId="{D05EAF56-C8F0-4612-806C-93E1C27F1929}" dt="2024-01-25T10:35:32.671" v="88" actId="1076"/>
-          <ac:picMkLst>
-            <pc:docMk/>
-            <pc:sldMk cId="3216895555" sldId="277"/>
-            <ac:picMk id="5" creationId="{523B5826-3FED-E033-7A50-454B720EF960}"/>
-          </ac:picMkLst>
-        </pc:picChg>
-        <pc:picChg chg="del">
-          <ac:chgData name="Ihor Aleksandrov" userId="c3051032-6b87-4db2-b257-777a0106fbd9" providerId="ADAL" clId="{D05EAF56-C8F0-4612-806C-93E1C27F1929}" dt="2024-01-25T10:35:17.826" v="82" actId="478"/>
-          <ac:picMkLst>
-            <pc:docMk/>
-            <pc:sldMk cId="3216895555" sldId="277"/>
-            <ac:picMk id="6" creationId="{76FE2D85-671A-24B1-C1D7-52F796E16C69}"/>
-          </ac:picMkLst>
-        </pc:picChg>
-      </pc:sldChg>
-      <pc:sldChg chg="addSp delSp modSp add mod">
-        <pc:chgData name="Ihor Aleksandrov" userId="c3051032-6b87-4db2-b257-777a0106fbd9" providerId="ADAL" clId="{D05EAF56-C8F0-4612-806C-93E1C27F1929}" dt="2024-01-25T10:43:44.832" v="99" actId="1076"/>
-        <pc:sldMkLst>
-          <pc:docMk/>
-          <pc:sldMk cId="1506611494" sldId="278"/>
-        </pc:sldMkLst>
-        <pc:spChg chg="mod">
-          <ac:chgData name="Ihor Aleksandrov" userId="c3051032-6b87-4db2-b257-777a0106fbd9" providerId="ADAL" clId="{D05EAF56-C8F0-4612-806C-93E1C27F1929}" dt="2024-01-25T10:40:14.102" v="94"/>
-          <ac:spMkLst>
-            <pc:docMk/>
-            <pc:sldMk cId="1506611494" sldId="278"/>
-            <ac:spMk id="2" creationId="{53C5D828-9666-E312-B574-9FE965A7D6BE}"/>
-          </ac:spMkLst>
-        </pc:spChg>
-        <pc:picChg chg="del">
-          <ac:chgData name="Ihor Aleksandrov" userId="c3051032-6b87-4db2-b257-777a0106fbd9" providerId="ADAL" clId="{D05EAF56-C8F0-4612-806C-93E1C27F1929}" dt="2024-01-25T10:43:36.501" v="95" actId="478"/>
-          <ac:picMkLst>
-            <pc:docMk/>
-            <pc:sldMk cId="1506611494" sldId="278"/>
-            <ac:picMk id="5" creationId="{523B5826-3FED-E033-7A50-454B720EF960}"/>
-          </ac:picMkLst>
-        </pc:picChg>
-        <pc:picChg chg="add mod">
-          <ac:chgData name="Ihor Aleksandrov" userId="c3051032-6b87-4db2-b257-777a0106fbd9" providerId="ADAL" clId="{D05EAF56-C8F0-4612-806C-93E1C27F1929}" dt="2024-01-25T10:43:44.832" v="99" actId="1076"/>
-          <ac:picMkLst>
-            <pc:docMk/>
-            <pc:sldMk cId="1506611494" sldId="278"/>
-            <ac:picMk id="6" creationId="{F7B4799B-BEB4-BC82-1CD6-CE4E3725E9A6}"/>
-          </ac:picMkLst>
-        </pc:picChg>
-      </pc:sldChg>
-      <pc:sldChg chg="addSp delSp modSp add mod">
-        <pc:chgData name="Ihor Aleksandrov" userId="c3051032-6b87-4db2-b257-777a0106fbd9" providerId="ADAL" clId="{D05EAF56-C8F0-4612-806C-93E1C27F1929}" dt="2024-01-25T10:49:48.310" v="120"/>
-        <pc:sldMkLst>
-          <pc:docMk/>
-          <pc:sldMk cId="3864832451" sldId="279"/>
-        </pc:sldMkLst>
-        <pc:spChg chg="mod">
-          <ac:chgData name="Ihor Aleksandrov" userId="c3051032-6b87-4db2-b257-777a0106fbd9" providerId="ADAL" clId="{D05EAF56-C8F0-4612-806C-93E1C27F1929}" dt="2024-01-25T10:49:48.310" v="120"/>
-          <ac:spMkLst>
-            <pc:docMk/>
-            <pc:sldMk cId="3864832451" sldId="279"/>
-            <ac:spMk id="2" creationId="{53C5D828-9666-E312-B574-9FE965A7D6BE}"/>
-          </ac:spMkLst>
-        </pc:spChg>
-        <pc:picChg chg="add mod">
-          <ac:chgData name="Ihor Aleksandrov" userId="c3051032-6b87-4db2-b257-777a0106fbd9" providerId="ADAL" clId="{D05EAF56-C8F0-4612-806C-93E1C27F1929}" dt="2024-01-25T10:49:09.073" v="117" actId="1076"/>
-          <ac:picMkLst>
-            <pc:docMk/>
-            <pc:sldMk cId="3864832451" sldId="279"/>
-            <ac:picMk id="5" creationId="{C7472C97-E950-C6C2-19AE-07ECFA5C4C69}"/>
-          </ac:picMkLst>
-        </pc:picChg>
-        <pc:picChg chg="del">
-          <ac:chgData name="Ihor Aleksandrov" userId="c3051032-6b87-4db2-b257-777a0106fbd9" providerId="ADAL" clId="{D05EAF56-C8F0-4612-806C-93E1C27F1929}" dt="2024-01-25T10:48:53.887" v="114" actId="478"/>
-          <ac:picMkLst>
-            <pc:docMk/>
-            <pc:sldMk cId="3864832451" sldId="279"/>
-            <ac:picMk id="6" creationId="{F7B4799B-BEB4-BC82-1CD6-CE4E3725E9A6}"/>
-          </ac:picMkLst>
-        </pc:picChg>
-      </pc:sldChg>
-      <pc:sldChg chg="addSp delSp modSp add mod">
-        <pc:chgData name="Ihor Aleksandrov" userId="c3051032-6b87-4db2-b257-777a0106fbd9" providerId="ADAL" clId="{D05EAF56-C8F0-4612-806C-93E1C27F1929}" dt="2024-01-25T10:51:39.984" v="127" actId="1076"/>
-        <pc:sldMkLst>
-          <pc:docMk/>
-          <pc:sldMk cId="2194478224" sldId="280"/>
-        </pc:sldMkLst>
-        <pc:spChg chg="mod">
-          <ac:chgData name="Ihor Aleksandrov" userId="c3051032-6b87-4db2-b257-777a0106fbd9" providerId="ADAL" clId="{D05EAF56-C8F0-4612-806C-93E1C27F1929}" dt="2024-01-25T10:51:25.127" v="124"/>
-          <ac:spMkLst>
-            <pc:docMk/>
-            <pc:sldMk cId="2194478224" sldId="280"/>
-            <ac:spMk id="2" creationId="{53C5D828-9666-E312-B574-9FE965A7D6BE}"/>
-          </ac:spMkLst>
-        </pc:spChg>
-        <pc:picChg chg="add mod">
-          <ac:chgData name="Ihor Aleksandrov" userId="c3051032-6b87-4db2-b257-777a0106fbd9" providerId="ADAL" clId="{D05EAF56-C8F0-4612-806C-93E1C27F1929}" dt="2024-01-25T10:51:39.984" v="127" actId="1076"/>
-          <ac:picMkLst>
-            <pc:docMk/>
-            <pc:sldMk cId="2194478224" sldId="280"/>
-            <ac:picMk id="4" creationId="{8F2E114A-EFDE-8D45-E482-1B0918ACBF79}"/>
-          </ac:picMkLst>
-        </pc:picChg>
-        <pc:picChg chg="del">
-          <ac:chgData name="Ihor Aleksandrov" userId="c3051032-6b87-4db2-b257-777a0106fbd9" providerId="ADAL" clId="{D05EAF56-C8F0-4612-806C-93E1C27F1929}" dt="2024-01-25T10:51:26.612" v="125" actId="478"/>
-          <ac:picMkLst>
-            <pc:docMk/>
-            <pc:sldMk cId="2194478224" sldId="280"/>
-            <ac:picMk id="5" creationId="{C7472C97-E950-C6C2-19AE-07ECFA5C4C69}"/>
-          </ac:picMkLst>
-        </pc:picChg>
-      </pc:sldChg>
-      <pc:sldChg chg="delSp modSp add mod ord">
-        <pc:chgData name="Ihor Aleksandrov" userId="c3051032-6b87-4db2-b257-777a0106fbd9" providerId="ADAL" clId="{D05EAF56-C8F0-4612-806C-93E1C27F1929}" dt="2024-01-25T10:53:57.961" v="142" actId="20577"/>
-        <pc:sldMkLst>
-          <pc:docMk/>
-          <pc:sldMk cId="2205366352" sldId="281"/>
-        </pc:sldMkLst>
-        <pc:spChg chg="mod">
-          <ac:chgData name="Ihor Aleksandrov" userId="c3051032-6b87-4db2-b257-777a0106fbd9" providerId="ADAL" clId="{D05EAF56-C8F0-4612-806C-93E1C27F1929}" dt="2024-01-25T10:53:57.961" v="142" actId="20577"/>
-          <ac:spMkLst>
-            <pc:docMk/>
-            <pc:sldMk cId="2205366352" sldId="281"/>
-            <ac:spMk id="2" creationId="{18C18207-A109-5552-1541-0ABBAA316282}"/>
-          </ac:spMkLst>
-        </pc:spChg>
-        <pc:picChg chg="del">
-          <ac:chgData name="Ihor Aleksandrov" userId="c3051032-6b87-4db2-b257-777a0106fbd9" providerId="ADAL" clId="{D05EAF56-C8F0-4612-806C-93E1C27F1929}" dt="2024-01-25T10:53:50.795" v="134" actId="478"/>
-          <ac:picMkLst>
-            <pc:docMk/>
-            <pc:sldMk cId="2205366352" sldId="281"/>
-            <ac:picMk id="6" creationId="{BA86DDBB-D80D-1005-2EB0-33056830C288}"/>
-          </ac:picMkLst>
-        </pc:picChg>
-      </pc:sldChg>
-      <pc:sldChg chg="delSp add del setBg delDesignElem">
-        <pc:chgData name="Ihor Aleksandrov" userId="c3051032-6b87-4db2-b257-777a0106fbd9" providerId="ADAL" clId="{D05EAF56-C8F0-4612-806C-93E1C27F1929}" dt="2024-01-25T10:53:38.779" v="130" actId="47"/>
-        <pc:sldMkLst>
-          <pc:docMk/>
-          <pc:sldMk cId="2518075034" sldId="281"/>
-        </pc:sldMkLst>
-        <pc:spChg chg="del">
-          <ac:chgData name="Ihor Aleksandrov" userId="c3051032-6b87-4db2-b257-777a0106fbd9" providerId="ADAL" clId="{D05EAF56-C8F0-4612-806C-93E1C27F1929}" dt="2024-01-25T10:53:27.044" v="129"/>
-          <ac:spMkLst>
-            <pc:docMk/>
-            <pc:sldMk cId="2518075034" sldId="281"/>
-            <ac:spMk id="9" creationId="{C3896A03-3945-419A-B66B-4EE266EDD152}"/>
-          </ac:spMkLst>
-        </pc:spChg>
-        <pc:spChg chg="del">
-          <ac:chgData name="Ihor Aleksandrov" userId="c3051032-6b87-4db2-b257-777a0106fbd9" providerId="ADAL" clId="{D05EAF56-C8F0-4612-806C-93E1C27F1929}" dt="2024-01-25T10:53:27.044" v="129"/>
-          <ac:spMkLst>
-            <pc:docMk/>
-            <pc:sldMk cId="2518075034" sldId="281"/>
-            <ac:spMk id="11" creationId="{B34F5AD2-EDBD-4BBD-A55C-EAFFD0C7097A}"/>
-          </ac:spMkLst>
-        </pc:spChg>
-      </pc:sldChg>
-      <pc:sldChg chg="modSp add mod ord">
-        <pc:chgData name="Ihor Aleksandrov" userId="c3051032-6b87-4db2-b257-777a0106fbd9" providerId="ADAL" clId="{D05EAF56-C8F0-4612-806C-93E1C27F1929}" dt="2024-01-25T10:55:39.680" v="152" actId="20577"/>
-        <pc:sldMkLst>
-          <pc:docMk/>
-          <pc:sldMk cId="2028152352" sldId="282"/>
-        </pc:sldMkLst>
-        <pc:spChg chg="mod">
-          <ac:chgData name="Ihor Aleksandrov" userId="c3051032-6b87-4db2-b257-777a0106fbd9" providerId="ADAL" clId="{D05EAF56-C8F0-4612-806C-93E1C27F1929}" dt="2024-01-25T10:55:39.680" v="152" actId="20577"/>
-          <ac:spMkLst>
-            <pc:docMk/>
-            <pc:sldMk cId="2028152352" sldId="282"/>
-            <ac:spMk id="2" creationId="{18C18207-A109-5552-1541-0ABBAA316282}"/>
-          </ac:spMkLst>
-        </pc:spChg>
-      </pc:sldChg>
-      <pc:sldChg chg="modSp add mod ord">
-        <pc:chgData name="Ihor Aleksandrov" userId="c3051032-6b87-4db2-b257-777a0106fbd9" providerId="ADAL" clId="{D05EAF56-C8F0-4612-806C-93E1C27F1929}" dt="2024-01-25T11:01:05.747" v="171"/>
-        <pc:sldMkLst>
-          <pc:docMk/>
-          <pc:sldMk cId="2433051637" sldId="283"/>
-        </pc:sldMkLst>
-        <pc:spChg chg="mod">
-          <ac:chgData name="Ihor Aleksandrov" userId="c3051032-6b87-4db2-b257-777a0106fbd9" providerId="ADAL" clId="{D05EAF56-C8F0-4612-806C-93E1C27F1929}" dt="2024-01-25T11:01:05.747" v="171"/>
-          <ac:spMkLst>
-            <pc:docMk/>
-            <pc:sldMk cId="2433051637" sldId="283"/>
-            <ac:spMk id="2" creationId="{53C5D828-9666-E312-B574-9FE965A7D6BE}"/>
-          </ac:spMkLst>
-        </pc:spChg>
-      </pc:sldChg>
-      <pc:sldChg chg="addSp delSp modSp add mod">
-        <pc:chgData name="Ihor Aleksandrov" userId="c3051032-6b87-4db2-b257-777a0106fbd9" providerId="ADAL" clId="{D05EAF56-C8F0-4612-806C-93E1C27F1929}" dt="2024-01-25T11:22:22.700" v="219" actId="14100"/>
-        <pc:sldMkLst>
-          <pc:docMk/>
-          <pc:sldMk cId="2869825701" sldId="284"/>
-        </pc:sldMkLst>
-        <pc:spChg chg="mod">
-          <ac:chgData name="Ihor Aleksandrov" userId="c3051032-6b87-4db2-b257-777a0106fbd9" providerId="ADAL" clId="{D05EAF56-C8F0-4612-806C-93E1C27F1929}" dt="2024-01-25T11:01:51.992" v="175"/>
-          <ac:spMkLst>
-            <pc:docMk/>
-            <pc:sldMk cId="2869825701" sldId="284"/>
-            <ac:spMk id="2" creationId="{53C5D828-9666-E312-B574-9FE965A7D6BE}"/>
-          </ac:spMkLst>
-        </pc:spChg>
-        <pc:spChg chg="del">
-          <ac:chgData name="Ihor Aleksandrov" userId="c3051032-6b87-4db2-b257-777a0106fbd9" providerId="ADAL" clId="{D05EAF56-C8F0-4612-806C-93E1C27F1929}" dt="2024-01-25T11:22:01.808" v="214" actId="478"/>
-          <ac:spMkLst>
-            <pc:docMk/>
-            <pc:sldMk cId="2869825701" sldId="284"/>
-            <ac:spMk id="6" creationId="{E04F08BD-B70E-B1A8-7328-EE29B18E4AA1}"/>
-          </ac:spMkLst>
-        </pc:spChg>
-        <pc:picChg chg="add mod">
-          <ac:chgData name="Ihor Aleksandrov" userId="c3051032-6b87-4db2-b257-777a0106fbd9" providerId="ADAL" clId="{D05EAF56-C8F0-4612-806C-93E1C27F1929}" dt="2024-01-25T11:22:22.700" v="219" actId="14100"/>
-          <ac:picMkLst>
-            <pc:docMk/>
-            <pc:sldMk cId="2869825701" sldId="284"/>
-            <ac:picMk id="5" creationId="{0885AC12-A488-3762-3217-E1B0319D46AD}"/>
-          </ac:picMkLst>
-        </pc:picChg>
-      </pc:sldChg>
-      <pc:sldChg chg="addSp delSp add del setBg delDesignElem">
-        <pc:chgData name="Ihor Aleksandrov" userId="c3051032-6b87-4db2-b257-777a0106fbd9" providerId="ADAL" clId="{D05EAF56-C8F0-4612-806C-93E1C27F1929}" dt="2024-01-25T11:00:55.998" v="168"/>
-        <pc:sldMkLst>
-          <pc:docMk/>
-          <pc:sldMk cId="3157685417" sldId="284"/>
-        </pc:sldMkLst>
-        <pc:spChg chg="add del">
-          <ac:chgData name="Ihor Aleksandrov" userId="c3051032-6b87-4db2-b257-777a0106fbd9" providerId="ADAL" clId="{D05EAF56-C8F0-4612-806C-93E1C27F1929}" dt="2024-01-25T11:00:55.998" v="168"/>
-          <ac:spMkLst>
-            <pc:docMk/>
-            <pc:sldMk cId="3157685417" sldId="284"/>
-            <ac:spMk id="9" creationId="{D4771268-CB57-404A-9271-370EB28F6090}"/>
-          </ac:spMkLst>
-        </pc:spChg>
-      </pc:sldChg>
-      <pc:sldChg chg="addSp delSp modSp add mod">
-        <pc:chgData name="Ihor Aleksandrov" userId="c3051032-6b87-4db2-b257-777a0106fbd9" providerId="ADAL" clId="{D05EAF56-C8F0-4612-806C-93E1C27F1929}" dt="2024-01-25T11:03:48.850" v="202" actId="1036"/>
-        <pc:sldMkLst>
-          <pc:docMk/>
-          <pc:sldMk cId="856240837" sldId="285"/>
-        </pc:sldMkLst>
-        <pc:spChg chg="mod">
-          <ac:chgData name="Ihor Aleksandrov" userId="c3051032-6b87-4db2-b257-777a0106fbd9" providerId="ADAL" clId="{D05EAF56-C8F0-4612-806C-93E1C27F1929}" dt="2024-01-25T11:03:18.596" v="177"/>
-          <ac:spMkLst>
-            <pc:docMk/>
-            <pc:sldMk cId="856240837" sldId="285"/>
-            <ac:spMk id="2" creationId="{53C5D828-9666-E312-B574-9FE965A7D6BE}"/>
-          </ac:spMkLst>
-        </pc:spChg>
-        <pc:spChg chg="del">
-          <ac:chgData name="Ihor Aleksandrov" userId="c3051032-6b87-4db2-b257-777a0106fbd9" providerId="ADAL" clId="{D05EAF56-C8F0-4612-806C-93E1C27F1929}" dt="2024-01-25T11:03:21.592" v="178" actId="478"/>
-          <ac:spMkLst>
-            <pc:docMk/>
-            <pc:sldMk cId="856240837" sldId="285"/>
-            <ac:spMk id="6" creationId="{E04F08BD-B70E-B1A8-7328-EE29B18E4AA1}"/>
-          </ac:spMkLst>
-        </pc:spChg>
-        <pc:picChg chg="add mod">
-          <ac:chgData name="Ihor Aleksandrov" userId="c3051032-6b87-4db2-b257-777a0106fbd9" providerId="ADAL" clId="{D05EAF56-C8F0-4612-806C-93E1C27F1929}" dt="2024-01-25T11:03:48.850" v="202" actId="1036"/>
-          <ac:picMkLst>
-            <pc:docMk/>
-            <pc:sldMk cId="856240837" sldId="285"/>
-            <ac:picMk id="4" creationId="{A8C20435-8FF0-1341-85C4-558E352F27E5}"/>
-          </ac:picMkLst>
-        </pc:picChg>
-      </pc:sldChg>
-      <pc:sldChg chg="modSp add mod ord">
-        <pc:chgData name="Ihor Aleksandrov" userId="c3051032-6b87-4db2-b257-777a0106fbd9" providerId="ADAL" clId="{D05EAF56-C8F0-4612-806C-93E1C27F1929}" dt="2024-01-25T11:10:32.927" v="210"/>
-        <pc:sldMkLst>
-          <pc:docMk/>
-          <pc:sldMk cId="1586376586" sldId="286"/>
-        </pc:sldMkLst>
-        <pc:spChg chg="mod">
-          <ac:chgData name="Ihor Aleksandrov" userId="c3051032-6b87-4db2-b257-777a0106fbd9" providerId="ADAL" clId="{D05EAF56-C8F0-4612-806C-93E1C27F1929}" dt="2024-01-25T11:10:32.927" v="210"/>
-          <ac:spMkLst>
-            <pc:docMk/>
-            <pc:sldMk cId="1586376586" sldId="286"/>
-            <ac:spMk id="2" creationId="{53C5D828-9666-E312-B574-9FE965A7D6BE}"/>
-          </ac:spMkLst>
-        </pc:spChg>
-      </pc:sldChg>
-      <pc:sldChg chg="add del">
-        <pc:chgData name="Ihor Aleksandrov" userId="c3051032-6b87-4db2-b257-777a0106fbd9" providerId="ADAL" clId="{D05EAF56-C8F0-4612-806C-93E1C27F1929}" dt="2024-01-25T11:10:15.704" v="204" actId="2696"/>
-        <pc:sldMkLst>
-          <pc:docMk/>
-          <pc:sldMk cId="2392975250" sldId="286"/>
-        </pc:sldMkLst>
-      </pc:sldChg>
-      <pc:sldChg chg="modSp add mod ord">
-        <pc:chgData name="Ihor Aleksandrov" userId="c3051032-6b87-4db2-b257-777a0106fbd9" providerId="ADAL" clId="{D05EAF56-C8F0-4612-806C-93E1C27F1929}" dt="2024-01-25T11:27:00.546" v="224" actId="20577"/>
-        <pc:sldMkLst>
-          <pc:docMk/>
-          <pc:sldMk cId="2004498921" sldId="287"/>
-        </pc:sldMkLst>
-        <pc:spChg chg="mod">
-          <ac:chgData name="Ihor Aleksandrov" userId="c3051032-6b87-4db2-b257-777a0106fbd9" providerId="ADAL" clId="{D05EAF56-C8F0-4612-806C-93E1C27F1929}" dt="2024-01-25T11:27:00.546" v="224" actId="20577"/>
-          <ac:spMkLst>
-            <pc:docMk/>
-            <pc:sldMk cId="2004498921" sldId="287"/>
-            <ac:spMk id="2" creationId="{18C18207-A109-5552-1541-0ABBAA316282}"/>
-          </ac:spMkLst>
-        </pc:spChg>
-      </pc:sldChg>
-      <pc:sldChg chg="addSp delSp modSp add mod ord">
-        <pc:chgData name="Ihor Aleksandrov" userId="c3051032-6b87-4db2-b257-777a0106fbd9" providerId="ADAL" clId="{D05EAF56-C8F0-4612-806C-93E1C27F1929}" dt="2024-01-25T11:28:34.816" v="233" actId="1076"/>
-        <pc:sldMkLst>
-          <pc:docMk/>
-          <pc:sldMk cId="156474206" sldId="288"/>
-        </pc:sldMkLst>
-        <pc:spChg chg="mod">
-          <ac:chgData name="Ihor Aleksandrov" userId="c3051032-6b87-4db2-b257-777a0106fbd9" providerId="ADAL" clId="{D05EAF56-C8F0-4612-806C-93E1C27F1929}" dt="2024-01-25T11:28:25.547" v="230"/>
-          <ac:spMkLst>
-            <pc:docMk/>
-            <pc:sldMk cId="156474206" sldId="288"/>
-            <ac:spMk id="2" creationId="{53C5D828-9666-E312-B574-9FE965A7D6BE}"/>
-          </ac:spMkLst>
-        </pc:spChg>
-        <pc:spChg chg="del">
-          <ac:chgData name="Ihor Aleksandrov" userId="c3051032-6b87-4db2-b257-777a0106fbd9" providerId="ADAL" clId="{D05EAF56-C8F0-4612-806C-93E1C27F1929}" dt="2024-01-25T11:28:27.105" v="231" actId="478"/>
-          <ac:spMkLst>
-            <pc:docMk/>
-            <pc:sldMk cId="156474206" sldId="288"/>
-            <ac:spMk id="6" creationId="{E04F08BD-B70E-B1A8-7328-EE29B18E4AA1}"/>
-          </ac:spMkLst>
-        </pc:spChg>
-        <pc:picChg chg="add mod">
-          <ac:chgData name="Ihor Aleksandrov" userId="c3051032-6b87-4db2-b257-777a0106fbd9" providerId="ADAL" clId="{D05EAF56-C8F0-4612-806C-93E1C27F1929}" dt="2024-01-25T11:28:34.816" v="233" actId="1076"/>
-          <ac:picMkLst>
-            <pc:docMk/>
-            <pc:sldMk cId="156474206" sldId="288"/>
-            <ac:picMk id="4" creationId="{0D7416A8-5E31-A6F5-922C-BB434A29C3EE}"/>
-          </ac:picMkLst>
-        </pc:picChg>
-      </pc:sldChg>
-      <pc:sldChg chg="modSp add mod ord">
-        <pc:chgData name="Ihor Aleksandrov" userId="c3051032-6b87-4db2-b257-777a0106fbd9" providerId="ADAL" clId="{D05EAF56-C8F0-4612-806C-93E1C27F1929}" dt="2024-01-25T11:29:51.583" v="244"/>
-        <pc:sldMkLst>
-          <pc:docMk/>
-          <pc:sldMk cId="2551930029" sldId="289"/>
-        </pc:sldMkLst>
-        <pc:spChg chg="mod">
-          <ac:chgData name="Ihor Aleksandrov" userId="c3051032-6b87-4db2-b257-777a0106fbd9" providerId="ADAL" clId="{D05EAF56-C8F0-4612-806C-93E1C27F1929}" dt="2024-01-25T11:29:47.752" v="242" actId="20577"/>
-          <ac:spMkLst>
-            <pc:docMk/>
-            <pc:sldMk cId="2551930029" sldId="289"/>
-            <ac:spMk id="2" creationId="{18C18207-A109-5552-1541-0ABBAA316282}"/>
-          </ac:spMkLst>
-        </pc:spChg>
-      </pc:sldChg>
-      <pc:sldChg chg="addSp delSp modSp add mod ord">
-        <pc:chgData name="Ihor Aleksandrov" userId="c3051032-6b87-4db2-b257-777a0106fbd9" providerId="ADAL" clId="{D05EAF56-C8F0-4612-806C-93E1C27F1929}" dt="2024-01-25T11:49:38.267" v="257" actId="1076"/>
-        <pc:sldMkLst>
-          <pc:docMk/>
-          <pc:sldMk cId="1939738048" sldId="290"/>
-        </pc:sldMkLst>
-        <pc:spChg chg="mod">
-          <ac:chgData name="Ihor Aleksandrov" userId="c3051032-6b87-4db2-b257-777a0106fbd9" providerId="ADAL" clId="{D05EAF56-C8F0-4612-806C-93E1C27F1929}" dt="2024-01-25T11:49:07.853" v="250"/>
-          <ac:spMkLst>
-            <pc:docMk/>
-            <pc:sldMk cId="1939738048" sldId="290"/>
-            <ac:spMk id="2" creationId="{53C5D828-9666-E312-B574-9FE965A7D6BE}"/>
-          </ac:spMkLst>
-        </pc:spChg>
-        <pc:spChg chg="del">
-          <ac:chgData name="Ihor Aleksandrov" userId="c3051032-6b87-4db2-b257-777a0106fbd9" providerId="ADAL" clId="{D05EAF56-C8F0-4612-806C-93E1C27F1929}" dt="2024-01-25T11:49:20.582" v="251" actId="478"/>
-          <ac:spMkLst>
-            <pc:docMk/>
-            <pc:sldMk cId="1939738048" sldId="290"/>
-            <ac:spMk id="6" creationId="{E04F08BD-B70E-B1A8-7328-EE29B18E4AA1}"/>
-          </ac:spMkLst>
-        </pc:spChg>
-        <pc:picChg chg="add mod">
-          <ac:chgData name="Ihor Aleksandrov" userId="c3051032-6b87-4db2-b257-777a0106fbd9" providerId="ADAL" clId="{D05EAF56-C8F0-4612-806C-93E1C27F1929}" dt="2024-01-25T11:49:38.267" v="257" actId="1076"/>
-          <ac:picMkLst>
-            <pc:docMk/>
-            <pc:sldMk cId="1939738048" sldId="290"/>
-            <ac:picMk id="4" creationId="{49B21785-1E7E-8457-4FBF-E3FC2CCADD04}"/>
-          </ac:picMkLst>
-        </pc:picChg>
-      </pc:sldChg>
-      <pc:sldChg chg="modSp add mod ord">
-        <pc:chgData name="Ihor Aleksandrov" userId="c3051032-6b87-4db2-b257-777a0106fbd9" providerId="ADAL" clId="{D05EAF56-C8F0-4612-806C-93E1C27F1929}" dt="2024-01-25T11:51:45.959" v="263"/>
-        <pc:sldMkLst>
-          <pc:docMk/>
-          <pc:sldMk cId="1018496090" sldId="291"/>
-        </pc:sldMkLst>
-        <pc:spChg chg="mod">
-          <ac:chgData name="Ihor Aleksandrov" userId="c3051032-6b87-4db2-b257-777a0106fbd9" providerId="ADAL" clId="{D05EAF56-C8F0-4612-806C-93E1C27F1929}" dt="2024-01-25T11:51:45.959" v="263"/>
-          <ac:spMkLst>
-            <pc:docMk/>
-            <pc:sldMk cId="1018496090" sldId="291"/>
-            <ac:spMk id="2" creationId="{53C5D828-9666-E312-B574-9FE965A7D6BE}"/>
-          </ac:spMkLst>
-        </pc:spChg>
-      </pc:sldChg>
-      <pc:sldChg chg="modSp add mod">
-        <pc:chgData name="Ihor Aleksandrov" userId="c3051032-6b87-4db2-b257-777a0106fbd9" providerId="ADAL" clId="{D05EAF56-C8F0-4612-806C-93E1C27F1929}" dt="2024-01-25T11:53:09.928" v="267"/>
-        <pc:sldMkLst>
-          <pc:docMk/>
-          <pc:sldMk cId="2128635244" sldId="292"/>
-        </pc:sldMkLst>
-        <pc:spChg chg="mod">
-          <ac:chgData name="Ihor Aleksandrov" userId="c3051032-6b87-4db2-b257-777a0106fbd9" providerId="ADAL" clId="{D05EAF56-C8F0-4612-806C-93E1C27F1929}" dt="2024-01-25T11:53:09.928" v="267"/>
-          <ac:spMkLst>
-            <pc:docMk/>
-            <pc:sldMk cId="2128635244" sldId="292"/>
-            <ac:spMk id="2" creationId="{53C5D828-9666-E312-B574-9FE965A7D6BE}"/>
-          </ac:spMkLst>
-        </pc:spChg>
-      </pc:sldChg>
-      <pc:sldChg chg="addSp delSp modSp add mod">
-        <pc:chgData name="Ihor Aleksandrov" userId="c3051032-6b87-4db2-b257-777a0106fbd9" providerId="ADAL" clId="{D05EAF56-C8F0-4612-806C-93E1C27F1929}" dt="2024-01-25T11:55:41.171" v="279" actId="1076"/>
-        <pc:sldMkLst>
-          <pc:docMk/>
-          <pc:sldMk cId="2059493005" sldId="293"/>
-        </pc:sldMkLst>
-        <pc:spChg chg="mod">
-          <ac:chgData name="Ihor Aleksandrov" userId="c3051032-6b87-4db2-b257-777a0106fbd9" providerId="ADAL" clId="{D05EAF56-C8F0-4612-806C-93E1C27F1929}" dt="2024-01-25T11:55:19.618" v="271"/>
-          <ac:spMkLst>
-            <pc:docMk/>
-            <pc:sldMk cId="2059493005" sldId="293"/>
-            <ac:spMk id="2" creationId="{53C5D828-9666-E312-B574-9FE965A7D6BE}"/>
-          </ac:spMkLst>
-        </pc:spChg>
-        <pc:spChg chg="del">
-          <ac:chgData name="Ihor Aleksandrov" userId="c3051032-6b87-4db2-b257-777a0106fbd9" providerId="ADAL" clId="{D05EAF56-C8F0-4612-806C-93E1C27F1929}" dt="2024-01-25T11:55:21.950" v="272" actId="478"/>
-          <ac:spMkLst>
-            <pc:docMk/>
-            <pc:sldMk cId="2059493005" sldId="293"/>
-            <ac:spMk id="6" creationId="{E04F08BD-B70E-B1A8-7328-EE29B18E4AA1}"/>
-          </ac:spMkLst>
-        </pc:spChg>
-        <pc:picChg chg="add mod">
-          <ac:chgData name="Ihor Aleksandrov" userId="c3051032-6b87-4db2-b257-777a0106fbd9" providerId="ADAL" clId="{D05EAF56-C8F0-4612-806C-93E1C27F1929}" dt="2024-01-25T11:55:41.171" v="279" actId="1076"/>
-          <ac:picMkLst>
-            <pc:docMk/>
-            <pc:sldMk cId="2059493005" sldId="293"/>
-            <ac:picMk id="4" creationId="{B4989CAB-F181-BB13-C3CC-7303FC972C04}"/>
-          </ac:picMkLst>
-        </pc:picChg>
-      </pc:sldChg>
-      <pc:sldChg chg="addSp delSp modSp add mod">
-        <pc:chgData name="Ihor Aleksandrov" userId="c3051032-6b87-4db2-b257-777a0106fbd9" providerId="ADAL" clId="{D05EAF56-C8F0-4612-806C-93E1C27F1929}" dt="2024-01-25T11:57:16.812" v="286" actId="1076"/>
-        <pc:sldMkLst>
-          <pc:docMk/>
-          <pc:sldMk cId="1734173143" sldId="294"/>
-        </pc:sldMkLst>
-        <pc:spChg chg="mod">
-          <ac:chgData name="Ihor Aleksandrov" userId="c3051032-6b87-4db2-b257-777a0106fbd9" providerId="ADAL" clId="{D05EAF56-C8F0-4612-806C-93E1C27F1929}" dt="2024-01-25T11:56:59.706" v="281"/>
-          <ac:spMkLst>
-            <pc:docMk/>
-            <pc:sldMk cId="1734173143" sldId="294"/>
-            <ac:spMk id="2" creationId="{53C5D828-9666-E312-B574-9FE965A7D6BE}"/>
-          </ac:spMkLst>
-        </pc:spChg>
-        <pc:picChg chg="del">
-          <ac:chgData name="Ihor Aleksandrov" userId="c3051032-6b87-4db2-b257-777a0106fbd9" providerId="ADAL" clId="{D05EAF56-C8F0-4612-806C-93E1C27F1929}" dt="2024-01-25T11:57:02.563" v="282" actId="478"/>
-          <ac:picMkLst>
-            <pc:docMk/>
-            <pc:sldMk cId="1734173143" sldId="294"/>
-            <ac:picMk id="4" creationId="{B4989CAB-F181-BB13-C3CC-7303FC972C04}"/>
-          </ac:picMkLst>
-        </pc:picChg>
-        <pc:picChg chg="add mod">
-          <ac:chgData name="Ihor Aleksandrov" userId="c3051032-6b87-4db2-b257-777a0106fbd9" providerId="ADAL" clId="{D05EAF56-C8F0-4612-806C-93E1C27F1929}" dt="2024-01-25T11:57:16.812" v="286" actId="1076"/>
-          <ac:picMkLst>
-            <pc:docMk/>
-            <pc:sldMk cId="1734173143" sldId="294"/>
-            <ac:picMk id="5" creationId="{EFB4AF76-9D94-7721-E2C8-2472D164A060}"/>
-          </ac:picMkLst>
-        </pc:picChg>
-      </pc:sldChg>
-      <pc:sldChg chg="addSp modSp add mod ord">
-        <pc:chgData name="Ihor Aleksandrov" userId="c3051032-6b87-4db2-b257-777a0106fbd9" providerId="ADAL" clId="{D05EAF56-C8F0-4612-806C-93E1C27F1929}" dt="2024-01-25T12:00:46.169" v="306" actId="1076"/>
-        <pc:sldMkLst>
-          <pc:docMk/>
-          <pc:sldMk cId="3102755718" sldId="295"/>
-        </pc:sldMkLst>
-        <pc:spChg chg="mod">
-          <ac:chgData name="Ihor Aleksandrov" userId="c3051032-6b87-4db2-b257-777a0106fbd9" providerId="ADAL" clId="{D05EAF56-C8F0-4612-806C-93E1C27F1929}" dt="2024-01-25T12:00:14.709" v="300" actId="20577"/>
-          <ac:spMkLst>
-            <pc:docMk/>
-            <pc:sldMk cId="3102755718" sldId="295"/>
-            <ac:spMk id="2" creationId="{18C18207-A109-5552-1541-0ABBAA316282}"/>
-          </ac:spMkLst>
-        </pc:spChg>
-        <pc:picChg chg="add mod">
-          <ac:chgData name="Ihor Aleksandrov" userId="c3051032-6b87-4db2-b257-777a0106fbd9" providerId="ADAL" clId="{D05EAF56-C8F0-4612-806C-93E1C27F1929}" dt="2024-01-25T12:00:46.169" v="306" actId="1076"/>
-          <ac:picMkLst>
-            <pc:docMk/>
-            <pc:sldMk cId="3102755718" sldId="295"/>
-            <ac:picMk id="5" creationId="{BD0CE974-8524-11E7-B97F-A86834867985}"/>
-          </ac:picMkLst>
-        </pc:picChg>
-      </pc:sldChg>
-      <pc:sldChg chg="modSp add mod ord">
-        <pc:chgData name="Ihor Aleksandrov" userId="c3051032-6b87-4db2-b257-777a0106fbd9" providerId="ADAL" clId="{D05EAF56-C8F0-4612-806C-93E1C27F1929}" dt="2024-01-25T12:02:45.112" v="310"/>
-        <pc:sldMkLst>
-          <pc:docMk/>
-          <pc:sldMk cId="2389832786" sldId="296"/>
-        </pc:sldMkLst>
-        <pc:spChg chg="mod">
-          <ac:chgData name="Ihor Aleksandrov" userId="c3051032-6b87-4db2-b257-777a0106fbd9" providerId="ADAL" clId="{D05EAF56-C8F0-4612-806C-93E1C27F1929}" dt="2024-01-25T12:02:45.112" v="310"/>
-          <ac:spMkLst>
-            <pc:docMk/>
-            <pc:sldMk cId="2389832786" sldId="296"/>
-            <ac:spMk id="2" creationId="{53C5D828-9666-E312-B574-9FE965A7D6BE}"/>
-          </ac:spMkLst>
-        </pc:spChg>
-      </pc:sldChg>
-      <pc:sldChg chg="modSp add mod">
-        <pc:chgData name="Ihor Aleksandrov" userId="c3051032-6b87-4db2-b257-777a0106fbd9" providerId="ADAL" clId="{D05EAF56-C8F0-4612-806C-93E1C27F1929}" dt="2024-01-25T12:04:01.736" v="312"/>
-        <pc:sldMkLst>
-          <pc:docMk/>
-          <pc:sldMk cId="2189799752" sldId="297"/>
-        </pc:sldMkLst>
-        <pc:spChg chg="mod">
-          <ac:chgData name="Ihor Aleksandrov" userId="c3051032-6b87-4db2-b257-777a0106fbd9" providerId="ADAL" clId="{D05EAF56-C8F0-4612-806C-93E1C27F1929}" dt="2024-01-25T12:04:01.736" v="312"/>
-          <ac:spMkLst>
-            <pc:docMk/>
-            <pc:sldMk cId="2189799752" sldId="297"/>
-            <ac:spMk id="2" creationId="{53C5D828-9666-E312-B574-9FE965A7D6BE}"/>
-          </ac:spMkLst>
-        </pc:spChg>
-      </pc:sldChg>
-      <pc:sldChg chg="modSp add mod">
-        <pc:chgData name="Ihor Aleksandrov" userId="c3051032-6b87-4db2-b257-777a0106fbd9" providerId="ADAL" clId="{D05EAF56-C8F0-4612-806C-93E1C27F1929}" dt="2024-01-25T12:05:00.878" v="314"/>
-        <pc:sldMkLst>
-          <pc:docMk/>
-          <pc:sldMk cId="3592285454" sldId="298"/>
-        </pc:sldMkLst>
-        <pc:spChg chg="mod">
-          <ac:chgData name="Ihor Aleksandrov" userId="c3051032-6b87-4db2-b257-777a0106fbd9" providerId="ADAL" clId="{D05EAF56-C8F0-4612-806C-93E1C27F1929}" dt="2024-01-25T12:05:00.878" v="314"/>
-          <ac:spMkLst>
-            <pc:docMk/>
-            <pc:sldMk cId="3592285454" sldId="298"/>
-            <ac:spMk id="2" creationId="{53C5D828-9666-E312-B574-9FE965A7D6BE}"/>
-          </ac:spMkLst>
-        </pc:spChg>
-      </pc:sldChg>
-      <pc:sldChg chg="modSp add mod">
-        <pc:chgData name="Ihor Aleksandrov" userId="c3051032-6b87-4db2-b257-777a0106fbd9" providerId="ADAL" clId="{D05EAF56-C8F0-4612-806C-93E1C27F1929}" dt="2024-01-25T12:08:02.278" v="316"/>
-        <pc:sldMkLst>
-          <pc:docMk/>
-          <pc:sldMk cId="4186553512" sldId="299"/>
-        </pc:sldMkLst>
-        <pc:spChg chg="mod">
-          <ac:chgData name="Ihor Aleksandrov" userId="c3051032-6b87-4db2-b257-777a0106fbd9" providerId="ADAL" clId="{D05EAF56-C8F0-4612-806C-93E1C27F1929}" dt="2024-01-25T12:08:02.278" v="316"/>
-          <ac:spMkLst>
-            <pc:docMk/>
-            <pc:sldMk cId="4186553512" sldId="299"/>
-            <ac:spMk id="2" creationId="{53C5D828-9666-E312-B574-9FE965A7D6BE}"/>
-          </ac:spMkLst>
-        </pc:spChg>
-      </pc:sldChg>
-      <pc:sldChg chg="modSp add mod">
-        <pc:chgData name="Ihor Aleksandrov" userId="c3051032-6b87-4db2-b257-777a0106fbd9" providerId="ADAL" clId="{D05EAF56-C8F0-4612-806C-93E1C27F1929}" dt="2024-01-25T12:09:53.445" v="318"/>
-        <pc:sldMkLst>
-          <pc:docMk/>
-          <pc:sldMk cId="834159653" sldId="300"/>
-        </pc:sldMkLst>
-        <pc:spChg chg="mod">
-          <ac:chgData name="Ihor Aleksandrov" userId="c3051032-6b87-4db2-b257-777a0106fbd9" providerId="ADAL" clId="{D05EAF56-C8F0-4612-806C-93E1C27F1929}" dt="2024-01-25T12:09:53.445" v="318"/>
-          <ac:spMkLst>
-            <pc:docMk/>
-            <pc:sldMk cId="834159653" sldId="300"/>
-            <ac:spMk id="2" creationId="{53C5D828-9666-E312-B574-9FE965A7D6BE}"/>
-          </ac:spMkLst>
-        </pc:spChg>
-      </pc:sldChg>
-      <pc:sldChg chg="modSp add mod">
-        <pc:chgData name="Ihor Aleksandrov" userId="c3051032-6b87-4db2-b257-777a0106fbd9" providerId="ADAL" clId="{D05EAF56-C8F0-4612-806C-93E1C27F1929}" dt="2024-01-25T12:10:57.045" v="321" actId="27636"/>
-        <pc:sldMkLst>
-          <pc:docMk/>
-          <pc:sldMk cId="324410250" sldId="301"/>
-        </pc:sldMkLst>
-        <pc:spChg chg="mod">
-          <ac:chgData name="Ihor Aleksandrov" userId="c3051032-6b87-4db2-b257-777a0106fbd9" providerId="ADAL" clId="{D05EAF56-C8F0-4612-806C-93E1C27F1929}" dt="2024-01-25T12:10:57.045" v="321" actId="27636"/>
-          <ac:spMkLst>
-            <pc:docMk/>
-            <pc:sldMk cId="324410250" sldId="301"/>
-            <ac:spMk id="2" creationId="{53C5D828-9666-E312-B574-9FE965A7D6BE}"/>
-          </ac:spMkLst>
-        </pc:spChg>
-      </pc:sldChg>
-      <pc:sldChg chg="add">
-        <pc:chgData name="Ihor Aleksandrov" userId="c3051032-6b87-4db2-b257-777a0106fbd9" providerId="ADAL" clId="{D05EAF56-C8F0-4612-806C-93E1C27F1929}" dt="2024-01-25T12:18:40.426" v="323"/>
-        <pc:sldMkLst>
-          <pc:docMk/>
-          <pc:sldMk cId="2052164358" sldId="302"/>
-        </pc:sldMkLst>
-      </pc:sldChg>
-      <pc:sldChg chg="add">
-        <pc:chgData name="Ihor Aleksandrov" userId="c3051032-6b87-4db2-b257-777a0106fbd9" providerId="ADAL" clId="{D05EAF56-C8F0-4612-806C-93E1C27F1929}" dt="2024-01-25T12:18:42.706" v="325"/>
-        <pc:sldMkLst>
-          <pc:docMk/>
-          <pc:sldMk cId="2972731808" sldId="303"/>
-        </pc:sldMkLst>
-      </pc:sldChg>
-      <pc:sldMasterChg chg="add addSldLayout">
-        <pc:chgData name="Ihor Aleksandrov" userId="c3051032-6b87-4db2-b257-777a0106fbd9" providerId="ADAL" clId="{D05EAF56-C8F0-4612-806C-93E1C27F1929}" dt="2024-01-25T12:18:42.701" v="324" actId="27028"/>
-        <pc:sldMasterMkLst>
-          <pc:docMk/>
-          <pc:sldMasterMk cId="1185679814" sldId="2147483648"/>
-        </pc:sldMasterMkLst>
-        <pc:sldLayoutChg chg="add">
-          <pc:chgData name="Ihor Aleksandrov" userId="c3051032-6b87-4db2-b257-777a0106fbd9" providerId="ADAL" clId="{D05EAF56-C8F0-4612-806C-93E1C27F1929}" dt="2024-01-25T12:18:40.421" v="322" actId="27028"/>
-          <pc:sldLayoutMkLst>
-            <pc:docMk/>
-            <pc:sldMasterMk cId="1185679814" sldId="2147483648"/>
-            <pc:sldLayoutMk cId="2257280135" sldId="2147483649"/>
-          </pc:sldLayoutMkLst>
-        </pc:sldLayoutChg>
-        <pc:sldLayoutChg chg="add">
-          <pc:chgData name="Ihor Aleksandrov" userId="c3051032-6b87-4db2-b257-777a0106fbd9" providerId="ADAL" clId="{D05EAF56-C8F0-4612-806C-93E1C27F1929}" dt="2024-01-25T12:18:42.701" v="324" actId="27028"/>
-          <pc:sldLayoutMkLst>
-            <pc:docMk/>
-            <pc:sldMasterMk cId="1185679814" sldId="2147483648"/>
-            <pc:sldLayoutMk cId="1044916995" sldId="2147483650"/>
           </pc:sldLayoutMkLst>
         </pc:sldLayoutChg>
       </pc:sldMasterChg>
@@ -5008,20 +4070,941 @@
     </pc:docChg>
   </pc:docChgLst>
   <pc:docChgLst>
-    <pc:chgData name="Ihor Aleksandrov" userId="c3051032-6b87-4db2-b257-777a0106fbd9" providerId="ADAL" clId="{CD6A1DE1-ACF9-4B80-94F3-F58CA81605B6}"/>
+    <pc:chgData name="Ihor Aleksandrov" userId="c3051032-6b87-4db2-b257-777a0106fbd9" providerId="ADAL" clId="{D05EAF56-C8F0-4612-806C-93E1C27F1929}"/>
+    <pc:docChg chg="undo redo custSel addSld delSld modSld sldOrd addMainMaster addSection modSection">
+      <pc:chgData name="Ihor Aleksandrov" userId="c3051032-6b87-4db2-b257-777a0106fbd9" providerId="ADAL" clId="{D05EAF56-C8F0-4612-806C-93E1C27F1929}" dt="2024-01-25T12:18:42.706" v="325"/>
+      <pc:docMkLst>
+        <pc:docMk/>
+      </pc:docMkLst>
+      <pc:sldChg chg="addSp modSp mod setBg">
+        <pc:chgData name="Ihor Aleksandrov" userId="c3051032-6b87-4db2-b257-777a0106fbd9" providerId="ADAL" clId="{D05EAF56-C8F0-4612-806C-93E1C27F1929}" dt="2024-01-25T09:34:46.181" v="0" actId="26606"/>
+        <pc:sldMkLst>
+          <pc:docMk/>
+          <pc:sldMk cId="552267186" sldId="256"/>
+        </pc:sldMkLst>
+        <pc:spChg chg="mod">
+          <ac:chgData name="Ihor Aleksandrov" userId="c3051032-6b87-4db2-b257-777a0106fbd9" providerId="ADAL" clId="{D05EAF56-C8F0-4612-806C-93E1C27F1929}" dt="2024-01-25T09:34:46.181" v="0" actId="26606"/>
+          <ac:spMkLst>
+            <pc:docMk/>
+            <pc:sldMk cId="552267186" sldId="256"/>
+            <ac:spMk id="2" creationId="{18C18207-A109-5552-1541-0ABBAA316282}"/>
+          </ac:spMkLst>
+        </pc:spChg>
+        <pc:spChg chg="mod">
+          <ac:chgData name="Ihor Aleksandrov" userId="c3051032-6b87-4db2-b257-777a0106fbd9" providerId="ADAL" clId="{D05EAF56-C8F0-4612-806C-93E1C27F1929}" dt="2024-01-25T09:34:46.181" v="0" actId="26606"/>
+          <ac:spMkLst>
+            <pc:docMk/>
+            <pc:sldMk cId="552267186" sldId="256"/>
+            <ac:spMk id="3" creationId="{3473E1D3-7401-AD94-5C7A-49912FA8005A}"/>
+          </ac:spMkLst>
+        </pc:spChg>
+        <pc:spChg chg="mod">
+          <ac:chgData name="Ihor Aleksandrov" userId="c3051032-6b87-4db2-b257-777a0106fbd9" providerId="ADAL" clId="{D05EAF56-C8F0-4612-806C-93E1C27F1929}" dt="2024-01-25T09:34:46.181" v="0" actId="26606"/>
+          <ac:spMkLst>
+            <pc:docMk/>
+            <pc:sldMk cId="552267186" sldId="256"/>
+            <ac:spMk id="4" creationId="{C99D0D71-05C2-1881-DCFB-D99C1C10CBB8}"/>
+          </ac:spMkLst>
+        </pc:spChg>
+        <pc:spChg chg="add">
+          <ac:chgData name="Ihor Aleksandrov" userId="c3051032-6b87-4db2-b257-777a0106fbd9" providerId="ADAL" clId="{D05EAF56-C8F0-4612-806C-93E1C27F1929}" dt="2024-01-25T09:34:46.181" v="0" actId="26606"/>
+          <ac:spMkLst>
+            <pc:docMk/>
+            <pc:sldMk cId="552267186" sldId="256"/>
+            <ac:spMk id="9" creationId="{C3896A03-3945-419A-B66B-4EE266EDD152}"/>
+          </ac:spMkLst>
+        </pc:spChg>
+        <pc:spChg chg="add">
+          <ac:chgData name="Ihor Aleksandrov" userId="c3051032-6b87-4db2-b257-777a0106fbd9" providerId="ADAL" clId="{D05EAF56-C8F0-4612-806C-93E1C27F1929}" dt="2024-01-25T09:34:46.181" v="0" actId="26606"/>
+          <ac:spMkLst>
+            <pc:docMk/>
+            <pc:sldMk cId="552267186" sldId="256"/>
+            <ac:spMk id="11" creationId="{B34F5AD2-EDBD-4BBD-A55C-EAFFD0C7097A}"/>
+          </ac:spMkLst>
+        </pc:spChg>
+      </pc:sldChg>
+      <pc:sldChg chg="modSp mod">
+        <pc:chgData name="Ihor Aleksandrov" userId="c3051032-6b87-4db2-b257-777a0106fbd9" providerId="ADAL" clId="{D05EAF56-C8F0-4612-806C-93E1C27F1929}" dt="2024-01-25T11:00:29.329" v="160"/>
+        <pc:sldMkLst>
+          <pc:docMk/>
+          <pc:sldMk cId="3569579791" sldId="265"/>
+        </pc:sldMkLst>
+        <pc:spChg chg="mod">
+          <ac:chgData name="Ihor Aleksandrov" userId="c3051032-6b87-4db2-b257-777a0106fbd9" providerId="ADAL" clId="{D05EAF56-C8F0-4612-806C-93E1C27F1929}" dt="2024-01-25T11:00:29.329" v="160"/>
+          <ac:spMkLst>
+            <pc:docMk/>
+            <pc:sldMk cId="3569579791" sldId="265"/>
+            <ac:spMk id="2" creationId="{53C5D828-9666-E312-B574-9FE965A7D6BE}"/>
+          </ac:spMkLst>
+        </pc:spChg>
+      </pc:sldChg>
+      <pc:sldChg chg="addSp delSp modSp add mod">
+        <pc:chgData name="Ihor Aleksandrov" userId="c3051032-6b87-4db2-b257-777a0106fbd9" providerId="ADAL" clId="{D05EAF56-C8F0-4612-806C-93E1C27F1929}" dt="2024-01-25T10:19:44.220" v="11" actId="1076"/>
+        <pc:sldMkLst>
+          <pc:docMk/>
+          <pc:sldMk cId="3985704815" sldId="270"/>
+        </pc:sldMkLst>
+        <pc:spChg chg="mod">
+          <ac:chgData name="Ihor Aleksandrov" userId="c3051032-6b87-4db2-b257-777a0106fbd9" providerId="ADAL" clId="{D05EAF56-C8F0-4612-806C-93E1C27F1929}" dt="2024-01-25T10:19:15.861" v="6"/>
+          <ac:spMkLst>
+            <pc:docMk/>
+            <pc:sldMk cId="3985704815" sldId="270"/>
+            <ac:spMk id="2" creationId="{53C5D828-9666-E312-B574-9FE965A7D6BE}"/>
+          </ac:spMkLst>
+        </pc:spChg>
+        <pc:picChg chg="add mod">
+          <ac:chgData name="Ihor Aleksandrov" userId="c3051032-6b87-4db2-b257-777a0106fbd9" providerId="ADAL" clId="{D05EAF56-C8F0-4612-806C-93E1C27F1929}" dt="2024-01-25T10:19:44.220" v="11" actId="1076"/>
+          <ac:picMkLst>
+            <pc:docMk/>
+            <pc:sldMk cId="3985704815" sldId="270"/>
+            <ac:picMk id="5" creationId="{329D80B6-A19C-F87F-FE85-78E58BE79DFC}"/>
+          </ac:picMkLst>
+        </pc:picChg>
+        <pc:picChg chg="del">
+          <ac:chgData name="Ihor Aleksandrov" userId="c3051032-6b87-4db2-b257-777a0106fbd9" providerId="ADAL" clId="{D05EAF56-C8F0-4612-806C-93E1C27F1929}" dt="2024-01-25T10:19:18.657" v="7" actId="478"/>
+          <ac:picMkLst>
+            <pc:docMk/>
+            <pc:sldMk cId="3985704815" sldId="270"/>
+            <ac:picMk id="6" creationId="{BDB4DD57-1DD7-48B1-ABFB-EE3016703034}"/>
+          </ac:picMkLst>
+        </pc:picChg>
+      </pc:sldChg>
+      <pc:sldChg chg="addSp delSp modSp add mod">
+        <pc:chgData name="Ihor Aleksandrov" userId="c3051032-6b87-4db2-b257-777a0106fbd9" providerId="ADAL" clId="{D05EAF56-C8F0-4612-806C-93E1C27F1929}" dt="2024-01-25T10:21:34.770" v="23" actId="1076"/>
+        <pc:sldMkLst>
+          <pc:docMk/>
+          <pc:sldMk cId="2117969225" sldId="271"/>
+        </pc:sldMkLst>
+        <pc:spChg chg="mod">
+          <ac:chgData name="Ihor Aleksandrov" userId="c3051032-6b87-4db2-b257-777a0106fbd9" providerId="ADAL" clId="{D05EAF56-C8F0-4612-806C-93E1C27F1929}" dt="2024-01-25T10:20:53.128" v="15"/>
+          <ac:spMkLst>
+            <pc:docMk/>
+            <pc:sldMk cId="2117969225" sldId="271"/>
+            <ac:spMk id="2" creationId="{53C5D828-9666-E312-B574-9FE965A7D6BE}"/>
+          </ac:spMkLst>
+        </pc:spChg>
+        <pc:picChg chg="del">
+          <ac:chgData name="Ihor Aleksandrov" userId="c3051032-6b87-4db2-b257-777a0106fbd9" providerId="ADAL" clId="{D05EAF56-C8F0-4612-806C-93E1C27F1929}" dt="2024-01-25T10:21:32.921" v="22" actId="478"/>
+          <ac:picMkLst>
+            <pc:docMk/>
+            <pc:sldMk cId="2117969225" sldId="271"/>
+            <ac:picMk id="5" creationId="{329D80B6-A19C-F87F-FE85-78E58BE79DFC}"/>
+          </ac:picMkLst>
+        </pc:picChg>
+        <pc:picChg chg="add mod">
+          <ac:chgData name="Ihor Aleksandrov" userId="c3051032-6b87-4db2-b257-777a0106fbd9" providerId="ADAL" clId="{D05EAF56-C8F0-4612-806C-93E1C27F1929}" dt="2024-01-25T10:21:34.770" v="23" actId="1076"/>
+          <ac:picMkLst>
+            <pc:docMk/>
+            <pc:sldMk cId="2117969225" sldId="271"/>
+            <ac:picMk id="6" creationId="{4FAB23B6-5773-62B9-EF9A-E1E0562BE8E1}"/>
+          </ac:picMkLst>
+        </pc:picChg>
+      </pc:sldChg>
+      <pc:sldChg chg="addSp delSp modSp add mod">
+        <pc:chgData name="Ihor Aleksandrov" userId="c3051032-6b87-4db2-b257-777a0106fbd9" providerId="ADAL" clId="{D05EAF56-C8F0-4612-806C-93E1C27F1929}" dt="2024-01-25T10:22:58.698" v="32" actId="1076"/>
+        <pc:sldMkLst>
+          <pc:docMk/>
+          <pc:sldMk cId="1169417950" sldId="272"/>
+        </pc:sldMkLst>
+        <pc:spChg chg="mod">
+          <ac:chgData name="Ihor Aleksandrov" userId="c3051032-6b87-4db2-b257-777a0106fbd9" providerId="ADAL" clId="{D05EAF56-C8F0-4612-806C-93E1C27F1929}" dt="2024-01-25T10:22:37.334" v="27"/>
+          <ac:spMkLst>
+            <pc:docMk/>
+            <pc:sldMk cId="1169417950" sldId="272"/>
+            <ac:spMk id="2" creationId="{53C5D828-9666-E312-B574-9FE965A7D6BE}"/>
+          </ac:spMkLst>
+        </pc:spChg>
+        <pc:picChg chg="add mod">
+          <ac:chgData name="Ihor Aleksandrov" userId="c3051032-6b87-4db2-b257-777a0106fbd9" providerId="ADAL" clId="{D05EAF56-C8F0-4612-806C-93E1C27F1929}" dt="2024-01-25T10:22:58.698" v="32" actId="1076"/>
+          <ac:picMkLst>
+            <pc:docMk/>
+            <pc:sldMk cId="1169417950" sldId="272"/>
+            <ac:picMk id="5" creationId="{2673936C-DF0C-E6AF-ABCB-83A1EB8FE594}"/>
+          </ac:picMkLst>
+        </pc:picChg>
+        <pc:picChg chg="del">
+          <ac:chgData name="Ihor Aleksandrov" userId="c3051032-6b87-4db2-b257-777a0106fbd9" providerId="ADAL" clId="{D05EAF56-C8F0-4612-806C-93E1C27F1929}" dt="2024-01-25T10:22:48.916" v="28" actId="478"/>
+          <ac:picMkLst>
+            <pc:docMk/>
+            <pc:sldMk cId="1169417950" sldId="272"/>
+            <ac:picMk id="6" creationId="{4FAB23B6-5773-62B9-EF9A-E1E0562BE8E1}"/>
+          </ac:picMkLst>
+        </pc:picChg>
+      </pc:sldChg>
+      <pc:sldChg chg="addSp delSp modSp add mod">
+        <pc:chgData name="Ihor Aleksandrov" userId="c3051032-6b87-4db2-b257-777a0106fbd9" providerId="ADAL" clId="{D05EAF56-C8F0-4612-806C-93E1C27F1929}" dt="2024-01-25T10:24:25.717" v="41" actId="1076"/>
+        <pc:sldMkLst>
+          <pc:docMk/>
+          <pc:sldMk cId="22639359" sldId="273"/>
+        </pc:sldMkLst>
+        <pc:spChg chg="mod">
+          <ac:chgData name="Ihor Aleksandrov" userId="c3051032-6b87-4db2-b257-777a0106fbd9" providerId="ADAL" clId="{D05EAF56-C8F0-4612-806C-93E1C27F1929}" dt="2024-01-25T10:24:04.948" v="36"/>
+          <ac:spMkLst>
+            <pc:docMk/>
+            <pc:sldMk cId="22639359" sldId="273"/>
+            <ac:spMk id="2" creationId="{53C5D828-9666-E312-B574-9FE965A7D6BE}"/>
+          </ac:spMkLst>
+        </pc:spChg>
+        <pc:picChg chg="del">
+          <ac:chgData name="Ihor Aleksandrov" userId="c3051032-6b87-4db2-b257-777a0106fbd9" providerId="ADAL" clId="{D05EAF56-C8F0-4612-806C-93E1C27F1929}" dt="2024-01-25T10:24:16.672" v="37" actId="478"/>
+          <ac:picMkLst>
+            <pc:docMk/>
+            <pc:sldMk cId="22639359" sldId="273"/>
+            <ac:picMk id="5" creationId="{2673936C-DF0C-E6AF-ABCB-83A1EB8FE594}"/>
+          </ac:picMkLst>
+        </pc:picChg>
+        <pc:picChg chg="add mod">
+          <ac:chgData name="Ihor Aleksandrov" userId="c3051032-6b87-4db2-b257-777a0106fbd9" providerId="ADAL" clId="{D05EAF56-C8F0-4612-806C-93E1C27F1929}" dt="2024-01-25T10:24:25.717" v="41" actId="1076"/>
+          <ac:picMkLst>
+            <pc:docMk/>
+            <pc:sldMk cId="22639359" sldId="273"/>
+            <ac:picMk id="6" creationId="{F57DB18D-BCA3-CA46-401F-99D6D9BB7754}"/>
+          </ac:picMkLst>
+        </pc:picChg>
+      </pc:sldChg>
+      <pc:sldChg chg="addSp delSp modSp add mod">
+        <pc:chgData name="Ihor Aleksandrov" userId="c3051032-6b87-4db2-b257-777a0106fbd9" providerId="ADAL" clId="{D05EAF56-C8F0-4612-806C-93E1C27F1929}" dt="2024-01-25T10:26:48.038" v="50" actId="1076"/>
+        <pc:sldMkLst>
+          <pc:docMk/>
+          <pc:sldMk cId="2169937468" sldId="274"/>
+        </pc:sldMkLst>
+        <pc:spChg chg="mod">
+          <ac:chgData name="Ihor Aleksandrov" userId="c3051032-6b87-4db2-b257-777a0106fbd9" providerId="ADAL" clId="{D05EAF56-C8F0-4612-806C-93E1C27F1929}" dt="2024-01-25T10:26:26.621" v="45"/>
+          <ac:spMkLst>
+            <pc:docMk/>
+            <pc:sldMk cId="2169937468" sldId="274"/>
+            <ac:spMk id="2" creationId="{53C5D828-9666-E312-B574-9FE965A7D6BE}"/>
+          </ac:spMkLst>
+        </pc:spChg>
+        <pc:picChg chg="add mod">
+          <ac:chgData name="Ihor Aleksandrov" userId="c3051032-6b87-4db2-b257-777a0106fbd9" providerId="ADAL" clId="{D05EAF56-C8F0-4612-806C-93E1C27F1929}" dt="2024-01-25T10:26:48.038" v="50" actId="1076"/>
+          <ac:picMkLst>
+            <pc:docMk/>
+            <pc:sldMk cId="2169937468" sldId="274"/>
+            <ac:picMk id="5" creationId="{9A572A88-7842-99D5-9802-EEA8606516CC}"/>
+          </ac:picMkLst>
+        </pc:picChg>
+        <pc:picChg chg="del">
+          <ac:chgData name="Ihor Aleksandrov" userId="c3051032-6b87-4db2-b257-777a0106fbd9" providerId="ADAL" clId="{D05EAF56-C8F0-4612-806C-93E1C27F1929}" dt="2024-01-25T10:26:41.517" v="48" actId="478"/>
+          <ac:picMkLst>
+            <pc:docMk/>
+            <pc:sldMk cId="2169937468" sldId="274"/>
+            <ac:picMk id="6" creationId="{F57DB18D-BCA3-CA46-401F-99D6D9BB7754}"/>
+          </ac:picMkLst>
+        </pc:picChg>
+      </pc:sldChg>
+      <pc:sldChg chg="addSp delSp modSp add mod">
+        <pc:chgData name="Ihor Aleksandrov" userId="c3051032-6b87-4db2-b257-777a0106fbd9" providerId="ADAL" clId="{D05EAF56-C8F0-4612-806C-93E1C27F1929}" dt="2024-01-25T10:28:26.836" v="62" actId="1076"/>
+        <pc:sldMkLst>
+          <pc:docMk/>
+          <pc:sldMk cId="3976992233" sldId="275"/>
+        </pc:sldMkLst>
+        <pc:spChg chg="mod">
+          <ac:chgData name="Ihor Aleksandrov" userId="c3051032-6b87-4db2-b257-777a0106fbd9" providerId="ADAL" clId="{D05EAF56-C8F0-4612-806C-93E1C27F1929}" dt="2024-01-25T10:28:02.805" v="55" actId="27636"/>
+          <ac:spMkLst>
+            <pc:docMk/>
+            <pc:sldMk cId="3976992233" sldId="275"/>
+            <ac:spMk id="2" creationId="{53C5D828-9666-E312-B574-9FE965A7D6BE}"/>
+          </ac:spMkLst>
+        </pc:spChg>
+        <pc:picChg chg="del">
+          <ac:chgData name="Ihor Aleksandrov" userId="c3051032-6b87-4db2-b257-777a0106fbd9" providerId="ADAL" clId="{D05EAF56-C8F0-4612-806C-93E1C27F1929}" dt="2024-01-25T10:28:04.538" v="56" actId="478"/>
+          <ac:picMkLst>
+            <pc:docMk/>
+            <pc:sldMk cId="3976992233" sldId="275"/>
+            <ac:picMk id="5" creationId="{9A572A88-7842-99D5-9802-EEA8606516CC}"/>
+          </ac:picMkLst>
+        </pc:picChg>
+        <pc:picChg chg="add mod">
+          <ac:chgData name="Ihor Aleksandrov" userId="c3051032-6b87-4db2-b257-777a0106fbd9" providerId="ADAL" clId="{D05EAF56-C8F0-4612-806C-93E1C27F1929}" dt="2024-01-25T10:28:26.836" v="62" actId="1076"/>
+          <ac:picMkLst>
+            <pc:docMk/>
+            <pc:sldMk cId="3976992233" sldId="275"/>
+            <ac:picMk id="6" creationId="{76FE2D85-671A-24B1-C1D7-52F796E16C69}"/>
+          </ac:picMkLst>
+        </pc:picChg>
+      </pc:sldChg>
+      <pc:sldChg chg="addSp delSp modSp add mod ord">
+        <pc:chgData name="Ihor Aleksandrov" userId="c3051032-6b87-4db2-b257-777a0106fbd9" providerId="ADAL" clId="{D05EAF56-C8F0-4612-806C-93E1C27F1929}" dt="2024-01-25T10:48:12.411" v="112"/>
+        <pc:sldMkLst>
+          <pc:docMk/>
+          <pc:sldMk cId="2135561016" sldId="276"/>
+        </pc:sldMkLst>
+        <pc:spChg chg="mod">
+          <ac:chgData name="Ihor Aleksandrov" userId="c3051032-6b87-4db2-b257-777a0106fbd9" providerId="ADAL" clId="{D05EAF56-C8F0-4612-806C-93E1C27F1929}" dt="2024-01-25T10:32:37.109" v="72"/>
+          <ac:spMkLst>
+            <pc:docMk/>
+            <pc:sldMk cId="2135561016" sldId="276"/>
+            <ac:spMk id="2" creationId="{18C18207-A109-5552-1541-0ABBAA316282}"/>
+          </ac:spMkLst>
+        </pc:spChg>
+        <pc:spChg chg="del">
+          <ac:chgData name="Ihor Aleksandrov" userId="c3051032-6b87-4db2-b257-777a0106fbd9" providerId="ADAL" clId="{D05EAF56-C8F0-4612-806C-93E1C27F1929}" dt="2024-01-25T10:46:20.989" v="100" actId="478"/>
+          <ac:spMkLst>
+            <pc:docMk/>
+            <pc:sldMk cId="2135561016" sldId="276"/>
+            <ac:spMk id="3" creationId="{3473E1D3-7401-AD94-5C7A-49912FA8005A}"/>
+          </ac:spMkLst>
+        </pc:spChg>
+        <pc:picChg chg="add mod">
+          <ac:chgData name="Ihor Aleksandrov" userId="c3051032-6b87-4db2-b257-777a0106fbd9" providerId="ADAL" clId="{D05EAF56-C8F0-4612-806C-93E1C27F1929}" dt="2024-01-25T10:48:12.411" v="112"/>
+          <ac:picMkLst>
+            <pc:docMk/>
+            <pc:sldMk cId="2135561016" sldId="276"/>
+            <ac:picMk id="6" creationId="{BA86DDBB-D80D-1005-2EB0-33056830C288}"/>
+          </ac:picMkLst>
+        </pc:picChg>
+      </pc:sldChg>
+      <pc:sldChg chg="addSp delSp modSp add mod ord">
+        <pc:chgData name="Ihor Aleksandrov" userId="c3051032-6b87-4db2-b257-777a0106fbd9" providerId="ADAL" clId="{D05EAF56-C8F0-4612-806C-93E1C27F1929}" dt="2024-01-25T10:35:32.671" v="88" actId="1076"/>
+        <pc:sldMkLst>
+          <pc:docMk/>
+          <pc:sldMk cId="3216895555" sldId="277"/>
+        </pc:sldMkLst>
+        <pc:spChg chg="mod">
+          <ac:chgData name="Ihor Aleksandrov" userId="c3051032-6b87-4db2-b257-777a0106fbd9" providerId="ADAL" clId="{D05EAF56-C8F0-4612-806C-93E1C27F1929}" dt="2024-01-25T10:34:55.016" v="80" actId="27636"/>
+          <ac:spMkLst>
+            <pc:docMk/>
+            <pc:sldMk cId="3216895555" sldId="277"/>
+            <ac:spMk id="2" creationId="{53C5D828-9666-E312-B574-9FE965A7D6BE}"/>
+          </ac:spMkLst>
+        </pc:spChg>
+        <pc:picChg chg="add mod">
+          <ac:chgData name="Ihor Aleksandrov" userId="c3051032-6b87-4db2-b257-777a0106fbd9" providerId="ADAL" clId="{D05EAF56-C8F0-4612-806C-93E1C27F1929}" dt="2024-01-25T10:35:32.671" v="88" actId="1076"/>
+          <ac:picMkLst>
+            <pc:docMk/>
+            <pc:sldMk cId="3216895555" sldId="277"/>
+            <ac:picMk id="5" creationId="{523B5826-3FED-E033-7A50-454B720EF960}"/>
+          </ac:picMkLst>
+        </pc:picChg>
+        <pc:picChg chg="del">
+          <ac:chgData name="Ihor Aleksandrov" userId="c3051032-6b87-4db2-b257-777a0106fbd9" providerId="ADAL" clId="{D05EAF56-C8F0-4612-806C-93E1C27F1929}" dt="2024-01-25T10:35:17.826" v="82" actId="478"/>
+          <ac:picMkLst>
+            <pc:docMk/>
+            <pc:sldMk cId="3216895555" sldId="277"/>
+            <ac:picMk id="6" creationId="{76FE2D85-671A-24B1-C1D7-52F796E16C69}"/>
+          </ac:picMkLst>
+        </pc:picChg>
+      </pc:sldChg>
+      <pc:sldChg chg="addSp delSp modSp add mod">
+        <pc:chgData name="Ihor Aleksandrov" userId="c3051032-6b87-4db2-b257-777a0106fbd9" providerId="ADAL" clId="{D05EAF56-C8F0-4612-806C-93E1C27F1929}" dt="2024-01-25T10:43:44.832" v="99" actId="1076"/>
+        <pc:sldMkLst>
+          <pc:docMk/>
+          <pc:sldMk cId="1506611494" sldId="278"/>
+        </pc:sldMkLst>
+        <pc:spChg chg="mod">
+          <ac:chgData name="Ihor Aleksandrov" userId="c3051032-6b87-4db2-b257-777a0106fbd9" providerId="ADAL" clId="{D05EAF56-C8F0-4612-806C-93E1C27F1929}" dt="2024-01-25T10:40:14.102" v="94"/>
+          <ac:spMkLst>
+            <pc:docMk/>
+            <pc:sldMk cId="1506611494" sldId="278"/>
+            <ac:spMk id="2" creationId="{53C5D828-9666-E312-B574-9FE965A7D6BE}"/>
+          </ac:spMkLst>
+        </pc:spChg>
+        <pc:picChg chg="del">
+          <ac:chgData name="Ihor Aleksandrov" userId="c3051032-6b87-4db2-b257-777a0106fbd9" providerId="ADAL" clId="{D05EAF56-C8F0-4612-806C-93E1C27F1929}" dt="2024-01-25T10:43:36.501" v="95" actId="478"/>
+          <ac:picMkLst>
+            <pc:docMk/>
+            <pc:sldMk cId="1506611494" sldId="278"/>
+            <ac:picMk id="5" creationId="{523B5826-3FED-E033-7A50-454B720EF960}"/>
+          </ac:picMkLst>
+        </pc:picChg>
+        <pc:picChg chg="add mod">
+          <ac:chgData name="Ihor Aleksandrov" userId="c3051032-6b87-4db2-b257-777a0106fbd9" providerId="ADAL" clId="{D05EAF56-C8F0-4612-806C-93E1C27F1929}" dt="2024-01-25T10:43:44.832" v="99" actId="1076"/>
+          <ac:picMkLst>
+            <pc:docMk/>
+            <pc:sldMk cId="1506611494" sldId="278"/>
+            <ac:picMk id="6" creationId="{F7B4799B-BEB4-BC82-1CD6-CE4E3725E9A6}"/>
+          </ac:picMkLst>
+        </pc:picChg>
+      </pc:sldChg>
+      <pc:sldChg chg="addSp delSp modSp add mod">
+        <pc:chgData name="Ihor Aleksandrov" userId="c3051032-6b87-4db2-b257-777a0106fbd9" providerId="ADAL" clId="{D05EAF56-C8F0-4612-806C-93E1C27F1929}" dt="2024-01-25T10:49:48.310" v="120"/>
+        <pc:sldMkLst>
+          <pc:docMk/>
+          <pc:sldMk cId="3864832451" sldId="279"/>
+        </pc:sldMkLst>
+        <pc:spChg chg="mod">
+          <ac:chgData name="Ihor Aleksandrov" userId="c3051032-6b87-4db2-b257-777a0106fbd9" providerId="ADAL" clId="{D05EAF56-C8F0-4612-806C-93E1C27F1929}" dt="2024-01-25T10:49:48.310" v="120"/>
+          <ac:spMkLst>
+            <pc:docMk/>
+            <pc:sldMk cId="3864832451" sldId="279"/>
+            <ac:spMk id="2" creationId="{53C5D828-9666-E312-B574-9FE965A7D6BE}"/>
+          </ac:spMkLst>
+        </pc:spChg>
+        <pc:picChg chg="add mod">
+          <ac:chgData name="Ihor Aleksandrov" userId="c3051032-6b87-4db2-b257-777a0106fbd9" providerId="ADAL" clId="{D05EAF56-C8F0-4612-806C-93E1C27F1929}" dt="2024-01-25T10:49:09.073" v="117" actId="1076"/>
+          <ac:picMkLst>
+            <pc:docMk/>
+            <pc:sldMk cId="3864832451" sldId="279"/>
+            <ac:picMk id="5" creationId="{C7472C97-E950-C6C2-19AE-07ECFA5C4C69}"/>
+          </ac:picMkLst>
+        </pc:picChg>
+        <pc:picChg chg="del">
+          <ac:chgData name="Ihor Aleksandrov" userId="c3051032-6b87-4db2-b257-777a0106fbd9" providerId="ADAL" clId="{D05EAF56-C8F0-4612-806C-93E1C27F1929}" dt="2024-01-25T10:48:53.887" v="114" actId="478"/>
+          <ac:picMkLst>
+            <pc:docMk/>
+            <pc:sldMk cId="3864832451" sldId="279"/>
+            <ac:picMk id="6" creationId="{F7B4799B-BEB4-BC82-1CD6-CE4E3725E9A6}"/>
+          </ac:picMkLst>
+        </pc:picChg>
+      </pc:sldChg>
+      <pc:sldChg chg="addSp delSp modSp add mod">
+        <pc:chgData name="Ihor Aleksandrov" userId="c3051032-6b87-4db2-b257-777a0106fbd9" providerId="ADAL" clId="{D05EAF56-C8F0-4612-806C-93E1C27F1929}" dt="2024-01-25T10:51:39.984" v="127" actId="1076"/>
+        <pc:sldMkLst>
+          <pc:docMk/>
+          <pc:sldMk cId="2194478224" sldId="280"/>
+        </pc:sldMkLst>
+        <pc:spChg chg="mod">
+          <ac:chgData name="Ihor Aleksandrov" userId="c3051032-6b87-4db2-b257-777a0106fbd9" providerId="ADAL" clId="{D05EAF56-C8F0-4612-806C-93E1C27F1929}" dt="2024-01-25T10:51:25.127" v="124"/>
+          <ac:spMkLst>
+            <pc:docMk/>
+            <pc:sldMk cId="2194478224" sldId="280"/>
+            <ac:spMk id="2" creationId="{53C5D828-9666-E312-B574-9FE965A7D6BE}"/>
+          </ac:spMkLst>
+        </pc:spChg>
+        <pc:picChg chg="add mod">
+          <ac:chgData name="Ihor Aleksandrov" userId="c3051032-6b87-4db2-b257-777a0106fbd9" providerId="ADAL" clId="{D05EAF56-C8F0-4612-806C-93E1C27F1929}" dt="2024-01-25T10:51:39.984" v="127" actId="1076"/>
+          <ac:picMkLst>
+            <pc:docMk/>
+            <pc:sldMk cId="2194478224" sldId="280"/>
+            <ac:picMk id="4" creationId="{8F2E114A-EFDE-8D45-E482-1B0918ACBF79}"/>
+          </ac:picMkLst>
+        </pc:picChg>
+        <pc:picChg chg="del">
+          <ac:chgData name="Ihor Aleksandrov" userId="c3051032-6b87-4db2-b257-777a0106fbd9" providerId="ADAL" clId="{D05EAF56-C8F0-4612-806C-93E1C27F1929}" dt="2024-01-25T10:51:26.612" v="125" actId="478"/>
+          <ac:picMkLst>
+            <pc:docMk/>
+            <pc:sldMk cId="2194478224" sldId="280"/>
+            <ac:picMk id="5" creationId="{C7472C97-E950-C6C2-19AE-07ECFA5C4C69}"/>
+          </ac:picMkLst>
+        </pc:picChg>
+      </pc:sldChg>
+      <pc:sldChg chg="delSp modSp add mod ord">
+        <pc:chgData name="Ihor Aleksandrov" userId="c3051032-6b87-4db2-b257-777a0106fbd9" providerId="ADAL" clId="{D05EAF56-C8F0-4612-806C-93E1C27F1929}" dt="2024-01-25T10:53:57.961" v="142" actId="20577"/>
+        <pc:sldMkLst>
+          <pc:docMk/>
+          <pc:sldMk cId="2205366352" sldId="281"/>
+        </pc:sldMkLst>
+        <pc:spChg chg="mod">
+          <ac:chgData name="Ihor Aleksandrov" userId="c3051032-6b87-4db2-b257-777a0106fbd9" providerId="ADAL" clId="{D05EAF56-C8F0-4612-806C-93E1C27F1929}" dt="2024-01-25T10:53:57.961" v="142" actId="20577"/>
+          <ac:spMkLst>
+            <pc:docMk/>
+            <pc:sldMk cId="2205366352" sldId="281"/>
+            <ac:spMk id="2" creationId="{18C18207-A109-5552-1541-0ABBAA316282}"/>
+          </ac:spMkLst>
+        </pc:spChg>
+        <pc:picChg chg="del">
+          <ac:chgData name="Ihor Aleksandrov" userId="c3051032-6b87-4db2-b257-777a0106fbd9" providerId="ADAL" clId="{D05EAF56-C8F0-4612-806C-93E1C27F1929}" dt="2024-01-25T10:53:50.795" v="134" actId="478"/>
+          <ac:picMkLst>
+            <pc:docMk/>
+            <pc:sldMk cId="2205366352" sldId="281"/>
+            <ac:picMk id="6" creationId="{BA86DDBB-D80D-1005-2EB0-33056830C288}"/>
+          </ac:picMkLst>
+        </pc:picChg>
+      </pc:sldChg>
+      <pc:sldChg chg="delSp add del setBg delDesignElem">
+        <pc:chgData name="Ihor Aleksandrov" userId="c3051032-6b87-4db2-b257-777a0106fbd9" providerId="ADAL" clId="{D05EAF56-C8F0-4612-806C-93E1C27F1929}" dt="2024-01-25T10:53:38.779" v="130" actId="47"/>
+        <pc:sldMkLst>
+          <pc:docMk/>
+          <pc:sldMk cId="2518075034" sldId="281"/>
+        </pc:sldMkLst>
+        <pc:spChg chg="del">
+          <ac:chgData name="Ihor Aleksandrov" userId="c3051032-6b87-4db2-b257-777a0106fbd9" providerId="ADAL" clId="{D05EAF56-C8F0-4612-806C-93E1C27F1929}" dt="2024-01-25T10:53:27.044" v="129"/>
+          <ac:spMkLst>
+            <pc:docMk/>
+            <pc:sldMk cId="2518075034" sldId="281"/>
+            <ac:spMk id="9" creationId="{C3896A03-3945-419A-B66B-4EE266EDD152}"/>
+          </ac:spMkLst>
+        </pc:spChg>
+        <pc:spChg chg="del">
+          <ac:chgData name="Ihor Aleksandrov" userId="c3051032-6b87-4db2-b257-777a0106fbd9" providerId="ADAL" clId="{D05EAF56-C8F0-4612-806C-93E1C27F1929}" dt="2024-01-25T10:53:27.044" v="129"/>
+          <ac:spMkLst>
+            <pc:docMk/>
+            <pc:sldMk cId="2518075034" sldId="281"/>
+            <ac:spMk id="11" creationId="{B34F5AD2-EDBD-4BBD-A55C-EAFFD0C7097A}"/>
+          </ac:spMkLst>
+        </pc:spChg>
+      </pc:sldChg>
+      <pc:sldChg chg="modSp add mod ord">
+        <pc:chgData name="Ihor Aleksandrov" userId="c3051032-6b87-4db2-b257-777a0106fbd9" providerId="ADAL" clId="{D05EAF56-C8F0-4612-806C-93E1C27F1929}" dt="2024-01-25T10:55:39.680" v="152" actId="20577"/>
+        <pc:sldMkLst>
+          <pc:docMk/>
+          <pc:sldMk cId="2028152352" sldId="282"/>
+        </pc:sldMkLst>
+        <pc:spChg chg="mod">
+          <ac:chgData name="Ihor Aleksandrov" userId="c3051032-6b87-4db2-b257-777a0106fbd9" providerId="ADAL" clId="{D05EAF56-C8F0-4612-806C-93E1C27F1929}" dt="2024-01-25T10:55:39.680" v="152" actId="20577"/>
+          <ac:spMkLst>
+            <pc:docMk/>
+            <pc:sldMk cId="2028152352" sldId="282"/>
+            <ac:spMk id="2" creationId="{18C18207-A109-5552-1541-0ABBAA316282}"/>
+          </ac:spMkLst>
+        </pc:spChg>
+      </pc:sldChg>
+      <pc:sldChg chg="modSp add mod ord">
+        <pc:chgData name="Ihor Aleksandrov" userId="c3051032-6b87-4db2-b257-777a0106fbd9" providerId="ADAL" clId="{D05EAF56-C8F0-4612-806C-93E1C27F1929}" dt="2024-01-25T11:01:05.747" v="171"/>
+        <pc:sldMkLst>
+          <pc:docMk/>
+          <pc:sldMk cId="2433051637" sldId="283"/>
+        </pc:sldMkLst>
+        <pc:spChg chg="mod">
+          <ac:chgData name="Ihor Aleksandrov" userId="c3051032-6b87-4db2-b257-777a0106fbd9" providerId="ADAL" clId="{D05EAF56-C8F0-4612-806C-93E1C27F1929}" dt="2024-01-25T11:01:05.747" v="171"/>
+          <ac:spMkLst>
+            <pc:docMk/>
+            <pc:sldMk cId="2433051637" sldId="283"/>
+            <ac:spMk id="2" creationId="{53C5D828-9666-E312-B574-9FE965A7D6BE}"/>
+          </ac:spMkLst>
+        </pc:spChg>
+      </pc:sldChg>
+      <pc:sldChg chg="addSp delSp modSp add mod">
+        <pc:chgData name="Ihor Aleksandrov" userId="c3051032-6b87-4db2-b257-777a0106fbd9" providerId="ADAL" clId="{D05EAF56-C8F0-4612-806C-93E1C27F1929}" dt="2024-01-25T11:22:22.700" v="219" actId="14100"/>
+        <pc:sldMkLst>
+          <pc:docMk/>
+          <pc:sldMk cId="2869825701" sldId="284"/>
+        </pc:sldMkLst>
+        <pc:spChg chg="mod">
+          <ac:chgData name="Ihor Aleksandrov" userId="c3051032-6b87-4db2-b257-777a0106fbd9" providerId="ADAL" clId="{D05EAF56-C8F0-4612-806C-93E1C27F1929}" dt="2024-01-25T11:01:51.992" v="175"/>
+          <ac:spMkLst>
+            <pc:docMk/>
+            <pc:sldMk cId="2869825701" sldId="284"/>
+            <ac:spMk id="2" creationId="{53C5D828-9666-E312-B574-9FE965A7D6BE}"/>
+          </ac:spMkLst>
+        </pc:spChg>
+        <pc:spChg chg="del">
+          <ac:chgData name="Ihor Aleksandrov" userId="c3051032-6b87-4db2-b257-777a0106fbd9" providerId="ADAL" clId="{D05EAF56-C8F0-4612-806C-93E1C27F1929}" dt="2024-01-25T11:22:01.808" v="214" actId="478"/>
+          <ac:spMkLst>
+            <pc:docMk/>
+            <pc:sldMk cId="2869825701" sldId="284"/>
+            <ac:spMk id="6" creationId="{E04F08BD-B70E-B1A8-7328-EE29B18E4AA1}"/>
+          </ac:spMkLst>
+        </pc:spChg>
+        <pc:picChg chg="add mod">
+          <ac:chgData name="Ihor Aleksandrov" userId="c3051032-6b87-4db2-b257-777a0106fbd9" providerId="ADAL" clId="{D05EAF56-C8F0-4612-806C-93E1C27F1929}" dt="2024-01-25T11:22:22.700" v="219" actId="14100"/>
+          <ac:picMkLst>
+            <pc:docMk/>
+            <pc:sldMk cId="2869825701" sldId="284"/>
+            <ac:picMk id="5" creationId="{0885AC12-A488-3762-3217-E1B0319D46AD}"/>
+          </ac:picMkLst>
+        </pc:picChg>
+      </pc:sldChg>
+      <pc:sldChg chg="addSp delSp add del setBg delDesignElem">
+        <pc:chgData name="Ihor Aleksandrov" userId="c3051032-6b87-4db2-b257-777a0106fbd9" providerId="ADAL" clId="{D05EAF56-C8F0-4612-806C-93E1C27F1929}" dt="2024-01-25T11:00:55.998" v="168"/>
+        <pc:sldMkLst>
+          <pc:docMk/>
+          <pc:sldMk cId="3157685417" sldId="284"/>
+        </pc:sldMkLst>
+        <pc:spChg chg="add del">
+          <ac:chgData name="Ihor Aleksandrov" userId="c3051032-6b87-4db2-b257-777a0106fbd9" providerId="ADAL" clId="{D05EAF56-C8F0-4612-806C-93E1C27F1929}" dt="2024-01-25T11:00:55.998" v="168"/>
+          <ac:spMkLst>
+            <pc:docMk/>
+            <pc:sldMk cId="3157685417" sldId="284"/>
+            <ac:spMk id="9" creationId="{D4771268-CB57-404A-9271-370EB28F6090}"/>
+          </ac:spMkLst>
+        </pc:spChg>
+      </pc:sldChg>
+      <pc:sldChg chg="addSp delSp modSp add mod">
+        <pc:chgData name="Ihor Aleksandrov" userId="c3051032-6b87-4db2-b257-777a0106fbd9" providerId="ADAL" clId="{D05EAF56-C8F0-4612-806C-93E1C27F1929}" dt="2024-01-25T11:03:48.850" v="202" actId="1036"/>
+        <pc:sldMkLst>
+          <pc:docMk/>
+          <pc:sldMk cId="856240837" sldId="285"/>
+        </pc:sldMkLst>
+        <pc:spChg chg="mod">
+          <ac:chgData name="Ihor Aleksandrov" userId="c3051032-6b87-4db2-b257-777a0106fbd9" providerId="ADAL" clId="{D05EAF56-C8F0-4612-806C-93E1C27F1929}" dt="2024-01-25T11:03:18.596" v="177"/>
+          <ac:spMkLst>
+            <pc:docMk/>
+            <pc:sldMk cId="856240837" sldId="285"/>
+            <ac:spMk id="2" creationId="{53C5D828-9666-E312-B574-9FE965A7D6BE}"/>
+          </ac:spMkLst>
+        </pc:spChg>
+        <pc:spChg chg="del">
+          <ac:chgData name="Ihor Aleksandrov" userId="c3051032-6b87-4db2-b257-777a0106fbd9" providerId="ADAL" clId="{D05EAF56-C8F0-4612-806C-93E1C27F1929}" dt="2024-01-25T11:03:21.592" v="178" actId="478"/>
+          <ac:spMkLst>
+            <pc:docMk/>
+            <pc:sldMk cId="856240837" sldId="285"/>
+            <ac:spMk id="6" creationId="{E04F08BD-B70E-B1A8-7328-EE29B18E4AA1}"/>
+          </ac:spMkLst>
+        </pc:spChg>
+        <pc:picChg chg="add mod">
+          <ac:chgData name="Ihor Aleksandrov" userId="c3051032-6b87-4db2-b257-777a0106fbd9" providerId="ADAL" clId="{D05EAF56-C8F0-4612-806C-93E1C27F1929}" dt="2024-01-25T11:03:48.850" v="202" actId="1036"/>
+          <ac:picMkLst>
+            <pc:docMk/>
+            <pc:sldMk cId="856240837" sldId="285"/>
+            <ac:picMk id="4" creationId="{A8C20435-8FF0-1341-85C4-558E352F27E5}"/>
+          </ac:picMkLst>
+        </pc:picChg>
+      </pc:sldChg>
+      <pc:sldChg chg="modSp add mod ord">
+        <pc:chgData name="Ihor Aleksandrov" userId="c3051032-6b87-4db2-b257-777a0106fbd9" providerId="ADAL" clId="{D05EAF56-C8F0-4612-806C-93E1C27F1929}" dt="2024-01-25T11:10:32.927" v="210"/>
+        <pc:sldMkLst>
+          <pc:docMk/>
+          <pc:sldMk cId="1586376586" sldId="286"/>
+        </pc:sldMkLst>
+        <pc:spChg chg="mod">
+          <ac:chgData name="Ihor Aleksandrov" userId="c3051032-6b87-4db2-b257-777a0106fbd9" providerId="ADAL" clId="{D05EAF56-C8F0-4612-806C-93E1C27F1929}" dt="2024-01-25T11:10:32.927" v="210"/>
+          <ac:spMkLst>
+            <pc:docMk/>
+            <pc:sldMk cId="1586376586" sldId="286"/>
+            <ac:spMk id="2" creationId="{53C5D828-9666-E312-B574-9FE965A7D6BE}"/>
+          </ac:spMkLst>
+        </pc:spChg>
+      </pc:sldChg>
+      <pc:sldChg chg="add del">
+        <pc:chgData name="Ihor Aleksandrov" userId="c3051032-6b87-4db2-b257-777a0106fbd9" providerId="ADAL" clId="{D05EAF56-C8F0-4612-806C-93E1C27F1929}" dt="2024-01-25T11:10:15.704" v="204" actId="2696"/>
+        <pc:sldMkLst>
+          <pc:docMk/>
+          <pc:sldMk cId="2392975250" sldId="286"/>
+        </pc:sldMkLst>
+      </pc:sldChg>
+      <pc:sldChg chg="modSp add mod ord">
+        <pc:chgData name="Ihor Aleksandrov" userId="c3051032-6b87-4db2-b257-777a0106fbd9" providerId="ADAL" clId="{D05EAF56-C8F0-4612-806C-93E1C27F1929}" dt="2024-01-25T11:27:00.546" v="224" actId="20577"/>
+        <pc:sldMkLst>
+          <pc:docMk/>
+          <pc:sldMk cId="2004498921" sldId="287"/>
+        </pc:sldMkLst>
+        <pc:spChg chg="mod">
+          <ac:chgData name="Ihor Aleksandrov" userId="c3051032-6b87-4db2-b257-777a0106fbd9" providerId="ADAL" clId="{D05EAF56-C8F0-4612-806C-93E1C27F1929}" dt="2024-01-25T11:27:00.546" v="224" actId="20577"/>
+          <ac:spMkLst>
+            <pc:docMk/>
+            <pc:sldMk cId="2004498921" sldId="287"/>
+            <ac:spMk id="2" creationId="{18C18207-A109-5552-1541-0ABBAA316282}"/>
+          </ac:spMkLst>
+        </pc:spChg>
+      </pc:sldChg>
+      <pc:sldChg chg="addSp delSp modSp add mod ord">
+        <pc:chgData name="Ihor Aleksandrov" userId="c3051032-6b87-4db2-b257-777a0106fbd9" providerId="ADAL" clId="{D05EAF56-C8F0-4612-806C-93E1C27F1929}" dt="2024-01-25T11:28:34.816" v="233" actId="1076"/>
+        <pc:sldMkLst>
+          <pc:docMk/>
+          <pc:sldMk cId="156474206" sldId="288"/>
+        </pc:sldMkLst>
+        <pc:spChg chg="mod">
+          <ac:chgData name="Ihor Aleksandrov" userId="c3051032-6b87-4db2-b257-777a0106fbd9" providerId="ADAL" clId="{D05EAF56-C8F0-4612-806C-93E1C27F1929}" dt="2024-01-25T11:28:25.547" v="230"/>
+          <ac:spMkLst>
+            <pc:docMk/>
+            <pc:sldMk cId="156474206" sldId="288"/>
+            <ac:spMk id="2" creationId="{53C5D828-9666-E312-B574-9FE965A7D6BE}"/>
+          </ac:spMkLst>
+        </pc:spChg>
+        <pc:spChg chg="del">
+          <ac:chgData name="Ihor Aleksandrov" userId="c3051032-6b87-4db2-b257-777a0106fbd9" providerId="ADAL" clId="{D05EAF56-C8F0-4612-806C-93E1C27F1929}" dt="2024-01-25T11:28:27.105" v="231" actId="478"/>
+          <ac:spMkLst>
+            <pc:docMk/>
+            <pc:sldMk cId="156474206" sldId="288"/>
+            <ac:spMk id="6" creationId="{E04F08BD-B70E-B1A8-7328-EE29B18E4AA1}"/>
+          </ac:spMkLst>
+        </pc:spChg>
+        <pc:picChg chg="add mod">
+          <ac:chgData name="Ihor Aleksandrov" userId="c3051032-6b87-4db2-b257-777a0106fbd9" providerId="ADAL" clId="{D05EAF56-C8F0-4612-806C-93E1C27F1929}" dt="2024-01-25T11:28:34.816" v="233" actId="1076"/>
+          <ac:picMkLst>
+            <pc:docMk/>
+            <pc:sldMk cId="156474206" sldId="288"/>
+            <ac:picMk id="4" creationId="{0D7416A8-5E31-A6F5-922C-BB434A29C3EE}"/>
+          </ac:picMkLst>
+        </pc:picChg>
+      </pc:sldChg>
+      <pc:sldChg chg="modSp add mod ord">
+        <pc:chgData name="Ihor Aleksandrov" userId="c3051032-6b87-4db2-b257-777a0106fbd9" providerId="ADAL" clId="{D05EAF56-C8F0-4612-806C-93E1C27F1929}" dt="2024-01-25T11:29:51.583" v="244"/>
+        <pc:sldMkLst>
+          <pc:docMk/>
+          <pc:sldMk cId="2551930029" sldId="289"/>
+        </pc:sldMkLst>
+        <pc:spChg chg="mod">
+          <ac:chgData name="Ihor Aleksandrov" userId="c3051032-6b87-4db2-b257-777a0106fbd9" providerId="ADAL" clId="{D05EAF56-C8F0-4612-806C-93E1C27F1929}" dt="2024-01-25T11:29:47.752" v="242" actId="20577"/>
+          <ac:spMkLst>
+            <pc:docMk/>
+            <pc:sldMk cId="2551930029" sldId="289"/>
+            <ac:spMk id="2" creationId="{18C18207-A109-5552-1541-0ABBAA316282}"/>
+          </ac:spMkLst>
+        </pc:spChg>
+      </pc:sldChg>
+      <pc:sldChg chg="addSp delSp modSp add mod ord">
+        <pc:chgData name="Ihor Aleksandrov" userId="c3051032-6b87-4db2-b257-777a0106fbd9" providerId="ADAL" clId="{D05EAF56-C8F0-4612-806C-93E1C27F1929}" dt="2024-01-25T11:49:38.267" v="257" actId="1076"/>
+        <pc:sldMkLst>
+          <pc:docMk/>
+          <pc:sldMk cId="1939738048" sldId="290"/>
+        </pc:sldMkLst>
+        <pc:spChg chg="mod">
+          <ac:chgData name="Ihor Aleksandrov" userId="c3051032-6b87-4db2-b257-777a0106fbd9" providerId="ADAL" clId="{D05EAF56-C8F0-4612-806C-93E1C27F1929}" dt="2024-01-25T11:49:07.853" v="250"/>
+          <ac:spMkLst>
+            <pc:docMk/>
+            <pc:sldMk cId="1939738048" sldId="290"/>
+            <ac:spMk id="2" creationId="{53C5D828-9666-E312-B574-9FE965A7D6BE}"/>
+          </ac:spMkLst>
+        </pc:spChg>
+        <pc:spChg chg="del">
+          <ac:chgData name="Ihor Aleksandrov" userId="c3051032-6b87-4db2-b257-777a0106fbd9" providerId="ADAL" clId="{D05EAF56-C8F0-4612-806C-93E1C27F1929}" dt="2024-01-25T11:49:20.582" v="251" actId="478"/>
+          <ac:spMkLst>
+            <pc:docMk/>
+            <pc:sldMk cId="1939738048" sldId="290"/>
+            <ac:spMk id="6" creationId="{E04F08BD-B70E-B1A8-7328-EE29B18E4AA1}"/>
+          </ac:spMkLst>
+        </pc:spChg>
+        <pc:picChg chg="add mod">
+          <ac:chgData name="Ihor Aleksandrov" userId="c3051032-6b87-4db2-b257-777a0106fbd9" providerId="ADAL" clId="{D05EAF56-C8F0-4612-806C-93E1C27F1929}" dt="2024-01-25T11:49:38.267" v="257" actId="1076"/>
+          <ac:picMkLst>
+            <pc:docMk/>
+            <pc:sldMk cId="1939738048" sldId="290"/>
+            <ac:picMk id="4" creationId="{49B21785-1E7E-8457-4FBF-E3FC2CCADD04}"/>
+          </ac:picMkLst>
+        </pc:picChg>
+      </pc:sldChg>
+      <pc:sldChg chg="modSp add mod ord">
+        <pc:chgData name="Ihor Aleksandrov" userId="c3051032-6b87-4db2-b257-777a0106fbd9" providerId="ADAL" clId="{D05EAF56-C8F0-4612-806C-93E1C27F1929}" dt="2024-01-25T11:51:45.959" v="263"/>
+        <pc:sldMkLst>
+          <pc:docMk/>
+          <pc:sldMk cId="1018496090" sldId="291"/>
+        </pc:sldMkLst>
+        <pc:spChg chg="mod">
+          <ac:chgData name="Ihor Aleksandrov" userId="c3051032-6b87-4db2-b257-777a0106fbd9" providerId="ADAL" clId="{D05EAF56-C8F0-4612-806C-93E1C27F1929}" dt="2024-01-25T11:51:45.959" v="263"/>
+          <ac:spMkLst>
+            <pc:docMk/>
+            <pc:sldMk cId="1018496090" sldId="291"/>
+            <ac:spMk id="2" creationId="{53C5D828-9666-E312-B574-9FE965A7D6BE}"/>
+          </ac:spMkLst>
+        </pc:spChg>
+      </pc:sldChg>
+      <pc:sldChg chg="modSp add mod">
+        <pc:chgData name="Ihor Aleksandrov" userId="c3051032-6b87-4db2-b257-777a0106fbd9" providerId="ADAL" clId="{D05EAF56-C8F0-4612-806C-93E1C27F1929}" dt="2024-01-25T11:53:09.928" v="267"/>
+        <pc:sldMkLst>
+          <pc:docMk/>
+          <pc:sldMk cId="2128635244" sldId="292"/>
+        </pc:sldMkLst>
+        <pc:spChg chg="mod">
+          <ac:chgData name="Ihor Aleksandrov" userId="c3051032-6b87-4db2-b257-777a0106fbd9" providerId="ADAL" clId="{D05EAF56-C8F0-4612-806C-93E1C27F1929}" dt="2024-01-25T11:53:09.928" v="267"/>
+          <ac:spMkLst>
+            <pc:docMk/>
+            <pc:sldMk cId="2128635244" sldId="292"/>
+            <ac:spMk id="2" creationId="{53C5D828-9666-E312-B574-9FE965A7D6BE}"/>
+          </ac:spMkLst>
+        </pc:spChg>
+      </pc:sldChg>
+      <pc:sldChg chg="addSp delSp modSp add mod">
+        <pc:chgData name="Ihor Aleksandrov" userId="c3051032-6b87-4db2-b257-777a0106fbd9" providerId="ADAL" clId="{D05EAF56-C8F0-4612-806C-93E1C27F1929}" dt="2024-01-25T11:55:41.171" v="279" actId="1076"/>
+        <pc:sldMkLst>
+          <pc:docMk/>
+          <pc:sldMk cId="2059493005" sldId="293"/>
+        </pc:sldMkLst>
+        <pc:spChg chg="mod">
+          <ac:chgData name="Ihor Aleksandrov" userId="c3051032-6b87-4db2-b257-777a0106fbd9" providerId="ADAL" clId="{D05EAF56-C8F0-4612-806C-93E1C27F1929}" dt="2024-01-25T11:55:19.618" v="271"/>
+          <ac:spMkLst>
+            <pc:docMk/>
+            <pc:sldMk cId="2059493005" sldId="293"/>
+            <ac:spMk id="2" creationId="{53C5D828-9666-E312-B574-9FE965A7D6BE}"/>
+          </ac:spMkLst>
+        </pc:spChg>
+        <pc:spChg chg="del">
+          <ac:chgData name="Ihor Aleksandrov" userId="c3051032-6b87-4db2-b257-777a0106fbd9" providerId="ADAL" clId="{D05EAF56-C8F0-4612-806C-93E1C27F1929}" dt="2024-01-25T11:55:21.950" v="272" actId="478"/>
+          <ac:spMkLst>
+            <pc:docMk/>
+            <pc:sldMk cId="2059493005" sldId="293"/>
+            <ac:spMk id="6" creationId="{E04F08BD-B70E-B1A8-7328-EE29B18E4AA1}"/>
+          </ac:spMkLst>
+        </pc:spChg>
+        <pc:picChg chg="add mod">
+          <ac:chgData name="Ihor Aleksandrov" userId="c3051032-6b87-4db2-b257-777a0106fbd9" providerId="ADAL" clId="{D05EAF56-C8F0-4612-806C-93E1C27F1929}" dt="2024-01-25T11:55:41.171" v="279" actId="1076"/>
+          <ac:picMkLst>
+            <pc:docMk/>
+            <pc:sldMk cId="2059493005" sldId="293"/>
+            <ac:picMk id="4" creationId="{B4989CAB-F181-BB13-C3CC-7303FC972C04}"/>
+          </ac:picMkLst>
+        </pc:picChg>
+      </pc:sldChg>
+      <pc:sldChg chg="addSp delSp modSp add mod">
+        <pc:chgData name="Ihor Aleksandrov" userId="c3051032-6b87-4db2-b257-777a0106fbd9" providerId="ADAL" clId="{D05EAF56-C8F0-4612-806C-93E1C27F1929}" dt="2024-01-25T11:57:16.812" v="286" actId="1076"/>
+        <pc:sldMkLst>
+          <pc:docMk/>
+          <pc:sldMk cId="1734173143" sldId="294"/>
+        </pc:sldMkLst>
+        <pc:spChg chg="mod">
+          <ac:chgData name="Ihor Aleksandrov" userId="c3051032-6b87-4db2-b257-777a0106fbd9" providerId="ADAL" clId="{D05EAF56-C8F0-4612-806C-93E1C27F1929}" dt="2024-01-25T11:56:59.706" v="281"/>
+          <ac:spMkLst>
+            <pc:docMk/>
+            <pc:sldMk cId="1734173143" sldId="294"/>
+            <ac:spMk id="2" creationId="{53C5D828-9666-E312-B574-9FE965A7D6BE}"/>
+          </ac:spMkLst>
+        </pc:spChg>
+        <pc:picChg chg="del">
+          <ac:chgData name="Ihor Aleksandrov" userId="c3051032-6b87-4db2-b257-777a0106fbd9" providerId="ADAL" clId="{D05EAF56-C8F0-4612-806C-93E1C27F1929}" dt="2024-01-25T11:57:02.563" v="282" actId="478"/>
+          <ac:picMkLst>
+            <pc:docMk/>
+            <pc:sldMk cId="1734173143" sldId="294"/>
+            <ac:picMk id="4" creationId="{B4989CAB-F181-BB13-C3CC-7303FC972C04}"/>
+          </ac:picMkLst>
+        </pc:picChg>
+        <pc:picChg chg="add mod">
+          <ac:chgData name="Ihor Aleksandrov" userId="c3051032-6b87-4db2-b257-777a0106fbd9" providerId="ADAL" clId="{D05EAF56-C8F0-4612-806C-93E1C27F1929}" dt="2024-01-25T11:57:16.812" v="286" actId="1076"/>
+          <ac:picMkLst>
+            <pc:docMk/>
+            <pc:sldMk cId="1734173143" sldId="294"/>
+            <ac:picMk id="5" creationId="{EFB4AF76-9D94-7721-E2C8-2472D164A060}"/>
+          </ac:picMkLst>
+        </pc:picChg>
+      </pc:sldChg>
+      <pc:sldChg chg="addSp modSp add mod ord">
+        <pc:chgData name="Ihor Aleksandrov" userId="c3051032-6b87-4db2-b257-777a0106fbd9" providerId="ADAL" clId="{D05EAF56-C8F0-4612-806C-93E1C27F1929}" dt="2024-01-25T12:00:46.169" v="306" actId="1076"/>
+        <pc:sldMkLst>
+          <pc:docMk/>
+          <pc:sldMk cId="3102755718" sldId="295"/>
+        </pc:sldMkLst>
+        <pc:spChg chg="mod">
+          <ac:chgData name="Ihor Aleksandrov" userId="c3051032-6b87-4db2-b257-777a0106fbd9" providerId="ADAL" clId="{D05EAF56-C8F0-4612-806C-93E1C27F1929}" dt="2024-01-25T12:00:14.709" v="300" actId="20577"/>
+          <ac:spMkLst>
+            <pc:docMk/>
+            <pc:sldMk cId="3102755718" sldId="295"/>
+            <ac:spMk id="2" creationId="{18C18207-A109-5552-1541-0ABBAA316282}"/>
+          </ac:spMkLst>
+        </pc:spChg>
+        <pc:picChg chg="add mod">
+          <ac:chgData name="Ihor Aleksandrov" userId="c3051032-6b87-4db2-b257-777a0106fbd9" providerId="ADAL" clId="{D05EAF56-C8F0-4612-806C-93E1C27F1929}" dt="2024-01-25T12:00:46.169" v="306" actId="1076"/>
+          <ac:picMkLst>
+            <pc:docMk/>
+            <pc:sldMk cId="3102755718" sldId="295"/>
+            <ac:picMk id="5" creationId="{BD0CE974-8524-11E7-B97F-A86834867985}"/>
+          </ac:picMkLst>
+        </pc:picChg>
+      </pc:sldChg>
+      <pc:sldChg chg="modSp add mod ord">
+        <pc:chgData name="Ihor Aleksandrov" userId="c3051032-6b87-4db2-b257-777a0106fbd9" providerId="ADAL" clId="{D05EAF56-C8F0-4612-806C-93E1C27F1929}" dt="2024-01-25T12:02:45.112" v="310"/>
+        <pc:sldMkLst>
+          <pc:docMk/>
+          <pc:sldMk cId="2389832786" sldId="296"/>
+        </pc:sldMkLst>
+        <pc:spChg chg="mod">
+          <ac:chgData name="Ihor Aleksandrov" userId="c3051032-6b87-4db2-b257-777a0106fbd9" providerId="ADAL" clId="{D05EAF56-C8F0-4612-806C-93E1C27F1929}" dt="2024-01-25T12:02:45.112" v="310"/>
+          <ac:spMkLst>
+            <pc:docMk/>
+            <pc:sldMk cId="2389832786" sldId="296"/>
+            <ac:spMk id="2" creationId="{53C5D828-9666-E312-B574-9FE965A7D6BE}"/>
+          </ac:spMkLst>
+        </pc:spChg>
+      </pc:sldChg>
+      <pc:sldChg chg="modSp add mod">
+        <pc:chgData name="Ihor Aleksandrov" userId="c3051032-6b87-4db2-b257-777a0106fbd9" providerId="ADAL" clId="{D05EAF56-C8F0-4612-806C-93E1C27F1929}" dt="2024-01-25T12:04:01.736" v="312"/>
+        <pc:sldMkLst>
+          <pc:docMk/>
+          <pc:sldMk cId="2189799752" sldId="297"/>
+        </pc:sldMkLst>
+        <pc:spChg chg="mod">
+          <ac:chgData name="Ihor Aleksandrov" userId="c3051032-6b87-4db2-b257-777a0106fbd9" providerId="ADAL" clId="{D05EAF56-C8F0-4612-806C-93E1C27F1929}" dt="2024-01-25T12:04:01.736" v="312"/>
+          <ac:spMkLst>
+            <pc:docMk/>
+            <pc:sldMk cId="2189799752" sldId="297"/>
+            <ac:spMk id="2" creationId="{53C5D828-9666-E312-B574-9FE965A7D6BE}"/>
+          </ac:spMkLst>
+        </pc:spChg>
+      </pc:sldChg>
+      <pc:sldChg chg="modSp add mod">
+        <pc:chgData name="Ihor Aleksandrov" userId="c3051032-6b87-4db2-b257-777a0106fbd9" providerId="ADAL" clId="{D05EAF56-C8F0-4612-806C-93E1C27F1929}" dt="2024-01-25T12:05:00.878" v="314"/>
+        <pc:sldMkLst>
+          <pc:docMk/>
+          <pc:sldMk cId="3592285454" sldId="298"/>
+        </pc:sldMkLst>
+        <pc:spChg chg="mod">
+          <ac:chgData name="Ihor Aleksandrov" userId="c3051032-6b87-4db2-b257-777a0106fbd9" providerId="ADAL" clId="{D05EAF56-C8F0-4612-806C-93E1C27F1929}" dt="2024-01-25T12:05:00.878" v="314"/>
+          <ac:spMkLst>
+            <pc:docMk/>
+            <pc:sldMk cId="3592285454" sldId="298"/>
+            <ac:spMk id="2" creationId="{53C5D828-9666-E312-B574-9FE965A7D6BE}"/>
+          </ac:spMkLst>
+        </pc:spChg>
+      </pc:sldChg>
+      <pc:sldChg chg="modSp add mod">
+        <pc:chgData name="Ihor Aleksandrov" userId="c3051032-6b87-4db2-b257-777a0106fbd9" providerId="ADAL" clId="{D05EAF56-C8F0-4612-806C-93E1C27F1929}" dt="2024-01-25T12:08:02.278" v="316"/>
+        <pc:sldMkLst>
+          <pc:docMk/>
+          <pc:sldMk cId="4186553512" sldId="299"/>
+        </pc:sldMkLst>
+        <pc:spChg chg="mod">
+          <ac:chgData name="Ihor Aleksandrov" userId="c3051032-6b87-4db2-b257-777a0106fbd9" providerId="ADAL" clId="{D05EAF56-C8F0-4612-806C-93E1C27F1929}" dt="2024-01-25T12:08:02.278" v="316"/>
+          <ac:spMkLst>
+            <pc:docMk/>
+            <pc:sldMk cId="4186553512" sldId="299"/>
+            <ac:spMk id="2" creationId="{53C5D828-9666-E312-B574-9FE965A7D6BE}"/>
+          </ac:spMkLst>
+        </pc:spChg>
+      </pc:sldChg>
+      <pc:sldChg chg="modSp add mod">
+        <pc:chgData name="Ihor Aleksandrov" userId="c3051032-6b87-4db2-b257-777a0106fbd9" providerId="ADAL" clId="{D05EAF56-C8F0-4612-806C-93E1C27F1929}" dt="2024-01-25T12:09:53.445" v="318"/>
+        <pc:sldMkLst>
+          <pc:docMk/>
+          <pc:sldMk cId="834159653" sldId="300"/>
+        </pc:sldMkLst>
+        <pc:spChg chg="mod">
+          <ac:chgData name="Ihor Aleksandrov" userId="c3051032-6b87-4db2-b257-777a0106fbd9" providerId="ADAL" clId="{D05EAF56-C8F0-4612-806C-93E1C27F1929}" dt="2024-01-25T12:09:53.445" v="318"/>
+          <ac:spMkLst>
+            <pc:docMk/>
+            <pc:sldMk cId="834159653" sldId="300"/>
+            <ac:spMk id="2" creationId="{53C5D828-9666-E312-B574-9FE965A7D6BE}"/>
+          </ac:spMkLst>
+        </pc:spChg>
+      </pc:sldChg>
+      <pc:sldChg chg="modSp add mod">
+        <pc:chgData name="Ihor Aleksandrov" userId="c3051032-6b87-4db2-b257-777a0106fbd9" providerId="ADAL" clId="{D05EAF56-C8F0-4612-806C-93E1C27F1929}" dt="2024-01-25T12:10:57.045" v="321" actId="27636"/>
+        <pc:sldMkLst>
+          <pc:docMk/>
+          <pc:sldMk cId="324410250" sldId="301"/>
+        </pc:sldMkLst>
+        <pc:spChg chg="mod">
+          <ac:chgData name="Ihor Aleksandrov" userId="c3051032-6b87-4db2-b257-777a0106fbd9" providerId="ADAL" clId="{D05EAF56-C8F0-4612-806C-93E1C27F1929}" dt="2024-01-25T12:10:57.045" v="321" actId="27636"/>
+          <ac:spMkLst>
+            <pc:docMk/>
+            <pc:sldMk cId="324410250" sldId="301"/>
+            <ac:spMk id="2" creationId="{53C5D828-9666-E312-B574-9FE965A7D6BE}"/>
+          </ac:spMkLst>
+        </pc:spChg>
+      </pc:sldChg>
+      <pc:sldChg chg="add">
+        <pc:chgData name="Ihor Aleksandrov" userId="c3051032-6b87-4db2-b257-777a0106fbd9" providerId="ADAL" clId="{D05EAF56-C8F0-4612-806C-93E1C27F1929}" dt="2024-01-25T12:18:40.426" v="323"/>
+        <pc:sldMkLst>
+          <pc:docMk/>
+          <pc:sldMk cId="2052164358" sldId="302"/>
+        </pc:sldMkLst>
+      </pc:sldChg>
+      <pc:sldChg chg="add">
+        <pc:chgData name="Ihor Aleksandrov" userId="c3051032-6b87-4db2-b257-777a0106fbd9" providerId="ADAL" clId="{D05EAF56-C8F0-4612-806C-93E1C27F1929}" dt="2024-01-25T12:18:42.706" v="325"/>
+        <pc:sldMkLst>
+          <pc:docMk/>
+          <pc:sldMk cId="2972731808" sldId="303"/>
+        </pc:sldMkLst>
+      </pc:sldChg>
+      <pc:sldMasterChg chg="add addSldLayout">
+        <pc:chgData name="Ihor Aleksandrov" userId="c3051032-6b87-4db2-b257-777a0106fbd9" providerId="ADAL" clId="{D05EAF56-C8F0-4612-806C-93E1C27F1929}" dt="2024-01-25T12:18:42.701" v="324" actId="27028"/>
+        <pc:sldMasterMkLst>
+          <pc:docMk/>
+          <pc:sldMasterMk cId="1185679814" sldId="2147483648"/>
+        </pc:sldMasterMkLst>
+        <pc:sldLayoutChg chg="add">
+          <pc:chgData name="Ihor Aleksandrov" userId="c3051032-6b87-4db2-b257-777a0106fbd9" providerId="ADAL" clId="{D05EAF56-C8F0-4612-806C-93E1C27F1929}" dt="2024-01-25T12:18:40.421" v="322" actId="27028"/>
+          <pc:sldLayoutMkLst>
+            <pc:docMk/>
+            <pc:sldMasterMk cId="1185679814" sldId="2147483648"/>
+            <pc:sldLayoutMk cId="2257280135" sldId="2147483649"/>
+          </pc:sldLayoutMkLst>
+        </pc:sldLayoutChg>
+        <pc:sldLayoutChg chg="add">
+          <pc:chgData name="Ihor Aleksandrov" userId="c3051032-6b87-4db2-b257-777a0106fbd9" providerId="ADAL" clId="{D05EAF56-C8F0-4612-806C-93E1C27F1929}" dt="2024-01-25T12:18:42.701" v="324" actId="27028"/>
+          <pc:sldLayoutMkLst>
+            <pc:docMk/>
+            <pc:sldMasterMk cId="1185679814" sldId="2147483648"/>
+            <pc:sldLayoutMk cId="1044916995" sldId="2147483650"/>
+          </pc:sldLayoutMkLst>
+        </pc:sldLayoutChg>
+      </pc:sldMasterChg>
+    </pc:docChg>
+  </pc:docChgLst>
+  <pc:docChgLst>
+    <pc:chgData name="Ihor Aleksandrov" userId="c3051032-6b87-4db2-b257-777a0106fbd9" providerId="ADAL" clId="{C410F7C1-205D-4591-95F1-05C694B00F48}"/>
     <pc:docChg chg="undo redo custSel addSld delSld modSld sldOrd addSection delSection modSection">
-      <pc:chgData name="Ihor Aleksandrov" userId="c3051032-6b87-4db2-b257-777a0106fbd9" providerId="ADAL" clId="{CD6A1DE1-ACF9-4B80-94F3-F58CA81605B6}" dt="2024-01-31T16:36:06.805" v="251" actId="20577"/>
+      <pc:chgData name="Ihor Aleksandrov" userId="c3051032-6b87-4db2-b257-777a0106fbd9" providerId="ADAL" clId="{C410F7C1-205D-4591-95F1-05C694B00F48}" dt="2024-02-02T13:18:23.690" v="310" actId="14100"/>
       <pc:docMkLst>
         <pc:docMk/>
       </pc:docMkLst>
       <pc:sldChg chg="modSp mod">
-        <pc:chgData name="Ihor Aleksandrov" userId="c3051032-6b87-4db2-b257-777a0106fbd9" providerId="ADAL" clId="{CD6A1DE1-ACF9-4B80-94F3-F58CA81605B6}" dt="2024-01-31T09:08:37.650" v="10" actId="20577"/>
+        <pc:chgData name="Ihor Aleksandrov" userId="c3051032-6b87-4db2-b257-777a0106fbd9" providerId="ADAL" clId="{C410F7C1-205D-4591-95F1-05C694B00F48}" dt="2024-02-01T12:41:12.005" v="7" actId="6549"/>
         <pc:sldMkLst>
           <pc:docMk/>
           <pc:sldMk cId="552267186" sldId="256"/>
         </pc:sldMkLst>
         <pc:spChg chg="mod">
-          <ac:chgData name="Ihor Aleksandrov" userId="c3051032-6b87-4db2-b257-777a0106fbd9" providerId="ADAL" clId="{CD6A1DE1-ACF9-4B80-94F3-F58CA81605B6}" dt="2024-01-31T09:08:37.650" v="10" actId="20577"/>
+          <ac:chgData name="Ihor Aleksandrov" userId="c3051032-6b87-4db2-b257-777a0106fbd9" providerId="ADAL" clId="{C410F7C1-205D-4591-95F1-05C694B00F48}" dt="2024-02-01T12:41:12.005" v="7" actId="6549"/>
           <ac:spMkLst>
             <pc:docMk/>
             <pc:sldMk cId="552267186" sldId="256"/>
@@ -5029,766 +5012,783 @@
           </ac:spMkLst>
         </pc:spChg>
       </pc:sldChg>
-      <pc:sldChg chg="addSp delSp modSp mod ord">
-        <pc:chgData name="Ihor Aleksandrov" userId="c3051032-6b87-4db2-b257-777a0106fbd9" providerId="ADAL" clId="{CD6A1DE1-ACF9-4B80-94F3-F58CA81605B6}" dt="2024-01-31T14:10:17.392" v="37"/>
+      <pc:sldChg chg="del">
+        <pc:chgData name="Ihor Aleksandrov" userId="c3051032-6b87-4db2-b257-777a0106fbd9" providerId="ADAL" clId="{C410F7C1-205D-4591-95F1-05C694B00F48}" dt="2024-02-01T12:41:36.061" v="8" actId="2696"/>
         <pc:sldMkLst>
           <pc:docMk/>
           <pc:sldMk cId="4197480136" sldId="268"/>
         </pc:sldMkLst>
+      </pc:sldChg>
+      <pc:sldChg chg="modSp mod">
+        <pc:chgData name="Ihor Aleksandrov" userId="c3051032-6b87-4db2-b257-777a0106fbd9" providerId="ADAL" clId="{C410F7C1-205D-4591-95F1-05C694B00F48}" dt="2024-02-01T12:40:46.091" v="3"/>
+        <pc:sldMkLst>
+          <pc:docMk/>
+          <pc:sldMk cId="2052164358" sldId="302"/>
+        </pc:sldMkLst>
         <pc:spChg chg="mod">
-          <ac:chgData name="Ihor Aleksandrov" userId="c3051032-6b87-4db2-b257-777a0106fbd9" providerId="ADAL" clId="{CD6A1DE1-ACF9-4B80-94F3-F58CA81605B6}" dt="2024-01-31T14:10:17.392" v="37"/>
+          <ac:chgData name="Ihor Aleksandrov" userId="c3051032-6b87-4db2-b257-777a0106fbd9" providerId="ADAL" clId="{C410F7C1-205D-4591-95F1-05C694B00F48}" dt="2024-02-01T12:40:46.091" v="3"/>
           <ac:spMkLst>
             <pc:docMk/>
-            <pc:sldMk cId="4197480136" sldId="268"/>
+            <pc:sldMk cId="2052164358" sldId="302"/>
+            <ac:spMk id="2" creationId="{5DF8ECE0-DBF5-C309-B35B-C6A0C6C847B2}"/>
+          </ac:spMkLst>
+        </pc:spChg>
+      </pc:sldChg>
+      <pc:sldChg chg="addSp delSp modSp mod">
+        <pc:chgData name="Ihor Aleksandrov" userId="c3051032-6b87-4db2-b257-777a0106fbd9" providerId="ADAL" clId="{C410F7C1-205D-4591-95F1-05C694B00F48}" dt="2024-02-01T12:43:00.433" v="24" actId="20577"/>
+        <pc:sldMkLst>
+          <pc:docMk/>
+          <pc:sldMk cId="1009650064" sldId="304"/>
+        </pc:sldMkLst>
+        <pc:spChg chg="mod">
+          <ac:chgData name="Ihor Aleksandrov" userId="c3051032-6b87-4db2-b257-777a0106fbd9" providerId="ADAL" clId="{C410F7C1-205D-4591-95F1-05C694B00F48}" dt="2024-02-01T12:43:00.433" v="24" actId="20577"/>
+          <ac:spMkLst>
+            <pc:docMk/>
+            <pc:sldMk cId="1009650064" sldId="304"/>
+            <ac:spMk id="2" creationId="{53C5D828-9666-E312-B574-9FE965A7D6BE}"/>
+          </ac:spMkLst>
+        </pc:spChg>
+        <pc:picChg chg="add mod">
+          <ac:chgData name="Ihor Aleksandrov" userId="c3051032-6b87-4db2-b257-777a0106fbd9" providerId="ADAL" clId="{C410F7C1-205D-4591-95F1-05C694B00F48}" dt="2024-02-01T12:42:43.848" v="14" actId="1076"/>
+          <ac:picMkLst>
+            <pc:docMk/>
+            <pc:sldMk cId="1009650064" sldId="304"/>
+            <ac:picMk id="4" creationId="{92907877-90FB-5BAD-BBDC-D0209540D5C3}"/>
+          </ac:picMkLst>
+        </pc:picChg>
+        <pc:picChg chg="del">
+          <ac:chgData name="Ihor Aleksandrov" userId="c3051032-6b87-4db2-b257-777a0106fbd9" providerId="ADAL" clId="{C410F7C1-205D-4591-95F1-05C694B00F48}" dt="2024-02-01T12:42:29.398" v="9" actId="478"/>
+          <ac:picMkLst>
+            <pc:docMk/>
+            <pc:sldMk cId="1009650064" sldId="304"/>
+            <ac:picMk id="5" creationId="{F0022280-0E09-E00E-9A77-DDC8C0BF78AC}"/>
+          </ac:picMkLst>
+        </pc:picChg>
+      </pc:sldChg>
+      <pc:sldChg chg="addSp delSp modSp add mod">
+        <pc:chgData name="Ihor Aleksandrov" userId="c3051032-6b87-4db2-b257-777a0106fbd9" providerId="ADAL" clId="{C410F7C1-205D-4591-95F1-05C694B00F48}" dt="2024-02-01T12:48:29.309" v="33" actId="1076"/>
+        <pc:sldMkLst>
+          <pc:docMk/>
+          <pc:sldMk cId="3629557438" sldId="305"/>
+        </pc:sldMkLst>
+        <pc:spChg chg="mod">
+          <ac:chgData name="Ihor Aleksandrov" userId="c3051032-6b87-4db2-b257-777a0106fbd9" providerId="ADAL" clId="{C410F7C1-205D-4591-95F1-05C694B00F48}" dt="2024-02-01T12:48:10.196" v="29"/>
+          <ac:spMkLst>
+            <pc:docMk/>
+            <pc:sldMk cId="3629557438" sldId="305"/>
+            <ac:spMk id="2" creationId="{53C5D828-9666-E312-B574-9FE965A7D6BE}"/>
+          </ac:spMkLst>
+        </pc:spChg>
+        <pc:picChg chg="del">
+          <ac:chgData name="Ihor Aleksandrov" userId="c3051032-6b87-4db2-b257-777a0106fbd9" providerId="ADAL" clId="{C410F7C1-205D-4591-95F1-05C694B00F48}" dt="2024-02-01T12:48:12.041" v="30" actId="478"/>
+          <ac:picMkLst>
+            <pc:docMk/>
+            <pc:sldMk cId="3629557438" sldId="305"/>
+            <ac:picMk id="4" creationId="{92907877-90FB-5BAD-BBDC-D0209540D5C3}"/>
+          </ac:picMkLst>
+        </pc:picChg>
+        <pc:picChg chg="add mod">
+          <ac:chgData name="Ihor Aleksandrov" userId="c3051032-6b87-4db2-b257-777a0106fbd9" providerId="ADAL" clId="{C410F7C1-205D-4591-95F1-05C694B00F48}" dt="2024-02-01T12:48:29.309" v="33" actId="1076"/>
+          <ac:picMkLst>
+            <pc:docMk/>
+            <pc:sldMk cId="3629557438" sldId="305"/>
+            <ac:picMk id="6" creationId="{EF93F0E0-CC9E-E0D5-56A0-72C8DC1831DC}"/>
+          </ac:picMkLst>
+        </pc:picChg>
+      </pc:sldChg>
+      <pc:sldChg chg="del">
+        <pc:chgData name="Ihor Aleksandrov" userId="c3051032-6b87-4db2-b257-777a0106fbd9" providerId="ADAL" clId="{C410F7C1-205D-4591-95F1-05C694B00F48}" dt="2024-02-01T12:41:36.061" v="8" actId="2696"/>
+        <pc:sldMkLst>
+          <pc:docMk/>
+          <pc:sldMk cId="3689973886" sldId="305"/>
+        </pc:sldMkLst>
+      </pc:sldChg>
+      <pc:sldChg chg="add del">
+        <pc:chgData name="Ihor Aleksandrov" userId="c3051032-6b87-4db2-b257-777a0106fbd9" providerId="ADAL" clId="{C410F7C1-205D-4591-95F1-05C694B00F48}" dt="2024-02-01T12:47:48.950" v="27" actId="2890"/>
+        <pc:sldMkLst>
+          <pc:docMk/>
+          <pc:sldMk cId="3867725491" sldId="305"/>
+        </pc:sldMkLst>
+      </pc:sldChg>
+      <pc:sldChg chg="addSp delSp modSp add mod">
+        <pc:chgData name="Ihor Aleksandrov" userId="c3051032-6b87-4db2-b257-777a0106fbd9" providerId="ADAL" clId="{C410F7C1-205D-4591-95F1-05C694B00F48}" dt="2024-02-01T12:52:22.446" v="40" actId="1076"/>
+        <pc:sldMkLst>
+          <pc:docMk/>
+          <pc:sldMk cId="190743272" sldId="306"/>
+        </pc:sldMkLst>
+        <pc:spChg chg="mod">
+          <ac:chgData name="Ihor Aleksandrov" userId="c3051032-6b87-4db2-b257-777a0106fbd9" providerId="ADAL" clId="{C410F7C1-205D-4591-95F1-05C694B00F48}" dt="2024-02-01T12:51:51.226" v="35"/>
+          <ac:spMkLst>
+            <pc:docMk/>
+            <pc:sldMk cId="190743272" sldId="306"/>
+            <ac:spMk id="2" creationId="{53C5D828-9666-E312-B574-9FE965A7D6BE}"/>
+          </ac:spMkLst>
+        </pc:spChg>
+        <pc:picChg chg="add mod">
+          <ac:chgData name="Ihor Aleksandrov" userId="c3051032-6b87-4db2-b257-777a0106fbd9" providerId="ADAL" clId="{C410F7C1-205D-4591-95F1-05C694B00F48}" dt="2024-02-01T12:52:22.446" v="40" actId="1076"/>
+          <ac:picMkLst>
+            <pc:docMk/>
+            <pc:sldMk cId="190743272" sldId="306"/>
+            <ac:picMk id="4" creationId="{D36BE76F-536D-6706-2056-EA89D41EC22E}"/>
+          </ac:picMkLst>
+        </pc:picChg>
+        <pc:picChg chg="del">
+          <ac:chgData name="Ihor Aleksandrov" userId="c3051032-6b87-4db2-b257-777a0106fbd9" providerId="ADAL" clId="{C410F7C1-205D-4591-95F1-05C694B00F48}" dt="2024-02-01T12:51:54.633" v="36" actId="478"/>
+          <ac:picMkLst>
+            <pc:docMk/>
+            <pc:sldMk cId="190743272" sldId="306"/>
+            <ac:picMk id="6" creationId="{EF93F0E0-CC9E-E0D5-56A0-72C8DC1831DC}"/>
+          </ac:picMkLst>
+        </pc:picChg>
+      </pc:sldChg>
+      <pc:sldChg chg="add del replId">
+        <pc:chgData name="Ihor Aleksandrov" userId="c3051032-6b87-4db2-b257-777a0106fbd9" providerId="ADAL" clId="{C410F7C1-205D-4591-95F1-05C694B00F48}" dt="2024-02-01T12:47:48.950" v="27" actId="2890"/>
+        <pc:sldMkLst>
+          <pc:docMk/>
+          <pc:sldMk cId="1273637311" sldId="306"/>
+        </pc:sldMkLst>
+      </pc:sldChg>
+      <pc:sldChg chg="del">
+        <pc:chgData name="Ihor Aleksandrov" userId="c3051032-6b87-4db2-b257-777a0106fbd9" providerId="ADAL" clId="{C410F7C1-205D-4591-95F1-05C694B00F48}" dt="2024-02-01T12:41:36.061" v="8" actId="2696"/>
+        <pc:sldMkLst>
+          <pc:docMk/>
+          <pc:sldMk cId="2869883964" sldId="306"/>
+        </pc:sldMkLst>
+      </pc:sldChg>
+      <pc:sldChg chg="del">
+        <pc:chgData name="Ihor Aleksandrov" userId="c3051032-6b87-4db2-b257-777a0106fbd9" providerId="ADAL" clId="{C410F7C1-205D-4591-95F1-05C694B00F48}" dt="2024-02-01T12:41:36.061" v="8" actId="2696"/>
+        <pc:sldMkLst>
+          <pc:docMk/>
+          <pc:sldMk cId="609281495" sldId="307"/>
+        </pc:sldMkLst>
+      </pc:sldChg>
+      <pc:sldChg chg="addSp delSp modSp add mod">
+        <pc:chgData name="Ihor Aleksandrov" userId="c3051032-6b87-4db2-b257-777a0106fbd9" providerId="ADAL" clId="{C410F7C1-205D-4591-95F1-05C694B00F48}" dt="2024-02-01T13:00:27.590" v="51" actId="1076"/>
+        <pc:sldMkLst>
+          <pc:docMk/>
+          <pc:sldMk cId="4107602535" sldId="307"/>
+        </pc:sldMkLst>
+        <pc:spChg chg="mod">
+          <ac:chgData name="Ihor Aleksandrov" userId="c3051032-6b87-4db2-b257-777a0106fbd9" providerId="ADAL" clId="{C410F7C1-205D-4591-95F1-05C694B00F48}" dt="2024-02-01T13:00:03.221" v="42"/>
+          <ac:spMkLst>
+            <pc:docMk/>
+            <pc:sldMk cId="4107602535" sldId="307"/>
+            <ac:spMk id="2" creationId="{53C5D828-9666-E312-B574-9FE965A7D6BE}"/>
+          </ac:spMkLst>
+        </pc:spChg>
+        <pc:picChg chg="del">
+          <ac:chgData name="Ihor Aleksandrov" userId="c3051032-6b87-4db2-b257-777a0106fbd9" providerId="ADAL" clId="{C410F7C1-205D-4591-95F1-05C694B00F48}" dt="2024-02-01T13:00:12.722" v="43" actId="478"/>
+          <ac:picMkLst>
+            <pc:docMk/>
+            <pc:sldMk cId="4107602535" sldId="307"/>
+            <ac:picMk id="4" creationId="{D36BE76F-536D-6706-2056-EA89D41EC22E}"/>
+          </ac:picMkLst>
+        </pc:picChg>
+        <pc:picChg chg="add mod">
+          <ac:chgData name="Ihor Aleksandrov" userId="c3051032-6b87-4db2-b257-777a0106fbd9" providerId="ADAL" clId="{C410F7C1-205D-4591-95F1-05C694B00F48}" dt="2024-02-01T13:00:27.590" v="51" actId="1076"/>
+          <ac:picMkLst>
+            <pc:docMk/>
+            <pc:sldMk cId="4107602535" sldId="307"/>
+            <ac:picMk id="5" creationId="{A34F27FE-21C6-CACE-4C02-730CC097A333}"/>
+          </ac:picMkLst>
+        </pc:picChg>
+      </pc:sldChg>
+      <pc:sldChg chg="del">
+        <pc:chgData name="Ihor Aleksandrov" userId="c3051032-6b87-4db2-b257-777a0106fbd9" providerId="ADAL" clId="{C410F7C1-205D-4591-95F1-05C694B00F48}" dt="2024-02-01T12:41:36.061" v="8" actId="2696"/>
+        <pc:sldMkLst>
+          <pc:docMk/>
+          <pc:sldMk cId="892253496" sldId="308"/>
+        </pc:sldMkLst>
+      </pc:sldChg>
+      <pc:sldChg chg="addSp delSp modSp add mod">
+        <pc:chgData name="Ihor Aleksandrov" userId="c3051032-6b87-4db2-b257-777a0106fbd9" providerId="ADAL" clId="{C410F7C1-205D-4591-95F1-05C694B00F48}" dt="2024-02-01T13:06:17.179" v="60" actId="1076"/>
+        <pc:sldMkLst>
+          <pc:docMk/>
+          <pc:sldMk cId="2644992822" sldId="308"/>
+        </pc:sldMkLst>
+        <pc:spChg chg="mod">
+          <ac:chgData name="Ihor Aleksandrov" userId="c3051032-6b87-4db2-b257-777a0106fbd9" providerId="ADAL" clId="{C410F7C1-205D-4591-95F1-05C694B00F48}" dt="2024-02-01T13:05:39.732" v="53"/>
+          <ac:spMkLst>
+            <pc:docMk/>
+            <pc:sldMk cId="2644992822" sldId="308"/>
+            <ac:spMk id="2" creationId="{53C5D828-9666-E312-B574-9FE965A7D6BE}"/>
+          </ac:spMkLst>
+        </pc:spChg>
+        <pc:picChg chg="del">
+          <ac:chgData name="Ihor Aleksandrov" userId="c3051032-6b87-4db2-b257-777a0106fbd9" providerId="ADAL" clId="{C410F7C1-205D-4591-95F1-05C694B00F48}" dt="2024-02-01T13:05:57.708" v="54" actId="478"/>
+          <ac:picMkLst>
+            <pc:docMk/>
+            <pc:sldMk cId="2644992822" sldId="308"/>
+            <ac:picMk id="5" creationId="{A34F27FE-21C6-CACE-4C02-730CC097A333}"/>
+          </ac:picMkLst>
+        </pc:picChg>
+        <pc:picChg chg="add mod">
+          <ac:chgData name="Ihor Aleksandrov" userId="c3051032-6b87-4db2-b257-777a0106fbd9" providerId="ADAL" clId="{C410F7C1-205D-4591-95F1-05C694B00F48}" dt="2024-02-01T13:06:17.179" v="60" actId="1076"/>
+          <ac:picMkLst>
+            <pc:docMk/>
+            <pc:sldMk cId="2644992822" sldId="308"/>
+            <ac:picMk id="6" creationId="{0090B58C-FD36-6364-731B-B2B6F294EF79}"/>
+          </ac:picMkLst>
+        </pc:picChg>
+      </pc:sldChg>
+      <pc:sldChg chg="del">
+        <pc:chgData name="Ihor Aleksandrov" userId="c3051032-6b87-4db2-b257-777a0106fbd9" providerId="ADAL" clId="{C410F7C1-205D-4591-95F1-05C694B00F48}" dt="2024-02-01T12:41:36.061" v="8" actId="2696"/>
+        <pc:sldMkLst>
+          <pc:docMk/>
+          <pc:sldMk cId="322251114" sldId="309"/>
+        </pc:sldMkLst>
+      </pc:sldChg>
+      <pc:sldChg chg="addSp delSp modSp add mod">
+        <pc:chgData name="Ihor Aleksandrov" userId="c3051032-6b87-4db2-b257-777a0106fbd9" providerId="ADAL" clId="{C410F7C1-205D-4591-95F1-05C694B00F48}" dt="2024-02-01T13:09:06.115" v="72" actId="1076"/>
+        <pc:sldMkLst>
+          <pc:docMk/>
+          <pc:sldMk cId="1628478381" sldId="309"/>
+        </pc:sldMkLst>
+        <pc:spChg chg="mod">
+          <ac:chgData name="Ihor Aleksandrov" userId="c3051032-6b87-4db2-b257-777a0106fbd9" providerId="ADAL" clId="{C410F7C1-205D-4591-95F1-05C694B00F48}" dt="2024-02-01T13:08:55.151" v="66"/>
+          <ac:spMkLst>
+            <pc:docMk/>
+            <pc:sldMk cId="1628478381" sldId="309"/>
+            <ac:spMk id="2" creationId="{53C5D828-9666-E312-B574-9FE965A7D6BE}"/>
+          </ac:spMkLst>
+        </pc:spChg>
+        <pc:picChg chg="add mod">
+          <ac:chgData name="Ihor Aleksandrov" userId="c3051032-6b87-4db2-b257-777a0106fbd9" providerId="ADAL" clId="{C410F7C1-205D-4591-95F1-05C694B00F48}" dt="2024-02-01T13:09:06.115" v="72" actId="1076"/>
+          <ac:picMkLst>
+            <pc:docMk/>
+            <pc:sldMk cId="1628478381" sldId="309"/>
+            <ac:picMk id="5" creationId="{BB19ADC9-FBEE-1576-0442-611686085618}"/>
+          </ac:picMkLst>
+        </pc:picChg>
+        <pc:picChg chg="del">
+          <ac:chgData name="Ihor Aleksandrov" userId="c3051032-6b87-4db2-b257-777a0106fbd9" providerId="ADAL" clId="{C410F7C1-205D-4591-95F1-05C694B00F48}" dt="2024-02-01T13:09:00.463" v="67" actId="478"/>
+          <ac:picMkLst>
+            <pc:docMk/>
+            <pc:sldMk cId="1628478381" sldId="309"/>
+            <ac:picMk id="6" creationId="{0090B58C-FD36-6364-731B-B2B6F294EF79}"/>
+          </ac:picMkLst>
+        </pc:picChg>
+      </pc:sldChg>
+      <pc:sldChg chg="addSp delSp modSp add mod">
+        <pc:chgData name="Ihor Aleksandrov" userId="c3051032-6b87-4db2-b257-777a0106fbd9" providerId="ADAL" clId="{C410F7C1-205D-4591-95F1-05C694B00F48}" dt="2024-02-01T13:15:34.507" v="82" actId="1076"/>
+        <pc:sldMkLst>
+          <pc:docMk/>
+          <pc:sldMk cId="3050358783" sldId="310"/>
+        </pc:sldMkLst>
+        <pc:picChg chg="add del mod">
+          <ac:chgData name="Ihor Aleksandrov" userId="c3051032-6b87-4db2-b257-777a0106fbd9" providerId="ADAL" clId="{C410F7C1-205D-4591-95F1-05C694B00F48}" dt="2024-02-01T13:15:17.274" v="78" actId="478"/>
+          <ac:picMkLst>
+            <pc:docMk/>
+            <pc:sldMk cId="3050358783" sldId="310"/>
+            <ac:picMk id="4" creationId="{0B523341-A4FE-3F89-3866-F3A1E44611CF}"/>
+          </ac:picMkLst>
+        </pc:picChg>
+        <pc:picChg chg="del">
+          <ac:chgData name="Ihor Aleksandrov" userId="c3051032-6b87-4db2-b257-777a0106fbd9" providerId="ADAL" clId="{C410F7C1-205D-4591-95F1-05C694B00F48}" dt="2024-02-01T13:15:02.205" v="74" actId="478"/>
+          <ac:picMkLst>
+            <pc:docMk/>
+            <pc:sldMk cId="3050358783" sldId="310"/>
+            <ac:picMk id="5" creationId="{BB19ADC9-FBEE-1576-0442-611686085618}"/>
+          </ac:picMkLst>
+        </pc:picChg>
+        <pc:picChg chg="add mod">
+          <ac:chgData name="Ihor Aleksandrov" userId="c3051032-6b87-4db2-b257-777a0106fbd9" providerId="ADAL" clId="{C410F7C1-205D-4591-95F1-05C694B00F48}" dt="2024-02-01T13:15:34.507" v="82" actId="1076"/>
+          <ac:picMkLst>
+            <pc:docMk/>
+            <pc:sldMk cId="3050358783" sldId="310"/>
+            <ac:picMk id="7" creationId="{53BBDC68-2FC0-4C28-900D-76B82EEA6783}"/>
+          </ac:picMkLst>
+        </pc:picChg>
+      </pc:sldChg>
+      <pc:sldChg chg="del">
+        <pc:chgData name="Ihor Aleksandrov" userId="c3051032-6b87-4db2-b257-777a0106fbd9" providerId="ADAL" clId="{C410F7C1-205D-4591-95F1-05C694B00F48}" dt="2024-02-01T12:41:36.061" v="8" actId="2696"/>
+        <pc:sldMkLst>
+          <pc:docMk/>
+          <pc:sldMk cId="3511455361" sldId="310"/>
+        </pc:sldMkLst>
+      </pc:sldChg>
+      <pc:sldChg chg="addSp delSp modSp add mod">
+        <pc:chgData name="Ihor Aleksandrov" userId="c3051032-6b87-4db2-b257-777a0106fbd9" providerId="ADAL" clId="{C410F7C1-205D-4591-95F1-05C694B00F48}" dt="2024-02-01T13:18:19.271" v="89" actId="1076"/>
+        <pc:sldMkLst>
+          <pc:docMk/>
+          <pc:sldMk cId="206060696" sldId="311"/>
+        </pc:sldMkLst>
+        <pc:spChg chg="mod">
+          <ac:chgData name="Ihor Aleksandrov" userId="c3051032-6b87-4db2-b257-777a0106fbd9" providerId="ADAL" clId="{C410F7C1-205D-4591-95F1-05C694B00F48}" dt="2024-02-01T13:17:59.953" v="84"/>
+          <ac:spMkLst>
+            <pc:docMk/>
+            <pc:sldMk cId="206060696" sldId="311"/>
+            <ac:spMk id="2" creationId="{53C5D828-9666-E312-B574-9FE965A7D6BE}"/>
+          </ac:spMkLst>
+        </pc:spChg>
+        <pc:picChg chg="add mod">
+          <ac:chgData name="Ihor Aleksandrov" userId="c3051032-6b87-4db2-b257-777a0106fbd9" providerId="ADAL" clId="{C410F7C1-205D-4591-95F1-05C694B00F48}" dt="2024-02-01T13:18:19.271" v="89" actId="1076"/>
+          <ac:picMkLst>
+            <pc:docMk/>
+            <pc:sldMk cId="206060696" sldId="311"/>
+            <ac:picMk id="5" creationId="{950A5D0E-4AA9-2966-86FC-34821557903F}"/>
+          </ac:picMkLst>
+        </pc:picChg>
+        <pc:picChg chg="del">
+          <ac:chgData name="Ihor Aleksandrov" userId="c3051032-6b87-4db2-b257-777a0106fbd9" providerId="ADAL" clId="{C410F7C1-205D-4591-95F1-05C694B00F48}" dt="2024-02-01T13:18:01.653" v="85" actId="478"/>
+          <ac:picMkLst>
+            <pc:docMk/>
+            <pc:sldMk cId="206060696" sldId="311"/>
+            <ac:picMk id="7" creationId="{53BBDC68-2FC0-4C28-900D-76B82EEA6783}"/>
+          </ac:picMkLst>
+        </pc:picChg>
+      </pc:sldChg>
+      <pc:sldChg chg="del">
+        <pc:chgData name="Ihor Aleksandrov" userId="c3051032-6b87-4db2-b257-777a0106fbd9" providerId="ADAL" clId="{C410F7C1-205D-4591-95F1-05C694B00F48}" dt="2024-02-01T12:41:36.061" v="8" actId="2696"/>
+        <pc:sldMkLst>
+          <pc:docMk/>
+          <pc:sldMk cId="1118882355" sldId="311"/>
+        </pc:sldMkLst>
+      </pc:sldChg>
+      <pc:sldChg chg="del">
+        <pc:chgData name="Ihor Aleksandrov" userId="c3051032-6b87-4db2-b257-777a0106fbd9" providerId="ADAL" clId="{C410F7C1-205D-4591-95F1-05C694B00F48}" dt="2024-02-01T12:41:36.061" v="8" actId="2696"/>
+        <pc:sldMkLst>
+          <pc:docMk/>
+          <pc:sldMk cId="804494040" sldId="312"/>
+        </pc:sldMkLst>
+      </pc:sldChg>
+      <pc:sldChg chg="addSp delSp modSp add mod">
+        <pc:chgData name="Ihor Aleksandrov" userId="c3051032-6b87-4db2-b257-777a0106fbd9" providerId="ADAL" clId="{C410F7C1-205D-4591-95F1-05C694B00F48}" dt="2024-02-01T13:20:03.392" v="95" actId="1076"/>
+        <pc:sldMkLst>
+          <pc:docMk/>
+          <pc:sldMk cId="3580708111" sldId="312"/>
+        </pc:sldMkLst>
+        <pc:spChg chg="mod">
+          <ac:chgData name="Ihor Aleksandrov" userId="c3051032-6b87-4db2-b257-777a0106fbd9" providerId="ADAL" clId="{C410F7C1-205D-4591-95F1-05C694B00F48}" dt="2024-02-01T13:19:41.780" v="91"/>
+          <ac:spMkLst>
+            <pc:docMk/>
+            <pc:sldMk cId="3580708111" sldId="312"/>
+            <ac:spMk id="2" creationId="{53C5D828-9666-E312-B574-9FE965A7D6BE}"/>
+          </ac:spMkLst>
+        </pc:spChg>
+        <pc:picChg chg="del">
+          <ac:chgData name="Ihor Aleksandrov" userId="c3051032-6b87-4db2-b257-777a0106fbd9" providerId="ADAL" clId="{C410F7C1-205D-4591-95F1-05C694B00F48}" dt="2024-02-01T13:19:55.760" v="92" actId="478"/>
+          <ac:picMkLst>
+            <pc:docMk/>
+            <pc:sldMk cId="3580708111" sldId="312"/>
+            <ac:picMk id="5" creationId="{950A5D0E-4AA9-2966-86FC-34821557903F}"/>
+          </ac:picMkLst>
+        </pc:picChg>
+        <pc:picChg chg="add mod">
+          <ac:chgData name="Ihor Aleksandrov" userId="c3051032-6b87-4db2-b257-777a0106fbd9" providerId="ADAL" clId="{C410F7C1-205D-4591-95F1-05C694B00F48}" dt="2024-02-01T13:20:03.392" v="95" actId="1076"/>
+          <ac:picMkLst>
+            <pc:docMk/>
+            <pc:sldMk cId="3580708111" sldId="312"/>
+            <ac:picMk id="6" creationId="{C060F215-02EB-24B7-EFE1-6F8BB1A2531B}"/>
+          </ac:picMkLst>
+        </pc:picChg>
+      </pc:sldChg>
+      <pc:sldChg chg="del">
+        <pc:chgData name="Ihor Aleksandrov" userId="c3051032-6b87-4db2-b257-777a0106fbd9" providerId="ADAL" clId="{C410F7C1-205D-4591-95F1-05C694B00F48}" dt="2024-02-01T12:41:36.061" v="8" actId="2696"/>
+        <pc:sldMkLst>
+          <pc:docMk/>
+          <pc:sldMk cId="516861898" sldId="313"/>
+        </pc:sldMkLst>
+      </pc:sldChg>
+      <pc:sldChg chg="addSp delSp modSp add mod">
+        <pc:chgData name="Ihor Aleksandrov" userId="c3051032-6b87-4db2-b257-777a0106fbd9" providerId="ADAL" clId="{C410F7C1-205D-4591-95F1-05C694B00F48}" dt="2024-02-01T13:21:36.150" v="103" actId="1076"/>
+        <pc:sldMkLst>
+          <pc:docMk/>
+          <pc:sldMk cId="798856435" sldId="313"/>
+        </pc:sldMkLst>
+        <pc:spChg chg="mod">
+          <ac:chgData name="Ihor Aleksandrov" userId="c3051032-6b87-4db2-b257-777a0106fbd9" providerId="ADAL" clId="{C410F7C1-205D-4591-95F1-05C694B00F48}" dt="2024-02-01T13:21:13.637" v="97"/>
+          <ac:spMkLst>
+            <pc:docMk/>
+            <pc:sldMk cId="798856435" sldId="313"/>
+            <ac:spMk id="2" creationId="{53C5D828-9666-E312-B574-9FE965A7D6BE}"/>
+          </ac:spMkLst>
+        </pc:spChg>
+        <pc:picChg chg="add mod">
+          <ac:chgData name="Ihor Aleksandrov" userId="c3051032-6b87-4db2-b257-777a0106fbd9" providerId="ADAL" clId="{C410F7C1-205D-4591-95F1-05C694B00F48}" dt="2024-02-01T13:21:36.150" v="103" actId="1076"/>
+          <ac:picMkLst>
+            <pc:docMk/>
+            <pc:sldMk cId="798856435" sldId="313"/>
+            <ac:picMk id="5" creationId="{9DB391DB-B759-39BD-7FCC-84C93ADA13FF}"/>
+          </ac:picMkLst>
+        </pc:picChg>
+        <pc:picChg chg="del">
+          <ac:chgData name="Ihor Aleksandrov" userId="c3051032-6b87-4db2-b257-777a0106fbd9" providerId="ADAL" clId="{C410F7C1-205D-4591-95F1-05C694B00F48}" dt="2024-02-01T13:21:24.924" v="98" actId="478"/>
+          <ac:picMkLst>
+            <pc:docMk/>
+            <pc:sldMk cId="798856435" sldId="313"/>
+            <ac:picMk id="6" creationId="{C060F215-02EB-24B7-EFE1-6F8BB1A2531B}"/>
+          </ac:picMkLst>
+        </pc:picChg>
+      </pc:sldChg>
+      <pc:sldChg chg="addSp delSp modSp add mod">
+        <pc:chgData name="Ihor Aleksandrov" userId="c3051032-6b87-4db2-b257-777a0106fbd9" providerId="ADAL" clId="{C410F7C1-205D-4591-95F1-05C694B00F48}" dt="2024-02-01T13:22:55.130" v="109" actId="1076"/>
+        <pc:sldMkLst>
+          <pc:docMk/>
+          <pc:sldMk cId="1385670279" sldId="314"/>
+        </pc:sldMkLst>
+        <pc:spChg chg="mod">
+          <ac:chgData name="Ihor Aleksandrov" userId="c3051032-6b87-4db2-b257-777a0106fbd9" providerId="ADAL" clId="{C410F7C1-205D-4591-95F1-05C694B00F48}" dt="2024-02-01T13:22:34.976" v="105"/>
+          <ac:spMkLst>
+            <pc:docMk/>
+            <pc:sldMk cId="1385670279" sldId="314"/>
+            <ac:spMk id="2" creationId="{53C5D828-9666-E312-B574-9FE965A7D6BE}"/>
+          </ac:spMkLst>
+        </pc:spChg>
+        <pc:picChg chg="del">
+          <ac:chgData name="Ihor Aleksandrov" userId="c3051032-6b87-4db2-b257-777a0106fbd9" providerId="ADAL" clId="{C410F7C1-205D-4591-95F1-05C694B00F48}" dt="2024-02-01T13:22:37.366" v="106" actId="478"/>
+          <ac:picMkLst>
+            <pc:docMk/>
+            <pc:sldMk cId="1385670279" sldId="314"/>
+            <ac:picMk id="5" creationId="{9DB391DB-B759-39BD-7FCC-84C93ADA13FF}"/>
+          </ac:picMkLst>
+        </pc:picChg>
+        <pc:picChg chg="add mod">
+          <ac:chgData name="Ihor Aleksandrov" userId="c3051032-6b87-4db2-b257-777a0106fbd9" providerId="ADAL" clId="{C410F7C1-205D-4591-95F1-05C694B00F48}" dt="2024-02-01T13:22:55.130" v="109" actId="1076"/>
+          <ac:picMkLst>
+            <pc:docMk/>
+            <pc:sldMk cId="1385670279" sldId="314"/>
+            <ac:picMk id="6" creationId="{810788BD-3E43-8F5F-12B4-93BDC8058BDA}"/>
+          </ac:picMkLst>
+        </pc:picChg>
+      </pc:sldChg>
+      <pc:sldChg chg="del">
+        <pc:chgData name="Ihor Aleksandrov" userId="c3051032-6b87-4db2-b257-777a0106fbd9" providerId="ADAL" clId="{C410F7C1-205D-4591-95F1-05C694B00F48}" dt="2024-02-01T12:41:36.061" v="8" actId="2696"/>
+        <pc:sldMkLst>
+          <pc:docMk/>
+          <pc:sldMk cId="3021580720" sldId="314"/>
+        </pc:sldMkLst>
+      </pc:sldChg>
+      <pc:sldChg chg="del">
+        <pc:chgData name="Ihor Aleksandrov" userId="c3051032-6b87-4db2-b257-777a0106fbd9" providerId="ADAL" clId="{C410F7C1-205D-4591-95F1-05C694B00F48}" dt="2024-02-01T12:41:36.061" v="8" actId="2696"/>
+        <pc:sldMkLst>
+          <pc:docMk/>
+          <pc:sldMk cId="1571930096" sldId="315"/>
+        </pc:sldMkLst>
+      </pc:sldChg>
+      <pc:sldChg chg="modSp add mod ord">
+        <pc:chgData name="Ihor Aleksandrov" userId="c3051032-6b87-4db2-b257-777a0106fbd9" providerId="ADAL" clId="{C410F7C1-205D-4591-95F1-05C694B00F48}" dt="2024-02-01T13:24:52.642" v="117" actId="20577"/>
+        <pc:sldMkLst>
+          <pc:docMk/>
+          <pc:sldMk cId="2634595727" sldId="315"/>
+        </pc:sldMkLst>
+        <pc:spChg chg="mod">
+          <ac:chgData name="Ihor Aleksandrov" userId="c3051032-6b87-4db2-b257-777a0106fbd9" providerId="ADAL" clId="{C410F7C1-205D-4591-95F1-05C694B00F48}" dt="2024-02-01T13:24:52.642" v="117" actId="20577"/>
+          <ac:spMkLst>
+            <pc:docMk/>
+            <pc:sldMk cId="2634595727" sldId="315"/>
+            <ac:spMk id="2" creationId="{18C18207-A109-5552-1541-0ABBAA316282}"/>
+          </ac:spMkLst>
+        </pc:spChg>
+      </pc:sldChg>
+      <pc:sldChg chg="addSp delSp modSp add mod ord replId">
+        <pc:chgData name="Ihor Aleksandrov" userId="c3051032-6b87-4db2-b257-777a0106fbd9" providerId="ADAL" clId="{C410F7C1-205D-4591-95F1-05C694B00F48}" dt="2024-02-02T11:16:12.667" v="127" actId="20577"/>
+        <pc:sldMkLst>
+          <pc:docMk/>
+          <pc:sldMk cId="417898339" sldId="316"/>
+        </pc:sldMkLst>
+        <pc:spChg chg="mod">
+          <ac:chgData name="Ihor Aleksandrov" userId="c3051032-6b87-4db2-b257-777a0106fbd9" providerId="ADAL" clId="{C410F7C1-205D-4591-95F1-05C694B00F48}" dt="2024-02-02T11:16:12.667" v="127" actId="20577"/>
+          <ac:spMkLst>
+            <pc:docMk/>
+            <pc:sldMk cId="417898339" sldId="316"/>
+            <ac:spMk id="2" creationId="{53C5D828-9666-E312-B574-9FE965A7D6BE}"/>
+          </ac:spMkLst>
+        </pc:spChg>
+        <pc:picChg chg="add del">
+          <ac:chgData name="Ihor Aleksandrov" userId="c3051032-6b87-4db2-b257-777a0106fbd9" providerId="ADAL" clId="{C410F7C1-205D-4591-95F1-05C694B00F48}" dt="2024-02-02T10:38:22.731" v="121"/>
+          <ac:picMkLst>
+            <pc:docMk/>
+            <pc:sldMk cId="417898339" sldId="316"/>
+            <ac:picMk id="4" creationId="{3F75A88A-3264-0210-98B6-DCA69FFCEF98}"/>
+          </ac:picMkLst>
+        </pc:picChg>
+        <pc:picChg chg="del">
+          <ac:chgData name="Ihor Aleksandrov" userId="c3051032-6b87-4db2-b257-777a0106fbd9" providerId="ADAL" clId="{C410F7C1-205D-4591-95F1-05C694B00F48}" dt="2024-02-01T13:24:56.668" v="118" actId="478"/>
+          <ac:picMkLst>
+            <pc:docMk/>
+            <pc:sldMk cId="417898339" sldId="316"/>
+            <ac:picMk id="4" creationId="{92907877-90FB-5BAD-BBDC-D0209540D5C3}"/>
+          </ac:picMkLst>
+        </pc:picChg>
+        <pc:picChg chg="add mod">
+          <ac:chgData name="Ihor Aleksandrov" userId="c3051032-6b87-4db2-b257-777a0106fbd9" providerId="ADAL" clId="{C410F7C1-205D-4591-95F1-05C694B00F48}" dt="2024-02-02T10:38:58.956" v="124" actId="1076"/>
+          <ac:picMkLst>
+            <pc:docMk/>
+            <pc:sldMk cId="417898339" sldId="316"/>
+            <ac:picMk id="6" creationId="{0C9E6090-2EB5-167B-69B1-29BC280B19FF}"/>
+          </ac:picMkLst>
+        </pc:picChg>
+      </pc:sldChg>
+      <pc:sldChg chg="del">
+        <pc:chgData name="Ihor Aleksandrov" userId="c3051032-6b87-4db2-b257-777a0106fbd9" providerId="ADAL" clId="{C410F7C1-205D-4591-95F1-05C694B00F48}" dt="2024-02-01T12:41:36.061" v="8" actId="2696"/>
+        <pc:sldMkLst>
+          <pc:docMk/>
+          <pc:sldMk cId="1133084570" sldId="316"/>
+        </pc:sldMkLst>
+      </pc:sldChg>
+      <pc:sldChg chg="del">
+        <pc:chgData name="Ihor Aleksandrov" userId="c3051032-6b87-4db2-b257-777a0106fbd9" providerId="ADAL" clId="{C410F7C1-205D-4591-95F1-05C694B00F48}" dt="2024-02-01T12:41:36.061" v="8" actId="2696"/>
+        <pc:sldMkLst>
+          <pc:docMk/>
+          <pc:sldMk cId="356788772" sldId="317"/>
+        </pc:sldMkLst>
+      </pc:sldChg>
+      <pc:sldChg chg="addSp delSp modSp add mod">
+        <pc:chgData name="Ihor Aleksandrov" userId="c3051032-6b87-4db2-b257-777a0106fbd9" providerId="ADAL" clId="{C410F7C1-205D-4591-95F1-05C694B00F48}" dt="2024-02-02T11:20:38.327" v="156" actId="20577"/>
+        <pc:sldMkLst>
+          <pc:docMk/>
+          <pc:sldMk cId="2689025171" sldId="317"/>
+        </pc:sldMkLst>
+        <pc:spChg chg="mod">
+          <ac:chgData name="Ihor Aleksandrov" userId="c3051032-6b87-4db2-b257-777a0106fbd9" providerId="ADAL" clId="{C410F7C1-205D-4591-95F1-05C694B00F48}" dt="2024-02-02T11:20:38.327" v="156" actId="20577"/>
+          <ac:spMkLst>
+            <pc:docMk/>
+            <pc:sldMk cId="2689025171" sldId="317"/>
+            <ac:spMk id="2" creationId="{53C5D828-9666-E312-B574-9FE965A7D6BE}"/>
+          </ac:spMkLst>
+        </pc:spChg>
+        <pc:picChg chg="add mod">
+          <ac:chgData name="Ihor Aleksandrov" userId="c3051032-6b87-4db2-b257-777a0106fbd9" providerId="ADAL" clId="{C410F7C1-205D-4591-95F1-05C694B00F48}" dt="2024-02-02T11:19:07.746" v="149" actId="1076"/>
+          <ac:picMkLst>
+            <pc:docMk/>
+            <pc:sldMk cId="2689025171" sldId="317"/>
+            <ac:picMk id="5" creationId="{323F2EC2-F203-FEDB-F7E0-AE9C8F083AFF}"/>
+          </ac:picMkLst>
+        </pc:picChg>
+        <pc:picChg chg="del">
+          <ac:chgData name="Ihor Aleksandrov" userId="c3051032-6b87-4db2-b257-777a0106fbd9" providerId="ADAL" clId="{C410F7C1-205D-4591-95F1-05C694B00F48}" dt="2024-02-02T11:17:50.119" v="141" actId="478"/>
+          <ac:picMkLst>
+            <pc:docMk/>
+            <pc:sldMk cId="2689025171" sldId="317"/>
+            <ac:picMk id="6" creationId="{0C9E6090-2EB5-167B-69B1-29BC280B19FF}"/>
+          </ac:picMkLst>
+        </pc:picChg>
+      </pc:sldChg>
+      <pc:sldChg chg="del">
+        <pc:chgData name="Ihor Aleksandrov" userId="c3051032-6b87-4db2-b257-777a0106fbd9" providerId="ADAL" clId="{C410F7C1-205D-4591-95F1-05C694B00F48}" dt="2024-02-01T12:41:36.061" v="8" actId="2696"/>
+        <pc:sldMkLst>
+          <pc:docMk/>
+          <pc:sldMk cId="2690505772" sldId="318"/>
+        </pc:sldMkLst>
+      </pc:sldChg>
+      <pc:sldChg chg="addSp delSp modSp add mod">
+        <pc:chgData name="Ihor Aleksandrov" userId="c3051032-6b87-4db2-b257-777a0106fbd9" providerId="ADAL" clId="{C410F7C1-205D-4591-95F1-05C694B00F48}" dt="2024-02-02T12:52:38.052" v="190" actId="1076"/>
+        <pc:sldMkLst>
+          <pc:docMk/>
+          <pc:sldMk cId="3962432003" sldId="318"/>
+        </pc:sldMkLst>
+        <pc:spChg chg="mod">
+          <ac:chgData name="Ihor Aleksandrov" userId="c3051032-6b87-4db2-b257-777a0106fbd9" providerId="ADAL" clId="{C410F7C1-205D-4591-95F1-05C694B00F48}" dt="2024-02-02T11:26:06.624" v="180" actId="20577"/>
+          <ac:spMkLst>
+            <pc:docMk/>
+            <pc:sldMk cId="3962432003" sldId="318"/>
+            <ac:spMk id="2" creationId="{53C5D828-9666-E312-B574-9FE965A7D6BE}"/>
+          </ac:spMkLst>
+        </pc:spChg>
+        <pc:picChg chg="del">
+          <ac:chgData name="Ihor Aleksandrov" userId="c3051032-6b87-4db2-b257-777a0106fbd9" providerId="ADAL" clId="{C410F7C1-205D-4591-95F1-05C694B00F48}" dt="2024-02-02T11:26:09.859" v="181" actId="478"/>
+          <ac:picMkLst>
+            <pc:docMk/>
+            <pc:sldMk cId="3962432003" sldId="318"/>
+            <ac:picMk id="5" creationId="{323F2EC2-F203-FEDB-F7E0-AE9C8F083AFF}"/>
+          </ac:picMkLst>
+        </pc:picChg>
+        <pc:picChg chg="add mod">
+          <ac:chgData name="Ihor Aleksandrov" userId="c3051032-6b87-4db2-b257-777a0106fbd9" providerId="ADAL" clId="{C410F7C1-205D-4591-95F1-05C694B00F48}" dt="2024-02-02T12:51:40.823" v="185" actId="1076"/>
+          <ac:picMkLst>
+            <pc:docMk/>
+            <pc:sldMk cId="3962432003" sldId="318"/>
+            <ac:picMk id="6" creationId="{6CE0DC01-884F-14E9-19A9-BFE03913D4A5}"/>
+          </ac:picMkLst>
+        </pc:picChg>
+        <pc:picChg chg="add mod">
+          <ac:chgData name="Ihor Aleksandrov" userId="c3051032-6b87-4db2-b257-777a0106fbd9" providerId="ADAL" clId="{C410F7C1-205D-4591-95F1-05C694B00F48}" dt="2024-02-02T12:52:38.052" v="190" actId="1076"/>
+          <ac:picMkLst>
+            <pc:docMk/>
+            <pc:sldMk cId="3962432003" sldId="318"/>
+            <ac:picMk id="8" creationId="{E4C6AC16-EBCB-F04F-FB78-E9853A14796C}"/>
+          </ac:picMkLst>
+        </pc:picChg>
+      </pc:sldChg>
+      <pc:sldChg chg="addSp delSp modSp add mod">
+        <pc:chgData name="Ihor Aleksandrov" userId="c3051032-6b87-4db2-b257-777a0106fbd9" providerId="ADAL" clId="{C410F7C1-205D-4591-95F1-05C694B00F48}" dt="2024-02-02T12:56:08.952" v="223" actId="11529"/>
+        <pc:sldMkLst>
+          <pc:docMk/>
+          <pc:sldMk cId="1453833506" sldId="319"/>
+        </pc:sldMkLst>
+        <pc:spChg chg="mod">
+          <ac:chgData name="Ihor Aleksandrov" userId="c3051032-6b87-4db2-b257-777a0106fbd9" providerId="ADAL" clId="{C410F7C1-205D-4591-95F1-05C694B00F48}" dt="2024-02-02T12:55:12.965" v="220" actId="20577"/>
+          <ac:spMkLst>
+            <pc:docMk/>
+            <pc:sldMk cId="1453833506" sldId="319"/>
+            <ac:spMk id="2" creationId="{53C5D828-9666-E312-B574-9FE965A7D6BE}"/>
+          </ac:spMkLst>
+        </pc:spChg>
+        <pc:spChg chg="add">
+          <ac:chgData name="Ihor Aleksandrov" userId="c3051032-6b87-4db2-b257-777a0106fbd9" providerId="ADAL" clId="{C410F7C1-205D-4591-95F1-05C694B00F48}" dt="2024-02-02T12:56:08.952" v="223" actId="11529"/>
+          <ac:spMkLst>
+            <pc:docMk/>
+            <pc:sldMk cId="1453833506" sldId="319"/>
+            <ac:spMk id="4" creationId="{107D3FF3-BFCA-F26A-7DC8-E1A5C69CE255}"/>
+          </ac:spMkLst>
+        </pc:spChg>
+        <pc:picChg chg="del">
+          <ac:chgData name="Ihor Aleksandrov" userId="c3051032-6b87-4db2-b257-777a0106fbd9" providerId="ADAL" clId="{C410F7C1-205D-4591-95F1-05C694B00F48}" dt="2024-02-02T12:55:14.695" v="221" actId="478"/>
+          <ac:picMkLst>
+            <pc:docMk/>
+            <pc:sldMk cId="1453833506" sldId="319"/>
+            <ac:picMk id="6" creationId="{6CE0DC01-884F-14E9-19A9-BFE03913D4A5}"/>
+          </ac:picMkLst>
+        </pc:picChg>
+        <pc:picChg chg="del">
+          <ac:chgData name="Ihor Aleksandrov" userId="c3051032-6b87-4db2-b257-777a0106fbd9" providerId="ADAL" clId="{C410F7C1-205D-4591-95F1-05C694B00F48}" dt="2024-02-02T12:55:16.619" v="222" actId="478"/>
+          <ac:picMkLst>
+            <pc:docMk/>
+            <pc:sldMk cId="1453833506" sldId="319"/>
+            <ac:picMk id="8" creationId="{E4C6AC16-EBCB-F04F-FB78-E9853A14796C}"/>
+          </ac:picMkLst>
+        </pc:picChg>
+      </pc:sldChg>
+      <pc:sldChg chg="del">
+        <pc:chgData name="Ihor Aleksandrov" userId="c3051032-6b87-4db2-b257-777a0106fbd9" providerId="ADAL" clId="{C410F7C1-205D-4591-95F1-05C694B00F48}" dt="2024-02-01T12:41:36.061" v="8" actId="2696"/>
+        <pc:sldMkLst>
+          <pc:docMk/>
+          <pc:sldMk cId="3618741339" sldId="319"/>
+        </pc:sldMkLst>
+      </pc:sldChg>
+      <pc:sldChg chg="del">
+        <pc:chgData name="Ihor Aleksandrov" userId="c3051032-6b87-4db2-b257-777a0106fbd9" providerId="ADAL" clId="{C410F7C1-205D-4591-95F1-05C694B00F48}" dt="2024-02-01T12:41:36.061" v="8" actId="2696"/>
+        <pc:sldMkLst>
+          <pc:docMk/>
+          <pc:sldMk cId="955539517" sldId="320"/>
+        </pc:sldMkLst>
+      </pc:sldChg>
+      <pc:sldChg chg="modSp add mod">
+        <pc:chgData name="Ihor Aleksandrov" userId="c3051032-6b87-4db2-b257-777a0106fbd9" providerId="ADAL" clId="{C410F7C1-205D-4591-95F1-05C694B00F48}" dt="2024-02-02T13:04:06.781" v="233" actId="20577"/>
+        <pc:sldMkLst>
+          <pc:docMk/>
+          <pc:sldMk cId="4046445197" sldId="320"/>
+        </pc:sldMkLst>
+        <pc:spChg chg="mod">
+          <ac:chgData name="Ihor Aleksandrov" userId="c3051032-6b87-4db2-b257-777a0106fbd9" providerId="ADAL" clId="{C410F7C1-205D-4591-95F1-05C694B00F48}" dt="2024-02-02T13:04:06.781" v="233" actId="20577"/>
+          <ac:spMkLst>
+            <pc:docMk/>
+            <pc:sldMk cId="4046445197" sldId="320"/>
+            <ac:spMk id="2" creationId="{53C5D828-9666-E312-B574-9FE965A7D6BE}"/>
+          </ac:spMkLst>
+        </pc:spChg>
+      </pc:sldChg>
+      <pc:sldChg chg="modSp add mod">
+        <pc:chgData name="Ihor Aleksandrov" userId="c3051032-6b87-4db2-b257-777a0106fbd9" providerId="ADAL" clId="{C410F7C1-205D-4591-95F1-05C694B00F48}" dt="2024-02-02T13:07:51.693" v="253" actId="20577"/>
+        <pc:sldMkLst>
+          <pc:docMk/>
+          <pc:sldMk cId="332551928" sldId="321"/>
+        </pc:sldMkLst>
+        <pc:spChg chg="mod">
+          <ac:chgData name="Ihor Aleksandrov" userId="c3051032-6b87-4db2-b257-777a0106fbd9" providerId="ADAL" clId="{C410F7C1-205D-4591-95F1-05C694B00F48}" dt="2024-02-02T13:07:51.693" v="253" actId="20577"/>
+          <ac:spMkLst>
+            <pc:docMk/>
+            <pc:sldMk cId="332551928" sldId="321"/>
+            <ac:spMk id="2" creationId="{53C5D828-9666-E312-B574-9FE965A7D6BE}"/>
+          </ac:spMkLst>
+        </pc:spChg>
+      </pc:sldChg>
+      <pc:sldChg chg="del">
+        <pc:chgData name="Ihor Aleksandrov" userId="c3051032-6b87-4db2-b257-777a0106fbd9" providerId="ADAL" clId="{C410F7C1-205D-4591-95F1-05C694B00F48}" dt="2024-02-01T12:41:36.061" v="8" actId="2696"/>
+        <pc:sldMkLst>
+          <pc:docMk/>
+          <pc:sldMk cId="3974958853" sldId="321"/>
+        </pc:sldMkLst>
+      </pc:sldChg>
+      <pc:sldChg chg="addSp delSp modSp add mod">
+        <pc:chgData name="Ihor Aleksandrov" userId="c3051032-6b87-4db2-b257-777a0106fbd9" providerId="ADAL" clId="{C410F7C1-205D-4591-95F1-05C694B00F48}" dt="2024-02-02T13:11:30.064" v="269" actId="1076"/>
+        <pc:sldMkLst>
+          <pc:docMk/>
+          <pc:sldMk cId="256048852" sldId="322"/>
+        </pc:sldMkLst>
+        <pc:spChg chg="mod">
+          <ac:chgData name="Ihor Aleksandrov" userId="c3051032-6b87-4db2-b257-777a0106fbd9" providerId="ADAL" clId="{C410F7C1-205D-4591-95F1-05C694B00F48}" dt="2024-02-02T13:10:12.450" v="262" actId="20577"/>
+          <ac:spMkLst>
+            <pc:docMk/>
+            <pc:sldMk cId="256048852" sldId="322"/>
             <ac:spMk id="2" creationId="{53C5D828-9666-E312-B574-9FE965A7D6BE}"/>
           </ac:spMkLst>
         </pc:spChg>
         <pc:spChg chg="del">
-          <ac:chgData name="Ihor Aleksandrov" userId="c3051032-6b87-4db2-b257-777a0106fbd9" providerId="ADAL" clId="{CD6A1DE1-ACF9-4B80-94F3-F58CA81605B6}" dt="2024-01-31T14:07:40.586" v="16" actId="478"/>
+          <ac:chgData name="Ihor Aleksandrov" userId="c3051032-6b87-4db2-b257-777a0106fbd9" providerId="ADAL" clId="{C410F7C1-205D-4591-95F1-05C694B00F48}" dt="2024-02-02T13:10:17.500" v="263" actId="478"/>
           <ac:spMkLst>
             <pc:docMk/>
-            <pc:sldMk cId="4197480136" sldId="268"/>
-            <ac:spMk id="4" creationId="{13451CDA-1490-D1A7-A07B-AFF3680A7469}"/>
+            <pc:sldMk cId="256048852" sldId="322"/>
+            <ac:spMk id="4" creationId="{107D3FF3-BFCA-F26A-7DC8-E1A5C69CE255}"/>
           </ac:spMkLst>
         </pc:spChg>
-        <pc:picChg chg="add del mod">
-          <ac:chgData name="Ihor Aleksandrov" userId="c3051032-6b87-4db2-b257-777a0106fbd9" providerId="ADAL" clId="{CD6A1DE1-ACF9-4B80-94F3-F58CA81605B6}" dt="2024-01-31T14:09:37.609" v="23" actId="478"/>
-          <ac:picMkLst>
-            <pc:docMk/>
-            <pc:sldMk cId="4197480136" sldId="268"/>
-            <ac:picMk id="5" creationId="{F0022280-0E09-E00E-9A77-DDC8C0BF78AC}"/>
-          </ac:picMkLst>
-        </pc:picChg>
         <pc:picChg chg="add mod">
-          <ac:chgData name="Ihor Aleksandrov" userId="c3051032-6b87-4db2-b257-777a0106fbd9" providerId="ADAL" clId="{CD6A1DE1-ACF9-4B80-94F3-F58CA81605B6}" dt="2024-01-31T14:09:46.445" v="28" actId="1076"/>
-          <ac:picMkLst>
-            <pc:docMk/>
-            <pc:sldMk cId="4197480136" sldId="268"/>
-            <ac:picMk id="6" creationId="{4159ACBD-A9C3-7371-B502-430612B37D57}"/>
-          </ac:picMkLst>
-        </pc:picChg>
-      </pc:sldChg>
-      <pc:sldChg chg="modSp mod">
-        <pc:chgData name="Ihor Aleksandrov" userId="c3051032-6b87-4db2-b257-777a0106fbd9" providerId="ADAL" clId="{CD6A1DE1-ACF9-4B80-94F3-F58CA81605B6}" dt="2024-01-31T09:08:12.162" v="1"/>
-        <pc:sldMkLst>
-          <pc:docMk/>
-          <pc:sldMk cId="2052164358" sldId="302"/>
+          <ac:chgData name="Ihor Aleksandrov" userId="c3051032-6b87-4db2-b257-777a0106fbd9" providerId="ADAL" clId="{C410F7C1-205D-4591-95F1-05C694B00F48}" dt="2024-02-02T13:10:46.078" v="266" actId="1076"/>
+          <ac:picMkLst>
+            <pc:docMk/>
+            <pc:sldMk cId="256048852" sldId="322"/>
+            <ac:picMk id="6" creationId="{540496AA-0B24-0040-9F44-BAFA2FCB0BAA}"/>
+          </ac:picMkLst>
+        </pc:picChg>
+        <pc:picChg chg="add mod">
+          <ac:chgData name="Ihor Aleksandrov" userId="c3051032-6b87-4db2-b257-777a0106fbd9" providerId="ADAL" clId="{C410F7C1-205D-4591-95F1-05C694B00F48}" dt="2024-02-02T13:11:30.064" v="269" actId="1076"/>
+          <ac:picMkLst>
+            <pc:docMk/>
+            <pc:sldMk cId="256048852" sldId="322"/>
+            <ac:picMk id="8" creationId="{658C3F76-54EF-576F-9F63-72AC8DC29881}"/>
+          </ac:picMkLst>
+        </pc:picChg>
+      </pc:sldChg>
+      <pc:sldChg chg="del">
+        <pc:chgData name="Ihor Aleksandrov" userId="c3051032-6b87-4db2-b257-777a0106fbd9" providerId="ADAL" clId="{C410F7C1-205D-4591-95F1-05C694B00F48}" dt="2024-02-01T12:41:36.061" v="8" actId="2696"/>
+        <pc:sldMkLst>
+          <pc:docMk/>
+          <pc:sldMk cId="3021423085" sldId="322"/>
+        </pc:sldMkLst>
+      </pc:sldChg>
+      <pc:sldChg chg="del">
+        <pc:chgData name="Ihor Aleksandrov" userId="c3051032-6b87-4db2-b257-777a0106fbd9" providerId="ADAL" clId="{C410F7C1-205D-4591-95F1-05C694B00F48}" dt="2024-02-01T12:41:36.061" v="8" actId="2696"/>
+        <pc:sldMkLst>
+          <pc:docMk/>
+          <pc:sldMk cId="816537371" sldId="323"/>
+        </pc:sldMkLst>
+      </pc:sldChg>
+      <pc:sldChg chg="modSp add mod ord">
+        <pc:chgData name="Ihor Aleksandrov" userId="c3051032-6b87-4db2-b257-777a0106fbd9" providerId="ADAL" clId="{C410F7C1-205D-4591-95F1-05C694B00F48}" dt="2024-02-02T13:16:46.348" v="293" actId="20577"/>
+        <pc:sldMkLst>
+          <pc:docMk/>
+          <pc:sldMk cId="1857131316" sldId="323"/>
         </pc:sldMkLst>
         <pc:spChg chg="mod">
-          <ac:chgData name="Ihor Aleksandrov" userId="c3051032-6b87-4db2-b257-777a0106fbd9" providerId="ADAL" clId="{CD6A1DE1-ACF9-4B80-94F3-F58CA81605B6}" dt="2024-01-31T09:08:12.162" v="1"/>
+          <ac:chgData name="Ihor Aleksandrov" userId="c3051032-6b87-4db2-b257-777a0106fbd9" providerId="ADAL" clId="{C410F7C1-205D-4591-95F1-05C694B00F48}" dt="2024-02-02T13:16:46.348" v="293" actId="20577"/>
           <ac:spMkLst>
             <pc:docMk/>
-            <pc:sldMk cId="2052164358" sldId="302"/>
-            <ac:spMk id="2" creationId="{5DF8ECE0-DBF5-C309-B35B-C6A0C6C847B2}"/>
-          </ac:spMkLst>
-        </pc:spChg>
-      </pc:sldChg>
-      <pc:sldChg chg="modSp">
-        <pc:chgData name="Ihor Aleksandrov" userId="c3051032-6b87-4db2-b257-777a0106fbd9" providerId="ADAL" clId="{CD6A1DE1-ACF9-4B80-94F3-F58CA81605B6}" dt="2024-01-31T16:36:06.805" v="251" actId="20577"/>
-        <pc:sldMkLst>
-          <pc:docMk/>
-          <pc:sldMk cId="2972731808" sldId="303"/>
-        </pc:sldMkLst>
-        <pc:graphicFrameChg chg="mod">
-          <ac:chgData name="Ihor Aleksandrov" userId="c3051032-6b87-4db2-b257-777a0106fbd9" providerId="ADAL" clId="{CD6A1DE1-ACF9-4B80-94F3-F58CA81605B6}" dt="2024-01-31T16:36:06.805" v="251" actId="20577"/>
-          <ac:graphicFrameMkLst>
-            <pc:docMk/>
-            <pc:sldMk cId="2972731808" sldId="303"/>
-            <ac:graphicFrameMk id="50" creationId="{438840ED-2B50-ED19-12CF-99B1789AE150}"/>
-          </ac:graphicFrameMkLst>
-        </pc:graphicFrameChg>
-      </pc:sldChg>
-      <pc:sldChg chg="add">
-        <pc:chgData name="Ihor Aleksandrov" userId="c3051032-6b87-4db2-b257-777a0106fbd9" providerId="ADAL" clId="{CD6A1DE1-ACF9-4B80-94F3-F58CA81605B6}" dt="2024-01-31T14:07:59.482" v="22" actId="2890"/>
-        <pc:sldMkLst>
-          <pc:docMk/>
-          <pc:sldMk cId="1009650064" sldId="304"/>
-        </pc:sldMkLst>
-      </pc:sldChg>
-      <pc:sldChg chg="del">
-        <pc:chgData name="Ihor Aleksandrov" userId="c3051032-6b87-4db2-b257-777a0106fbd9" providerId="ADAL" clId="{CD6A1DE1-ACF9-4B80-94F3-F58CA81605B6}" dt="2024-01-31T09:09:41.621" v="12" actId="2696"/>
-        <pc:sldMkLst>
-          <pc:docMk/>
-          <pc:sldMk cId="3549163878" sldId="304"/>
-        </pc:sldMkLst>
-      </pc:sldChg>
-      <pc:sldChg chg="addSp delSp modSp add mod">
-        <pc:chgData name="Ihor Aleksandrov" userId="c3051032-6b87-4db2-b257-777a0106fbd9" providerId="ADAL" clId="{CD6A1DE1-ACF9-4B80-94F3-F58CA81605B6}" dt="2024-01-31T14:17:45.758" v="45"/>
-        <pc:sldMkLst>
-          <pc:docMk/>
-          <pc:sldMk cId="3689973886" sldId="305"/>
-        </pc:sldMkLst>
-        <pc:spChg chg="mod">
-          <ac:chgData name="Ihor Aleksandrov" userId="c3051032-6b87-4db2-b257-777a0106fbd9" providerId="ADAL" clId="{CD6A1DE1-ACF9-4B80-94F3-F58CA81605B6}" dt="2024-01-31T14:17:45.758" v="45"/>
-          <ac:spMkLst>
-            <pc:docMk/>
-            <pc:sldMk cId="3689973886" sldId="305"/>
+            <pc:sldMk cId="1857131316" sldId="323"/>
             <ac:spMk id="2" creationId="{53C5D828-9666-E312-B574-9FE965A7D6BE}"/>
           </ac:spMkLst>
         </pc:spChg>
-        <pc:picChg chg="add mod">
-          <ac:chgData name="Ihor Aleksandrov" userId="c3051032-6b87-4db2-b257-777a0106fbd9" providerId="ADAL" clId="{CD6A1DE1-ACF9-4B80-94F3-F58CA81605B6}" dt="2024-01-31T14:15:35.700" v="44" actId="1076"/>
-          <ac:picMkLst>
-            <pc:docMk/>
-            <pc:sldMk cId="3689973886" sldId="305"/>
-            <ac:picMk id="5" creationId="{65983233-09CA-119D-EF1F-584282E32591}"/>
-          </ac:picMkLst>
-        </pc:picChg>
-        <pc:picChg chg="del">
-          <ac:chgData name="Ihor Aleksandrov" userId="c3051032-6b87-4db2-b257-777a0106fbd9" providerId="ADAL" clId="{CD6A1DE1-ACF9-4B80-94F3-F58CA81605B6}" dt="2024-01-31T14:15:27.455" v="40" actId="478"/>
-          <ac:picMkLst>
-            <pc:docMk/>
-            <pc:sldMk cId="3689973886" sldId="305"/>
-            <ac:picMk id="6" creationId="{4159ACBD-A9C3-7371-B502-430612B37D57}"/>
-          </ac:picMkLst>
-        </pc:picChg>
-      </pc:sldChg>
-      <pc:sldChg chg="del">
-        <pc:chgData name="Ihor Aleksandrov" userId="c3051032-6b87-4db2-b257-777a0106fbd9" providerId="ADAL" clId="{CD6A1DE1-ACF9-4B80-94F3-F58CA81605B6}" dt="2024-01-31T09:09:41.621" v="12" actId="2696"/>
-        <pc:sldMkLst>
-          <pc:docMk/>
-          <pc:sldMk cId="3859147720" sldId="305"/>
-        </pc:sldMkLst>
-      </pc:sldChg>
-      <pc:sldChg chg="del">
-        <pc:chgData name="Ihor Aleksandrov" userId="c3051032-6b87-4db2-b257-777a0106fbd9" providerId="ADAL" clId="{CD6A1DE1-ACF9-4B80-94F3-F58CA81605B6}" dt="2024-01-31T09:09:41.621" v="12" actId="2696"/>
-        <pc:sldMkLst>
-          <pc:docMk/>
-          <pc:sldMk cId="2864035387" sldId="306"/>
-        </pc:sldMkLst>
-      </pc:sldChg>
-      <pc:sldChg chg="addSp delSp modSp add mod">
-        <pc:chgData name="Ihor Aleksandrov" userId="c3051032-6b87-4db2-b257-777a0106fbd9" providerId="ADAL" clId="{CD6A1DE1-ACF9-4B80-94F3-F58CA81605B6}" dt="2024-01-31T14:19:42.222" v="51" actId="11529"/>
-        <pc:sldMkLst>
-          <pc:docMk/>
-          <pc:sldMk cId="2869883964" sldId="306"/>
+      </pc:sldChg>
+      <pc:sldChg chg="modSp add mod">
+        <pc:chgData name="Ihor Aleksandrov" userId="c3051032-6b87-4db2-b257-777a0106fbd9" providerId="ADAL" clId="{C410F7C1-205D-4591-95F1-05C694B00F48}" dt="2024-02-02T13:18:23.690" v="310" actId="14100"/>
+        <pc:sldMkLst>
+          <pc:docMk/>
+          <pc:sldMk cId="1026488598" sldId="324"/>
         </pc:sldMkLst>
         <pc:spChg chg="mod">
-          <ac:chgData name="Ihor Aleksandrov" userId="c3051032-6b87-4db2-b257-777a0106fbd9" providerId="ADAL" clId="{CD6A1DE1-ACF9-4B80-94F3-F58CA81605B6}" dt="2024-01-31T14:18:50.257" v="49"/>
+          <ac:chgData name="Ihor Aleksandrov" userId="c3051032-6b87-4db2-b257-777a0106fbd9" providerId="ADAL" clId="{C410F7C1-205D-4591-95F1-05C694B00F48}" dt="2024-02-02T13:18:23.690" v="310" actId="14100"/>
           <ac:spMkLst>
             <pc:docMk/>
-            <pc:sldMk cId="2869883964" sldId="306"/>
+            <pc:sldMk cId="1026488598" sldId="324"/>
             <ac:spMk id="2" creationId="{53C5D828-9666-E312-B574-9FE965A7D6BE}"/>
           </ac:spMkLst>
         </pc:spChg>
-        <pc:spChg chg="add">
-          <ac:chgData name="Ihor Aleksandrov" userId="c3051032-6b87-4db2-b257-777a0106fbd9" providerId="ADAL" clId="{CD6A1DE1-ACF9-4B80-94F3-F58CA81605B6}" dt="2024-01-31T14:19:42.222" v="51" actId="11529"/>
-          <ac:spMkLst>
-            <pc:docMk/>
-            <pc:sldMk cId="2869883964" sldId="306"/>
-            <ac:spMk id="4" creationId="{A7A10FCB-73CC-EC25-5BA2-8A25FEB14B6A}"/>
-          </ac:spMkLst>
-        </pc:spChg>
-        <pc:picChg chg="del">
-          <ac:chgData name="Ihor Aleksandrov" userId="c3051032-6b87-4db2-b257-777a0106fbd9" providerId="ADAL" clId="{CD6A1DE1-ACF9-4B80-94F3-F58CA81605B6}" dt="2024-01-31T14:19:35.964" v="50" actId="478"/>
-          <ac:picMkLst>
-            <pc:docMk/>
-            <pc:sldMk cId="2869883964" sldId="306"/>
-            <ac:picMk id="5" creationId="{65983233-09CA-119D-EF1F-584282E32591}"/>
-          </ac:picMkLst>
-        </pc:picChg>
-      </pc:sldChg>
-      <pc:sldChg chg="modSp add mod">
-        <pc:chgData name="Ihor Aleksandrov" userId="c3051032-6b87-4db2-b257-777a0106fbd9" providerId="ADAL" clId="{CD6A1DE1-ACF9-4B80-94F3-F58CA81605B6}" dt="2024-01-31T14:21:43.315" v="55"/>
-        <pc:sldMkLst>
-          <pc:docMk/>
-          <pc:sldMk cId="609281495" sldId="307"/>
-        </pc:sldMkLst>
-        <pc:spChg chg="mod">
-          <ac:chgData name="Ihor Aleksandrov" userId="c3051032-6b87-4db2-b257-777a0106fbd9" providerId="ADAL" clId="{CD6A1DE1-ACF9-4B80-94F3-F58CA81605B6}" dt="2024-01-31T14:21:43.315" v="55"/>
-          <ac:spMkLst>
-            <pc:docMk/>
-            <pc:sldMk cId="609281495" sldId="307"/>
-            <ac:spMk id="2" creationId="{53C5D828-9666-E312-B574-9FE965A7D6BE}"/>
-          </ac:spMkLst>
-        </pc:spChg>
       </pc:sldChg>
       <pc:sldChg chg="del">
-        <pc:chgData name="Ihor Aleksandrov" userId="c3051032-6b87-4db2-b257-777a0106fbd9" providerId="ADAL" clId="{CD6A1DE1-ACF9-4B80-94F3-F58CA81605B6}" dt="2024-01-31T09:09:41.621" v="12" actId="2696"/>
-        <pc:sldMkLst>
-          <pc:docMk/>
-          <pc:sldMk cId="1602066729" sldId="307"/>
-        </pc:sldMkLst>
-      </pc:sldChg>
-      <pc:sldChg chg="modSp add mod">
-        <pc:chgData name="Ihor Aleksandrov" userId="c3051032-6b87-4db2-b257-777a0106fbd9" providerId="ADAL" clId="{CD6A1DE1-ACF9-4B80-94F3-F58CA81605B6}" dt="2024-01-31T14:23:36.164" v="57"/>
-        <pc:sldMkLst>
-          <pc:docMk/>
-          <pc:sldMk cId="892253496" sldId="308"/>
-        </pc:sldMkLst>
-        <pc:spChg chg="mod">
-          <ac:chgData name="Ihor Aleksandrov" userId="c3051032-6b87-4db2-b257-777a0106fbd9" providerId="ADAL" clId="{CD6A1DE1-ACF9-4B80-94F3-F58CA81605B6}" dt="2024-01-31T14:23:36.164" v="57"/>
-          <ac:spMkLst>
-            <pc:docMk/>
-            <pc:sldMk cId="892253496" sldId="308"/>
-            <ac:spMk id="2" creationId="{53C5D828-9666-E312-B574-9FE965A7D6BE}"/>
-          </ac:spMkLst>
-        </pc:spChg>
-      </pc:sldChg>
-      <pc:sldChg chg="del">
-        <pc:chgData name="Ihor Aleksandrov" userId="c3051032-6b87-4db2-b257-777a0106fbd9" providerId="ADAL" clId="{CD6A1DE1-ACF9-4B80-94F3-F58CA81605B6}" dt="2024-01-31T09:09:41.621" v="12" actId="2696"/>
-        <pc:sldMkLst>
-          <pc:docMk/>
-          <pc:sldMk cId="3269251051" sldId="308"/>
-        </pc:sldMkLst>
-      </pc:sldChg>
-      <pc:sldChg chg="modSp add mod">
-        <pc:chgData name="Ihor Aleksandrov" userId="c3051032-6b87-4db2-b257-777a0106fbd9" providerId="ADAL" clId="{CD6A1DE1-ACF9-4B80-94F3-F58CA81605B6}" dt="2024-01-31T14:28:00.006" v="68" actId="6549"/>
-        <pc:sldMkLst>
-          <pc:docMk/>
-          <pc:sldMk cId="322251114" sldId="309"/>
-        </pc:sldMkLst>
-        <pc:spChg chg="mod">
-          <ac:chgData name="Ihor Aleksandrov" userId="c3051032-6b87-4db2-b257-777a0106fbd9" providerId="ADAL" clId="{CD6A1DE1-ACF9-4B80-94F3-F58CA81605B6}" dt="2024-01-31T14:28:00.006" v="68" actId="6549"/>
-          <ac:spMkLst>
-            <pc:docMk/>
-            <pc:sldMk cId="322251114" sldId="309"/>
-            <ac:spMk id="2" creationId="{53C5D828-9666-E312-B574-9FE965A7D6BE}"/>
-          </ac:spMkLst>
-        </pc:spChg>
-      </pc:sldChg>
-      <pc:sldChg chg="del">
-        <pc:chgData name="Ihor Aleksandrov" userId="c3051032-6b87-4db2-b257-777a0106fbd9" providerId="ADAL" clId="{CD6A1DE1-ACF9-4B80-94F3-F58CA81605B6}" dt="2024-01-31T09:09:41.621" v="12" actId="2696"/>
-        <pc:sldMkLst>
-          <pc:docMk/>
-          <pc:sldMk cId="1192723176" sldId="309"/>
-        </pc:sldMkLst>
-      </pc:sldChg>
-      <pc:sldChg chg="del">
-        <pc:chgData name="Ihor Aleksandrov" userId="c3051032-6b87-4db2-b257-777a0106fbd9" providerId="ADAL" clId="{CD6A1DE1-ACF9-4B80-94F3-F58CA81605B6}" dt="2024-01-31T09:09:41.621" v="12" actId="2696"/>
-        <pc:sldMkLst>
-          <pc:docMk/>
-          <pc:sldMk cId="349494834" sldId="310"/>
-        </pc:sldMkLst>
-      </pc:sldChg>
-      <pc:sldChg chg="modSp add mod">
-        <pc:chgData name="Ihor Aleksandrov" userId="c3051032-6b87-4db2-b257-777a0106fbd9" providerId="ADAL" clId="{CD6A1DE1-ACF9-4B80-94F3-F58CA81605B6}" dt="2024-01-31T14:41:19.484" v="113" actId="20577"/>
-        <pc:sldMkLst>
-          <pc:docMk/>
-          <pc:sldMk cId="3511455361" sldId="310"/>
-        </pc:sldMkLst>
-        <pc:spChg chg="mod">
-          <ac:chgData name="Ihor Aleksandrov" userId="c3051032-6b87-4db2-b257-777a0106fbd9" providerId="ADAL" clId="{CD6A1DE1-ACF9-4B80-94F3-F58CA81605B6}" dt="2024-01-31T14:41:19.484" v="113" actId="20577"/>
-          <ac:spMkLst>
-            <pc:docMk/>
-            <pc:sldMk cId="3511455361" sldId="310"/>
-            <ac:spMk id="2" creationId="{53C5D828-9666-E312-B574-9FE965A7D6BE}"/>
-          </ac:spMkLst>
-        </pc:spChg>
-      </pc:sldChg>
-      <pc:sldChg chg="del">
-        <pc:chgData name="Ihor Aleksandrov" userId="c3051032-6b87-4db2-b257-777a0106fbd9" providerId="ADAL" clId="{CD6A1DE1-ACF9-4B80-94F3-F58CA81605B6}" dt="2024-01-31T09:09:41.621" v="12" actId="2696"/>
-        <pc:sldMkLst>
-          <pc:docMk/>
-          <pc:sldMk cId="499114694" sldId="311"/>
-        </pc:sldMkLst>
-      </pc:sldChg>
-      <pc:sldChg chg="modSp add mod">
-        <pc:chgData name="Ihor Aleksandrov" userId="c3051032-6b87-4db2-b257-777a0106fbd9" providerId="ADAL" clId="{CD6A1DE1-ACF9-4B80-94F3-F58CA81605B6}" dt="2024-01-31T14:45:28.900" v="115"/>
-        <pc:sldMkLst>
-          <pc:docMk/>
-          <pc:sldMk cId="1118882355" sldId="311"/>
-        </pc:sldMkLst>
-        <pc:spChg chg="mod">
-          <ac:chgData name="Ihor Aleksandrov" userId="c3051032-6b87-4db2-b257-777a0106fbd9" providerId="ADAL" clId="{CD6A1DE1-ACF9-4B80-94F3-F58CA81605B6}" dt="2024-01-31T14:45:28.900" v="115"/>
-          <ac:spMkLst>
-            <pc:docMk/>
-            <pc:sldMk cId="1118882355" sldId="311"/>
-            <ac:spMk id="2" creationId="{53C5D828-9666-E312-B574-9FE965A7D6BE}"/>
-          </ac:spMkLst>
-        </pc:spChg>
-      </pc:sldChg>
-      <pc:sldChg chg="del">
-        <pc:chgData name="Ihor Aleksandrov" userId="c3051032-6b87-4db2-b257-777a0106fbd9" providerId="ADAL" clId="{CD6A1DE1-ACF9-4B80-94F3-F58CA81605B6}" dt="2024-01-31T09:09:41.621" v="12" actId="2696"/>
-        <pc:sldMkLst>
-          <pc:docMk/>
-          <pc:sldMk cId="270713766" sldId="312"/>
-        </pc:sldMkLst>
-      </pc:sldChg>
-      <pc:sldChg chg="modSp add mod">
-        <pc:chgData name="Ihor Aleksandrov" userId="c3051032-6b87-4db2-b257-777a0106fbd9" providerId="ADAL" clId="{CD6A1DE1-ACF9-4B80-94F3-F58CA81605B6}" dt="2024-01-31T14:47:18.694" v="119"/>
-        <pc:sldMkLst>
-          <pc:docMk/>
-          <pc:sldMk cId="804494040" sldId="312"/>
-        </pc:sldMkLst>
-        <pc:spChg chg="mod">
-          <ac:chgData name="Ihor Aleksandrov" userId="c3051032-6b87-4db2-b257-777a0106fbd9" providerId="ADAL" clId="{CD6A1DE1-ACF9-4B80-94F3-F58CA81605B6}" dt="2024-01-31T14:47:18.694" v="119"/>
-          <ac:spMkLst>
-            <pc:docMk/>
-            <pc:sldMk cId="804494040" sldId="312"/>
-            <ac:spMk id="2" creationId="{53C5D828-9666-E312-B574-9FE965A7D6BE}"/>
-          </ac:spMkLst>
-        </pc:spChg>
-      </pc:sldChg>
-      <pc:sldChg chg="modSp add mod">
-        <pc:chgData name="Ihor Aleksandrov" userId="c3051032-6b87-4db2-b257-777a0106fbd9" providerId="ADAL" clId="{CD6A1DE1-ACF9-4B80-94F3-F58CA81605B6}" dt="2024-01-31T14:49:19.729" v="125"/>
-        <pc:sldMkLst>
-          <pc:docMk/>
-          <pc:sldMk cId="516861898" sldId="313"/>
-        </pc:sldMkLst>
-        <pc:spChg chg="mod">
-          <ac:chgData name="Ihor Aleksandrov" userId="c3051032-6b87-4db2-b257-777a0106fbd9" providerId="ADAL" clId="{CD6A1DE1-ACF9-4B80-94F3-F58CA81605B6}" dt="2024-01-31T14:49:19.729" v="125"/>
-          <ac:spMkLst>
-            <pc:docMk/>
-            <pc:sldMk cId="516861898" sldId="313"/>
-            <ac:spMk id="2" creationId="{53C5D828-9666-E312-B574-9FE965A7D6BE}"/>
-          </ac:spMkLst>
-        </pc:spChg>
-      </pc:sldChg>
-      <pc:sldChg chg="del">
-        <pc:chgData name="Ihor Aleksandrov" userId="c3051032-6b87-4db2-b257-777a0106fbd9" providerId="ADAL" clId="{CD6A1DE1-ACF9-4B80-94F3-F58CA81605B6}" dt="2024-01-31T09:09:41.621" v="12" actId="2696"/>
-        <pc:sldMkLst>
-          <pc:docMk/>
-          <pc:sldMk cId="3773115567" sldId="313"/>
-        </pc:sldMkLst>
-      </pc:sldChg>
-      <pc:sldChg chg="del">
-        <pc:chgData name="Ihor Aleksandrov" userId="c3051032-6b87-4db2-b257-777a0106fbd9" providerId="ADAL" clId="{CD6A1DE1-ACF9-4B80-94F3-F58CA81605B6}" dt="2024-01-31T09:09:41.621" v="12" actId="2696"/>
-        <pc:sldMkLst>
-          <pc:docMk/>
-          <pc:sldMk cId="141045630" sldId="314"/>
-        </pc:sldMkLst>
-      </pc:sldChg>
-      <pc:sldChg chg="addSp delSp modSp add mod">
-        <pc:chgData name="Ihor Aleksandrov" userId="c3051032-6b87-4db2-b257-777a0106fbd9" providerId="ADAL" clId="{CD6A1DE1-ACF9-4B80-94F3-F58CA81605B6}" dt="2024-01-31T15:01:29.780" v="129" actId="22"/>
-        <pc:sldMkLst>
-          <pc:docMk/>
-          <pc:sldMk cId="3021580720" sldId="314"/>
-        </pc:sldMkLst>
-        <pc:spChg chg="mod">
-          <ac:chgData name="Ihor Aleksandrov" userId="c3051032-6b87-4db2-b257-777a0106fbd9" providerId="ADAL" clId="{CD6A1DE1-ACF9-4B80-94F3-F58CA81605B6}" dt="2024-01-31T14:57:18.485" v="127"/>
-          <ac:spMkLst>
-            <pc:docMk/>
-            <pc:sldMk cId="3021580720" sldId="314"/>
-            <ac:spMk id="2" creationId="{53C5D828-9666-E312-B574-9FE965A7D6BE}"/>
-          </ac:spMkLst>
-        </pc:spChg>
-        <pc:spChg chg="add del">
-          <ac:chgData name="Ihor Aleksandrov" userId="c3051032-6b87-4db2-b257-777a0106fbd9" providerId="ADAL" clId="{CD6A1DE1-ACF9-4B80-94F3-F58CA81605B6}" dt="2024-01-31T15:01:29.780" v="129" actId="22"/>
-          <ac:spMkLst>
-            <pc:docMk/>
-            <pc:sldMk cId="3021580720" sldId="314"/>
-            <ac:spMk id="6" creationId="{F057BD1F-14DA-AC1C-4B2D-1E5D44A96B3F}"/>
-          </ac:spMkLst>
-        </pc:spChg>
-      </pc:sldChg>
-      <pc:sldChg chg="del">
-        <pc:chgData name="Ihor Aleksandrov" userId="c3051032-6b87-4db2-b257-777a0106fbd9" providerId="ADAL" clId="{CD6A1DE1-ACF9-4B80-94F3-F58CA81605B6}" dt="2024-01-31T09:09:41.621" v="12" actId="2696"/>
-        <pc:sldMkLst>
-          <pc:docMk/>
-          <pc:sldMk cId="1532481946" sldId="315"/>
-        </pc:sldMkLst>
-      </pc:sldChg>
-      <pc:sldChg chg="modSp add mod">
-        <pc:chgData name="Ihor Aleksandrov" userId="c3051032-6b87-4db2-b257-777a0106fbd9" providerId="ADAL" clId="{CD6A1DE1-ACF9-4B80-94F3-F58CA81605B6}" dt="2024-01-31T15:01:47.443" v="136" actId="20577"/>
-        <pc:sldMkLst>
-          <pc:docMk/>
-          <pc:sldMk cId="1571930096" sldId="315"/>
-        </pc:sldMkLst>
-        <pc:spChg chg="mod">
-          <ac:chgData name="Ihor Aleksandrov" userId="c3051032-6b87-4db2-b257-777a0106fbd9" providerId="ADAL" clId="{CD6A1DE1-ACF9-4B80-94F3-F58CA81605B6}" dt="2024-01-31T15:01:47.443" v="136" actId="20577"/>
-          <ac:spMkLst>
-            <pc:docMk/>
-            <pc:sldMk cId="1571930096" sldId="315"/>
-            <ac:spMk id="2" creationId="{53C5D828-9666-E312-B574-9FE965A7D6BE}"/>
-          </ac:spMkLst>
-        </pc:spChg>
-      </pc:sldChg>
-      <pc:sldChg chg="modSp add mod">
-        <pc:chgData name="Ihor Aleksandrov" userId="c3051032-6b87-4db2-b257-777a0106fbd9" providerId="ADAL" clId="{CD6A1DE1-ACF9-4B80-94F3-F58CA81605B6}" dt="2024-01-31T15:03:02.352" v="159" actId="14100"/>
-        <pc:sldMkLst>
-          <pc:docMk/>
-          <pc:sldMk cId="1133084570" sldId="316"/>
-        </pc:sldMkLst>
-        <pc:spChg chg="mod">
-          <ac:chgData name="Ihor Aleksandrov" userId="c3051032-6b87-4db2-b257-777a0106fbd9" providerId="ADAL" clId="{CD6A1DE1-ACF9-4B80-94F3-F58CA81605B6}" dt="2024-01-31T15:03:02.352" v="159" actId="14100"/>
-          <ac:spMkLst>
-            <pc:docMk/>
-            <pc:sldMk cId="1133084570" sldId="316"/>
-            <ac:spMk id="2" creationId="{53C5D828-9666-E312-B574-9FE965A7D6BE}"/>
-          </ac:spMkLst>
-        </pc:spChg>
-      </pc:sldChg>
-      <pc:sldChg chg="del">
-        <pc:chgData name="Ihor Aleksandrov" userId="c3051032-6b87-4db2-b257-777a0106fbd9" providerId="ADAL" clId="{CD6A1DE1-ACF9-4B80-94F3-F58CA81605B6}" dt="2024-01-31T09:09:41.621" v="12" actId="2696"/>
-        <pc:sldMkLst>
-          <pc:docMk/>
-          <pc:sldMk cId="2524846561" sldId="316"/>
-        </pc:sldMkLst>
-      </pc:sldChg>
-      <pc:sldChg chg="del">
-        <pc:chgData name="Ihor Aleksandrov" userId="c3051032-6b87-4db2-b257-777a0106fbd9" providerId="ADAL" clId="{CD6A1DE1-ACF9-4B80-94F3-F58CA81605B6}" dt="2024-01-31T09:09:41.621" v="12" actId="2696"/>
-        <pc:sldMkLst>
-          <pc:docMk/>
-          <pc:sldMk cId="340892873" sldId="317"/>
-        </pc:sldMkLst>
-      </pc:sldChg>
-      <pc:sldChg chg="modSp add mod">
-        <pc:chgData name="Ihor Aleksandrov" userId="c3051032-6b87-4db2-b257-777a0106fbd9" providerId="ADAL" clId="{CD6A1DE1-ACF9-4B80-94F3-F58CA81605B6}" dt="2024-01-31T15:06:04.633" v="164" actId="20577"/>
-        <pc:sldMkLst>
-          <pc:docMk/>
-          <pc:sldMk cId="356788772" sldId="317"/>
-        </pc:sldMkLst>
-        <pc:spChg chg="mod">
-          <ac:chgData name="Ihor Aleksandrov" userId="c3051032-6b87-4db2-b257-777a0106fbd9" providerId="ADAL" clId="{CD6A1DE1-ACF9-4B80-94F3-F58CA81605B6}" dt="2024-01-31T15:06:04.633" v="164" actId="20577"/>
-          <ac:spMkLst>
-            <pc:docMk/>
-            <pc:sldMk cId="356788772" sldId="317"/>
-            <ac:spMk id="2" creationId="{53C5D828-9666-E312-B574-9FE965A7D6BE}"/>
-          </ac:spMkLst>
-        </pc:spChg>
-      </pc:sldChg>
-      <pc:sldChg chg="del">
-        <pc:chgData name="Ihor Aleksandrov" userId="c3051032-6b87-4db2-b257-777a0106fbd9" providerId="ADAL" clId="{CD6A1DE1-ACF9-4B80-94F3-F58CA81605B6}" dt="2024-01-31T09:09:41.621" v="12" actId="2696"/>
-        <pc:sldMkLst>
-          <pc:docMk/>
-          <pc:sldMk cId="1315442765" sldId="318"/>
-        </pc:sldMkLst>
-      </pc:sldChg>
-      <pc:sldChg chg="modSp add mod ord">
-        <pc:chgData name="Ihor Aleksandrov" userId="c3051032-6b87-4db2-b257-777a0106fbd9" providerId="ADAL" clId="{CD6A1DE1-ACF9-4B80-94F3-F58CA81605B6}" dt="2024-01-31T16:18:42.992" v="170"/>
-        <pc:sldMkLst>
-          <pc:docMk/>
-          <pc:sldMk cId="2690505772" sldId="318"/>
-        </pc:sldMkLst>
-        <pc:spChg chg="mod">
-          <ac:chgData name="Ihor Aleksandrov" userId="c3051032-6b87-4db2-b257-777a0106fbd9" providerId="ADAL" clId="{CD6A1DE1-ACF9-4B80-94F3-F58CA81605B6}" dt="2024-01-31T16:18:42.992" v="170"/>
-          <ac:spMkLst>
-            <pc:docMk/>
-            <pc:sldMk cId="2690505772" sldId="318"/>
-            <ac:spMk id="2" creationId="{18C18207-A109-5552-1541-0ABBAA316282}"/>
-          </ac:spMkLst>
-        </pc:spChg>
-      </pc:sldChg>
-      <pc:sldChg chg="del">
-        <pc:chgData name="Ihor Aleksandrov" userId="c3051032-6b87-4db2-b257-777a0106fbd9" providerId="ADAL" clId="{CD6A1DE1-ACF9-4B80-94F3-F58CA81605B6}" dt="2024-01-31T09:09:41.621" v="12" actId="2696"/>
-        <pc:sldMkLst>
-          <pc:docMk/>
-          <pc:sldMk cId="2257188714" sldId="319"/>
-        </pc:sldMkLst>
-      </pc:sldChg>
-      <pc:sldChg chg="addSp delSp modSp add mod ord">
-        <pc:chgData name="Ihor Aleksandrov" userId="c3051032-6b87-4db2-b257-777a0106fbd9" providerId="ADAL" clId="{CD6A1DE1-ACF9-4B80-94F3-F58CA81605B6}" dt="2024-01-31T16:20:55.716" v="179" actId="1076"/>
-        <pc:sldMkLst>
-          <pc:docMk/>
-          <pc:sldMk cId="3618741339" sldId="319"/>
-        </pc:sldMkLst>
-        <pc:spChg chg="mod">
-          <ac:chgData name="Ihor Aleksandrov" userId="c3051032-6b87-4db2-b257-777a0106fbd9" providerId="ADAL" clId="{CD6A1DE1-ACF9-4B80-94F3-F58CA81605B6}" dt="2024-01-31T16:20:19.318" v="174"/>
-          <ac:spMkLst>
-            <pc:docMk/>
-            <pc:sldMk cId="3618741339" sldId="319"/>
-            <ac:spMk id="2" creationId="{53C5D828-9666-E312-B574-9FE965A7D6BE}"/>
-          </ac:spMkLst>
-        </pc:spChg>
-        <pc:spChg chg="del">
-          <ac:chgData name="Ihor Aleksandrov" userId="c3051032-6b87-4db2-b257-777a0106fbd9" providerId="ADAL" clId="{CD6A1DE1-ACF9-4B80-94F3-F58CA81605B6}" dt="2024-01-31T16:20:22.303" v="175" actId="478"/>
-          <ac:spMkLst>
-            <pc:docMk/>
-            <pc:sldMk cId="3618741339" sldId="319"/>
-            <ac:spMk id="4" creationId="{A7A10FCB-73CC-EC25-5BA2-8A25FEB14B6A}"/>
-          </ac:spMkLst>
-        </pc:spChg>
-        <pc:picChg chg="add mod">
-          <ac:chgData name="Ihor Aleksandrov" userId="c3051032-6b87-4db2-b257-777a0106fbd9" providerId="ADAL" clId="{CD6A1DE1-ACF9-4B80-94F3-F58CA81605B6}" dt="2024-01-31T16:20:55.716" v="179" actId="1076"/>
-          <ac:picMkLst>
-            <pc:docMk/>
-            <pc:sldMk cId="3618741339" sldId="319"/>
-            <ac:picMk id="5" creationId="{F532E8B4-0BE7-0CB3-9EF5-566DC21B1A9C}"/>
-          </ac:picMkLst>
-        </pc:picChg>
-      </pc:sldChg>
-      <pc:sldChg chg="addSp delSp modSp add mod">
-        <pc:chgData name="Ihor Aleksandrov" userId="c3051032-6b87-4db2-b257-777a0106fbd9" providerId="ADAL" clId="{CD6A1DE1-ACF9-4B80-94F3-F58CA81605B6}" dt="2024-01-31T16:23:53.931" v="186" actId="1076"/>
-        <pc:sldMkLst>
-          <pc:docMk/>
-          <pc:sldMk cId="955539517" sldId="320"/>
-        </pc:sldMkLst>
-        <pc:spChg chg="mod">
-          <ac:chgData name="Ihor Aleksandrov" userId="c3051032-6b87-4db2-b257-777a0106fbd9" providerId="ADAL" clId="{CD6A1DE1-ACF9-4B80-94F3-F58CA81605B6}" dt="2024-01-31T16:23:45.804" v="183"/>
-          <ac:spMkLst>
-            <pc:docMk/>
-            <pc:sldMk cId="955539517" sldId="320"/>
-            <ac:spMk id="2" creationId="{53C5D828-9666-E312-B574-9FE965A7D6BE}"/>
-          </ac:spMkLst>
-        </pc:spChg>
-        <pc:picChg chg="add mod">
-          <ac:chgData name="Ihor Aleksandrov" userId="c3051032-6b87-4db2-b257-777a0106fbd9" providerId="ADAL" clId="{CD6A1DE1-ACF9-4B80-94F3-F58CA81605B6}" dt="2024-01-31T16:23:53.931" v="186" actId="1076"/>
-          <ac:picMkLst>
-            <pc:docMk/>
-            <pc:sldMk cId="955539517" sldId="320"/>
-            <ac:picMk id="4" creationId="{28A2D3FD-7D05-8035-871B-BC18824DA49F}"/>
-          </ac:picMkLst>
-        </pc:picChg>
-        <pc:picChg chg="del">
-          <ac:chgData name="Ihor Aleksandrov" userId="c3051032-6b87-4db2-b257-777a0106fbd9" providerId="ADAL" clId="{CD6A1DE1-ACF9-4B80-94F3-F58CA81605B6}" dt="2024-01-31T16:23:47.155" v="184" actId="478"/>
-          <ac:picMkLst>
-            <pc:docMk/>
-            <pc:sldMk cId="955539517" sldId="320"/>
-            <ac:picMk id="5" creationId="{F532E8B4-0BE7-0CB3-9EF5-566DC21B1A9C}"/>
-          </ac:picMkLst>
-        </pc:picChg>
-      </pc:sldChg>
-      <pc:sldChg chg="del">
-        <pc:chgData name="Ihor Aleksandrov" userId="c3051032-6b87-4db2-b257-777a0106fbd9" providerId="ADAL" clId="{CD6A1DE1-ACF9-4B80-94F3-F58CA81605B6}" dt="2024-01-31T09:09:41.621" v="12" actId="2696"/>
-        <pc:sldMkLst>
-          <pc:docMk/>
-          <pc:sldMk cId="2940295210" sldId="320"/>
-        </pc:sldMkLst>
-      </pc:sldChg>
-      <pc:sldChg chg="del">
-        <pc:chgData name="Ihor Aleksandrov" userId="c3051032-6b87-4db2-b257-777a0106fbd9" providerId="ADAL" clId="{CD6A1DE1-ACF9-4B80-94F3-F58CA81605B6}" dt="2024-01-31T09:09:41.621" v="12" actId="2696"/>
-        <pc:sldMkLst>
-          <pc:docMk/>
-          <pc:sldMk cId="2741142378" sldId="321"/>
-        </pc:sldMkLst>
-      </pc:sldChg>
-      <pc:sldChg chg="addSp delSp modSp add mod">
-        <pc:chgData name="Ihor Aleksandrov" userId="c3051032-6b87-4db2-b257-777a0106fbd9" providerId="ADAL" clId="{CD6A1DE1-ACF9-4B80-94F3-F58CA81605B6}" dt="2024-01-31T16:27:29.733" v="196" actId="1076"/>
-        <pc:sldMkLst>
-          <pc:docMk/>
-          <pc:sldMk cId="3974958853" sldId="321"/>
-        </pc:sldMkLst>
-        <pc:spChg chg="mod">
-          <ac:chgData name="Ihor Aleksandrov" userId="c3051032-6b87-4db2-b257-777a0106fbd9" providerId="ADAL" clId="{CD6A1DE1-ACF9-4B80-94F3-F58CA81605B6}" dt="2024-01-31T16:27:07.186" v="192"/>
-          <ac:spMkLst>
-            <pc:docMk/>
-            <pc:sldMk cId="3974958853" sldId="321"/>
-            <ac:spMk id="2" creationId="{53C5D828-9666-E312-B574-9FE965A7D6BE}"/>
-          </ac:spMkLst>
-        </pc:spChg>
-        <pc:picChg chg="del">
-          <ac:chgData name="Ihor Aleksandrov" userId="c3051032-6b87-4db2-b257-777a0106fbd9" providerId="ADAL" clId="{CD6A1DE1-ACF9-4B80-94F3-F58CA81605B6}" dt="2024-01-31T16:27:22.384" v="193" actId="478"/>
-          <ac:picMkLst>
-            <pc:docMk/>
-            <pc:sldMk cId="3974958853" sldId="321"/>
-            <ac:picMk id="4" creationId="{28A2D3FD-7D05-8035-871B-BC18824DA49F}"/>
-          </ac:picMkLst>
-        </pc:picChg>
-        <pc:picChg chg="add mod">
-          <ac:chgData name="Ihor Aleksandrov" userId="c3051032-6b87-4db2-b257-777a0106fbd9" providerId="ADAL" clId="{CD6A1DE1-ACF9-4B80-94F3-F58CA81605B6}" dt="2024-01-31T16:27:29.733" v="196" actId="1076"/>
-          <ac:picMkLst>
-            <pc:docMk/>
-            <pc:sldMk cId="3974958853" sldId="321"/>
-            <ac:picMk id="6" creationId="{B6424C26-77F8-976F-095A-C034C68F13F1}"/>
-          </ac:picMkLst>
-        </pc:picChg>
-      </pc:sldChg>
-      <pc:sldChg chg="del">
-        <pc:chgData name="Ihor Aleksandrov" userId="c3051032-6b87-4db2-b257-777a0106fbd9" providerId="ADAL" clId="{CD6A1DE1-ACF9-4B80-94F3-F58CA81605B6}" dt="2024-01-31T09:09:41.621" v="12" actId="2696"/>
-        <pc:sldMkLst>
-          <pc:docMk/>
-          <pc:sldMk cId="1250702623" sldId="322"/>
-        </pc:sldMkLst>
-      </pc:sldChg>
-      <pc:sldChg chg="addSp delSp modSp add mod">
-        <pc:chgData name="Ihor Aleksandrov" userId="c3051032-6b87-4db2-b257-777a0106fbd9" providerId="ADAL" clId="{CD6A1DE1-ACF9-4B80-94F3-F58CA81605B6}" dt="2024-01-31T16:30:11.818" v="204"/>
-        <pc:sldMkLst>
-          <pc:docMk/>
-          <pc:sldMk cId="3021423085" sldId="322"/>
-        </pc:sldMkLst>
-        <pc:spChg chg="mod">
-          <ac:chgData name="Ihor Aleksandrov" userId="c3051032-6b87-4db2-b257-777a0106fbd9" providerId="ADAL" clId="{CD6A1DE1-ACF9-4B80-94F3-F58CA81605B6}" dt="2024-01-31T16:30:11.818" v="204"/>
-          <ac:spMkLst>
-            <pc:docMk/>
-            <pc:sldMk cId="3021423085" sldId="322"/>
-            <ac:spMk id="2" creationId="{53C5D828-9666-E312-B574-9FE965A7D6BE}"/>
-          </ac:spMkLst>
-        </pc:spChg>
-        <pc:picChg chg="add mod">
-          <ac:chgData name="Ihor Aleksandrov" userId="c3051032-6b87-4db2-b257-777a0106fbd9" providerId="ADAL" clId="{CD6A1DE1-ACF9-4B80-94F3-F58CA81605B6}" dt="2024-01-31T16:29:33.614" v="201" actId="1076"/>
-          <ac:picMkLst>
-            <pc:docMk/>
-            <pc:sldMk cId="3021423085" sldId="322"/>
-            <ac:picMk id="5" creationId="{79E04EF6-B44B-E770-0D59-0AE9905B0613}"/>
-          </ac:picMkLst>
-        </pc:picChg>
-        <pc:picChg chg="del">
-          <ac:chgData name="Ihor Aleksandrov" userId="c3051032-6b87-4db2-b257-777a0106fbd9" providerId="ADAL" clId="{CD6A1DE1-ACF9-4B80-94F3-F58CA81605B6}" dt="2024-01-31T16:29:27.557" v="198" actId="478"/>
-          <ac:picMkLst>
-            <pc:docMk/>
-            <pc:sldMk cId="3021423085" sldId="322"/>
-            <ac:picMk id="6" creationId="{B6424C26-77F8-976F-095A-C034C68F13F1}"/>
-          </ac:picMkLst>
-        </pc:picChg>
-      </pc:sldChg>
-      <pc:sldChg chg="addSp delSp modSp add mod">
-        <pc:chgData name="Ihor Aleksandrov" userId="c3051032-6b87-4db2-b257-777a0106fbd9" providerId="ADAL" clId="{CD6A1DE1-ACF9-4B80-94F3-F58CA81605B6}" dt="2024-01-31T16:32:26.979" v="210" actId="11529"/>
-        <pc:sldMkLst>
-          <pc:docMk/>
-          <pc:sldMk cId="816537371" sldId="323"/>
-        </pc:sldMkLst>
-        <pc:spChg chg="mod">
-          <ac:chgData name="Ihor Aleksandrov" userId="c3051032-6b87-4db2-b257-777a0106fbd9" providerId="ADAL" clId="{CD6A1DE1-ACF9-4B80-94F3-F58CA81605B6}" dt="2024-01-31T16:32:20.906" v="208"/>
-          <ac:spMkLst>
-            <pc:docMk/>
-            <pc:sldMk cId="816537371" sldId="323"/>
-            <ac:spMk id="2" creationId="{53C5D828-9666-E312-B574-9FE965A7D6BE}"/>
-          </ac:spMkLst>
-        </pc:spChg>
-        <pc:spChg chg="add">
-          <ac:chgData name="Ihor Aleksandrov" userId="c3051032-6b87-4db2-b257-777a0106fbd9" providerId="ADAL" clId="{CD6A1DE1-ACF9-4B80-94F3-F58CA81605B6}" dt="2024-01-31T16:32:26.979" v="210" actId="11529"/>
-          <ac:spMkLst>
-            <pc:docMk/>
-            <pc:sldMk cId="816537371" sldId="323"/>
-            <ac:spMk id="4" creationId="{03542100-9D21-41B2-EBC8-F5312B69ACDA}"/>
-          </ac:spMkLst>
-        </pc:spChg>
-        <pc:picChg chg="del">
-          <ac:chgData name="Ihor Aleksandrov" userId="c3051032-6b87-4db2-b257-777a0106fbd9" providerId="ADAL" clId="{CD6A1DE1-ACF9-4B80-94F3-F58CA81605B6}" dt="2024-01-31T16:32:22.331" v="209" actId="478"/>
-          <ac:picMkLst>
-            <pc:docMk/>
-            <pc:sldMk cId="816537371" sldId="323"/>
-            <ac:picMk id="5" creationId="{79E04EF6-B44B-E770-0D59-0AE9905B0613}"/>
-          </ac:picMkLst>
-        </pc:picChg>
-      </pc:sldChg>
-      <pc:sldChg chg="del">
-        <pc:chgData name="Ihor Aleksandrov" userId="c3051032-6b87-4db2-b257-777a0106fbd9" providerId="ADAL" clId="{CD6A1DE1-ACF9-4B80-94F3-F58CA81605B6}" dt="2024-01-31T09:09:41.621" v="12" actId="2696"/>
-        <pc:sldMkLst>
-          <pc:docMk/>
-          <pc:sldMk cId="4226268188" sldId="323"/>
-        </pc:sldMkLst>
-      </pc:sldChg>
-      <pc:sldChg chg="del">
-        <pc:chgData name="Ihor Aleksandrov" userId="c3051032-6b87-4db2-b257-777a0106fbd9" providerId="ADAL" clId="{CD6A1DE1-ACF9-4B80-94F3-F58CA81605B6}" dt="2024-01-31T09:09:41.621" v="12" actId="2696"/>
-        <pc:sldMkLst>
-          <pc:docMk/>
-          <pc:sldMk cId="3008917412" sldId="324"/>
-        </pc:sldMkLst>
-      </pc:sldChg>
-      <pc:sldChg chg="modSp add mod">
-        <pc:chgData name="Ihor Aleksandrov" userId="c3051032-6b87-4db2-b257-777a0106fbd9" providerId="ADAL" clId="{CD6A1DE1-ACF9-4B80-94F3-F58CA81605B6}" dt="2024-01-31T16:33:14.683" v="218" actId="20577"/>
+        <pc:chgData name="Ihor Aleksandrov" userId="c3051032-6b87-4db2-b257-777a0106fbd9" providerId="ADAL" clId="{C410F7C1-205D-4591-95F1-05C694B00F48}" dt="2024-02-01T12:41:36.061" v="8" actId="2696"/>
         <pc:sldMkLst>
           <pc:docMk/>
           <pc:sldMk cId="3114329589" sldId="324"/>
-        </pc:sldMkLst>
-        <pc:spChg chg="mod">
-          <ac:chgData name="Ihor Aleksandrov" userId="c3051032-6b87-4db2-b257-777a0106fbd9" providerId="ADAL" clId="{CD6A1DE1-ACF9-4B80-94F3-F58CA81605B6}" dt="2024-01-31T16:33:14.683" v="218" actId="20577"/>
-          <ac:spMkLst>
-            <pc:docMk/>
-            <pc:sldMk cId="3114329589" sldId="324"/>
-            <ac:spMk id="2" creationId="{53C5D828-9666-E312-B574-9FE965A7D6BE}"/>
-          </ac:spMkLst>
-        </pc:spChg>
-      </pc:sldChg>
-      <pc:sldChg chg="del">
-        <pc:chgData name="Ihor Aleksandrov" userId="c3051032-6b87-4db2-b257-777a0106fbd9" providerId="ADAL" clId="{CD6A1DE1-ACF9-4B80-94F3-F58CA81605B6}" dt="2024-01-31T09:09:41.621" v="12" actId="2696"/>
-        <pc:sldMkLst>
-          <pc:docMk/>
-          <pc:sldMk cId="2706419546" sldId="325"/>
-        </pc:sldMkLst>
-      </pc:sldChg>
-      <pc:sldChg chg="del">
-        <pc:chgData name="Ihor Aleksandrov" userId="c3051032-6b87-4db2-b257-777a0106fbd9" providerId="ADAL" clId="{CD6A1DE1-ACF9-4B80-94F3-F58CA81605B6}" dt="2024-01-31T09:09:41.621" v="12" actId="2696"/>
-        <pc:sldMkLst>
-          <pc:docMk/>
-          <pc:sldMk cId="3970945218" sldId="326"/>
-        </pc:sldMkLst>
-      </pc:sldChg>
-      <pc:sldChg chg="del">
-        <pc:chgData name="Ihor Aleksandrov" userId="c3051032-6b87-4db2-b257-777a0106fbd9" providerId="ADAL" clId="{CD6A1DE1-ACF9-4B80-94F3-F58CA81605B6}" dt="2024-01-31T09:09:41.621" v="12" actId="2696"/>
-        <pc:sldMkLst>
-          <pc:docMk/>
-          <pc:sldMk cId="3529826239" sldId="327"/>
-        </pc:sldMkLst>
-      </pc:sldChg>
-      <pc:sldChg chg="del">
-        <pc:chgData name="Ihor Aleksandrov" userId="c3051032-6b87-4db2-b257-777a0106fbd9" providerId="ADAL" clId="{CD6A1DE1-ACF9-4B80-94F3-F58CA81605B6}" dt="2024-01-31T09:09:41.621" v="12" actId="2696"/>
-        <pc:sldMkLst>
-          <pc:docMk/>
-          <pc:sldMk cId="2063279392" sldId="328"/>
-        </pc:sldMkLst>
-      </pc:sldChg>
-      <pc:sldChg chg="del">
-        <pc:chgData name="Ihor Aleksandrov" userId="c3051032-6b87-4db2-b257-777a0106fbd9" providerId="ADAL" clId="{CD6A1DE1-ACF9-4B80-94F3-F58CA81605B6}" dt="2024-01-31T09:09:41.621" v="12" actId="2696"/>
-        <pc:sldMkLst>
-          <pc:docMk/>
-          <pc:sldMk cId="2502396658" sldId="329"/>
-        </pc:sldMkLst>
-      </pc:sldChg>
-      <pc:sldChg chg="del">
-        <pc:chgData name="Ihor Aleksandrov" userId="c3051032-6b87-4db2-b257-777a0106fbd9" providerId="ADAL" clId="{CD6A1DE1-ACF9-4B80-94F3-F58CA81605B6}" dt="2024-01-31T09:09:41.621" v="12" actId="2696"/>
-        <pc:sldMkLst>
-          <pc:docMk/>
-          <pc:sldMk cId="287166604" sldId="330"/>
-        </pc:sldMkLst>
-      </pc:sldChg>
-      <pc:sldChg chg="del">
-        <pc:chgData name="Ihor Aleksandrov" userId="c3051032-6b87-4db2-b257-777a0106fbd9" providerId="ADAL" clId="{CD6A1DE1-ACF9-4B80-94F3-F58CA81605B6}" dt="2024-01-31T09:09:41.621" v="12" actId="2696"/>
-        <pc:sldMkLst>
-          <pc:docMk/>
-          <pc:sldMk cId="4118740463" sldId="331"/>
-        </pc:sldMkLst>
-      </pc:sldChg>
-      <pc:sldChg chg="del">
-        <pc:chgData name="Ihor Aleksandrov" userId="c3051032-6b87-4db2-b257-777a0106fbd9" providerId="ADAL" clId="{CD6A1DE1-ACF9-4B80-94F3-F58CA81605B6}" dt="2024-01-31T09:09:41.621" v="12" actId="2696"/>
-        <pc:sldMkLst>
-          <pc:docMk/>
-          <pc:sldMk cId="246431689" sldId="332"/>
-        </pc:sldMkLst>
-      </pc:sldChg>
-      <pc:sldChg chg="del">
-        <pc:chgData name="Ihor Aleksandrov" userId="c3051032-6b87-4db2-b257-777a0106fbd9" providerId="ADAL" clId="{CD6A1DE1-ACF9-4B80-94F3-F58CA81605B6}" dt="2024-01-31T09:09:41.621" v="12" actId="2696"/>
-        <pc:sldMkLst>
-          <pc:docMk/>
-          <pc:sldMk cId="3336478611" sldId="333"/>
-        </pc:sldMkLst>
-      </pc:sldChg>
-      <pc:sldChg chg="del">
-        <pc:chgData name="Ihor Aleksandrov" userId="c3051032-6b87-4db2-b257-777a0106fbd9" providerId="ADAL" clId="{CD6A1DE1-ACF9-4B80-94F3-F58CA81605B6}" dt="2024-01-31T09:09:41.621" v="12" actId="2696"/>
-        <pc:sldMkLst>
-          <pc:docMk/>
-          <pc:sldMk cId="4103443897" sldId="334"/>
-        </pc:sldMkLst>
-      </pc:sldChg>
-      <pc:sldChg chg="del">
-        <pc:chgData name="Ihor Aleksandrov" userId="c3051032-6b87-4db2-b257-777a0106fbd9" providerId="ADAL" clId="{CD6A1DE1-ACF9-4B80-94F3-F58CA81605B6}" dt="2024-01-31T09:09:41.621" v="12" actId="2696"/>
-        <pc:sldMkLst>
-          <pc:docMk/>
-          <pc:sldMk cId="3743280714" sldId="335"/>
-        </pc:sldMkLst>
-      </pc:sldChg>
-      <pc:sldChg chg="del">
-        <pc:chgData name="Ihor Aleksandrov" userId="c3051032-6b87-4db2-b257-777a0106fbd9" providerId="ADAL" clId="{CD6A1DE1-ACF9-4B80-94F3-F58CA81605B6}" dt="2024-01-31T09:09:41.621" v="12" actId="2696"/>
-        <pc:sldMkLst>
-          <pc:docMk/>
-          <pc:sldMk cId="3674171182" sldId="336"/>
-        </pc:sldMkLst>
-      </pc:sldChg>
-      <pc:sldChg chg="del">
-        <pc:chgData name="Ihor Aleksandrov" userId="c3051032-6b87-4db2-b257-777a0106fbd9" providerId="ADAL" clId="{CD6A1DE1-ACF9-4B80-94F3-F58CA81605B6}" dt="2024-01-31T09:09:41.621" v="12" actId="2696"/>
-        <pc:sldMkLst>
-          <pc:docMk/>
-          <pc:sldMk cId="1296882423" sldId="337"/>
-        </pc:sldMkLst>
-      </pc:sldChg>
-      <pc:sldChg chg="del">
-        <pc:chgData name="Ihor Aleksandrov" userId="c3051032-6b87-4db2-b257-777a0106fbd9" providerId="ADAL" clId="{CD6A1DE1-ACF9-4B80-94F3-F58CA81605B6}" dt="2024-01-31T09:09:41.621" v="12" actId="2696"/>
-        <pc:sldMkLst>
-          <pc:docMk/>
-          <pc:sldMk cId="2578212810" sldId="338"/>
-        </pc:sldMkLst>
-      </pc:sldChg>
-      <pc:sldChg chg="del">
-        <pc:chgData name="Ihor Aleksandrov" userId="c3051032-6b87-4db2-b257-777a0106fbd9" providerId="ADAL" clId="{CD6A1DE1-ACF9-4B80-94F3-F58CA81605B6}" dt="2024-01-31T09:09:41.621" v="12" actId="2696"/>
-        <pc:sldMkLst>
-          <pc:docMk/>
-          <pc:sldMk cId="1227530818" sldId="339"/>
-        </pc:sldMkLst>
-      </pc:sldChg>
-      <pc:sldChg chg="del">
-        <pc:chgData name="Ihor Aleksandrov" userId="c3051032-6b87-4db2-b257-777a0106fbd9" providerId="ADAL" clId="{CD6A1DE1-ACF9-4B80-94F3-F58CA81605B6}" dt="2024-01-31T09:09:41.621" v="12" actId="2696"/>
-        <pc:sldMkLst>
-          <pc:docMk/>
-          <pc:sldMk cId="3182037683" sldId="340"/>
-        </pc:sldMkLst>
-      </pc:sldChg>
-      <pc:sldChg chg="del">
-        <pc:chgData name="Ihor Aleksandrov" userId="c3051032-6b87-4db2-b257-777a0106fbd9" providerId="ADAL" clId="{CD6A1DE1-ACF9-4B80-94F3-F58CA81605B6}" dt="2024-01-31T09:09:41.621" v="12" actId="2696"/>
-        <pc:sldMkLst>
-          <pc:docMk/>
-          <pc:sldMk cId="960138513" sldId="341"/>
         </pc:sldMkLst>
       </pc:sldChg>
     </pc:docChg>
@@ -6566,7 +6566,7 @@
         <a:p>
           <a:r>
             <a:rPr lang="en-US" dirty="0"/>
-            <a:t>Terraform</a:t>
+            <a:t>VCS</a:t>
           </a:r>
         </a:p>
       </dgm:t>
@@ -6608,16 +6608,15 @@
         <a:lstStyle/>
         <a:p>
           <a:r>
-            <a:rPr lang="en-US"/>
-            <a:t>Ansible</a:t>
+            <a:rPr lang="en-US" dirty="0"/>
+            <a:t>Git</a:t>
           </a:r>
-          <a:endParaRPr lang="en-US" dirty="0"/>
         </a:p>
       </dgm:t>
       <dgm:extLst>
         <a:ext uri="{E40237B7-FDA0-4F09-8148-C483321AD2D9}">
           <dgm14:cNvPr xmlns:dgm14="http://schemas.microsoft.com/office/drawing/2010/diagram" id="0" name="">
-            <a:hlinkClick xmlns:r="http://schemas.openxmlformats.org/officeDocument/2006/relationships" r:id="" action="ppaction://noaction"/>
+            <a:hlinkClick xmlns:r="http://schemas.openxmlformats.org/officeDocument/2006/relationships" r:id="rId2" action="ppaction://hlinksldjump"/>
           </dgm14:cNvPr>
         </a:ext>
       </dgm:extLst>
@@ -6765,12 +6764,12 @@
         </a:fontRef>
       </dsp:style>
       <dsp:txBody>
-        <a:bodyPr spcFirstLastPara="0" vert="horz" wrap="square" lIns="133350" tIns="66675" rIns="133350" bIns="66675" numCol="1" spcCol="1270" anchor="ctr" anchorCtr="0">
+        <a:bodyPr spcFirstLastPara="0" vert="horz" wrap="square" lIns="247650" tIns="123825" rIns="247650" bIns="123825" numCol="1" spcCol="1270" anchor="ctr" anchorCtr="0">
           <a:noAutofit/>
         </a:bodyPr>
         <a:lstStyle/>
         <a:p>
-          <a:pPr marL="0" lvl="0" indent="0" algn="ctr" defTabSz="1555750">
+          <a:pPr marL="0" lvl="0" indent="0" algn="ctr" defTabSz="2889250">
             <a:lnSpc>
               <a:spcPct val="90000"/>
             </a:lnSpc>
@@ -6783,8 +6782,8 @@
             <a:buNone/>
           </a:pPr>
           <a:r>
-            <a:rPr lang="en-US" sz="3500" kern="1200" dirty="0"/>
-            <a:t>Terraform</a:t>
+            <a:rPr lang="en-US" sz="6500" kern="1200" dirty="0"/>
+            <a:t>VCS</a:t>
           </a:r>
         </a:p>
       </dsp:txBody>
@@ -6843,12 +6842,12 @@
         </a:fontRef>
       </dsp:style>
       <dsp:txBody>
-        <a:bodyPr spcFirstLastPara="0" vert="horz" wrap="square" lIns="133350" tIns="66675" rIns="133350" bIns="66675" numCol="1" spcCol="1270" anchor="ctr" anchorCtr="0">
+        <a:bodyPr spcFirstLastPara="0" vert="horz" wrap="square" lIns="247650" tIns="123825" rIns="247650" bIns="123825" numCol="1" spcCol="1270" anchor="ctr" anchorCtr="0">
           <a:noAutofit/>
         </a:bodyPr>
         <a:lstStyle/>
         <a:p>
-          <a:pPr marL="0" lvl="0" indent="0" algn="ctr" defTabSz="1555750">
+          <a:pPr marL="0" lvl="0" indent="0" algn="ctr" defTabSz="2889250">
             <a:lnSpc>
               <a:spcPct val="90000"/>
             </a:lnSpc>
@@ -6861,10 +6860,9 @@
             <a:buNone/>
           </a:pPr>
           <a:r>
-            <a:rPr lang="en-US" sz="3500" kern="1200"/>
-            <a:t>Ansible</a:t>
+            <a:rPr lang="en-US" sz="6500" kern="1200" dirty="0"/>
+            <a:t>Git</a:t>
           </a:r>
-          <a:endParaRPr lang="en-US" sz="3500" kern="1200" dirty="0"/>
         </a:p>
       </dsp:txBody>
       <dsp:txXfrm>
@@ -8225,7 +8223,7 @@
           <a:p>
             <a:fld id="{14FB1113-EC1E-4052-ADC3-711A8186C8F9}" type="datetimeFigureOut">
               <a:rPr lang="ru-UA" smtClean="0"/>
-              <a:t>02.02.2024</a:t>
+              <a:t>03.02.2024</a:t>
             </a:fld>
             <a:endParaRPr lang="ru-UA"/>
           </a:p>
@@ -8640,9 +8638,9 @@
           <a:bodyPr/>
           <a:lstStyle/>
           <a:p>
-            <a:fld id="{0B8962EF-F649-4BF0-B0CB-D71423952154}" type="datetime1">
+            <a:fld id="{66084CB3-C2B1-4D7E-82F5-B262B49D2AA0}" type="datetime1">
               <a:rPr lang="ru-UA" smtClean="0"/>
-              <a:t>02.02.2024</a:t>
+              <a:t>03.02.2024</a:t>
             </a:fld>
             <a:endParaRPr lang="ru-UA"/>
           </a:p>
@@ -8670,8 +8668,8 @@
           <a:lstStyle/>
           <a:p>
             <a:r>
-              <a:rPr lang="es-ES"/>
-              <a:t>Step 1 - Model - ver. 1</a:t>
+              <a:rPr lang="en-US"/>
+              <a:t>Step 6. Version Control Systems - ver. 1</a:t>
             </a:r>
             <a:endParaRPr lang="ru-UA"/>
           </a:p>
@@ -8844,9 +8842,9 @@
           <a:bodyPr/>
           <a:lstStyle/>
           <a:p>
-            <a:fld id="{52B04991-4203-48C2-B120-290746D8BC41}" type="datetime1">
+            <a:fld id="{F7B818EF-86E6-4810-9AE6-9B22A6E45017}" type="datetime1">
               <a:rPr lang="ru-UA" smtClean="0"/>
-              <a:t>02.02.2024</a:t>
+              <a:t>03.02.2024</a:t>
             </a:fld>
             <a:endParaRPr lang="ru-UA"/>
           </a:p>
@@ -8874,8 +8872,8 @@
           <a:lstStyle/>
           <a:p>
             <a:r>
-              <a:rPr lang="es-ES"/>
-              <a:t>Step 1 - Model - ver. 1</a:t>
+              <a:rPr lang="en-US"/>
+              <a:t>Step 6. Version Control Systems - ver. 1</a:t>
             </a:r>
             <a:endParaRPr lang="ru-UA"/>
           </a:p>
@@ -9058,9 +9056,9 @@
           <a:bodyPr/>
           <a:lstStyle/>
           <a:p>
-            <a:fld id="{207AB121-CB86-4DCF-9E3D-2A0553392796}" type="datetime1">
+            <a:fld id="{88CA5DB1-96CA-48D2-A715-61C02A175EDA}" type="datetime1">
               <a:rPr lang="ru-UA" smtClean="0"/>
-              <a:t>02.02.2024</a:t>
+              <a:t>03.02.2024</a:t>
             </a:fld>
             <a:endParaRPr lang="ru-UA"/>
           </a:p>
@@ -9088,8 +9086,8 @@
           <a:lstStyle/>
           <a:p>
             <a:r>
-              <a:rPr lang="es-ES"/>
-              <a:t>Step 1 - Model - ver. 1</a:t>
+              <a:rPr lang="en-US"/>
+              <a:t>Step 6. Version Control Systems - ver. 1</a:t>
             </a:r>
             <a:endParaRPr lang="ru-UA"/>
           </a:p>
@@ -9262,9 +9260,9 @@
           <a:bodyPr/>
           <a:lstStyle/>
           <a:p>
-            <a:fld id="{8467C913-2051-48A1-86F2-D1DABB2E6F13}" type="datetime1">
+            <a:fld id="{6AD7AAE4-5692-4076-94CC-18565B61BE34}" type="datetime1">
               <a:rPr lang="ru-UA" smtClean="0"/>
-              <a:t>02.02.2024</a:t>
+              <a:t>03.02.2024</a:t>
             </a:fld>
             <a:endParaRPr lang="ru-UA"/>
           </a:p>
@@ -9292,8 +9290,8 @@
           <a:lstStyle/>
           <a:p>
             <a:r>
-              <a:rPr lang="es-ES"/>
-              <a:t>Step 1 - Model - ver. 1</a:t>
+              <a:rPr lang="en-US"/>
+              <a:t>Step 6. Version Control Systems - ver. 1</a:t>
             </a:r>
             <a:endParaRPr lang="ru-UA"/>
           </a:p>
@@ -9488,9 +9486,9 @@
           <a:bodyPr/>
           <a:lstStyle/>
           <a:p>
-            <a:fld id="{C75B975F-BA21-4E1C-99B6-ABED30F89540}" type="datetime1">
+            <a:fld id="{0377527D-418C-4D0A-9729-EDAD7913D03F}" type="datetime1">
               <a:rPr lang="ru-UA" smtClean="0"/>
-              <a:t>02.02.2024</a:t>
+              <a:t>03.02.2024</a:t>
             </a:fld>
             <a:endParaRPr lang="ru-UA"/>
           </a:p>
@@ -9518,8 +9516,8 @@
           <a:lstStyle/>
           <a:p>
             <a:r>
-              <a:rPr lang="es-ES"/>
-              <a:t>Step 1 - Model - ver. 1</a:t>
+              <a:rPr lang="en-US"/>
+              <a:t>Step 6. Version Control Systems - ver. 1</a:t>
             </a:r>
             <a:endParaRPr lang="ru-UA"/>
           </a:p>
@@ -9692,9 +9690,9 @@
           <a:bodyPr/>
           <a:lstStyle/>
           <a:p>
-            <a:fld id="{649A85F2-FE43-4F23-9D2D-558360D289A8}" type="datetime1">
+            <a:fld id="{B80A0990-EC5F-4C60-AD0A-023494237789}" type="datetime1">
               <a:rPr lang="ru-UA" smtClean="0"/>
-              <a:t>02.02.2024</a:t>
+              <a:t>03.02.2024</a:t>
             </a:fld>
             <a:endParaRPr lang="ru-UA"/>
           </a:p>
@@ -9722,8 +9720,8 @@
           <a:lstStyle/>
           <a:p>
             <a:r>
-              <a:rPr lang="es-ES"/>
-              <a:t>Step 1 - Model - ver. 1</a:t>
+              <a:rPr lang="en-US"/>
+              <a:t>Step 6. Version Control Systems - ver. 1</a:t>
             </a:r>
             <a:endParaRPr lang="ru-UA"/>
           </a:p>
@@ -9972,9 +9970,9 @@
           <a:bodyPr/>
           <a:lstStyle/>
           <a:p>
-            <a:fld id="{3C823F1E-25D4-4C19-9C16-57D27B598CE0}" type="datetime1">
+            <a:fld id="{2CC3711E-D4BA-4826-B660-5F9EBF94A8C9}" type="datetime1">
               <a:rPr lang="ru-UA" smtClean="0"/>
-              <a:t>02.02.2024</a:t>
+              <a:t>03.02.2024</a:t>
             </a:fld>
             <a:endParaRPr lang="ru-UA"/>
           </a:p>
@@ -10002,8 +10000,8 @@
           <a:lstStyle/>
           <a:p>
             <a:r>
-              <a:rPr lang="es-ES"/>
-              <a:t>Step 1 - Model - ver. 1</a:t>
+              <a:rPr lang="en-US"/>
+              <a:t>Step 6. Version Control Systems - ver. 1</a:t>
             </a:r>
             <a:endParaRPr lang="ru-UA"/>
           </a:p>
@@ -10244,9 +10242,9 @@
           <a:bodyPr/>
           <a:lstStyle/>
           <a:p>
-            <a:fld id="{0FCE2DAB-FCC6-443D-91B5-F43A7B78C6B9}" type="datetime1">
+            <a:fld id="{49681306-FE73-4A9E-ACF6-145D6FCC5B80}" type="datetime1">
               <a:rPr lang="ru-UA" smtClean="0"/>
-              <a:t>02.02.2024</a:t>
+              <a:t>03.02.2024</a:t>
             </a:fld>
             <a:endParaRPr lang="ru-UA"/>
           </a:p>
@@ -10274,8 +10272,8 @@
           <a:lstStyle/>
           <a:p>
             <a:r>
-              <a:rPr lang="es-ES"/>
-              <a:t>Step 1 - Model - ver. 1</a:t>
+              <a:rPr lang="en-US"/>
+              <a:t>Step 6. Version Control Systems - ver. 1</a:t>
             </a:r>
             <a:endParaRPr lang="ru-UA"/>
           </a:p>
@@ -10663,9 +10661,9 @@
           <a:bodyPr/>
           <a:lstStyle/>
           <a:p>
-            <a:fld id="{B647925C-949E-4C3F-B87F-94A502A4557F}" type="datetime1">
+            <a:fld id="{BED61675-26AA-4A60-AD97-AB52E7D7ED5F}" type="datetime1">
               <a:rPr lang="ru-UA" smtClean="0"/>
-              <a:t>02.02.2024</a:t>
+              <a:t>03.02.2024</a:t>
             </a:fld>
             <a:endParaRPr lang="ru-UA"/>
           </a:p>
@@ -10693,8 +10691,8 @@
           <a:lstStyle/>
           <a:p>
             <a:r>
-              <a:rPr lang="es-ES"/>
-              <a:t>Step 1 - Model - ver. 1</a:t>
+              <a:rPr lang="en-US"/>
+              <a:t>Step 6. Version Control Systems - ver. 1</a:t>
             </a:r>
             <a:endParaRPr lang="ru-UA"/>
           </a:p>
@@ -10809,9 +10807,9 @@
           <a:bodyPr/>
           <a:lstStyle/>
           <a:p>
-            <a:fld id="{9CE8CD01-0F29-4954-897C-1CC212183DBB}" type="datetime1">
+            <a:fld id="{8A806256-A54A-4937-8C87-4CE3C94A84F2}" type="datetime1">
               <a:rPr lang="ru-UA" smtClean="0"/>
-              <a:t>02.02.2024</a:t>
+              <a:t>03.02.2024</a:t>
             </a:fld>
             <a:endParaRPr lang="ru-UA"/>
           </a:p>
@@ -10839,8 +10837,8 @@
           <a:lstStyle/>
           <a:p>
             <a:r>
-              <a:rPr lang="es-ES"/>
-              <a:t>Step 1 - Model - ver. 1</a:t>
+              <a:rPr lang="en-US"/>
+              <a:t>Step 6. Version Control Systems - ver. 1</a:t>
             </a:r>
             <a:endParaRPr lang="ru-UA"/>
           </a:p>
@@ -10926,9 +10924,9 @@
           <a:bodyPr/>
           <a:lstStyle/>
           <a:p>
-            <a:fld id="{150095DC-0E76-47E5-A99D-2467BE30280E}" type="datetime1">
+            <a:fld id="{AA84DDC3-5FB0-4AB4-98B4-AE1FBF80B304}" type="datetime1">
               <a:rPr lang="ru-UA" smtClean="0"/>
-              <a:t>02.02.2024</a:t>
+              <a:t>03.02.2024</a:t>
             </a:fld>
             <a:endParaRPr lang="ru-UA"/>
           </a:p>
@@ -10956,8 +10954,8 @@
           <a:lstStyle/>
           <a:p>
             <a:r>
-              <a:rPr lang="es-ES"/>
-              <a:t>Step 1 - Model - ver. 1</a:t>
+              <a:rPr lang="en-US"/>
+              <a:t>Step 6. Version Control Systems - ver. 1</a:t>
             </a:r>
             <a:endParaRPr lang="ru-UA"/>
           </a:p>
@@ -11243,9 +11241,9 @@
           <a:bodyPr/>
           <a:lstStyle/>
           <a:p>
-            <a:fld id="{CC7126BF-809C-4659-95F5-CCF148063973}" type="datetime1">
+            <a:fld id="{80FDB270-8C63-4E10-A44C-1B74FA2809F5}" type="datetime1">
               <a:rPr lang="ru-UA" smtClean="0"/>
-              <a:t>02.02.2024</a:t>
+              <a:t>03.02.2024</a:t>
             </a:fld>
             <a:endParaRPr lang="ru-UA"/>
           </a:p>
@@ -11273,8 +11271,8 @@
           <a:lstStyle/>
           <a:p>
             <a:r>
-              <a:rPr lang="es-ES"/>
-              <a:t>Step 1 - Model - ver. 1</a:t>
+              <a:rPr lang="en-US"/>
+              <a:t>Step 6. Version Control Systems - ver. 1</a:t>
             </a:r>
             <a:endParaRPr lang="ru-UA"/>
           </a:p>
@@ -11536,9 +11534,9 @@
           <a:bodyPr/>
           <a:lstStyle/>
           <a:p>
-            <a:fld id="{D2EFC65D-56A3-455E-BFA5-3848A656380B}" type="datetime1">
+            <a:fld id="{937192C6-0D60-4729-B5C0-19B40111134B}" type="datetime1">
               <a:rPr lang="ru-UA" smtClean="0"/>
-              <a:t>02.02.2024</a:t>
+              <a:t>03.02.2024</a:t>
             </a:fld>
             <a:endParaRPr lang="ru-UA"/>
           </a:p>
@@ -11566,8 +11564,8 @@
           <a:lstStyle/>
           <a:p>
             <a:r>
-              <a:rPr lang="es-ES"/>
-              <a:t>Step 1 - Model - ver. 1</a:t>
+              <a:rPr lang="en-US"/>
+              <a:t>Step 6. Version Control Systems - ver. 1</a:t>
             </a:r>
             <a:endParaRPr lang="ru-UA"/>
           </a:p>
@@ -11783,9 +11781,9 @@
             </a:lvl1pPr>
           </a:lstStyle>
           <a:p>
-            <a:fld id="{5E1B79E6-2B08-45F0-89F7-F914E581FDE2}" type="datetime1">
+            <a:fld id="{FDCDCCAB-6CEB-44A3-934A-D3C7BA04F5A2}" type="datetime1">
               <a:rPr lang="ru-UA" smtClean="0"/>
-              <a:t>02.02.2024</a:t>
+              <a:t>03.02.2024</a:t>
             </a:fld>
             <a:endParaRPr lang="ru-UA"/>
           </a:p>
@@ -11831,8 +11829,8 @@
           </a:lstStyle>
           <a:p>
             <a:r>
-              <a:rPr lang="es-ES"/>
-              <a:t>Step 1 - Model - ver. 1</a:t>
+              <a:rPr lang="en-US"/>
+              <a:t>Step 6. Version Control Systems - ver. 1</a:t>
             </a:r>
             <a:endParaRPr lang="ru-UA"/>
           </a:p>
@@ -12358,9 +12356,9 @@
             </a:lvl1pPr>
           </a:lstStyle>
           <a:p>
-            <a:fld id="{50344D1B-5235-486F-A999-CD74520911B6}" type="datetime1">
+            <a:fld id="{7F8F36BA-F3B2-4711-A260-8AD7E34082C9}" type="datetime1">
               <a:rPr lang="ru-UA" smtClean="0"/>
-              <a:t>02.02.2024</a:t>
+              <a:t>03.02.2024</a:t>
             </a:fld>
             <a:endParaRPr lang="ru-UA"/>
           </a:p>
@@ -12406,8 +12404,8 @@
           </a:lstStyle>
           <a:p>
             <a:r>
-              <a:rPr lang="es-ES"/>
-              <a:t>Step 1 - Model - ver. 1</a:t>
+              <a:rPr lang="en-US"/>
+              <a:t>Step 6. Version Control Systems - ver. 1</a:t>
             </a:r>
             <a:endParaRPr lang="ru-UA"/>
           </a:p>
@@ -13044,7 +13042,7 @@
         </p:spPr>
         <p:txBody>
           <a:bodyPr anchor="ctr">
-            <a:normAutofit/>
+            <a:normAutofit fontScale="92500" lnSpcReduction="10000"/>
           </a:bodyPr>
           <a:lstStyle/>
           <a:p>
@@ -13054,12 +13052,12 @@
               </a:spcAft>
             </a:pPr>
             <a:r>
-              <a:rPr lang="es-ES" sz="900">
+              <a:rPr lang="en-US" sz="900">
                 <a:solidFill>
                   <a:schemeClr val="tx1"/>
                 </a:solidFill>
               </a:rPr>
-              <a:t>Step 1 - Model - ver. 1</a:t>
+              <a:t>Step 6. Version Control Systems - ver. 1</a:t>
             </a:r>
             <a:endParaRPr lang="ru-UA" sz="900">
               <a:solidFill>
@@ -13239,8 +13237,8 @@
           <a:lstStyle/>
           <a:p>
             <a:r>
-              <a:rPr lang="es-ES"/>
-              <a:t>Step 1 - Model - ver. 1</a:t>
+              <a:rPr lang="en-US"/>
+              <a:t>Step 6. Version Control Systems - ver. 1</a:t>
             </a:r>
             <a:endParaRPr lang="ru-UA"/>
           </a:p>
@@ -13446,8 +13444,8 @@
           <a:lstStyle/>
           <a:p>
             <a:r>
-              <a:rPr lang="es-ES"/>
-              <a:t>Step 1 - Model - ver. 1</a:t>
+              <a:rPr lang="en-US"/>
+              <a:t>Step 6. Version Control Systems - ver. 1</a:t>
             </a:r>
             <a:endParaRPr lang="ru-UA"/>
           </a:p>
@@ -13653,8 +13651,8 @@
           <a:lstStyle/>
           <a:p>
             <a:r>
-              <a:rPr lang="es-ES"/>
-              <a:t>Step 1 - Model - ver. 1</a:t>
+              <a:rPr lang="en-US"/>
+              <a:t>Step 6. Version Control Systems - ver. 1</a:t>
             </a:r>
             <a:endParaRPr lang="ru-UA"/>
           </a:p>
@@ -13860,8 +13858,8 @@
           <a:lstStyle/>
           <a:p>
             <a:r>
-              <a:rPr lang="es-ES"/>
-              <a:t>Step 1 - Model - ver. 1</a:t>
+              <a:rPr lang="en-US"/>
+              <a:t>Step 6. Version Control Systems - ver. 1</a:t>
             </a:r>
             <a:endParaRPr lang="ru-UA"/>
           </a:p>
@@ -14067,8 +14065,8 @@
           <a:lstStyle/>
           <a:p>
             <a:r>
-              <a:rPr lang="es-ES"/>
-              <a:t>Step 1 - Model - ver. 1</a:t>
+              <a:rPr lang="en-US"/>
+              <a:t>Step 6. Version Control Systems - ver. 1</a:t>
             </a:r>
             <a:endParaRPr lang="ru-UA"/>
           </a:p>
@@ -14342,7 +14340,7 @@
         </p:spPr>
         <p:txBody>
           <a:bodyPr anchor="ctr">
-            <a:normAutofit/>
+            <a:normAutofit fontScale="92500" lnSpcReduction="10000"/>
           </a:bodyPr>
           <a:lstStyle/>
           <a:p>
@@ -14352,12 +14350,12 @@
               </a:spcAft>
             </a:pPr>
             <a:r>
-              <a:rPr lang="es-ES" sz="900">
+              <a:rPr lang="en-US" sz="900">
                 <a:solidFill>
                   <a:schemeClr val="bg1"/>
                 </a:solidFill>
               </a:rPr>
-              <a:t>Step 1 - Model - ver. 1</a:t>
+              <a:t>Step 6. Version Control Systems - ver. 1</a:t>
             </a:r>
             <a:endParaRPr lang="ru-UA" sz="900">
               <a:solidFill>
@@ -14556,8 +14554,8 @@
           <a:lstStyle/>
           <a:p>
             <a:r>
-              <a:rPr lang="es-ES"/>
-              <a:t>Step 1 - Model - ver. 1</a:t>
+              <a:rPr lang="en-US"/>
+              <a:t>Step 6. Version Control Systems - ver. 1</a:t>
             </a:r>
             <a:endParaRPr lang="ru-UA"/>
           </a:p>
@@ -14763,8 +14761,8 @@
           <a:lstStyle/>
           <a:p>
             <a:r>
-              <a:rPr lang="es-ES"/>
-              <a:t>Step 1 - Model - ver. 1</a:t>
+              <a:rPr lang="en-US"/>
+              <a:t>Step 6. Version Control Systems - ver. 1</a:t>
             </a:r>
             <a:endParaRPr lang="ru-UA"/>
           </a:p>
@@ -14970,8 +14968,8 @@
           <a:lstStyle/>
           <a:p>
             <a:r>
-              <a:rPr lang="es-ES"/>
-              <a:t>Step 1 - Model - ver. 1</a:t>
+              <a:rPr lang="en-US"/>
+              <a:t>Step 6. Version Control Systems - ver. 1</a:t>
             </a:r>
             <a:endParaRPr lang="ru-UA"/>
           </a:p>
@@ -15207,59 +15205,43 @@
           <a:lstStyle/>
           <a:p>
             <a:r>
-              <a:rPr lang="es-ES"/>
-              <a:t>Step 1 - Model - ver. 1</a:t>
+              <a:rPr lang="en-US"/>
+              <a:t>Step 6. Version Control Systems - ver. 1</a:t>
             </a:r>
             <a:endParaRPr lang="ru-UA"/>
           </a:p>
         </p:txBody>
       </p:sp>
-      <p:sp>
-        <p:nvSpPr>
-          <p:cNvPr id="4" name="Rectangle 3">
+      <p:pic>
+        <p:nvPicPr>
+          <p:cNvPr id="5" name="Рисунок 4">
             <a:extLst>
               <a:ext uri="{FF2B5EF4-FFF2-40B4-BE49-F238E27FC236}">
-                <a16:creationId xmlns:a16="http://schemas.microsoft.com/office/drawing/2014/main" id="{107D3FF3-BFCA-F26A-7DC8-E1A5C69CE255}"/>
+                <a16:creationId xmlns:a16="http://schemas.microsoft.com/office/drawing/2014/main" id="{71A9E0CF-5476-49C2-B86A-4C58DA1B2FDB}"/>
               </a:ext>
             </a:extLst>
           </p:cNvPr>
-          <p:cNvSpPr/>
+          <p:cNvPicPr>
+            <a:picLocks noChangeAspect="1"/>
+          </p:cNvPicPr>
           <p:nvPr/>
-        </p:nvSpPr>
+        </p:nvPicPr>
+        <p:blipFill>
+          <a:blip r:embed="rId2"/>
+          <a:stretch>
+            <a:fillRect/>
+          </a:stretch>
+        </p:blipFill>
         <p:spPr>
           <a:xfrm>
-            <a:off x="5818909" y="1676400"/>
-            <a:ext cx="4849091" cy="3231369"/>
+            <a:off x="5356421" y="1780116"/>
+            <a:ext cx="5593958" cy="3146601"/>
           </a:xfrm>
           <a:prstGeom prst="rect">
             <a:avLst/>
           </a:prstGeom>
         </p:spPr>
-        <p:style>
-          <a:lnRef idx="2">
-            <a:schemeClr val="accent1">
-              <a:shade val="15000"/>
-            </a:schemeClr>
-          </a:lnRef>
-          <a:fillRef idx="1">
-            <a:schemeClr val="accent1"/>
-          </a:fillRef>
-          <a:effectRef idx="0">
-            <a:schemeClr val="accent1"/>
-          </a:effectRef>
-          <a:fontRef idx="minor">
-            <a:schemeClr val="lt1"/>
-          </a:fontRef>
-        </p:style>
-        <p:txBody>
-          <a:bodyPr rtlCol="0" anchor="ctr"/>
-          <a:lstStyle/>
-          <a:p>
-            <a:pPr algn="ctr"/>
-            <a:endParaRPr lang="ru-UA"/>
-          </a:p>
-        </p:txBody>
-      </p:sp>
+      </p:pic>
     </p:spTree>
     <p:extLst>
       <p:ext uri="{BB962C8B-B14F-4D97-AF65-F5344CB8AC3E}">
@@ -15560,7 +15542,7 @@
         </p:spPr>
         <p:txBody>
           <a:bodyPr anchor="ctr">
-            <a:normAutofit/>
+            <a:normAutofit fontScale="92500" lnSpcReduction="10000"/>
           </a:bodyPr>
           <a:lstStyle/>
           <a:p>
@@ -15570,12 +15552,12 @@
               </a:spcAft>
             </a:pPr>
             <a:r>
-              <a:rPr lang="es-ES" sz="900">
+              <a:rPr lang="en-US" sz="900">
                 <a:solidFill>
                   <a:schemeClr val="bg1"/>
                 </a:solidFill>
               </a:rPr>
-              <a:t>Step 1 - Model - ver. 1</a:t>
+              <a:t>Step 6. Version Control Systems - ver. 1</a:t>
             </a:r>
             <a:endParaRPr lang="ru-UA" sz="900">
               <a:solidFill>
@@ -15601,7 +15583,7 @@
             <p:ph idx="1"/>
             <p:extLst>
               <p:ext uri="{D42A27DB-BD31-4B8C-83A1-F6EECF244321}">
-                <p14:modId xmlns:p14="http://schemas.microsoft.com/office/powerpoint/2010/main" val="3158303876"/>
+                <p14:modId xmlns:p14="http://schemas.microsoft.com/office/powerpoint/2010/main" val="1713257030"/>
               </p:ext>
             </p:extLst>
           </p:nvPr>
@@ -15786,59 +15768,60 @@
           <a:lstStyle/>
           <a:p>
             <a:r>
-              <a:rPr lang="es-ES"/>
-              <a:t>Step 1 - Model - ver. 1</a:t>
+              <a:rPr lang="en-US"/>
+              <a:t>Step 6. Version Control Systems - ver. 1</a:t>
             </a:r>
             <a:endParaRPr lang="ru-UA"/>
           </a:p>
         </p:txBody>
       </p:sp>
-      <p:sp>
-        <p:nvSpPr>
-          <p:cNvPr id="4" name="Rectangle 3">
+      <p:pic>
+        <p:nvPicPr>
+          <p:cNvPr id="1026" name="Picture 2" descr="Here's a Git Branching Strategy for Better Team Collaboration | by Tapas  Das | Better Programming">
             <a:extLst>
               <a:ext uri="{FF2B5EF4-FFF2-40B4-BE49-F238E27FC236}">
-                <a16:creationId xmlns:a16="http://schemas.microsoft.com/office/drawing/2014/main" id="{107D3FF3-BFCA-F26A-7DC8-E1A5C69CE255}"/>
+                <a16:creationId xmlns:a16="http://schemas.microsoft.com/office/drawing/2014/main" id="{6F795F6D-98AE-4473-A10C-4F02D7A7A294}"/>
               </a:ext>
             </a:extLst>
           </p:cNvPr>
-          <p:cNvSpPr/>
+          <p:cNvPicPr>
+            <a:picLocks noChangeAspect="1" noChangeArrowheads="1"/>
+          </p:cNvPicPr>
           <p:nvPr/>
-        </p:nvSpPr>
-        <p:spPr>
+        </p:nvPicPr>
+        <p:blipFill>
+          <a:blip r:embed="rId2">
+            <a:extLst>
+              <a:ext uri="{28A0092B-C50C-407E-A947-70E740481C1C}">
+                <a14:useLocalDpi xmlns:a14="http://schemas.microsoft.com/office/drawing/2010/main" val="0"/>
+              </a:ext>
+            </a:extLst>
+          </a:blip>
+          <a:srcRect/>
+          <a:stretch>
+            <a:fillRect/>
+          </a:stretch>
+        </p:blipFill>
+        <p:spPr bwMode="auto">
           <a:xfrm>
-            <a:off x="5818909" y="1676400"/>
-            <a:ext cx="4849091" cy="3231369"/>
+            <a:off x="4951514" y="1806398"/>
+            <a:ext cx="6351486" cy="2774068"/>
           </a:xfrm>
           <a:prstGeom prst="rect">
             <a:avLst/>
           </a:prstGeom>
+          <a:noFill/>
+          <a:extLst>
+            <a:ext uri="{909E8E84-426E-40DD-AFC4-6F175D3DCCD1}">
+              <a14:hiddenFill xmlns:a14="http://schemas.microsoft.com/office/drawing/2010/main">
+                <a:solidFill>
+                  <a:srgbClr val="FFFFFF"/>
+                </a:solidFill>
+              </a14:hiddenFill>
+            </a:ext>
+          </a:extLst>
         </p:spPr>
-        <p:style>
-          <a:lnRef idx="2">
-            <a:schemeClr val="accent1">
-              <a:shade val="15000"/>
-            </a:schemeClr>
-          </a:lnRef>
-          <a:fillRef idx="1">
-            <a:schemeClr val="accent1"/>
-          </a:fillRef>
-          <a:effectRef idx="0">
-            <a:schemeClr val="accent1"/>
-          </a:effectRef>
-          <a:fontRef idx="minor">
-            <a:schemeClr val="lt1"/>
-          </a:fontRef>
-        </p:style>
-        <p:txBody>
-          <a:bodyPr rtlCol="0" anchor="ctr"/>
-          <a:lstStyle/>
-          <a:p>
-            <a:pPr algn="ctr"/>
-            <a:endParaRPr lang="ru-UA"/>
-          </a:p>
-        </p:txBody>
-      </p:sp>
+      </p:pic>
     </p:spTree>
     <p:extLst>
       <p:ext uri="{BB962C8B-B14F-4D97-AF65-F5344CB8AC3E}">
@@ -16009,59 +15992,43 @@
           <a:lstStyle/>
           <a:p>
             <a:r>
-              <a:rPr lang="es-ES"/>
-              <a:t>Step 1 - Model - ver. 1</a:t>
+              <a:rPr lang="en-US"/>
+              <a:t>Step 6. Version Control Systems - ver. 1</a:t>
             </a:r>
             <a:endParaRPr lang="ru-UA"/>
           </a:p>
         </p:txBody>
       </p:sp>
-      <p:sp>
-        <p:nvSpPr>
-          <p:cNvPr id="4" name="Rectangle 3">
+      <p:pic>
+        <p:nvPicPr>
+          <p:cNvPr id="5" name="Рисунок 4">
             <a:extLst>
               <a:ext uri="{FF2B5EF4-FFF2-40B4-BE49-F238E27FC236}">
-                <a16:creationId xmlns:a16="http://schemas.microsoft.com/office/drawing/2014/main" id="{107D3FF3-BFCA-F26A-7DC8-E1A5C69CE255}"/>
+                <a16:creationId xmlns:a16="http://schemas.microsoft.com/office/drawing/2014/main" id="{FBD1EE99-76A4-48F7-90AC-F36A94321762}"/>
               </a:ext>
             </a:extLst>
           </p:cNvPr>
-          <p:cNvSpPr/>
+          <p:cNvPicPr>
+            <a:picLocks noChangeAspect="1"/>
+          </p:cNvPicPr>
           <p:nvPr/>
-        </p:nvSpPr>
+        </p:nvPicPr>
+        <p:blipFill>
+          <a:blip r:embed="rId2"/>
+          <a:stretch>
+            <a:fillRect/>
+          </a:stretch>
+        </p:blipFill>
         <p:spPr>
           <a:xfrm>
-            <a:off x="5818909" y="1676400"/>
-            <a:ext cx="4849091" cy="3231369"/>
+            <a:off x="5472112" y="1599419"/>
+            <a:ext cx="4752975" cy="3810000"/>
           </a:xfrm>
           <a:prstGeom prst="rect">
             <a:avLst/>
           </a:prstGeom>
         </p:spPr>
-        <p:style>
-          <a:lnRef idx="2">
-            <a:schemeClr val="accent1">
-              <a:shade val="15000"/>
-            </a:schemeClr>
-          </a:lnRef>
-          <a:fillRef idx="1">
-            <a:schemeClr val="accent1"/>
-          </a:fillRef>
-          <a:effectRef idx="0">
-            <a:schemeClr val="accent1"/>
-          </a:effectRef>
-          <a:fontRef idx="minor">
-            <a:schemeClr val="lt1"/>
-          </a:fontRef>
-        </p:style>
-        <p:txBody>
-          <a:bodyPr rtlCol="0" anchor="ctr"/>
-          <a:lstStyle/>
-          <a:p>
-            <a:pPr algn="ctr"/>
-            <a:endParaRPr lang="ru-UA"/>
-          </a:p>
-        </p:txBody>
-      </p:sp>
+      </p:pic>
     </p:spTree>
     <p:extLst>
       <p:ext uri="{BB962C8B-B14F-4D97-AF65-F5344CB8AC3E}">
@@ -16232,8 +16199,8 @@
           <a:lstStyle/>
           <a:p>
             <a:r>
-              <a:rPr lang="es-ES"/>
-              <a:t>Step 1 - Model - ver. 1</a:t>
+              <a:rPr lang="en-US"/>
+              <a:t>Step 6. Version Control Systems - ver. 1</a:t>
             </a:r>
             <a:endParaRPr lang="ru-UA"/>
           </a:p>
@@ -16469,59 +16436,43 @@
           <a:lstStyle/>
           <a:p>
             <a:r>
-              <a:rPr lang="es-ES"/>
-              <a:t>Step 1 - Model - ver. 1</a:t>
+              <a:rPr lang="en-US"/>
+              <a:t>Step 6. Version Control Systems - ver. 1</a:t>
             </a:r>
             <a:endParaRPr lang="ru-UA"/>
           </a:p>
         </p:txBody>
       </p:sp>
-      <p:sp>
-        <p:nvSpPr>
-          <p:cNvPr id="4" name="Rectangle 3">
+      <p:pic>
+        <p:nvPicPr>
+          <p:cNvPr id="5" name="Рисунок 4">
             <a:extLst>
               <a:ext uri="{FF2B5EF4-FFF2-40B4-BE49-F238E27FC236}">
-                <a16:creationId xmlns:a16="http://schemas.microsoft.com/office/drawing/2014/main" id="{107D3FF3-BFCA-F26A-7DC8-E1A5C69CE255}"/>
+                <a16:creationId xmlns:a16="http://schemas.microsoft.com/office/drawing/2014/main" id="{37F3A5CB-5731-41A1-BCF9-67545AD501A6}"/>
               </a:ext>
             </a:extLst>
           </p:cNvPr>
-          <p:cNvSpPr/>
+          <p:cNvPicPr>
+            <a:picLocks noChangeAspect="1"/>
+          </p:cNvPicPr>
           <p:nvPr/>
-        </p:nvSpPr>
+        </p:nvPicPr>
+        <p:blipFill>
+          <a:blip r:embed="rId2"/>
+          <a:stretch>
+            <a:fillRect/>
+          </a:stretch>
+        </p:blipFill>
         <p:spPr>
           <a:xfrm>
-            <a:off x="5818909" y="1676400"/>
-            <a:ext cx="4849091" cy="3231369"/>
+            <a:off x="4802293" y="1590484"/>
+            <a:ext cx="6169829" cy="3462146"/>
           </a:xfrm>
           <a:prstGeom prst="rect">
             <a:avLst/>
           </a:prstGeom>
         </p:spPr>
-        <p:style>
-          <a:lnRef idx="2">
-            <a:schemeClr val="accent1">
-              <a:shade val="15000"/>
-            </a:schemeClr>
-          </a:lnRef>
-          <a:fillRef idx="1">
-            <a:schemeClr val="accent1"/>
-          </a:fillRef>
-          <a:effectRef idx="0">
-            <a:schemeClr val="accent1"/>
-          </a:effectRef>
-          <a:fontRef idx="minor">
-            <a:schemeClr val="lt1"/>
-          </a:fontRef>
-        </p:style>
-        <p:txBody>
-          <a:bodyPr rtlCol="0" anchor="ctr"/>
-          <a:lstStyle/>
-          <a:p>
-            <a:pPr algn="ctr"/>
-            <a:endParaRPr lang="ru-UA"/>
-          </a:p>
-        </p:txBody>
-      </p:sp>
+      </p:pic>
     </p:spTree>
     <p:extLst>
       <p:ext uri="{BB962C8B-B14F-4D97-AF65-F5344CB8AC3E}">
@@ -16692,59 +16643,60 @@
           <a:lstStyle/>
           <a:p>
             <a:r>
-              <a:rPr lang="es-ES"/>
-              <a:t>Step 1 - Model - ver. 1</a:t>
+              <a:rPr lang="en-US"/>
+              <a:t>Step 6. Version Control Systems - ver. 1</a:t>
             </a:r>
             <a:endParaRPr lang="ru-UA"/>
           </a:p>
         </p:txBody>
       </p:sp>
-      <p:sp>
-        <p:nvSpPr>
-          <p:cNvPr id="4" name="Rectangle 3">
+      <p:pic>
+        <p:nvPicPr>
+          <p:cNvPr id="2050" name="Picture 2" descr="What's a GITIGNORE File and How Do I Use One?">
             <a:extLst>
               <a:ext uri="{FF2B5EF4-FFF2-40B4-BE49-F238E27FC236}">
-                <a16:creationId xmlns:a16="http://schemas.microsoft.com/office/drawing/2014/main" id="{107D3FF3-BFCA-F26A-7DC8-E1A5C69CE255}"/>
+                <a16:creationId xmlns:a16="http://schemas.microsoft.com/office/drawing/2014/main" id="{EAA1F516-D3C1-49CB-9FB6-AE9F88F1B3E6}"/>
               </a:ext>
             </a:extLst>
           </p:cNvPr>
-          <p:cNvSpPr/>
+          <p:cNvPicPr>
+            <a:picLocks noChangeAspect="1" noChangeArrowheads="1"/>
+          </p:cNvPicPr>
           <p:nvPr/>
-        </p:nvSpPr>
-        <p:spPr>
+        </p:nvPicPr>
+        <p:blipFill>
+          <a:blip r:embed="rId2">
+            <a:extLst>
+              <a:ext uri="{28A0092B-C50C-407E-A947-70E740481C1C}">
+                <a14:useLocalDpi xmlns:a14="http://schemas.microsoft.com/office/drawing/2010/main" val="0"/>
+              </a:ext>
+            </a:extLst>
+          </a:blip>
+          <a:srcRect/>
+          <a:stretch>
+            <a:fillRect/>
+          </a:stretch>
+        </p:blipFill>
+        <p:spPr bwMode="auto">
           <a:xfrm>
-            <a:off x="5818909" y="1676400"/>
-            <a:ext cx="4849091" cy="3231369"/>
+            <a:off x="5355729" y="1670856"/>
+            <a:ext cx="5239493" cy="2907919"/>
           </a:xfrm>
           <a:prstGeom prst="rect">
             <a:avLst/>
           </a:prstGeom>
+          <a:noFill/>
+          <a:extLst>
+            <a:ext uri="{909E8E84-426E-40DD-AFC4-6F175D3DCCD1}">
+              <a14:hiddenFill xmlns:a14="http://schemas.microsoft.com/office/drawing/2010/main">
+                <a:solidFill>
+                  <a:srgbClr val="FFFFFF"/>
+                </a:solidFill>
+              </a14:hiddenFill>
+            </a:ext>
+          </a:extLst>
         </p:spPr>
-        <p:style>
-          <a:lnRef idx="2">
-            <a:schemeClr val="accent1">
-              <a:shade val="15000"/>
-            </a:schemeClr>
-          </a:lnRef>
-          <a:fillRef idx="1">
-            <a:schemeClr val="accent1"/>
-          </a:fillRef>
-          <a:effectRef idx="0">
-            <a:schemeClr val="accent1"/>
-          </a:effectRef>
-          <a:fontRef idx="minor">
-            <a:schemeClr val="lt1"/>
-          </a:fontRef>
-        </p:style>
-        <p:txBody>
-          <a:bodyPr rtlCol="0" anchor="ctr"/>
-          <a:lstStyle/>
-          <a:p>
-            <a:pPr algn="ctr"/>
-            <a:endParaRPr lang="ru-UA"/>
-          </a:p>
-        </p:txBody>
-      </p:sp>
+      </p:pic>
     </p:spTree>
     <p:extLst>
       <p:ext uri="{BB962C8B-B14F-4D97-AF65-F5344CB8AC3E}">
@@ -16983,7 +16935,7 @@
         </p:spPr>
         <p:txBody>
           <a:bodyPr anchor="ctr">
-            <a:normAutofit/>
+            <a:normAutofit fontScale="92500" lnSpcReduction="10000"/>
           </a:bodyPr>
           <a:lstStyle/>
           <a:p>
@@ -16993,12 +16945,12 @@
               </a:spcAft>
             </a:pPr>
             <a:r>
-              <a:rPr lang="es-ES" sz="900">
+              <a:rPr lang="en-US" sz="900">
                 <a:solidFill>
                   <a:schemeClr val="bg1"/>
                 </a:solidFill>
               </a:rPr>
-              <a:t>Step 1 - Model - ver. 1</a:t>
+              <a:t>Step 6. Version Control Systems - ver. 1</a:t>
             </a:r>
             <a:endParaRPr lang="ru-UA" sz="900">
               <a:solidFill>
@@ -17178,8 +17130,8 @@
           <a:lstStyle/>
           <a:p>
             <a:r>
-              <a:rPr lang="es-ES"/>
-              <a:t>Step 1 - Model - ver. 1</a:t>
+              <a:rPr lang="en-US"/>
+              <a:t>Step 6. Version Control Systems - ver. 1</a:t>
             </a:r>
             <a:endParaRPr lang="ru-UA"/>
           </a:p>
@@ -17385,8 +17337,8 @@
           <a:lstStyle/>
           <a:p>
             <a:r>
-              <a:rPr lang="es-ES"/>
-              <a:t>Step 1 - Model - ver. 1</a:t>
+              <a:rPr lang="en-US"/>
+              <a:t>Step 6. Version Control Systems - ver. 1</a:t>
             </a:r>
             <a:endParaRPr lang="ru-UA"/>
           </a:p>
@@ -17592,8 +17544,8 @@
           <a:lstStyle/>
           <a:p>
             <a:r>
-              <a:rPr lang="es-ES"/>
-              <a:t>Step 1 - Model - ver. 1</a:t>
+              <a:rPr lang="en-US"/>
+              <a:t>Step 6. Version Control Systems - ver. 1</a:t>
             </a:r>
             <a:endParaRPr lang="ru-UA"/>
           </a:p>
@@ -17799,8 +17751,8 @@
           <a:lstStyle/>
           <a:p>
             <a:r>
-              <a:rPr lang="es-ES"/>
-              <a:t>Step 1 - Model - ver. 1</a:t>
+              <a:rPr lang="en-US"/>
+              <a:t>Step 6. Version Control Systems - ver. 1</a:t>
             </a:r>
             <a:endParaRPr lang="ru-UA"/>
           </a:p>
@@ -18006,8 +17958,8 @@
           <a:lstStyle/>
           <a:p>
             <a:r>
-              <a:rPr lang="es-ES"/>
-              <a:t>Step 1 - Model - ver. 1</a:t>
+              <a:rPr lang="en-US"/>
+              <a:t>Step 6. Version Control Systems - ver. 1</a:t>
             </a:r>
             <a:endParaRPr lang="ru-UA"/>
           </a:p>
@@ -18213,8 +18165,8 @@
           <a:lstStyle/>
           <a:p>
             <a:r>
-              <a:rPr lang="es-ES"/>
-              <a:t>Step 1 - Model - ver. 1</a:t>
+              <a:rPr lang="en-US"/>
+              <a:t>Step 6. Version Control Systems - ver. 1</a:t>
             </a:r>
             <a:endParaRPr lang="ru-UA"/>
           </a:p>
